--- a/EDA/outlier_detection.pptx
+++ b/EDA/outlier_detection.pptx
@@ -1,20 +1,137 @@
 
 <file path=ppt/presentation.xml><?xml version="1.0" encoding="utf-8"?>
-<p:presentation xmlns:a="http://schemas.openxmlformats.org/drawingml/2006/main" xmlns:p="http://schemas.openxmlformats.org/presentationml/2006/main" xmlns:r="http://schemas.openxmlformats.org/officeDocument/2006/relationships" xmlns:p14="http://schemas.microsoft.com/office/powerpoint/2010/main" xmlns:p15="http://schemas.microsoft.com/office/powerpoint/2012/main" xmlns:mc="http://schemas.openxmlformats.org/markup-compatibility/2006">
+<p:presentation xmlns:a="http://schemas.openxmlformats.org/drawingml/2006/main" xmlns:r="http://schemas.openxmlformats.org/officeDocument/2006/relationships" xmlns:p="http://schemas.openxmlformats.org/presentationml/2006/main">
   <p:sldMasterIdLst>
-    <p:sldMasterId id="2147483648" r:id="rId2"/>
+    <p:sldMasterId id="2147483648" r:id="rId1"/>
   </p:sldMasterIdLst>
   <p:sldIdLst>
-    <p:sldId id="256" r:id="rId3"/>
-    <p:sldId id="257" r:id="rId4"/>
+    <p:sldId id="256" r:id="rId2"/>
+    <p:sldId id="257" r:id="rId3"/>
+    <p:sldId id="259" r:id="rId4"/>
+    <p:sldId id="258" r:id="rId5"/>
+    <p:sldId id="260" r:id="rId6"/>
+    <p:sldId id="261" r:id="rId7"/>
+    <p:sldId id="262" r:id="rId8"/>
+    <p:sldId id="263" r:id="rId9"/>
+    <p:sldId id="264" r:id="rId10"/>
+    <p:sldId id="265" r:id="rId11"/>
+    <p:sldId id="266" r:id="rId12"/>
+    <p:sldId id="267" r:id="rId13"/>
+    <p:sldId id="268" r:id="rId14"/>
+    <p:sldId id="269" r:id="rId15"/>
+    <p:sldId id="270" r:id="rId16"/>
+    <p:sldId id="271" r:id="rId17"/>
+    <p:sldId id="272" r:id="rId18"/>
+    <p:sldId id="273" r:id="rId19"/>
+    <p:sldId id="274" r:id="rId20"/>
+    <p:sldId id="275" r:id="rId21"/>
+    <p:sldId id="276" r:id="rId22"/>
+    <p:sldId id="277" r:id="rId23"/>
+    <p:sldId id="278" r:id="rId24"/>
+    <p:sldId id="279" r:id="rId25"/>
   </p:sldIdLst>
   <p:sldSz cx="10080625" cy="5670550"/>
   <p:notesSz cx="7772400" cy="10058400"/>
+  <p:defaultTextStyle>
+    <a:defPPr>
+      <a:defRPr lang="es-ES"/>
+    </a:defPPr>
+    <a:lvl1pPr marL="0" algn="l" defTabSz="914400" rtl="0" eaLnBrk="1" latinLnBrk="0" hangingPunct="1">
+      <a:defRPr sz="1800" kern="1200">
+        <a:solidFill>
+          <a:schemeClr val="tx1"/>
+        </a:solidFill>
+        <a:latin typeface="+mn-lt"/>
+        <a:ea typeface="+mn-ea"/>
+        <a:cs typeface="+mn-cs"/>
+      </a:defRPr>
+    </a:lvl1pPr>
+    <a:lvl2pPr marL="457200" algn="l" defTabSz="914400" rtl="0" eaLnBrk="1" latinLnBrk="0" hangingPunct="1">
+      <a:defRPr sz="1800" kern="1200">
+        <a:solidFill>
+          <a:schemeClr val="tx1"/>
+        </a:solidFill>
+        <a:latin typeface="+mn-lt"/>
+        <a:ea typeface="+mn-ea"/>
+        <a:cs typeface="+mn-cs"/>
+      </a:defRPr>
+    </a:lvl2pPr>
+    <a:lvl3pPr marL="914400" algn="l" defTabSz="914400" rtl="0" eaLnBrk="1" latinLnBrk="0" hangingPunct="1">
+      <a:defRPr sz="1800" kern="1200">
+        <a:solidFill>
+          <a:schemeClr val="tx1"/>
+        </a:solidFill>
+        <a:latin typeface="+mn-lt"/>
+        <a:ea typeface="+mn-ea"/>
+        <a:cs typeface="+mn-cs"/>
+      </a:defRPr>
+    </a:lvl3pPr>
+    <a:lvl4pPr marL="1371600" algn="l" defTabSz="914400" rtl="0" eaLnBrk="1" latinLnBrk="0" hangingPunct="1">
+      <a:defRPr sz="1800" kern="1200">
+        <a:solidFill>
+          <a:schemeClr val="tx1"/>
+        </a:solidFill>
+        <a:latin typeface="+mn-lt"/>
+        <a:ea typeface="+mn-ea"/>
+        <a:cs typeface="+mn-cs"/>
+      </a:defRPr>
+    </a:lvl4pPr>
+    <a:lvl5pPr marL="1828800" algn="l" defTabSz="914400" rtl="0" eaLnBrk="1" latinLnBrk="0" hangingPunct="1">
+      <a:defRPr sz="1800" kern="1200">
+        <a:solidFill>
+          <a:schemeClr val="tx1"/>
+        </a:solidFill>
+        <a:latin typeface="+mn-lt"/>
+        <a:ea typeface="+mn-ea"/>
+        <a:cs typeface="+mn-cs"/>
+      </a:defRPr>
+    </a:lvl5pPr>
+    <a:lvl6pPr marL="2286000" algn="l" defTabSz="914400" rtl="0" eaLnBrk="1" latinLnBrk="0" hangingPunct="1">
+      <a:defRPr sz="1800" kern="1200">
+        <a:solidFill>
+          <a:schemeClr val="tx1"/>
+        </a:solidFill>
+        <a:latin typeface="+mn-lt"/>
+        <a:ea typeface="+mn-ea"/>
+        <a:cs typeface="+mn-cs"/>
+      </a:defRPr>
+    </a:lvl6pPr>
+    <a:lvl7pPr marL="2743200" algn="l" defTabSz="914400" rtl="0" eaLnBrk="1" latinLnBrk="0" hangingPunct="1">
+      <a:defRPr sz="1800" kern="1200">
+        <a:solidFill>
+          <a:schemeClr val="tx1"/>
+        </a:solidFill>
+        <a:latin typeface="+mn-lt"/>
+        <a:ea typeface="+mn-ea"/>
+        <a:cs typeface="+mn-cs"/>
+      </a:defRPr>
+    </a:lvl7pPr>
+    <a:lvl8pPr marL="3200400" algn="l" defTabSz="914400" rtl="0" eaLnBrk="1" latinLnBrk="0" hangingPunct="1">
+      <a:defRPr sz="1800" kern="1200">
+        <a:solidFill>
+          <a:schemeClr val="tx1"/>
+        </a:solidFill>
+        <a:latin typeface="+mn-lt"/>
+        <a:ea typeface="+mn-ea"/>
+        <a:cs typeface="+mn-cs"/>
+      </a:defRPr>
+    </a:lvl8pPr>
+    <a:lvl9pPr marL="3657600" algn="l" defTabSz="914400" rtl="0" eaLnBrk="1" latinLnBrk="0" hangingPunct="1">
+      <a:defRPr sz="1800" kern="1200">
+        <a:solidFill>
+          <a:schemeClr val="tx1"/>
+        </a:solidFill>
+        <a:latin typeface="+mn-lt"/>
+        <a:ea typeface="+mn-ea"/>
+        <a:cs typeface="+mn-cs"/>
+      </a:defRPr>
+    </a:lvl9pPr>
+  </p:defaultTextStyle>
 </p:presentation>
 </file>
 
 <file path=ppt/slideLayouts/slideLayout1.xml><?xml version="1.0" encoding="utf-8"?>
-<p:sldLayout xmlns:a="http://schemas.openxmlformats.org/drawingml/2006/main" xmlns:p="http://schemas.openxmlformats.org/presentationml/2006/main" xmlns:r="http://schemas.openxmlformats.org/officeDocument/2006/relationships" xmlns:p14="http://schemas.microsoft.com/office/powerpoint/2010/main" xmlns:p15="http://schemas.microsoft.com/office/powerpoint/2012/main" xmlns:mc="http://schemas.openxmlformats.org/markup-compatibility/2006" type="blank" preserve="1">
+<p:sldLayout xmlns:a="http://schemas.openxmlformats.org/drawingml/2006/main" xmlns:r="http://schemas.openxmlformats.org/officeDocument/2006/relationships" xmlns:p="http://schemas.openxmlformats.org/presentationml/2006/main" type="blank" preserve="1">
   <p:cSld name="Blank Slide">
     <p:spTree>
       <p:nvGrpSpPr>
@@ -32,11 +149,14 @@
       </p:grpSpPr>
     </p:spTree>
   </p:cSld>
+  <p:clrMapOvr>
+    <a:masterClrMapping/>
+  </p:clrMapOvr>
 </p:sldLayout>
 </file>
 
 <file path=ppt/slideLayouts/slideLayout10.xml><?xml version="1.0" encoding="utf-8"?>
-<p:sldLayout xmlns:a="http://schemas.openxmlformats.org/drawingml/2006/main" xmlns:p="http://schemas.openxmlformats.org/presentationml/2006/main" xmlns:r="http://schemas.openxmlformats.org/officeDocument/2006/relationships" xmlns:p14="http://schemas.microsoft.com/office/powerpoint/2010/main" xmlns:p15="http://schemas.microsoft.com/office/powerpoint/2012/main" xmlns:mc="http://schemas.openxmlformats.org/markup-compatibility/2006" type="objOverTx" preserve="1">
+<p:sldLayout xmlns:a="http://schemas.openxmlformats.org/drawingml/2006/main" xmlns:r="http://schemas.openxmlformats.org/officeDocument/2006/relationships" xmlns:p="http://schemas.openxmlformats.org/presentationml/2006/main" type="objOverTx" preserve="1">
   <p:cSld name="Title, Content over Content">
     <p:spTree>
       <p:nvGrpSpPr>
@@ -72,12 +192,13 @@
           </a:prstGeom>
         </p:spPr>
         <p:txBody>
-          <a:bodyPr lIns="0" rIns="0" tIns="0" bIns="0" anchor="ctr">
+          <a:bodyPr lIns="0" tIns="0" rIns="0" bIns="0" anchor="ctr">
             <a:noAutofit/>
           </a:bodyPr>
+          <a:lstStyle/>
           <a:p>
             <a:pPr algn="ctr"/>
-            <a:endParaRPr b="0" lang="en-US" sz="4400" spc="-1" strike="noStrike">
+            <a:endParaRPr lang="en-US" sz="4400" b="0" strike="noStrike" spc="-1">
               <a:latin typeface="Arial"/>
             </a:endParaRPr>
           </a:p>
@@ -103,11 +224,12 @@
           </a:prstGeom>
         </p:spPr>
         <p:txBody>
-          <a:bodyPr lIns="0" rIns="0" tIns="0" bIns="0">
+          <a:bodyPr lIns="0" tIns="0" rIns="0" bIns="0">
             <a:normAutofit/>
           </a:bodyPr>
-          <a:p>
-            <a:endParaRPr b="0" lang="en-US" sz="3200" spc="-1" strike="noStrike">
+          <a:lstStyle/>
+          <a:p>
+            <a:endParaRPr lang="en-US" sz="3200" b="0" strike="noStrike" spc="-1">
               <a:latin typeface="Arial"/>
             </a:endParaRPr>
           </a:p>
@@ -133,11 +255,12 @@
           </a:prstGeom>
         </p:spPr>
         <p:txBody>
-          <a:bodyPr lIns="0" rIns="0" tIns="0" bIns="0">
+          <a:bodyPr lIns="0" tIns="0" rIns="0" bIns="0">
             <a:normAutofit/>
           </a:bodyPr>
-          <a:p>
-            <a:endParaRPr b="0" lang="en-US" sz="3200" spc="-1" strike="noStrike">
+          <a:lstStyle/>
+          <a:p>
+            <a:endParaRPr lang="en-US" sz="3200" b="0" strike="noStrike" spc="-1">
               <a:latin typeface="Arial"/>
             </a:endParaRPr>
           </a:p>
@@ -145,11 +268,14 @@
       </p:sp>
     </p:spTree>
   </p:cSld>
+  <p:clrMapOvr>
+    <a:masterClrMapping/>
+  </p:clrMapOvr>
 </p:sldLayout>
 </file>
 
 <file path=ppt/slideLayouts/slideLayout11.xml><?xml version="1.0" encoding="utf-8"?>
-<p:sldLayout xmlns:a="http://schemas.openxmlformats.org/drawingml/2006/main" xmlns:p="http://schemas.openxmlformats.org/presentationml/2006/main" xmlns:r="http://schemas.openxmlformats.org/officeDocument/2006/relationships" xmlns:p14="http://schemas.microsoft.com/office/powerpoint/2010/main" xmlns:p15="http://schemas.microsoft.com/office/powerpoint/2012/main" xmlns:mc="http://schemas.openxmlformats.org/markup-compatibility/2006" type="fourObj" preserve="1">
+<p:sldLayout xmlns:a="http://schemas.openxmlformats.org/drawingml/2006/main" xmlns:r="http://schemas.openxmlformats.org/officeDocument/2006/relationships" xmlns:p="http://schemas.openxmlformats.org/presentationml/2006/main" type="fourObj" preserve="1">
   <p:cSld name="Title, 4 Content">
     <p:spTree>
       <p:nvGrpSpPr>
@@ -185,12 +311,13 @@
           </a:prstGeom>
         </p:spPr>
         <p:txBody>
-          <a:bodyPr lIns="0" rIns="0" tIns="0" bIns="0" anchor="ctr">
+          <a:bodyPr lIns="0" tIns="0" rIns="0" bIns="0" anchor="ctr">
             <a:noAutofit/>
           </a:bodyPr>
+          <a:lstStyle/>
           <a:p>
             <a:pPr algn="ctr"/>
-            <a:endParaRPr b="0" lang="en-US" sz="4400" spc="-1" strike="noStrike">
+            <a:endParaRPr lang="en-US" sz="4400" b="0" strike="noStrike" spc="-1">
               <a:latin typeface="Arial"/>
             </a:endParaRPr>
           </a:p>
@@ -216,11 +343,12 @@
           </a:prstGeom>
         </p:spPr>
         <p:txBody>
-          <a:bodyPr lIns="0" rIns="0" tIns="0" bIns="0">
+          <a:bodyPr lIns="0" tIns="0" rIns="0" bIns="0">
             <a:normAutofit/>
           </a:bodyPr>
-          <a:p>
-            <a:endParaRPr b="0" lang="en-US" sz="3200" spc="-1" strike="noStrike">
+          <a:lstStyle/>
+          <a:p>
+            <a:endParaRPr lang="en-US" sz="3200" b="0" strike="noStrike" spc="-1">
               <a:latin typeface="Arial"/>
             </a:endParaRPr>
           </a:p>
@@ -246,11 +374,12 @@
           </a:prstGeom>
         </p:spPr>
         <p:txBody>
-          <a:bodyPr lIns="0" rIns="0" tIns="0" bIns="0">
+          <a:bodyPr lIns="0" tIns="0" rIns="0" bIns="0">
             <a:normAutofit/>
           </a:bodyPr>
-          <a:p>
-            <a:endParaRPr b="0" lang="en-US" sz="3200" spc="-1" strike="noStrike">
+          <a:lstStyle/>
+          <a:p>
+            <a:endParaRPr lang="en-US" sz="3200" b="0" strike="noStrike" spc="-1">
               <a:latin typeface="Arial"/>
             </a:endParaRPr>
           </a:p>
@@ -276,11 +405,12 @@
           </a:prstGeom>
         </p:spPr>
         <p:txBody>
-          <a:bodyPr lIns="0" rIns="0" tIns="0" bIns="0">
+          <a:bodyPr lIns="0" tIns="0" rIns="0" bIns="0">
             <a:normAutofit/>
           </a:bodyPr>
-          <a:p>
-            <a:endParaRPr b="0" lang="en-US" sz="3200" spc="-1" strike="noStrike">
+          <a:lstStyle/>
+          <a:p>
+            <a:endParaRPr lang="en-US" sz="3200" b="0" strike="noStrike" spc="-1">
               <a:latin typeface="Arial"/>
             </a:endParaRPr>
           </a:p>
@@ -306,11 +436,12 @@
           </a:prstGeom>
         </p:spPr>
         <p:txBody>
-          <a:bodyPr lIns="0" rIns="0" tIns="0" bIns="0">
+          <a:bodyPr lIns="0" tIns="0" rIns="0" bIns="0">
             <a:normAutofit/>
           </a:bodyPr>
-          <a:p>
-            <a:endParaRPr b="0" lang="en-US" sz="3200" spc="-1" strike="noStrike">
+          <a:lstStyle/>
+          <a:p>
+            <a:endParaRPr lang="en-US" sz="3200" b="0" strike="noStrike" spc="-1">
               <a:latin typeface="Arial"/>
             </a:endParaRPr>
           </a:p>
@@ -318,11 +449,14 @@
       </p:sp>
     </p:spTree>
   </p:cSld>
+  <p:clrMapOvr>
+    <a:masterClrMapping/>
+  </p:clrMapOvr>
 </p:sldLayout>
 </file>
 
 <file path=ppt/slideLayouts/slideLayout12.xml><?xml version="1.0" encoding="utf-8"?>
-<p:sldLayout xmlns:a="http://schemas.openxmlformats.org/drawingml/2006/main" xmlns:p="http://schemas.openxmlformats.org/presentationml/2006/main" xmlns:r="http://schemas.openxmlformats.org/officeDocument/2006/relationships" xmlns:p14="http://schemas.microsoft.com/office/powerpoint/2010/main" xmlns:p15="http://schemas.microsoft.com/office/powerpoint/2012/main" xmlns:mc="http://schemas.openxmlformats.org/markup-compatibility/2006" type="blank" preserve="1">
+<p:sldLayout xmlns:a="http://schemas.openxmlformats.org/drawingml/2006/main" xmlns:r="http://schemas.openxmlformats.org/officeDocument/2006/relationships" xmlns:p="http://schemas.openxmlformats.org/presentationml/2006/main" type="blank" preserve="1">
   <p:cSld name="Title, 6 Content">
     <p:spTree>
       <p:nvGrpSpPr>
@@ -358,12 +492,13 @@
           </a:prstGeom>
         </p:spPr>
         <p:txBody>
-          <a:bodyPr lIns="0" rIns="0" tIns="0" bIns="0" anchor="ctr">
+          <a:bodyPr lIns="0" tIns="0" rIns="0" bIns="0" anchor="ctr">
             <a:noAutofit/>
           </a:bodyPr>
+          <a:lstStyle/>
           <a:p>
             <a:pPr algn="ctr"/>
-            <a:endParaRPr b="0" lang="en-US" sz="4400" spc="-1" strike="noStrike">
+            <a:endParaRPr lang="en-US" sz="4400" b="0" strike="noStrike" spc="-1">
               <a:latin typeface="Arial"/>
             </a:endParaRPr>
           </a:p>
@@ -389,11 +524,12 @@
           </a:prstGeom>
         </p:spPr>
         <p:txBody>
-          <a:bodyPr lIns="0" rIns="0" tIns="0" bIns="0">
+          <a:bodyPr lIns="0" tIns="0" rIns="0" bIns="0">
             <a:normAutofit/>
           </a:bodyPr>
-          <a:p>
-            <a:endParaRPr b="0" lang="en-US" sz="3200" spc="-1" strike="noStrike">
+          <a:lstStyle/>
+          <a:p>
+            <a:endParaRPr lang="en-US" sz="3200" b="0" strike="noStrike" spc="-1">
               <a:latin typeface="Arial"/>
             </a:endParaRPr>
           </a:p>
@@ -419,11 +555,12 @@
           </a:prstGeom>
         </p:spPr>
         <p:txBody>
-          <a:bodyPr lIns="0" rIns="0" tIns="0" bIns="0">
+          <a:bodyPr lIns="0" tIns="0" rIns="0" bIns="0">
             <a:normAutofit/>
           </a:bodyPr>
-          <a:p>
-            <a:endParaRPr b="0" lang="en-US" sz="3200" spc="-1" strike="noStrike">
+          <a:lstStyle/>
+          <a:p>
+            <a:endParaRPr lang="en-US" sz="3200" b="0" strike="noStrike" spc="-1">
               <a:latin typeface="Arial"/>
             </a:endParaRPr>
           </a:p>
@@ -449,11 +586,12 @@
           </a:prstGeom>
         </p:spPr>
         <p:txBody>
-          <a:bodyPr lIns="0" rIns="0" tIns="0" bIns="0">
+          <a:bodyPr lIns="0" tIns="0" rIns="0" bIns="0">
             <a:normAutofit/>
           </a:bodyPr>
-          <a:p>
-            <a:endParaRPr b="0" lang="en-US" sz="3200" spc="-1" strike="noStrike">
+          <a:lstStyle/>
+          <a:p>
+            <a:endParaRPr lang="en-US" sz="3200" b="0" strike="noStrike" spc="-1">
               <a:latin typeface="Arial"/>
             </a:endParaRPr>
           </a:p>
@@ -479,11 +617,12 @@
           </a:prstGeom>
         </p:spPr>
         <p:txBody>
-          <a:bodyPr lIns="0" rIns="0" tIns="0" bIns="0">
+          <a:bodyPr lIns="0" tIns="0" rIns="0" bIns="0">
             <a:normAutofit/>
           </a:bodyPr>
-          <a:p>
-            <a:endParaRPr b="0" lang="en-US" sz="3200" spc="-1" strike="noStrike">
+          <a:lstStyle/>
+          <a:p>
+            <a:endParaRPr lang="en-US" sz="3200" b="0" strike="noStrike" spc="-1">
               <a:latin typeface="Arial"/>
             </a:endParaRPr>
           </a:p>
@@ -509,11 +648,12 @@
           </a:prstGeom>
         </p:spPr>
         <p:txBody>
-          <a:bodyPr lIns="0" rIns="0" tIns="0" bIns="0">
+          <a:bodyPr lIns="0" tIns="0" rIns="0" bIns="0">
             <a:normAutofit/>
           </a:bodyPr>
-          <a:p>
-            <a:endParaRPr b="0" lang="en-US" sz="3200" spc="-1" strike="noStrike">
+          <a:lstStyle/>
+          <a:p>
+            <a:endParaRPr lang="en-US" sz="3200" b="0" strike="noStrike" spc="-1">
               <a:latin typeface="Arial"/>
             </a:endParaRPr>
           </a:p>
@@ -539,11 +679,12 @@
           </a:prstGeom>
         </p:spPr>
         <p:txBody>
-          <a:bodyPr lIns="0" rIns="0" tIns="0" bIns="0">
+          <a:bodyPr lIns="0" tIns="0" rIns="0" bIns="0">
             <a:normAutofit/>
           </a:bodyPr>
-          <a:p>
-            <a:endParaRPr b="0" lang="en-US" sz="3200" spc="-1" strike="noStrike">
+          <a:lstStyle/>
+          <a:p>
+            <a:endParaRPr lang="en-US" sz="3200" b="0" strike="noStrike" spc="-1">
               <a:latin typeface="Arial"/>
             </a:endParaRPr>
           </a:p>
@@ -551,11 +692,14 @@
       </p:sp>
     </p:spTree>
   </p:cSld>
+  <p:clrMapOvr>
+    <a:masterClrMapping/>
+  </p:clrMapOvr>
 </p:sldLayout>
 </file>
 
 <file path=ppt/slideLayouts/slideLayout2.xml><?xml version="1.0" encoding="utf-8"?>
-<p:sldLayout xmlns:a="http://schemas.openxmlformats.org/drawingml/2006/main" xmlns:p="http://schemas.openxmlformats.org/presentationml/2006/main" xmlns:r="http://schemas.openxmlformats.org/officeDocument/2006/relationships" xmlns:p14="http://schemas.microsoft.com/office/powerpoint/2010/main" xmlns:p15="http://schemas.microsoft.com/office/powerpoint/2012/main" xmlns:mc="http://schemas.openxmlformats.org/markup-compatibility/2006" type="tx" preserve="1">
+<p:sldLayout xmlns:a="http://schemas.openxmlformats.org/drawingml/2006/main" xmlns:r="http://schemas.openxmlformats.org/officeDocument/2006/relationships" xmlns:p="http://schemas.openxmlformats.org/presentationml/2006/main" type="tx" preserve="1">
   <p:cSld name="Title Slide">
     <p:spTree>
       <p:nvGrpSpPr>
@@ -591,12 +735,13 @@
           </a:prstGeom>
         </p:spPr>
         <p:txBody>
-          <a:bodyPr lIns="0" rIns="0" tIns="0" bIns="0" anchor="ctr">
+          <a:bodyPr lIns="0" tIns="0" rIns="0" bIns="0" anchor="ctr">
             <a:noAutofit/>
           </a:bodyPr>
+          <a:lstStyle/>
           <a:p>
             <a:pPr algn="ctr"/>
-            <a:endParaRPr b="0" lang="en-US" sz="4400" spc="-1" strike="noStrike">
+            <a:endParaRPr lang="en-US" sz="4400" b="0" strike="noStrike" spc="-1">
               <a:latin typeface="Arial"/>
             </a:endParaRPr>
           </a:p>
@@ -622,12 +767,13 @@
           </a:prstGeom>
         </p:spPr>
         <p:txBody>
-          <a:bodyPr lIns="0" rIns="0" tIns="0" bIns="0" anchor="ctr">
+          <a:bodyPr lIns="0" tIns="0" rIns="0" bIns="0" anchor="ctr">
             <a:noAutofit/>
           </a:bodyPr>
+          <a:lstStyle/>
           <a:p>
             <a:pPr algn="ctr"/>
-            <a:endParaRPr b="0" lang="en-US" sz="3200" spc="-1" strike="noStrike">
+            <a:endParaRPr lang="en-US" sz="3200" b="0" strike="noStrike" spc="-1">
               <a:latin typeface="Arial"/>
             </a:endParaRPr>
           </a:p>
@@ -635,11 +781,14 @@
       </p:sp>
     </p:spTree>
   </p:cSld>
+  <p:clrMapOvr>
+    <a:masterClrMapping/>
+  </p:clrMapOvr>
 </p:sldLayout>
 </file>
 
 <file path=ppt/slideLayouts/slideLayout3.xml><?xml version="1.0" encoding="utf-8"?>
-<p:sldLayout xmlns:a="http://schemas.openxmlformats.org/drawingml/2006/main" xmlns:p="http://schemas.openxmlformats.org/presentationml/2006/main" xmlns:r="http://schemas.openxmlformats.org/officeDocument/2006/relationships" xmlns:p14="http://schemas.microsoft.com/office/powerpoint/2010/main" xmlns:p15="http://schemas.microsoft.com/office/powerpoint/2012/main" xmlns:mc="http://schemas.openxmlformats.org/markup-compatibility/2006" type="obj" preserve="1">
+<p:sldLayout xmlns:a="http://schemas.openxmlformats.org/drawingml/2006/main" xmlns:r="http://schemas.openxmlformats.org/officeDocument/2006/relationships" xmlns:p="http://schemas.openxmlformats.org/presentationml/2006/main" type="obj" preserve="1">
   <p:cSld name="Title, Content">
     <p:spTree>
       <p:nvGrpSpPr>
@@ -675,12 +824,13 @@
           </a:prstGeom>
         </p:spPr>
         <p:txBody>
-          <a:bodyPr lIns="0" rIns="0" tIns="0" bIns="0" anchor="ctr">
+          <a:bodyPr lIns="0" tIns="0" rIns="0" bIns="0" anchor="ctr">
             <a:noAutofit/>
           </a:bodyPr>
+          <a:lstStyle/>
           <a:p>
             <a:pPr algn="ctr"/>
-            <a:endParaRPr b="0" lang="en-US" sz="4400" spc="-1" strike="noStrike">
+            <a:endParaRPr lang="en-US" sz="4400" b="0" strike="noStrike" spc="-1">
               <a:latin typeface="Arial"/>
             </a:endParaRPr>
           </a:p>
@@ -706,11 +856,12 @@
           </a:prstGeom>
         </p:spPr>
         <p:txBody>
-          <a:bodyPr lIns="0" rIns="0" tIns="0" bIns="0">
+          <a:bodyPr lIns="0" tIns="0" rIns="0" bIns="0">
             <a:normAutofit/>
           </a:bodyPr>
-          <a:p>
-            <a:endParaRPr b="0" lang="en-US" sz="3200" spc="-1" strike="noStrike">
+          <a:lstStyle/>
+          <a:p>
+            <a:endParaRPr lang="en-US" sz="3200" b="0" strike="noStrike" spc="-1">
               <a:latin typeface="Arial"/>
             </a:endParaRPr>
           </a:p>
@@ -718,11 +869,14 @@
       </p:sp>
     </p:spTree>
   </p:cSld>
+  <p:clrMapOvr>
+    <a:masterClrMapping/>
+  </p:clrMapOvr>
 </p:sldLayout>
 </file>
 
 <file path=ppt/slideLayouts/slideLayout4.xml><?xml version="1.0" encoding="utf-8"?>
-<p:sldLayout xmlns:a="http://schemas.openxmlformats.org/drawingml/2006/main" xmlns:p="http://schemas.openxmlformats.org/presentationml/2006/main" xmlns:r="http://schemas.openxmlformats.org/officeDocument/2006/relationships" xmlns:p14="http://schemas.microsoft.com/office/powerpoint/2010/main" xmlns:p15="http://schemas.microsoft.com/office/powerpoint/2012/main" xmlns:mc="http://schemas.openxmlformats.org/markup-compatibility/2006" type="twoObj" preserve="1">
+<p:sldLayout xmlns:a="http://schemas.openxmlformats.org/drawingml/2006/main" xmlns:r="http://schemas.openxmlformats.org/officeDocument/2006/relationships" xmlns:p="http://schemas.openxmlformats.org/presentationml/2006/main" type="twoObj" preserve="1">
   <p:cSld name="Title, 2 Content">
     <p:spTree>
       <p:nvGrpSpPr>
@@ -758,12 +912,13 @@
           </a:prstGeom>
         </p:spPr>
         <p:txBody>
-          <a:bodyPr lIns="0" rIns="0" tIns="0" bIns="0" anchor="ctr">
+          <a:bodyPr lIns="0" tIns="0" rIns="0" bIns="0" anchor="ctr">
             <a:noAutofit/>
           </a:bodyPr>
+          <a:lstStyle/>
           <a:p>
             <a:pPr algn="ctr"/>
-            <a:endParaRPr b="0" lang="en-US" sz="4400" spc="-1" strike="noStrike">
+            <a:endParaRPr lang="en-US" sz="4400" b="0" strike="noStrike" spc="-1">
               <a:latin typeface="Arial"/>
             </a:endParaRPr>
           </a:p>
@@ -789,11 +944,12 @@
           </a:prstGeom>
         </p:spPr>
         <p:txBody>
-          <a:bodyPr lIns="0" rIns="0" tIns="0" bIns="0">
+          <a:bodyPr lIns="0" tIns="0" rIns="0" bIns="0">
             <a:normAutofit/>
           </a:bodyPr>
-          <a:p>
-            <a:endParaRPr b="0" lang="en-US" sz="3200" spc="-1" strike="noStrike">
+          <a:lstStyle/>
+          <a:p>
+            <a:endParaRPr lang="en-US" sz="3200" b="0" strike="noStrike" spc="-1">
               <a:latin typeface="Arial"/>
             </a:endParaRPr>
           </a:p>
@@ -819,11 +975,12 @@
           </a:prstGeom>
         </p:spPr>
         <p:txBody>
-          <a:bodyPr lIns="0" rIns="0" tIns="0" bIns="0">
+          <a:bodyPr lIns="0" tIns="0" rIns="0" bIns="0">
             <a:normAutofit/>
           </a:bodyPr>
-          <a:p>
-            <a:endParaRPr b="0" lang="en-US" sz="3200" spc="-1" strike="noStrike">
+          <a:lstStyle/>
+          <a:p>
+            <a:endParaRPr lang="en-US" sz="3200" b="0" strike="noStrike" spc="-1">
               <a:latin typeface="Arial"/>
             </a:endParaRPr>
           </a:p>
@@ -831,11 +988,14 @@
       </p:sp>
     </p:spTree>
   </p:cSld>
+  <p:clrMapOvr>
+    <a:masterClrMapping/>
+  </p:clrMapOvr>
 </p:sldLayout>
 </file>
 
 <file path=ppt/slideLayouts/slideLayout5.xml><?xml version="1.0" encoding="utf-8"?>
-<p:sldLayout xmlns:a="http://schemas.openxmlformats.org/drawingml/2006/main" xmlns:p="http://schemas.openxmlformats.org/presentationml/2006/main" xmlns:r="http://schemas.openxmlformats.org/officeDocument/2006/relationships" xmlns:p14="http://schemas.microsoft.com/office/powerpoint/2010/main" xmlns:p15="http://schemas.microsoft.com/office/powerpoint/2012/main" xmlns:mc="http://schemas.openxmlformats.org/markup-compatibility/2006" type="titleOnly" preserve="1">
+<p:sldLayout xmlns:a="http://schemas.openxmlformats.org/drawingml/2006/main" xmlns:r="http://schemas.openxmlformats.org/officeDocument/2006/relationships" xmlns:p="http://schemas.openxmlformats.org/presentationml/2006/main" type="titleOnly" preserve="1">
   <p:cSld name="Title Only">
     <p:spTree>
       <p:nvGrpSpPr>
@@ -871,12 +1031,13 @@
           </a:prstGeom>
         </p:spPr>
         <p:txBody>
-          <a:bodyPr lIns="0" rIns="0" tIns="0" bIns="0" anchor="ctr">
+          <a:bodyPr lIns="0" tIns="0" rIns="0" bIns="0" anchor="ctr">
             <a:noAutofit/>
           </a:bodyPr>
+          <a:lstStyle/>
           <a:p>
             <a:pPr algn="ctr"/>
-            <a:endParaRPr b="0" lang="en-US" sz="4400" spc="-1" strike="noStrike">
+            <a:endParaRPr lang="en-US" sz="4400" b="0" strike="noStrike" spc="-1">
               <a:latin typeface="Arial"/>
             </a:endParaRPr>
           </a:p>
@@ -884,11 +1045,14 @@
       </p:sp>
     </p:spTree>
   </p:cSld>
+  <p:clrMapOvr>
+    <a:masterClrMapping/>
+  </p:clrMapOvr>
 </p:sldLayout>
 </file>
 
 <file path=ppt/slideLayouts/slideLayout6.xml><?xml version="1.0" encoding="utf-8"?>
-<p:sldLayout xmlns:a="http://schemas.openxmlformats.org/drawingml/2006/main" xmlns:p="http://schemas.openxmlformats.org/presentationml/2006/main" xmlns:r="http://schemas.openxmlformats.org/officeDocument/2006/relationships" xmlns:p14="http://schemas.microsoft.com/office/powerpoint/2010/main" xmlns:p15="http://schemas.microsoft.com/office/powerpoint/2012/main" xmlns:mc="http://schemas.openxmlformats.org/markup-compatibility/2006" type="objOnly" preserve="1">
+<p:sldLayout xmlns:a="http://schemas.openxmlformats.org/drawingml/2006/main" xmlns:r="http://schemas.openxmlformats.org/officeDocument/2006/relationships" xmlns:p="http://schemas.openxmlformats.org/presentationml/2006/main" type="objOnly" preserve="1">
   <p:cSld name="Centered Text">
     <p:spTree>
       <p:nvGrpSpPr>
@@ -924,12 +1088,13 @@
           </a:prstGeom>
         </p:spPr>
         <p:txBody>
-          <a:bodyPr lIns="0" rIns="0" tIns="0" bIns="0" anchor="ctr">
+          <a:bodyPr lIns="0" tIns="0" rIns="0" bIns="0" anchor="ctr">
             <a:noAutofit/>
           </a:bodyPr>
+          <a:lstStyle/>
           <a:p>
             <a:pPr algn="ctr"/>
-            <a:endParaRPr b="0" lang="en-US" sz="3200" spc="-1" strike="noStrike">
+            <a:endParaRPr lang="en-US" sz="3200" b="0" strike="noStrike" spc="-1">
               <a:latin typeface="Arial"/>
             </a:endParaRPr>
           </a:p>
@@ -937,11 +1102,14 @@
       </p:sp>
     </p:spTree>
   </p:cSld>
+  <p:clrMapOvr>
+    <a:masterClrMapping/>
+  </p:clrMapOvr>
 </p:sldLayout>
 </file>
 
 <file path=ppt/slideLayouts/slideLayout7.xml><?xml version="1.0" encoding="utf-8"?>
-<p:sldLayout xmlns:a="http://schemas.openxmlformats.org/drawingml/2006/main" xmlns:p="http://schemas.openxmlformats.org/presentationml/2006/main" xmlns:r="http://schemas.openxmlformats.org/officeDocument/2006/relationships" xmlns:p14="http://schemas.microsoft.com/office/powerpoint/2010/main" xmlns:p15="http://schemas.microsoft.com/office/powerpoint/2012/main" xmlns:mc="http://schemas.openxmlformats.org/markup-compatibility/2006" type="twoObjAndObj" preserve="1">
+<p:sldLayout xmlns:a="http://schemas.openxmlformats.org/drawingml/2006/main" xmlns:r="http://schemas.openxmlformats.org/officeDocument/2006/relationships" xmlns:p="http://schemas.openxmlformats.org/presentationml/2006/main" type="twoObjAndObj" preserve="1">
   <p:cSld name="Title, 2 Content and Content">
     <p:spTree>
       <p:nvGrpSpPr>
@@ -977,12 +1145,13 @@
           </a:prstGeom>
         </p:spPr>
         <p:txBody>
-          <a:bodyPr lIns="0" rIns="0" tIns="0" bIns="0" anchor="ctr">
+          <a:bodyPr lIns="0" tIns="0" rIns="0" bIns="0" anchor="ctr">
             <a:noAutofit/>
           </a:bodyPr>
+          <a:lstStyle/>
           <a:p>
             <a:pPr algn="ctr"/>
-            <a:endParaRPr b="0" lang="en-US" sz="4400" spc="-1" strike="noStrike">
+            <a:endParaRPr lang="en-US" sz="4400" b="0" strike="noStrike" spc="-1">
               <a:latin typeface="Arial"/>
             </a:endParaRPr>
           </a:p>
@@ -1008,11 +1177,12 @@
           </a:prstGeom>
         </p:spPr>
         <p:txBody>
-          <a:bodyPr lIns="0" rIns="0" tIns="0" bIns="0">
+          <a:bodyPr lIns="0" tIns="0" rIns="0" bIns="0">
             <a:normAutofit/>
           </a:bodyPr>
-          <a:p>
-            <a:endParaRPr b="0" lang="en-US" sz="3200" spc="-1" strike="noStrike">
+          <a:lstStyle/>
+          <a:p>
+            <a:endParaRPr lang="en-US" sz="3200" b="0" strike="noStrike" spc="-1">
               <a:latin typeface="Arial"/>
             </a:endParaRPr>
           </a:p>
@@ -1038,11 +1208,12 @@
           </a:prstGeom>
         </p:spPr>
         <p:txBody>
-          <a:bodyPr lIns="0" rIns="0" tIns="0" bIns="0">
+          <a:bodyPr lIns="0" tIns="0" rIns="0" bIns="0">
             <a:normAutofit/>
           </a:bodyPr>
-          <a:p>
-            <a:endParaRPr b="0" lang="en-US" sz="3200" spc="-1" strike="noStrike">
+          <a:lstStyle/>
+          <a:p>
+            <a:endParaRPr lang="en-US" sz="3200" b="0" strike="noStrike" spc="-1">
               <a:latin typeface="Arial"/>
             </a:endParaRPr>
           </a:p>
@@ -1068,11 +1239,12 @@
           </a:prstGeom>
         </p:spPr>
         <p:txBody>
-          <a:bodyPr lIns="0" rIns="0" tIns="0" bIns="0">
+          <a:bodyPr lIns="0" tIns="0" rIns="0" bIns="0">
             <a:normAutofit/>
           </a:bodyPr>
-          <a:p>
-            <a:endParaRPr b="0" lang="en-US" sz="3200" spc="-1" strike="noStrike">
+          <a:lstStyle/>
+          <a:p>
+            <a:endParaRPr lang="en-US" sz="3200" b="0" strike="noStrike" spc="-1">
               <a:latin typeface="Arial"/>
             </a:endParaRPr>
           </a:p>
@@ -1080,11 +1252,14 @@
       </p:sp>
     </p:spTree>
   </p:cSld>
+  <p:clrMapOvr>
+    <a:masterClrMapping/>
+  </p:clrMapOvr>
 </p:sldLayout>
 </file>
 
 <file path=ppt/slideLayouts/slideLayout8.xml><?xml version="1.0" encoding="utf-8"?>
-<p:sldLayout xmlns:a="http://schemas.openxmlformats.org/drawingml/2006/main" xmlns:p="http://schemas.openxmlformats.org/presentationml/2006/main" xmlns:r="http://schemas.openxmlformats.org/officeDocument/2006/relationships" xmlns:p14="http://schemas.microsoft.com/office/powerpoint/2010/main" xmlns:p15="http://schemas.microsoft.com/office/powerpoint/2012/main" xmlns:mc="http://schemas.openxmlformats.org/markup-compatibility/2006" type="objAndTwoObj" preserve="1">
+<p:sldLayout xmlns:a="http://schemas.openxmlformats.org/drawingml/2006/main" xmlns:r="http://schemas.openxmlformats.org/officeDocument/2006/relationships" xmlns:p="http://schemas.openxmlformats.org/presentationml/2006/main" type="objAndTwoObj" preserve="1">
   <p:cSld name="Title Content and 2 Content">
     <p:spTree>
       <p:nvGrpSpPr>
@@ -1120,12 +1295,13 @@
           </a:prstGeom>
         </p:spPr>
         <p:txBody>
-          <a:bodyPr lIns="0" rIns="0" tIns="0" bIns="0" anchor="ctr">
+          <a:bodyPr lIns="0" tIns="0" rIns="0" bIns="0" anchor="ctr">
             <a:noAutofit/>
           </a:bodyPr>
+          <a:lstStyle/>
           <a:p>
             <a:pPr algn="ctr"/>
-            <a:endParaRPr b="0" lang="en-US" sz="4400" spc="-1" strike="noStrike">
+            <a:endParaRPr lang="en-US" sz="4400" b="0" strike="noStrike" spc="-1">
               <a:latin typeface="Arial"/>
             </a:endParaRPr>
           </a:p>
@@ -1151,11 +1327,12 @@
           </a:prstGeom>
         </p:spPr>
         <p:txBody>
-          <a:bodyPr lIns="0" rIns="0" tIns="0" bIns="0">
+          <a:bodyPr lIns="0" tIns="0" rIns="0" bIns="0">
             <a:normAutofit/>
           </a:bodyPr>
-          <a:p>
-            <a:endParaRPr b="0" lang="en-US" sz="3200" spc="-1" strike="noStrike">
+          <a:lstStyle/>
+          <a:p>
+            <a:endParaRPr lang="en-US" sz="3200" b="0" strike="noStrike" spc="-1">
               <a:latin typeface="Arial"/>
             </a:endParaRPr>
           </a:p>
@@ -1181,11 +1358,12 @@
           </a:prstGeom>
         </p:spPr>
         <p:txBody>
-          <a:bodyPr lIns="0" rIns="0" tIns="0" bIns="0">
+          <a:bodyPr lIns="0" tIns="0" rIns="0" bIns="0">
             <a:normAutofit/>
           </a:bodyPr>
-          <a:p>
-            <a:endParaRPr b="0" lang="en-US" sz="3200" spc="-1" strike="noStrike">
+          <a:lstStyle/>
+          <a:p>
+            <a:endParaRPr lang="en-US" sz="3200" b="0" strike="noStrike" spc="-1">
               <a:latin typeface="Arial"/>
             </a:endParaRPr>
           </a:p>
@@ -1211,11 +1389,12 @@
           </a:prstGeom>
         </p:spPr>
         <p:txBody>
-          <a:bodyPr lIns="0" rIns="0" tIns="0" bIns="0">
+          <a:bodyPr lIns="0" tIns="0" rIns="0" bIns="0">
             <a:normAutofit/>
           </a:bodyPr>
-          <a:p>
-            <a:endParaRPr b="0" lang="en-US" sz="3200" spc="-1" strike="noStrike">
+          <a:lstStyle/>
+          <a:p>
+            <a:endParaRPr lang="en-US" sz="3200" b="0" strike="noStrike" spc="-1">
               <a:latin typeface="Arial"/>
             </a:endParaRPr>
           </a:p>
@@ -1223,11 +1402,14 @@
       </p:sp>
     </p:spTree>
   </p:cSld>
+  <p:clrMapOvr>
+    <a:masterClrMapping/>
+  </p:clrMapOvr>
 </p:sldLayout>
 </file>
 
 <file path=ppt/slideLayouts/slideLayout9.xml><?xml version="1.0" encoding="utf-8"?>
-<p:sldLayout xmlns:a="http://schemas.openxmlformats.org/drawingml/2006/main" xmlns:p="http://schemas.openxmlformats.org/presentationml/2006/main" xmlns:r="http://schemas.openxmlformats.org/officeDocument/2006/relationships" xmlns:p14="http://schemas.microsoft.com/office/powerpoint/2010/main" xmlns:p15="http://schemas.microsoft.com/office/powerpoint/2012/main" xmlns:mc="http://schemas.openxmlformats.org/markup-compatibility/2006" type="twoObjOverTx" preserve="1">
+<p:sldLayout xmlns:a="http://schemas.openxmlformats.org/drawingml/2006/main" xmlns:r="http://schemas.openxmlformats.org/officeDocument/2006/relationships" xmlns:p="http://schemas.openxmlformats.org/presentationml/2006/main" type="twoObjOverTx" preserve="1">
   <p:cSld name="Title, 2 Content over Content">
     <p:spTree>
       <p:nvGrpSpPr>
@@ -1263,12 +1445,13 @@
           </a:prstGeom>
         </p:spPr>
         <p:txBody>
-          <a:bodyPr lIns="0" rIns="0" tIns="0" bIns="0" anchor="ctr">
+          <a:bodyPr lIns="0" tIns="0" rIns="0" bIns="0" anchor="ctr">
             <a:noAutofit/>
           </a:bodyPr>
+          <a:lstStyle/>
           <a:p>
             <a:pPr algn="ctr"/>
-            <a:endParaRPr b="0" lang="en-US" sz="4400" spc="-1" strike="noStrike">
+            <a:endParaRPr lang="en-US" sz="4400" b="0" strike="noStrike" spc="-1">
               <a:latin typeface="Arial"/>
             </a:endParaRPr>
           </a:p>
@@ -1294,11 +1477,12 @@
           </a:prstGeom>
         </p:spPr>
         <p:txBody>
-          <a:bodyPr lIns="0" rIns="0" tIns="0" bIns="0">
+          <a:bodyPr lIns="0" tIns="0" rIns="0" bIns="0">
             <a:normAutofit/>
           </a:bodyPr>
-          <a:p>
-            <a:endParaRPr b="0" lang="en-US" sz="3200" spc="-1" strike="noStrike">
+          <a:lstStyle/>
+          <a:p>
+            <a:endParaRPr lang="en-US" sz="3200" b="0" strike="noStrike" spc="-1">
               <a:latin typeface="Arial"/>
             </a:endParaRPr>
           </a:p>
@@ -1324,11 +1508,12 @@
           </a:prstGeom>
         </p:spPr>
         <p:txBody>
-          <a:bodyPr lIns="0" rIns="0" tIns="0" bIns="0">
+          <a:bodyPr lIns="0" tIns="0" rIns="0" bIns="0">
             <a:normAutofit/>
           </a:bodyPr>
-          <a:p>
-            <a:endParaRPr b="0" lang="en-US" sz="3200" spc="-1" strike="noStrike">
+          <a:lstStyle/>
+          <a:p>
+            <a:endParaRPr lang="en-US" sz="3200" b="0" strike="noStrike" spc="-1">
               <a:latin typeface="Arial"/>
             </a:endParaRPr>
           </a:p>
@@ -1354,11 +1539,12 @@
           </a:prstGeom>
         </p:spPr>
         <p:txBody>
-          <a:bodyPr lIns="0" rIns="0" tIns="0" bIns="0">
+          <a:bodyPr lIns="0" tIns="0" rIns="0" bIns="0">
             <a:normAutofit/>
           </a:bodyPr>
-          <a:p>
-            <a:endParaRPr b="0" lang="en-US" sz="3200" spc="-1" strike="noStrike">
+          <a:lstStyle/>
+          <a:p>
+            <a:endParaRPr lang="en-US" sz="3200" b="0" strike="noStrike" spc="-1">
               <a:latin typeface="Arial"/>
             </a:endParaRPr>
           </a:p>
@@ -1366,11 +1552,637 @@
       </p:sp>
     </p:spTree>
   </p:cSld>
+  <p:clrMapOvr>
+    <a:masterClrMapping/>
+  </p:clrMapOvr>
 </p:sldLayout>
 </file>
 
 <file path=ppt/slideMasters/slideMaster1.xml><?xml version="1.0" encoding="utf-8"?>
-<p:sldMaster xmlns:a="http://schemas.openxmlformats.org/drawingml/2006/main" xmlns:p="http://schemas.openxmlformats.org/presentationml/2006/main" xmlns:r="http://schemas.openxmlformats.org/officeDocument/2006/relationships" xmlns:p14="http://schemas.microsoft.com/office/powerpoint/2010/main" xmlns:p15="http://schemas.microsoft.com/office/powerpoint/2012/main" xmlns:mc="http://schemas.openxmlformats.org/markup-compatibility/2006">
+<p:sldMaster xmlns:a="http://schemas.openxmlformats.org/drawingml/2006/main" xmlns:r="http://schemas.openxmlformats.org/officeDocument/2006/relationships" xmlns:p="http://schemas.openxmlformats.org/presentationml/2006/main">
+  <p:cSld>
+    <p:bg>
+      <p:bgRef idx="1001">
+        <a:schemeClr val="bg1"/>
+      </p:bgRef>
+    </p:bg>
+    <p:spTree>
+      <p:nvGrpSpPr>
+        <p:cNvPr id="1" name=""/>
+        <p:cNvGrpSpPr/>
+        <p:nvPr/>
+      </p:nvGrpSpPr>
+      <p:grpSpPr>
+        <a:xfrm>
+          <a:off x="0" y="0"/>
+          <a:ext cx="0" cy="0"/>
+          <a:chOff x="0" y="0"/>
+          <a:chExt cx="0" cy="0"/>
+        </a:xfrm>
+      </p:grpSpPr>
+      <p:sp>
+        <p:nvSpPr>
+          <p:cNvPr id="5" name="PlaceHolder 1"/>
+          <p:cNvSpPr>
+            <a:spLocks noGrp="1"/>
+          </p:cNvSpPr>
+          <p:nvPr>
+            <p:ph type="title"/>
+          </p:nvPr>
+        </p:nvSpPr>
+        <p:spPr>
+          <a:xfrm>
+            <a:off x="504000" y="226080"/>
+            <a:ext cx="9071640" cy="946440"/>
+          </a:xfrm>
+          <a:prstGeom prst="rect">
+            <a:avLst/>
+          </a:prstGeom>
+        </p:spPr>
+        <p:txBody>
+          <a:bodyPr lIns="0" tIns="0" rIns="0" bIns="0" anchor="ctr">
+            <a:noAutofit/>
+          </a:bodyPr>
+          <a:lstStyle/>
+          <a:p>
+            <a:pPr algn="ctr"/>
+            <a:r>
+              <a:rPr lang="en-US" sz="4400" b="0" strike="noStrike" spc="-1">
+                <a:latin typeface="Arial"/>
+              </a:rPr>
+              <a:t>Click to edit the title text format</a:t>
+            </a:r>
+          </a:p>
+        </p:txBody>
+      </p:sp>
+      <p:sp>
+        <p:nvSpPr>
+          <p:cNvPr id="6" name="PlaceHolder 2"/>
+          <p:cNvSpPr>
+            <a:spLocks noGrp="1"/>
+          </p:cNvSpPr>
+          <p:nvPr>
+            <p:ph type="body"/>
+          </p:nvPr>
+        </p:nvSpPr>
+        <p:spPr>
+          <a:xfrm>
+            <a:off x="504000" y="1326600"/>
+            <a:ext cx="9071640" cy="3288240"/>
+          </a:xfrm>
+          <a:prstGeom prst="rect">
+            <a:avLst/>
+          </a:prstGeom>
+        </p:spPr>
+        <p:txBody>
+          <a:bodyPr lIns="0" tIns="0" rIns="0" bIns="0">
+            <a:normAutofit/>
+          </a:bodyPr>
+          <a:lstStyle/>
+          <a:p>
+            <a:pPr marL="432000" indent="-324000">
+              <a:spcBef>
+                <a:spcPts val="1417"/>
+              </a:spcBef>
+              <a:buClr>
+                <a:srgbClr val="000000"/>
+              </a:buClr>
+              <a:buSzPct val="45000"/>
+              <a:buFont typeface="Wingdings" charset="2"/>
+              <a:buChar char=""/>
+            </a:pPr>
+            <a:r>
+              <a:rPr lang="en-US" sz="3200" b="0" strike="noStrike" spc="-1">
+                <a:latin typeface="Arial"/>
+              </a:rPr>
+              <a:t>Click to edit the outline text format</a:t>
+            </a:r>
+          </a:p>
+          <a:p>
+            <a:pPr marL="864000" lvl="1" indent="-324000">
+              <a:spcBef>
+                <a:spcPts val="1134"/>
+              </a:spcBef>
+              <a:buClr>
+                <a:srgbClr val="000000"/>
+              </a:buClr>
+              <a:buSzPct val="75000"/>
+              <a:buFont typeface="Symbol" charset="2"/>
+              <a:buChar char=""/>
+            </a:pPr>
+            <a:r>
+              <a:rPr lang="en-US" sz="2800" b="0" strike="noStrike" spc="-1">
+                <a:latin typeface="Arial"/>
+              </a:rPr>
+              <a:t>Second Outline Level</a:t>
+            </a:r>
+          </a:p>
+          <a:p>
+            <a:pPr marL="1296000" lvl="2" indent="-288000">
+              <a:spcBef>
+                <a:spcPts val="850"/>
+              </a:spcBef>
+              <a:buClr>
+                <a:srgbClr val="000000"/>
+              </a:buClr>
+              <a:buSzPct val="45000"/>
+              <a:buFont typeface="Wingdings" charset="2"/>
+              <a:buChar char=""/>
+            </a:pPr>
+            <a:r>
+              <a:rPr lang="en-US" sz="2400" b="0" strike="noStrike" spc="-1">
+                <a:latin typeface="Arial"/>
+              </a:rPr>
+              <a:t>Third Outline Level</a:t>
+            </a:r>
+          </a:p>
+          <a:p>
+            <a:pPr marL="1728000" lvl="3" indent="-216000">
+              <a:spcBef>
+                <a:spcPts val="567"/>
+              </a:spcBef>
+              <a:buClr>
+                <a:srgbClr val="000000"/>
+              </a:buClr>
+              <a:buSzPct val="75000"/>
+              <a:buFont typeface="Symbol" charset="2"/>
+              <a:buChar char=""/>
+            </a:pPr>
+            <a:r>
+              <a:rPr lang="en-US" sz="2000" b="0" strike="noStrike" spc="-1">
+                <a:latin typeface="Arial"/>
+              </a:rPr>
+              <a:t>Fourth Outline Level</a:t>
+            </a:r>
+          </a:p>
+          <a:p>
+            <a:pPr marL="2160000" lvl="4" indent="-216000">
+              <a:spcBef>
+                <a:spcPts val="283"/>
+              </a:spcBef>
+              <a:buClr>
+                <a:srgbClr val="000000"/>
+              </a:buClr>
+              <a:buSzPct val="45000"/>
+              <a:buFont typeface="Wingdings" charset="2"/>
+              <a:buChar char=""/>
+            </a:pPr>
+            <a:r>
+              <a:rPr lang="en-US" sz="2000" b="0" strike="noStrike" spc="-1">
+                <a:latin typeface="Arial"/>
+              </a:rPr>
+              <a:t>Fifth Outline Level</a:t>
+            </a:r>
+          </a:p>
+          <a:p>
+            <a:pPr marL="2592000" lvl="5" indent="-216000">
+              <a:spcBef>
+                <a:spcPts val="283"/>
+              </a:spcBef>
+              <a:buClr>
+                <a:srgbClr val="000000"/>
+              </a:buClr>
+              <a:buSzPct val="45000"/>
+              <a:buFont typeface="Wingdings" charset="2"/>
+              <a:buChar char=""/>
+            </a:pPr>
+            <a:r>
+              <a:rPr lang="en-US" sz="2000" b="0" strike="noStrike" spc="-1">
+                <a:latin typeface="Arial"/>
+              </a:rPr>
+              <a:t>Sixth Outline Level</a:t>
+            </a:r>
+          </a:p>
+          <a:p>
+            <a:pPr marL="3024000" lvl="6" indent="-216000">
+              <a:spcBef>
+                <a:spcPts val="283"/>
+              </a:spcBef>
+              <a:buClr>
+                <a:srgbClr val="000000"/>
+              </a:buClr>
+              <a:buSzPct val="45000"/>
+              <a:buFont typeface="Wingdings" charset="2"/>
+              <a:buChar char=""/>
+            </a:pPr>
+            <a:r>
+              <a:rPr lang="en-US" sz="2000" b="0" strike="noStrike" spc="-1">
+                <a:latin typeface="Arial"/>
+              </a:rPr>
+              <a:t>Seventh Outline Level</a:t>
+            </a:r>
+          </a:p>
+        </p:txBody>
+      </p:sp>
+      <p:sp>
+        <p:nvSpPr>
+          <p:cNvPr id="2" name="PlaceHolder 3"/>
+          <p:cNvSpPr>
+            <a:spLocks noGrp="1"/>
+          </p:cNvSpPr>
+          <p:nvPr>
+            <p:ph type="dt"/>
+          </p:nvPr>
+        </p:nvSpPr>
+        <p:spPr>
+          <a:xfrm>
+            <a:off x="504000" y="5165280"/>
+            <a:ext cx="2348280" cy="390600"/>
+          </a:xfrm>
+          <a:prstGeom prst="rect">
+            <a:avLst/>
+          </a:prstGeom>
+        </p:spPr>
+        <p:txBody>
+          <a:bodyPr lIns="0" tIns="0" rIns="0" bIns="0">
+            <a:noAutofit/>
+          </a:bodyPr>
+          <a:lstStyle/>
+          <a:p>
+            <a:r>
+              <a:rPr lang="en-US" sz="1400" b="0" strike="noStrike" spc="-1">
+                <a:latin typeface="Times New Roman"/>
+              </a:rPr>
+              <a:t>&lt;date/time&gt;</a:t>
+            </a:r>
+          </a:p>
+        </p:txBody>
+      </p:sp>
+      <p:sp>
+        <p:nvSpPr>
+          <p:cNvPr id="3" name="PlaceHolder 4"/>
+          <p:cNvSpPr>
+            <a:spLocks noGrp="1"/>
+          </p:cNvSpPr>
+          <p:nvPr>
+            <p:ph type="ftr"/>
+          </p:nvPr>
+        </p:nvSpPr>
+        <p:spPr>
+          <a:xfrm>
+            <a:off x="3447360" y="5165280"/>
+            <a:ext cx="3195000" cy="390600"/>
+          </a:xfrm>
+          <a:prstGeom prst="rect">
+            <a:avLst/>
+          </a:prstGeom>
+        </p:spPr>
+        <p:txBody>
+          <a:bodyPr lIns="0" tIns="0" rIns="0" bIns="0">
+            <a:noAutofit/>
+          </a:bodyPr>
+          <a:lstStyle/>
+          <a:p>
+            <a:pPr algn="ctr"/>
+            <a:r>
+              <a:rPr lang="en-US" sz="1400" b="0" strike="noStrike" spc="-1">
+                <a:latin typeface="Times New Roman"/>
+              </a:rPr>
+              <a:t>&lt;footer&gt;</a:t>
+            </a:r>
+          </a:p>
+        </p:txBody>
+      </p:sp>
+      <p:sp>
+        <p:nvSpPr>
+          <p:cNvPr id="4" name="PlaceHolder 5"/>
+          <p:cNvSpPr>
+            <a:spLocks noGrp="1"/>
+          </p:cNvSpPr>
+          <p:nvPr>
+            <p:ph type="sldNum"/>
+          </p:nvPr>
+        </p:nvSpPr>
+        <p:spPr>
+          <a:xfrm>
+            <a:off x="7227360" y="5165280"/>
+            <a:ext cx="2348280" cy="390600"/>
+          </a:xfrm>
+          <a:prstGeom prst="rect">
+            <a:avLst/>
+          </a:prstGeom>
+        </p:spPr>
+        <p:txBody>
+          <a:bodyPr lIns="0" tIns="0" rIns="0" bIns="0">
+            <a:noAutofit/>
+          </a:bodyPr>
+          <a:lstStyle/>
+          <a:p>
+            <a:pPr algn="r"/>
+            <a:fld id="{BAD540D7-B8CE-413D-884A-257CA4C4432F}" type="slidenum">
+              <a:rPr lang="en-US" sz="1400" b="0" strike="noStrike" spc="-1">
+                <a:latin typeface="Times New Roman"/>
+              </a:rPr>
+              <a:t>‹Nº›</a:t>
+            </a:fld>
+            <a:endParaRPr lang="en-US" sz="1400" b="0" strike="noStrike" spc="-1">
+              <a:latin typeface="Times New Roman"/>
+            </a:endParaRPr>
+          </a:p>
+        </p:txBody>
+      </p:sp>
+    </p:spTree>
+  </p:cSld>
+  <p:clrMap bg1="lt1" tx1="dk1" bg2="lt2" tx2="dk2" accent1="accent1" accent2="accent2" accent3="accent3" accent4="accent4" accent5="accent5" accent6="accent6" hlink="hlink" folHlink="folHlink"/>
+  <p:sldLayoutIdLst>
+    <p:sldLayoutId id="2147483649" r:id="rId1"/>
+    <p:sldLayoutId id="2147483650" r:id="rId2"/>
+    <p:sldLayoutId id="2147483651" r:id="rId3"/>
+    <p:sldLayoutId id="2147483652" r:id="rId4"/>
+    <p:sldLayoutId id="2147483653" r:id="rId5"/>
+    <p:sldLayoutId id="2147483654" r:id="rId6"/>
+    <p:sldLayoutId id="2147483655" r:id="rId7"/>
+    <p:sldLayoutId id="2147483656" r:id="rId8"/>
+    <p:sldLayoutId id="2147483657" r:id="rId9"/>
+    <p:sldLayoutId id="2147483658" r:id="rId10"/>
+    <p:sldLayoutId id="2147483659" r:id="rId11"/>
+    <p:sldLayoutId id="2147483660" r:id="rId12"/>
+  </p:sldLayoutIdLst>
+  <p:txStyles>
+    <p:titleStyle>
+      <a:lvl1pPr algn="l" defTabSz="914400" rtl="0" eaLnBrk="1" latinLnBrk="0" hangingPunct="1">
+        <a:lnSpc>
+          <a:spcPct val="90000"/>
+        </a:lnSpc>
+        <a:spcBef>
+          <a:spcPct val="0"/>
+        </a:spcBef>
+        <a:buNone/>
+        <a:defRPr sz="4400" kern="1200">
+          <a:solidFill>
+            <a:schemeClr val="tx1"/>
+          </a:solidFill>
+          <a:latin typeface="+mj-lt"/>
+          <a:ea typeface="+mj-ea"/>
+          <a:cs typeface="+mj-cs"/>
+        </a:defRPr>
+      </a:lvl1pPr>
+    </p:titleStyle>
+    <p:bodyStyle>
+      <a:lvl1pPr marL="228600" indent="-228600" algn="l" defTabSz="914400" rtl="0" eaLnBrk="1" latinLnBrk="0" hangingPunct="1">
+        <a:lnSpc>
+          <a:spcPct val="90000"/>
+        </a:lnSpc>
+        <a:spcBef>
+          <a:spcPts val="1000"/>
+        </a:spcBef>
+        <a:buFont typeface="Arial" panose="020B0604020202020204" pitchFamily="34" charset="0"/>
+        <a:buChar char="•"/>
+        <a:defRPr sz="2800" kern="1200">
+          <a:solidFill>
+            <a:schemeClr val="tx1"/>
+          </a:solidFill>
+          <a:latin typeface="+mn-lt"/>
+          <a:ea typeface="+mn-ea"/>
+          <a:cs typeface="+mn-cs"/>
+        </a:defRPr>
+      </a:lvl1pPr>
+      <a:lvl2pPr marL="685800" indent="-228600" algn="l" defTabSz="914400" rtl="0" eaLnBrk="1" latinLnBrk="0" hangingPunct="1">
+        <a:lnSpc>
+          <a:spcPct val="90000"/>
+        </a:lnSpc>
+        <a:spcBef>
+          <a:spcPts val="500"/>
+        </a:spcBef>
+        <a:buFont typeface="Arial" panose="020B0604020202020204" pitchFamily="34" charset="0"/>
+        <a:buChar char="•"/>
+        <a:defRPr sz="2400" kern="1200">
+          <a:solidFill>
+            <a:schemeClr val="tx1"/>
+          </a:solidFill>
+          <a:latin typeface="+mn-lt"/>
+          <a:ea typeface="+mn-ea"/>
+          <a:cs typeface="+mn-cs"/>
+        </a:defRPr>
+      </a:lvl2pPr>
+      <a:lvl3pPr marL="1143000" indent="-228600" algn="l" defTabSz="914400" rtl="0" eaLnBrk="1" latinLnBrk="0" hangingPunct="1">
+        <a:lnSpc>
+          <a:spcPct val="90000"/>
+        </a:lnSpc>
+        <a:spcBef>
+          <a:spcPts val="500"/>
+        </a:spcBef>
+        <a:buFont typeface="Arial" panose="020B0604020202020204" pitchFamily="34" charset="0"/>
+        <a:buChar char="•"/>
+        <a:defRPr sz="2000" kern="1200">
+          <a:solidFill>
+            <a:schemeClr val="tx1"/>
+          </a:solidFill>
+          <a:latin typeface="+mn-lt"/>
+          <a:ea typeface="+mn-ea"/>
+          <a:cs typeface="+mn-cs"/>
+        </a:defRPr>
+      </a:lvl3pPr>
+      <a:lvl4pPr marL="1600200" indent="-228600" algn="l" defTabSz="914400" rtl="0" eaLnBrk="1" latinLnBrk="0" hangingPunct="1">
+        <a:lnSpc>
+          <a:spcPct val="90000"/>
+        </a:lnSpc>
+        <a:spcBef>
+          <a:spcPts val="500"/>
+        </a:spcBef>
+        <a:buFont typeface="Arial" panose="020B0604020202020204" pitchFamily="34" charset="0"/>
+        <a:buChar char="•"/>
+        <a:defRPr sz="1800" kern="1200">
+          <a:solidFill>
+            <a:schemeClr val="tx1"/>
+          </a:solidFill>
+          <a:latin typeface="+mn-lt"/>
+          <a:ea typeface="+mn-ea"/>
+          <a:cs typeface="+mn-cs"/>
+        </a:defRPr>
+      </a:lvl4pPr>
+      <a:lvl5pPr marL="2057400" indent="-228600" algn="l" defTabSz="914400" rtl="0" eaLnBrk="1" latinLnBrk="0" hangingPunct="1">
+        <a:lnSpc>
+          <a:spcPct val="90000"/>
+        </a:lnSpc>
+        <a:spcBef>
+          <a:spcPts val="500"/>
+        </a:spcBef>
+        <a:buFont typeface="Arial" panose="020B0604020202020204" pitchFamily="34" charset="0"/>
+        <a:buChar char="•"/>
+        <a:defRPr sz="1800" kern="1200">
+          <a:solidFill>
+            <a:schemeClr val="tx1"/>
+          </a:solidFill>
+          <a:latin typeface="+mn-lt"/>
+          <a:ea typeface="+mn-ea"/>
+          <a:cs typeface="+mn-cs"/>
+        </a:defRPr>
+      </a:lvl5pPr>
+      <a:lvl6pPr marL="2514600" indent="-228600" algn="l" defTabSz="914400" rtl="0" eaLnBrk="1" latinLnBrk="0" hangingPunct="1">
+        <a:lnSpc>
+          <a:spcPct val="90000"/>
+        </a:lnSpc>
+        <a:spcBef>
+          <a:spcPts val="500"/>
+        </a:spcBef>
+        <a:buFont typeface="Arial" panose="020B0604020202020204" pitchFamily="34" charset="0"/>
+        <a:buChar char="•"/>
+        <a:defRPr sz="1800" kern="1200">
+          <a:solidFill>
+            <a:schemeClr val="tx1"/>
+          </a:solidFill>
+          <a:latin typeface="+mn-lt"/>
+          <a:ea typeface="+mn-ea"/>
+          <a:cs typeface="+mn-cs"/>
+        </a:defRPr>
+      </a:lvl6pPr>
+      <a:lvl7pPr marL="2971800" indent="-228600" algn="l" defTabSz="914400" rtl="0" eaLnBrk="1" latinLnBrk="0" hangingPunct="1">
+        <a:lnSpc>
+          <a:spcPct val="90000"/>
+        </a:lnSpc>
+        <a:spcBef>
+          <a:spcPts val="500"/>
+        </a:spcBef>
+        <a:buFont typeface="Arial" panose="020B0604020202020204" pitchFamily="34" charset="0"/>
+        <a:buChar char="•"/>
+        <a:defRPr sz="1800" kern="1200">
+          <a:solidFill>
+            <a:schemeClr val="tx1"/>
+          </a:solidFill>
+          <a:latin typeface="+mn-lt"/>
+          <a:ea typeface="+mn-ea"/>
+          <a:cs typeface="+mn-cs"/>
+        </a:defRPr>
+      </a:lvl7pPr>
+      <a:lvl8pPr marL="3429000" indent="-228600" algn="l" defTabSz="914400" rtl="0" eaLnBrk="1" latinLnBrk="0" hangingPunct="1">
+        <a:lnSpc>
+          <a:spcPct val="90000"/>
+        </a:lnSpc>
+        <a:spcBef>
+          <a:spcPts val="500"/>
+        </a:spcBef>
+        <a:buFont typeface="Arial" panose="020B0604020202020204" pitchFamily="34" charset="0"/>
+        <a:buChar char="•"/>
+        <a:defRPr sz="1800" kern="1200">
+          <a:solidFill>
+            <a:schemeClr val="tx1"/>
+          </a:solidFill>
+          <a:latin typeface="+mn-lt"/>
+          <a:ea typeface="+mn-ea"/>
+          <a:cs typeface="+mn-cs"/>
+        </a:defRPr>
+      </a:lvl8pPr>
+      <a:lvl9pPr marL="3886200" indent="-228600" algn="l" defTabSz="914400" rtl="0" eaLnBrk="1" latinLnBrk="0" hangingPunct="1">
+        <a:lnSpc>
+          <a:spcPct val="90000"/>
+        </a:lnSpc>
+        <a:spcBef>
+          <a:spcPts val="500"/>
+        </a:spcBef>
+        <a:buFont typeface="Arial" panose="020B0604020202020204" pitchFamily="34" charset="0"/>
+        <a:buChar char="•"/>
+        <a:defRPr sz="1800" kern="1200">
+          <a:solidFill>
+            <a:schemeClr val="tx1"/>
+          </a:solidFill>
+          <a:latin typeface="+mn-lt"/>
+          <a:ea typeface="+mn-ea"/>
+          <a:cs typeface="+mn-cs"/>
+        </a:defRPr>
+      </a:lvl9pPr>
+    </p:bodyStyle>
+    <p:otherStyle>
+      <a:defPPr>
+        <a:defRPr lang="es-ES"/>
+      </a:defPPr>
+      <a:lvl1pPr marL="0" algn="l" defTabSz="914400" rtl="0" eaLnBrk="1" latinLnBrk="0" hangingPunct="1">
+        <a:defRPr sz="1800" kern="1200">
+          <a:solidFill>
+            <a:schemeClr val="tx1"/>
+          </a:solidFill>
+          <a:latin typeface="+mn-lt"/>
+          <a:ea typeface="+mn-ea"/>
+          <a:cs typeface="+mn-cs"/>
+        </a:defRPr>
+      </a:lvl1pPr>
+      <a:lvl2pPr marL="457200" algn="l" defTabSz="914400" rtl="0" eaLnBrk="1" latinLnBrk="0" hangingPunct="1">
+        <a:defRPr sz="1800" kern="1200">
+          <a:solidFill>
+            <a:schemeClr val="tx1"/>
+          </a:solidFill>
+          <a:latin typeface="+mn-lt"/>
+          <a:ea typeface="+mn-ea"/>
+          <a:cs typeface="+mn-cs"/>
+        </a:defRPr>
+      </a:lvl2pPr>
+      <a:lvl3pPr marL="914400" algn="l" defTabSz="914400" rtl="0" eaLnBrk="1" latinLnBrk="0" hangingPunct="1">
+        <a:defRPr sz="1800" kern="1200">
+          <a:solidFill>
+            <a:schemeClr val="tx1"/>
+          </a:solidFill>
+          <a:latin typeface="+mn-lt"/>
+          <a:ea typeface="+mn-ea"/>
+          <a:cs typeface="+mn-cs"/>
+        </a:defRPr>
+      </a:lvl3pPr>
+      <a:lvl4pPr marL="1371600" algn="l" defTabSz="914400" rtl="0" eaLnBrk="1" latinLnBrk="0" hangingPunct="1">
+        <a:defRPr sz="1800" kern="1200">
+          <a:solidFill>
+            <a:schemeClr val="tx1"/>
+          </a:solidFill>
+          <a:latin typeface="+mn-lt"/>
+          <a:ea typeface="+mn-ea"/>
+          <a:cs typeface="+mn-cs"/>
+        </a:defRPr>
+      </a:lvl4pPr>
+      <a:lvl5pPr marL="1828800" algn="l" defTabSz="914400" rtl="0" eaLnBrk="1" latinLnBrk="0" hangingPunct="1">
+        <a:defRPr sz="1800" kern="1200">
+          <a:solidFill>
+            <a:schemeClr val="tx1"/>
+          </a:solidFill>
+          <a:latin typeface="+mn-lt"/>
+          <a:ea typeface="+mn-ea"/>
+          <a:cs typeface="+mn-cs"/>
+        </a:defRPr>
+      </a:lvl5pPr>
+      <a:lvl6pPr marL="2286000" algn="l" defTabSz="914400" rtl="0" eaLnBrk="1" latinLnBrk="0" hangingPunct="1">
+        <a:defRPr sz="1800" kern="1200">
+          <a:solidFill>
+            <a:schemeClr val="tx1"/>
+          </a:solidFill>
+          <a:latin typeface="+mn-lt"/>
+          <a:ea typeface="+mn-ea"/>
+          <a:cs typeface="+mn-cs"/>
+        </a:defRPr>
+      </a:lvl6pPr>
+      <a:lvl7pPr marL="2743200" algn="l" defTabSz="914400" rtl="0" eaLnBrk="1" latinLnBrk="0" hangingPunct="1">
+        <a:defRPr sz="1800" kern="1200">
+          <a:solidFill>
+            <a:schemeClr val="tx1"/>
+          </a:solidFill>
+          <a:latin typeface="+mn-lt"/>
+          <a:ea typeface="+mn-ea"/>
+          <a:cs typeface="+mn-cs"/>
+        </a:defRPr>
+      </a:lvl7pPr>
+      <a:lvl8pPr marL="3200400" algn="l" defTabSz="914400" rtl="0" eaLnBrk="1" latinLnBrk="0" hangingPunct="1">
+        <a:defRPr sz="1800" kern="1200">
+          <a:solidFill>
+            <a:schemeClr val="tx1"/>
+          </a:solidFill>
+          <a:latin typeface="+mn-lt"/>
+          <a:ea typeface="+mn-ea"/>
+          <a:cs typeface="+mn-cs"/>
+        </a:defRPr>
+      </a:lvl8pPr>
+      <a:lvl9pPr marL="3657600" algn="l" defTabSz="914400" rtl="0" eaLnBrk="1" latinLnBrk="0" hangingPunct="1">
+        <a:defRPr sz="1800" kern="1200">
+          <a:solidFill>
+            <a:schemeClr val="tx1"/>
+          </a:solidFill>
+          <a:latin typeface="+mn-lt"/>
+          <a:ea typeface="+mn-ea"/>
+          <a:cs typeface="+mn-cs"/>
+        </a:defRPr>
+      </a:lvl9pPr>
+    </p:otherStyle>
+  </p:txStyles>
+</p:sldMaster>
+</file>
+
+<file path=ppt/slides/slide1.xml><?xml version="1.0" encoding="utf-8"?>
+<p:sld xmlns:a="http://schemas.openxmlformats.org/drawingml/2006/main" xmlns:r="http://schemas.openxmlformats.org/officeDocument/2006/relationships" xmlns:p="http://schemas.openxmlformats.org/presentationml/2006/main">
   <p:cSld>
     <p:spTree>
       <p:nvGrpSpPr>
@@ -1388,50 +2200,44 @@
       </p:grpSpPr>
       <p:sp>
         <p:nvSpPr>
-          <p:cNvPr id="0" name="PlaceHolder 1"/>
-          <p:cNvSpPr>
-            <a:spLocks noGrp="1"/>
-          </p:cNvSpPr>
-          <p:nvPr>
-            <p:ph type="title"/>
-          </p:nvPr>
-        </p:nvSpPr>
-        <p:spPr>
-          <a:xfrm>
-            <a:off x="504000" y="226080"/>
-            <a:ext cx="9071640" cy="946440"/>
-          </a:xfrm>
-          <a:prstGeom prst="rect">
-            <a:avLst/>
-          </a:prstGeom>
-        </p:spPr>
-        <p:txBody>
-          <a:bodyPr lIns="0" rIns="0" tIns="0" bIns="0" anchor="ctr">
+          <p:cNvPr id="41" name="TextShape 1"/>
+          <p:cNvSpPr txBox="1"/>
+          <p:nvPr/>
+        </p:nvSpPr>
+        <p:spPr>
+          <a:xfrm>
+            <a:off x="504000" y="74160"/>
+            <a:ext cx="9071640" cy="1250280"/>
+          </a:xfrm>
+          <a:prstGeom prst="rect">
+            <a:avLst/>
+          </a:prstGeom>
+          <a:noFill/>
+          <a:ln w="0">
+            <a:noFill/>
+          </a:ln>
+        </p:spPr>
+        <p:txBody>
+          <a:bodyPr lIns="0" tIns="0" rIns="0" bIns="0" anchor="ctr">
             <a:noAutofit/>
           </a:bodyPr>
+          <a:lstStyle/>
           <a:p>
             <a:pPr algn="ctr"/>
             <a:r>
-              <a:rPr b="0" lang="en-US" sz="4400" spc="-1" strike="noStrike">
+              <a:rPr lang="en-US" sz="4400" b="0" strike="noStrike" spc="-1">
                 <a:latin typeface="Arial"/>
               </a:rPr>
-              <a:t>Click to edit the title text format</a:t>
-            </a:r>
-            <a:endParaRPr b="0" lang="en-US" sz="4400" spc="-1" strike="noStrike">
-              <a:latin typeface="Arial"/>
-            </a:endParaRPr>
-          </a:p>
-        </p:txBody>
-      </p:sp>
-      <p:sp>
-        <p:nvSpPr>
-          <p:cNvPr id="1" name="PlaceHolder 2"/>
-          <p:cNvSpPr>
-            <a:spLocks noGrp="1"/>
-          </p:cNvSpPr>
-          <p:nvPr>
-            <p:ph type="body"/>
-          </p:nvPr>
+              <a:t>Outlier detection progression to diabetes</a:t>
+            </a:r>
+          </a:p>
+        </p:txBody>
+      </p:sp>
+      <p:sp>
+        <p:nvSpPr>
+          <p:cNvPr id="42" name="TextShape 2"/>
+          <p:cNvSpPr txBox="1"/>
+          <p:nvPr/>
         </p:nvSpPr>
         <p:spPr>
           <a:xfrm>
@@ -1441,299 +2247,42 @@
           <a:prstGeom prst="rect">
             <a:avLst/>
           </a:prstGeom>
-        </p:spPr>
-        <p:txBody>
-          <a:bodyPr lIns="0" rIns="0" tIns="0" bIns="0">
-            <a:normAutofit/>
-          </a:bodyPr>
-          <a:p>
-            <a:pPr marL="432000" indent="-324000">
-              <a:spcBef>
-                <a:spcPts val="1417"/>
-              </a:spcBef>
-              <a:buClr>
-                <a:srgbClr val="000000"/>
-              </a:buClr>
-              <a:buSzPct val="45000"/>
-              <a:buFont typeface="Wingdings" charset="2"/>
-              <a:buChar char=""/>
-            </a:pPr>
-            <a:r>
-              <a:rPr b="0" lang="en-US" sz="3200" spc="-1" strike="noStrike">
-                <a:latin typeface="Arial"/>
-              </a:rPr>
-              <a:t>Click to edit the outline text format</a:t>
-            </a:r>
-            <a:endParaRPr b="0" lang="en-US" sz="3200" spc="-1" strike="noStrike">
-              <a:latin typeface="Arial"/>
-            </a:endParaRPr>
-          </a:p>
-          <a:p>
-            <a:pPr lvl="1" marL="864000" indent="-324000">
-              <a:spcBef>
-                <a:spcPts val="1134"/>
-              </a:spcBef>
-              <a:buClr>
-                <a:srgbClr val="000000"/>
-              </a:buClr>
-              <a:buSzPct val="75000"/>
-              <a:buFont typeface="Symbol" charset="2"/>
-              <a:buChar char=""/>
-            </a:pPr>
-            <a:r>
-              <a:rPr b="0" lang="en-US" sz="2800" spc="-1" strike="noStrike">
-                <a:latin typeface="Arial"/>
-              </a:rPr>
-              <a:t>Second Outline Level</a:t>
-            </a:r>
-            <a:endParaRPr b="0" lang="en-US" sz="2800" spc="-1" strike="noStrike">
-              <a:latin typeface="Arial"/>
-            </a:endParaRPr>
-          </a:p>
-          <a:p>
-            <a:pPr lvl="2" marL="1296000" indent="-288000">
-              <a:spcBef>
-                <a:spcPts val="850"/>
-              </a:spcBef>
-              <a:buClr>
-                <a:srgbClr val="000000"/>
-              </a:buClr>
-              <a:buSzPct val="45000"/>
-              <a:buFont typeface="Wingdings" charset="2"/>
-              <a:buChar char=""/>
-            </a:pPr>
-            <a:r>
-              <a:rPr b="0" lang="en-US" sz="2400" spc="-1" strike="noStrike">
-                <a:latin typeface="Arial"/>
-              </a:rPr>
-              <a:t>Third Outline Level</a:t>
-            </a:r>
-            <a:endParaRPr b="0" lang="en-US" sz="2400" spc="-1" strike="noStrike">
-              <a:latin typeface="Arial"/>
-            </a:endParaRPr>
-          </a:p>
-          <a:p>
-            <a:pPr lvl="3" marL="1728000" indent="-216000">
-              <a:spcBef>
-                <a:spcPts val="567"/>
-              </a:spcBef>
-              <a:buClr>
-                <a:srgbClr val="000000"/>
-              </a:buClr>
-              <a:buSzPct val="75000"/>
-              <a:buFont typeface="Symbol" charset="2"/>
-              <a:buChar char=""/>
-            </a:pPr>
-            <a:r>
-              <a:rPr b="0" lang="en-US" sz="2000" spc="-1" strike="noStrike">
-                <a:latin typeface="Arial"/>
-              </a:rPr>
-              <a:t>Fourth Outline Level</a:t>
-            </a:r>
-            <a:endParaRPr b="0" lang="en-US" sz="2000" spc="-1" strike="noStrike">
-              <a:latin typeface="Arial"/>
-            </a:endParaRPr>
-          </a:p>
-          <a:p>
-            <a:pPr lvl="4" marL="2160000" indent="-216000">
-              <a:spcBef>
-                <a:spcPts val="283"/>
-              </a:spcBef>
-              <a:buClr>
-                <a:srgbClr val="000000"/>
-              </a:buClr>
-              <a:buSzPct val="45000"/>
-              <a:buFont typeface="Wingdings" charset="2"/>
-              <a:buChar char=""/>
-            </a:pPr>
-            <a:r>
-              <a:rPr b="0" lang="en-US" sz="2000" spc="-1" strike="noStrike">
-                <a:latin typeface="Arial"/>
-              </a:rPr>
-              <a:t>Fifth Outline Level</a:t>
-            </a:r>
-            <a:endParaRPr b="0" lang="en-US" sz="2000" spc="-1" strike="noStrike">
-              <a:latin typeface="Arial"/>
-            </a:endParaRPr>
-          </a:p>
-          <a:p>
-            <a:pPr lvl="5" marL="2592000" indent="-216000">
-              <a:spcBef>
-                <a:spcPts val="283"/>
-              </a:spcBef>
-              <a:buClr>
-                <a:srgbClr val="000000"/>
-              </a:buClr>
-              <a:buSzPct val="45000"/>
-              <a:buFont typeface="Wingdings" charset="2"/>
-              <a:buChar char=""/>
-            </a:pPr>
-            <a:r>
-              <a:rPr b="0" lang="en-US" sz="2000" spc="-1" strike="noStrike">
-                <a:latin typeface="Arial"/>
-              </a:rPr>
-              <a:t>Sixth Outline Level</a:t>
-            </a:r>
-            <a:endParaRPr b="0" lang="en-US" sz="2000" spc="-1" strike="noStrike">
-              <a:latin typeface="Arial"/>
-            </a:endParaRPr>
-          </a:p>
-          <a:p>
-            <a:pPr lvl="6" marL="3024000" indent="-216000">
-              <a:spcBef>
-                <a:spcPts val="283"/>
-              </a:spcBef>
-              <a:buClr>
-                <a:srgbClr val="000000"/>
-              </a:buClr>
-              <a:buSzPct val="45000"/>
-              <a:buFont typeface="Wingdings" charset="2"/>
-              <a:buChar char=""/>
-            </a:pPr>
-            <a:r>
-              <a:rPr b="0" lang="en-US" sz="2000" spc="-1" strike="noStrike">
-                <a:latin typeface="Arial"/>
-              </a:rPr>
-              <a:t>Seventh Outline Level</a:t>
-            </a:r>
-            <a:endParaRPr b="0" lang="en-US" sz="2000" spc="-1" strike="noStrike">
-              <a:latin typeface="Arial"/>
-            </a:endParaRPr>
-          </a:p>
-        </p:txBody>
-      </p:sp>
-      <p:sp>
-        <p:nvSpPr>
-          <p:cNvPr id="2" name="PlaceHolder 3"/>
-          <p:cNvSpPr>
-            <a:spLocks noGrp="1"/>
-          </p:cNvSpPr>
-          <p:nvPr>
-            <p:ph type="dt"/>
-          </p:nvPr>
-        </p:nvSpPr>
-        <p:spPr>
-          <a:xfrm>
-            <a:off x="504000" y="5165280"/>
-            <a:ext cx="2348280" cy="390600"/>
-          </a:xfrm>
-          <a:prstGeom prst="rect">
-            <a:avLst/>
-          </a:prstGeom>
-        </p:spPr>
-        <p:txBody>
-          <a:bodyPr lIns="0" rIns="0" tIns="0" bIns="0">
+          <a:noFill/>
+          <a:ln w="0">
+            <a:noFill/>
+          </a:ln>
+        </p:spPr>
+        <p:txBody>
+          <a:bodyPr lIns="0" tIns="0" rIns="0" bIns="0" anchor="ctr">
             <a:noAutofit/>
           </a:bodyPr>
-          <a:p>
-            <a:r>
-              <a:rPr b="0" lang="en-US" sz="1400" spc="-1" strike="noStrike">
-                <a:latin typeface="Times New Roman"/>
-              </a:rPr>
-              <a:t>&lt;date/time&gt;</a:t>
-            </a:r>
-            <a:endParaRPr b="0" lang="en-US" sz="1400" spc="-1" strike="noStrike">
-              <a:latin typeface="Times New Roman"/>
-            </a:endParaRPr>
-          </a:p>
-        </p:txBody>
-      </p:sp>
-      <p:sp>
-        <p:nvSpPr>
-          <p:cNvPr id="3" name="PlaceHolder 4"/>
-          <p:cNvSpPr>
-            <a:spLocks noGrp="1"/>
-          </p:cNvSpPr>
-          <p:nvPr>
-            <p:ph type="ftr"/>
-          </p:nvPr>
-        </p:nvSpPr>
-        <p:spPr>
-          <a:xfrm>
-            <a:off x="3447360" y="5165280"/>
-            <a:ext cx="3195000" cy="390600"/>
-          </a:xfrm>
-          <a:prstGeom prst="rect">
-            <a:avLst/>
-          </a:prstGeom>
-        </p:spPr>
-        <p:txBody>
-          <a:bodyPr lIns="0" rIns="0" tIns="0" bIns="0">
-            <a:noAutofit/>
-          </a:bodyPr>
+          <a:lstStyle/>
           <a:p>
             <a:pPr algn="ctr"/>
-            <a:r>
-              <a:rPr b="0" lang="en-US" sz="1400" spc="-1" strike="noStrike">
-                <a:latin typeface="Times New Roman"/>
-              </a:rPr>
-              <a:t>&lt;footer&gt;</a:t>
-            </a:r>
-            <a:endParaRPr b="0" lang="en-US" sz="1400" spc="-1" strike="noStrike">
-              <a:latin typeface="Times New Roman"/>
-            </a:endParaRPr>
-          </a:p>
-        </p:txBody>
-      </p:sp>
-      <p:sp>
-        <p:nvSpPr>
-          <p:cNvPr id="4" name="PlaceHolder 5"/>
-          <p:cNvSpPr>
-            <a:spLocks noGrp="1"/>
-          </p:cNvSpPr>
-          <p:nvPr>
-            <p:ph type="sldNum"/>
-          </p:nvPr>
-        </p:nvSpPr>
-        <p:spPr>
-          <a:xfrm>
-            <a:off x="7227360" y="5165280"/>
-            <a:ext cx="2348280" cy="390600"/>
-          </a:xfrm>
-          <a:prstGeom prst="rect">
-            <a:avLst/>
-          </a:prstGeom>
-        </p:spPr>
-        <p:txBody>
-          <a:bodyPr lIns="0" rIns="0" tIns="0" bIns="0">
-            <a:noAutofit/>
-          </a:bodyPr>
-          <a:p>
-            <a:pPr algn="r"/>
-            <a:fld id="{BAD540D7-B8CE-413D-884A-257CA4C4432F}" type="slidenum">
-              <a:rPr b="0" lang="en-US" sz="1400" spc="-1" strike="noStrike">
-                <a:latin typeface="Times New Roman"/>
-              </a:rPr>
-              <a:t>&lt;number&gt;</a:t>
-            </a:fld>
-            <a:endParaRPr b="0" lang="en-US" sz="1400" spc="-1" strike="noStrike">
-              <a:latin typeface="Times New Roman"/>
+            <a:endParaRPr lang="en-US" sz="3200" b="0" strike="noStrike" spc="-1">
+              <a:latin typeface="Arial"/>
             </a:endParaRPr>
           </a:p>
         </p:txBody>
       </p:sp>
     </p:spTree>
   </p:cSld>
-  <p:clrMap bg1="lt1" bg2="lt2" tx1="dk1" tx2="dk2" accent1="accent1" accent2="accent2" accent3="accent3" accent4="accent4" accent5="accent5" accent6="accent6" hlink="hlink" folHlink="folHlink"/>
-  <p:sldLayoutIdLst>
-    <p:sldLayoutId id="2147483649" r:id="rId2"/>
-    <p:sldLayoutId id="2147483650" r:id="rId3"/>
-    <p:sldLayoutId id="2147483651" r:id="rId4"/>
-    <p:sldLayoutId id="2147483652" r:id="rId5"/>
-    <p:sldLayoutId id="2147483653" r:id="rId6"/>
-    <p:sldLayoutId id="2147483654" r:id="rId7"/>
-    <p:sldLayoutId id="2147483655" r:id="rId8"/>
-    <p:sldLayoutId id="2147483656" r:id="rId9"/>
-    <p:sldLayoutId id="2147483657" r:id="rId10"/>
-    <p:sldLayoutId id="2147483658" r:id="rId11"/>
-    <p:sldLayoutId id="2147483659" r:id="rId12"/>
-    <p:sldLayoutId id="2147483660" r:id="rId13"/>
-  </p:sldLayoutIdLst>
-</p:sldMaster>
+  <p:clrMapOvr>
+    <a:masterClrMapping/>
+  </p:clrMapOvr>
+  <mc:AlternateContent xmlns:mc="http://schemas.openxmlformats.org/markup-compatibility/2006" xmlns:p14="http://schemas.microsoft.com/office/powerpoint/2010/main">
+    <mc:Choice Requires="p14">
+      <p:transition spd="slow" p14:dur="2000"/>
+    </mc:Choice>
+    <mc:Fallback xmlns:p15="http://schemas.microsoft.com/office/powerpoint/2012/main" xmlns="">
+      <p:transition spd="slow"/>
+    </mc:Fallback>
+  </mc:AlternateContent>
+</p:sld>
 </file>
 
-<file path=ppt/slides/slide1.xml><?xml version="1.0" encoding="utf-8"?>
-<p:sld xmlns:a="http://schemas.openxmlformats.org/drawingml/2006/main" xmlns:p="http://schemas.openxmlformats.org/presentationml/2006/main" xmlns:r="http://schemas.openxmlformats.org/officeDocument/2006/relationships" xmlns:p14="http://schemas.microsoft.com/office/powerpoint/2010/main" xmlns:p15="http://schemas.microsoft.com/office/powerpoint/2012/main" xmlns:mc="http://schemas.openxmlformats.org/markup-compatibility/2006">
+<file path=ppt/slides/slide10.xml><?xml version="1.0" encoding="utf-8"?>
+<p:sld xmlns:a="http://schemas.openxmlformats.org/drawingml/2006/main" xmlns:r="http://schemas.openxmlformats.org/officeDocument/2006/relationships" xmlns:p="http://schemas.openxmlformats.org/presentationml/2006/main">
   <p:cSld>
     <p:spTree>
       <p:nvGrpSpPr>
@@ -1751,14 +2300,14 @@
       </p:grpSpPr>
       <p:sp>
         <p:nvSpPr>
-          <p:cNvPr id="41" name="TextShape 1"/>
+          <p:cNvPr id="43" name="TextShape 1"/>
           <p:cNvSpPr txBox="1"/>
           <p:nvPr/>
         </p:nvSpPr>
         <p:spPr>
           <a:xfrm>
-            <a:off x="504000" y="74160"/>
-            <a:ext cx="9071640" cy="1250280"/>
+            <a:off x="504000" y="226080"/>
+            <a:ext cx="9071640" cy="946440"/>
           </a:xfrm>
           <a:prstGeom prst="rect">
             <a:avLst/>
@@ -1769,33 +2318,32 @@
           </a:ln>
         </p:spPr>
         <p:txBody>
-          <a:bodyPr lIns="0" rIns="0" tIns="0" bIns="0" anchor="ctr">
+          <a:bodyPr lIns="0" tIns="0" rIns="0" bIns="0" anchor="ctr">
             <a:noAutofit/>
           </a:bodyPr>
+          <a:lstStyle/>
           <a:p>
             <a:pPr algn="ctr"/>
             <a:r>
-              <a:rPr b="0" lang="en-US" sz="4400" spc="-1" strike="noStrike">
-                <a:latin typeface="Arial"/>
-              </a:rPr>
-              <a:t>Outlier detection progression to diabetes</a:t>
-            </a:r>
-            <a:endParaRPr b="0" lang="en-US" sz="4400" spc="-1" strike="noStrike">
-              <a:latin typeface="Arial"/>
-            </a:endParaRPr>
-          </a:p>
-        </p:txBody>
-      </p:sp>
-      <p:sp>
-        <p:nvSpPr>
-          <p:cNvPr id="42" name="TextShape 2"/>
+              <a:rPr lang="en-US" sz="4400" spc="-1" dirty="0"/>
+              <a:t>TRIGLYCIREDES</a:t>
+            </a:r>
+            <a:endParaRPr lang="en-US" sz="4400" b="0" strike="noStrike" spc="-1" dirty="0">
+              <a:latin typeface="Arial"/>
+            </a:endParaRPr>
+          </a:p>
+        </p:txBody>
+      </p:sp>
+      <p:sp>
+        <p:nvSpPr>
+          <p:cNvPr id="44" name="TextShape 2"/>
           <p:cNvSpPr txBox="1"/>
           <p:nvPr/>
         </p:nvSpPr>
         <p:spPr>
           <a:xfrm>
-            <a:off x="504000" y="1326600"/>
-            <a:ext cx="9071640" cy="3288240"/>
+            <a:off x="685800" y="1326600"/>
+            <a:ext cx="4114800" cy="3931200"/>
           </a:xfrm>
           <a:prstGeom prst="rect">
             <a:avLst/>
@@ -1806,32 +2354,101 @@
           </a:ln>
         </p:spPr>
         <p:txBody>
-          <a:bodyPr lIns="0" rIns="0" tIns="0" bIns="0" anchor="ctr">
-            <a:noAutofit/>
-          </a:bodyPr>
-          <a:p>
-            <a:pPr algn="ctr"/>
-            <a:endParaRPr b="0" lang="en-US" sz="3200" spc="-1" strike="noStrike">
-              <a:latin typeface="Arial"/>
-            </a:endParaRPr>
-          </a:p>
-        </p:txBody>
-      </p:sp>
+          <a:bodyPr lIns="0" tIns="0" rIns="0" bIns="0">
+            <a:normAutofit/>
+          </a:bodyPr>
+          <a:lstStyle/>
+          <a:p>
+            <a:pPr marL="432000" indent="-324000">
+              <a:spcBef>
+                <a:spcPts val="1417"/>
+              </a:spcBef>
+              <a:buClr>
+                <a:srgbClr val="000000"/>
+              </a:buClr>
+              <a:buSzPct val="45000"/>
+              <a:buFont typeface="Wingdings" charset="2"/>
+              <a:buChar char=""/>
+            </a:pPr>
+            <a:r>
+              <a:rPr lang="en-US" sz="3200" b="0" strike="noStrike" spc="-1" dirty="0" smtClean="0">
+                <a:latin typeface="Arial"/>
+              </a:rPr>
+              <a:t>TRIGLYCIREDES</a:t>
+            </a:r>
+            <a:endParaRPr lang="en-US" sz="3200" b="0" strike="noStrike" spc="-1" dirty="0">
+              <a:latin typeface="Arial"/>
+            </a:endParaRPr>
+          </a:p>
+          <a:p>
+            <a:pPr marL="432000" indent="-324000">
+              <a:spcBef>
+                <a:spcPts val="1417"/>
+              </a:spcBef>
+              <a:buClr>
+                <a:srgbClr val="000000"/>
+              </a:buClr>
+              <a:buSzPct val="45000"/>
+              <a:buFont typeface="Wingdings" charset="2"/>
+              <a:buChar char=""/>
+            </a:pPr>
+            <a:r>
+              <a:rPr lang="en-US" sz="3200" spc="-1" dirty="0"/>
+              <a:t>outliers values out of [0,750]?</a:t>
+            </a:r>
+            <a:endParaRPr lang="en-US" sz="3200" b="0" strike="noStrike" spc="-1" dirty="0">
+              <a:latin typeface="Arial"/>
+            </a:endParaRPr>
+          </a:p>
+        </p:txBody>
+      </p:sp>
+      <p:pic>
+        <p:nvPicPr>
+          <p:cNvPr id="2" name="Imagen 1"/>
+          <p:cNvPicPr>
+            <a:picLocks noChangeAspect="1"/>
+          </p:cNvPicPr>
+          <p:nvPr/>
+        </p:nvPicPr>
+        <p:blipFill>
+          <a:blip r:embed="rId2"/>
+          <a:stretch>
+            <a:fillRect/>
+          </a:stretch>
+        </p:blipFill>
+        <p:spPr>
+          <a:xfrm>
+            <a:off x="4642936" y="1172520"/>
+            <a:ext cx="5437689" cy="4298601"/>
+          </a:xfrm>
+          <a:prstGeom prst="rect">
+            <a:avLst/>
+          </a:prstGeom>
+        </p:spPr>
+      </p:pic>
     </p:spTree>
+    <p:extLst>
+      <p:ext uri="{BB962C8B-B14F-4D97-AF65-F5344CB8AC3E}">
+        <p14:creationId xmlns:p14="http://schemas.microsoft.com/office/powerpoint/2010/main" val="2653760326"/>
+      </p:ext>
+    </p:extLst>
   </p:cSld>
-  <mc:AlternateContent>
+  <p:clrMapOvr>
+    <a:masterClrMapping/>
+  </p:clrMapOvr>
+  <mc:AlternateContent xmlns:mc="http://schemas.openxmlformats.org/markup-compatibility/2006" xmlns:p14="http://schemas.microsoft.com/office/powerpoint/2010/main">
     <mc:Choice Requires="p14">
       <p:transition spd="slow" p14:dur="2000"/>
     </mc:Choice>
-    <mc:Fallback>
+    <mc:Fallback xmlns:p15="http://schemas.microsoft.com/office/powerpoint/2012/main" xmlns="">
       <p:transition spd="slow"/>
     </mc:Fallback>
   </mc:AlternateContent>
 </p:sld>
 </file>
 
-<file path=ppt/slides/slide2.xml><?xml version="1.0" encoding="utf-8"?>
-<p:sld xmlns:a="http://schemas.openxmlformats.org/drawingml/2006/main" xmlns:p="http://schemas.openxmlformats.org/presentationml/2006/main" xmlns:r="http://schemas.openxmlformats.org/officeDocument/2006/relationships" xmlns:p14="http://schemas.microsoft.com/office/powerpoint/2010/main" xmlns:p15="http://schemas.microsoft.com/office/powerpoint/2012/main" xmlns:mc="http://schemas.openxmlformats.org/markup-compatibility/2006">
+<file path=ppt/slides/slide11.xml><?xml version="1.0" encoding="utf-8"?>
+<p:sld xmlns:a="http://schemas.openxmlformats.org/drawingml/2006/main" xmlns:r="http://schemas.openxmlformats.org/officeDocument/2006/relationships" xmlns:p="http://schemas.openxmlformats.org/presentationml/2006/main">
   <p:cSld>
     <p:spTree>
       <p:nvGrpSpPr>
@@ -1867,18 +2484,19 @@
           </a:ln>
         </p:spPr>
         <p:txBody>
-          <a:bodyPr lIns="0" rIns="0" tIns="0" bIns="0" anchor="ctr">
+          <a:bodyPr lIns="0" tIns="0" rIns="0" bIns="0" anchor="ctr">
             <a:noAutofit/>
           </a:bodyPr>
+          <a:lstStyle/>
           <a:p>
             <a:pPr algn="ctr"/>
             <a:r>
-              <a:rPr b="0" lang="en-US" sz="4400" spc="-1" strike="noStrike">
+              <a:rPr lang="en-US" sz="4400" b="0" strike="noStrike" spc="-1" dirty="0" smtClean="0">
                 <a:latin typeface="Arial"/>
               </a:rPr>
-              <a:t>IMC</a:t>
-            </a:r>
-            <a:endParaRPr b="0" lang="en-US" sz="4400" spc="-1" strike="noStrike">
+              <a:t>GOT</a:t>
+            </a:r>
+            <a:endParaRPr lang="en-US" sz="4400" b="0" strike="noStrike" spc="-1" dirty="0">
               <a:latin typeface="Arial"/>
             </a:endParaRPr>
           </a:p>
@@ -1904,88 +2522,652 @@
           </a:ln>
         </p:spPr>
         <p:txBody>
-          <a:bodyPr lIns="0" rIns="0" tIns="0" bIns="0">
-            <a:normAutofit fontScale="70000"/>
-          </a:bodyPr>
-          <a:p>
-            <a:pPr marL="432000" indent="-324000">
-              <a:spcBef>
-                <a:spcPts val="1417"/>
-              </a:spcBef>
-              <a:buClr>
-                <a:srgbClr val="000000"/>
-              </a:buClr>
-              <a:buSzPct val="45000"/>
-              <a:buFont typeface="Wingdings" charset="2"/>
-              <a:buChar char=""/>
-            </a:pPr>
-            <a:r>
-              <a:rPr b="0" lang="en-US" sz="3200" spc="-1" strike="noStrike">
+          <a:bodyPr lIns="0" tIns="0" rIns="0" bIns="0">
+            <a:normAutofit/>
+          </a:bodyPr>
+          <a:lstStyle/>
+          <a:p>
+            <a:pPr marL="432000" indent="-324000">
+              <a:spcBef>
+                <a:spcPts val="1417"/>
+              </a:spcBef>
+              <a:buClr>
+                <a:srgbClr val="000000"/>
+              </a:buClr>
+              <a:buSzPct val="45000"/>
+              <a:buFont typeface="Wingdings" charset="2"/>
+              <a:buChar char=""/>
+            </a:pPr>
+            <a:r>
+              <a:rPr lang="en-US" sz="3200" b="0" strike="noStrike" spc="-1" dirty="0" smtClean="0">
+                <a:latin typeface="Arial"/>
+              </a:rPr>
+              <a:t>GOT</a:t>
+            </a:r>
+            <a:endParaRPr lang="en-US" sz="3200" b="0" strike="noStrike" spc="-1" dirty="0">
+              <a:latin typeface="Arial"/>
+            </a:endParaRPr>
+          </a:p>
+          <a:p>
+            <a:pPr marL="432000" indent="-324000">
+              <a:spcBef>
+                <a:spcPts val="1417"/>
+              </a:spcBef>
+              <a:buClr>
+                <a:srgbClr val="000000"/>
+              </a:buClr>
+              <a:buSzPct val="45000"/>
+              <a:buFont typeface="Wingdings" charset="2"/>
+              <a:buChar char=""/>
+            </a:pPr>
+            <a:r>
+              <a:rPr lang="en-US" sz="3200" spc="-1" dirty="0"/>
+              <a:t>outliers values out of [0,150</a:t>
+            </a:r>
+            <a:r>
+              <a:rPr lang="en-US" sz="3200" spc="-1" dirty="0" smtClean="0"/>
+              <a:t>]</a:t>
+            </a:r>
+          </a:p>
+          <a:p>
+            <a:pPr marL="432000" indent="-324000">
+              <a:spcBef>
+                <a:spcPts val="1417"/>
+              </a:spcBef>
+              <a:buClr>
+                <a:srgbClr val="000000"/>
+              </a:buClr>
+              <a:buSzPct val="45000"/>
+              <a:buFont typeface="Wingdings" charset="2"/>
+              <a:buChar char=""/>
+            </a:pPr>
+            <a:r>
+              <a:rPr lang="en-US" sz="3200" spc="-1" dirty="0" smtClean="0"/>
+              <a:t>a bunch of patients with values higher than 150 up to 500</a:t>
+            </a:r>
+            <a:endParaRPr lang="en-US" sz="3200" b="0" strike="noStrike" spc="-1" dirty="0">
+              <a:latin typeface="Arial"/>
+            </a:endParaRPr>
+          </a:p>
+        </p:txBody>
+      </p:sp>
+      <p:pic>
+        <p:nvPicPr>
+          <p:cNvPr id="2" name="Imagen 1"/>
+          <p:cNvPicPr>
+            <a:picLocks noChangeAspect="1"/>
+          </p:cNvPicPr>
+          <p:nvPr/>
+        </p:nvPicPr>
+        <p:blipFill>
+          <a:blip r:embed="rId2"/>
+          <a:stretch>
+            <a:fillRect/>
+          </a:stretch>
+        </p:blipFill>
+        <p:spPr>
+          <a:xfrm>
+            <a:off x="4697612" y="1216214"/>
+            <a:ext cx="5226034" cy="4151972"/>
+          </a:xfrm>
+          <a:prstGeom prst="rect">
+            <a:avLst/>
+          </a:prstGeom>
+        </p:spPr>
+      </p:pic>
+    </p:spTree>
+    <p:extLst>
+      <p:ext uri="{BB962C8B-B14F-4D97-AF65-F5344CB8AC3E}">
+        <p14:creationId xmlns:p14="http://schemas.microsoft.com/office/powerpoint/2010/main" val="4081059499"/>
+      </p:ext>
+    </p:extLst>
+  </p:cSld>
+  <p:clrMapOvr>
+    <a:masterClrMapping/>
+  </p:clrMapOvr>
+  <mc:AlternateContent xmlns:mc="http://schemas.openxmlformats.org/markup-compatibility/2006" xmlns:p14="http://schemas.microsoft.com/office/powerpoint/2010/main">
+    <mc:Choice Requires="p14">
+      <p:transition spd="slow" p14:dur="2000"/>
+    </mc:Choice>
+    <mc:Fallback xmlns:p15="http://schemas.microsoft.com/office/powerpoint/2012/main" xmlns="">
+      <p:transition spd="slow"/>
+    </mc:Fallback>
+  </mc:AlternateContent>
+</p:sld>
+</file>
+
+<file path=ppt/slides/slide12.xml><?xml version="1.0" encoding="utf-8"?>
+<p:sld xmlns:a="http://schemas.openxmlformats.org/drawingml/2006/main" xmlns:r="http://schemas.openxmlformats.org/officeDocument/2006/relationships" xmlns:p="http://schemas.openxmlformats.org/presentationml/2006/main">
+  <p:cSld>
+    <p:spTree>
+      <p:nvGrpSpPr>
+        <p:cNvPr id="1" name=""/>
+        <p:cNvGrpSpPr/>
+        <p:nvPr/>
+      </p:nvGrpSpPr>
+      <p:grpSpPr>
+        <a:xfrm>
+          <a:off x="0" y="0"/>
+          <a:ext cx="0" cy="0"/>
+          <a:chOff x="0" y="0"/>
+          <a:chExt cx="0" cy="0"/>
+        </a:xfrm>
+      </p:grpSpPr>
+      <p:sp>
+        <p:nvSpPr>
+          <p:cNvPr id="43" name="TextShape 1"/>
+          <p:cNvSpPr txBox="1"/>
+          <p:nvPr/>
+        </p:nvSpPr>
+        <p:spPr>
+          <a:xfrm>
+            <a:off x="504000" y="226080"/>
+            <a:ext cx="9071640" cy="946440"/>
+          </a:xfrm>
+          <a:prstGeom prst="rect">
+            <a:avLst/>
+          </a:prstGeom>
+          <a:noFill/>
+          <a:ln w="0">
+            <a:noFill/>
+          </a:ln>
+        </p:spPr>
+        <p:txBody>
+          <a:bodyPr lIns="0" tIns="0" rIns="0" bIns="0" anchor="ctr">
+            <a:noAutofit/>
+          </a:bodyPr>
+          <a:lstStyle/>
+          <a:p>
+            <a:pPr algn="ctr"/>
+            <a:r>
+              <a:rPr lang="en-US" sz="4400" b="0" strike="noStrike" spc="-1" dirty="0" smtClean="0">
+                <a:latin typeface="Arial"/>
+              </a:rPr>
+              <a:t>GPT</a:t>
+            </a:r>
+            <a:endParaRPr lang="en-US" sz="4400" b="0" strike="noStrike" spc="-1" dirty="0">
+              <a:latin typeface="Arial"/>
+            </a:endParaRPr>
+          </a:p>
+        </p:txBody>
+      </p:sp>
+      <p:sp>
+        <p:nvSpPr>
+          <p:cNvPr id="44" name="TextShape 2"/>
+          <p:cNvSpPr txBox="1"/>
+          <p:nvPr/>
+        </p:nvSpPr>
+        <p:spPr>
+          <a:xfrm>
+            <a:off x="685800" y="1326600"/>
+            <a:ext cx="4114800" cy="3931200"/>
+          </a:xfrm>
+          <a:prstGeom prst="rect">
+            <a:avLst/>
+          </a:prstGeom>
+          <a:noFill/>
+          <a:ln w="0">
+            <a:noFill/>
+          </a:ln>
+        </p:spPr>
+        <p:txBody>
+          <a:bodyPr lIns="0" tIns="0" rIns="0" bIns="0">
+            <a:normAutofit fontScale="92500" lnSpcReduction="10000"/>
+          </a:bodyPr>
+          <a:lstStyle/>
+          <a:p>
+            <a:pPr marL="432000" indent="-324000">
+              <a:spcBef>
+                <a:spcPts val="1417"/>
+              </a:spcBef>
+              <a:buClr>
+                <a:srgbClr val="000000"/>
+              </a:buClr>
+              <a:buSzPct val="45000"/>
+              <a:buFont typeface="Wingdings" charset="2"/>
+              <a:buChar char=""/>
+            </a:pPr>
+            <a:r>
+              <a:rPr lang="en-US" sz="3200" b="0" strike="noStrike" spc="-1" dirty="0" smtClean="0">
+                <a:latin typeface="Arial"/>
+              </a:rPr>
+              <a:t>GPT</a:t>
+            </a:r>
+            <a:endParaRPr lang="en-US" sz="3200" b="0" strike="noStrike" spc="-1" dirty="0">
+              <a:latin typeface="Arial"/>
+            </a:endParaRPr>
+          </a:p>
+          <a:p>
+            <a:pPr marL="432000" indent="-324000">
+              <a:spcBef>
+                <a:spcPts val="1417"/>
+              </a:spcBef>
+              <a:buClr>
+                <a:srgbClr val="000000"/>
+              </a:buClr>
+              <a:buSzPct val="45000"/>
+              <a:buFont typeface="Wingdings" charset="2"/>
+              <a:buChar char=""/>
+            </a:pPr>
+            <a:r>
+              <a:rPr lang="en-US" sz="3200" spc="-1" dirty="0"/>
+              <a:t>outliers values out of [0,250</a:t>
+            </a:r>
+            <a:r>
+              <a:rPr lang="en-US" sz="3200" spc="-1" dirty="0" smtClean="0"/>
+              <a:t>]</a:t>
+            </a:r>
+          </a:p>
+          <a:p>
+            <a:pPr marL="432000" indent="-324000">
+              <a:spcBef>
+                <a:spcPts val="1417"/>
+              </a:spcBef>
+              <a:buClr>
+                <a:srgbClr val="000000"/>
+              </a:buClr>
+              <a:buSzPct val="45000"/>
+              <a:buFont typeface="Wingdings" charset="2"/>
+              <a:buChar char=""/>
+            </a:pPr>
+            <a:r>
+              <a:rPr lang="en-US" sz="3200" spc="-1" dirty="0" smtClean="0"/>
+              <a:t>a bunch of patients with values between 250 an 400, some even higher up to 1000</a:t>
+            </a:r>
+            <a:endParaRPr lang="en-US" sz="3200" b="0" strike="noStrike" spc="-1" dirty="0">
+              <a:latin typeface="Arial"/>
+            </a:endParaRPr>
+          </a:p>
+        </p:txBody>
+      </p:sp>
+      <p:pic>
+        <p:nvPicPr>
+          <p:cNvPr id="2" name="Imagen 1"/>
+          <p:cNvPicPr>
+            <a:picLocks noChangeAspect="1"/>
+          </p:cNvPicPr>
+          <p:nvPr/>
+        </p:nvPicPr>
+        <p:blipFill>
+          <a:blip r:embed="rId2"/>
+          <a:stretch>
+            <a:fillRect/>
+          </a:stretch>
+        </p:blipFill>
+        <p:spPr>
+          <a:xfrm>
+            <a:off x="4800600" y="1078555"/>
+            <a:ext cx="5178108" cy="4179245"/>
+          </a:xfrm>
+          <a:prstGeom prst="rect">
+            <a:avLst/>
+          </a:prstGeom>
+        </p:spPr>
+      </p:pic>
+    </p:spTree>
+    <p:extLst>
+      <p:ext uri="{BB962C8B-B14F-4D97-AF65-F5344CB8AC3E}">
+        <p14:creationId xmlns:p14="http://schemas.microsoft.com/office/powerpoint/2010/main" val="3250662910"/>
+      </p:ext>
+    </p:extLst>
+  </p:cSld>
+  <p:clrMapOvr>
+    <a:masterClrMapping/>
+  </p:clrMapOvr>
+  <mc:AlternateContent xmlns:mc="http://schemas.openxmlformats.org/markup-compatibility/2006" xmlns:p14="http://schemas.microsoft.com/office/powerpoint/2010/main">
+    <mc:Choice Requires="p14">
+      <p:transition spd="slow" p14:dur="2000"/>
+    </mc:Choice>
+    <mc:Fallback xmlns:p15="http://schemas.microsoft.com/office/powerpoint/2012/main" xmlns="">
+      <p:transition spd="slow"/>
+    </mc:Fallback>
+  </mc:AlternateContent>
+</p:sld>
+</file>
+
+<file path=ppt/slides/slide13.xml><?xml version="1.0" encoding="utf-8"?>
+<p:sld xmlns:a="http://schemas.openxmlformats.org/drawingml/2006/main" xmlns:r="http://schemas.openxmlformats.org/officeDocument/2006/relationships" xmlns:p="http://schemas.openxmlformats.org/presentationml/2006/main">
+  <p:cSld>
+    <p:spTree>
+      <p:nvGrpSpPr>
+        <p:cNvPr id="1" name=""/>
+        <p:cNvGrpSpPr/>
+        <p:nvPr/>
+      </p:nvGrpSpPr>
+      <p:grpSpPr>
+        <a:xfrm>
+          <a:off x="0" y="0"/>
+          <a:ext cx="0" cy="0"/>
+          <a:chOff x="0" y="0"/>
+          <a:chExt cx="0" cy="0"/>
+        </a:xfrm>
+      </p:grpSpPr>
+      <p:sp>
+        <p:nvSpPr>
+          <p:cNvPr id="43" name="TextShape 1"/>
+          <p:cNvSpPr txBox="1"/>
+          <p:nvPr/>
+        </p:nvSpPr>
+        <p:spPr>
+          <a:xfrm>
+            <a:off x="504000" y="226080"/>
+            <a:ext cx="9071640" cy="946440"/>
+          </a:xfrm>
+          <a:prstGeom prst="rect">
+            <a:avLst/>
+          </a:prstGeom>
+          <a:noFill/>
+          <a:ln w="0">
+            <a:noFill/>
+          </a:ln>
+        </p:spPr>
+        <p:txBody>
+          <a:bodyPr lIns="0" tIns="0" rIns="0" bIns="0" anchor="ctr">
+            <a:noAutofit/>
+          </a:bodyPr>
+          <a:lstStyle/>
+          <a:p>
+            <a:pPr algn="ctr"/>
+            <a:r>
+              <a:rPr lang="en-US" sz="4400" b="0" strike="noStrike" spc="-1" dirty="0" smtClean="0">
+                <a:latin typeface="Arial"/>
+              </a:rPr>
+              <a:t>GGT</a:t>
+            </a:r>
+            <a:endParaRPr lang="en-US" sz="4400" b="0" strike="noStrike" spc="-1" dirty="0">
+              <a:latin typeface="Arial"/>
+            </a:endParaRPr>
+          </a:p>
+        </p:txBody>
+      </p:sp>
+      <p:sp>
+        <p:nvSpPr>
+          <p:cNvPr id="44" name="TextShape 2"/>
+          <p:cNvSpPr txBox="1"/>
+          <p:nvPr/>
+        </p:nvSpPr>
+        <p:spPr>
+          <a:xfrm>
+            <a:off x="685800" y="1326600"/>
+            <a:ext cx="4114800" cy="3931200"/>
+          </a:xfrm>
+          <a:prstGeom prst="rect">
+            <a:avLst/>
+          </a:prstGeom>
+          <a:noFill/>
+          <a:ln w="0">
+            <a:noFill/>
+          </a:ln>
+        </p:spPr>
+        <p:txBody>
+          <a:bodyPr lIns="0" tIns="0" rIns="0" bIns="0">
+            <a:normAutofit/>
+          </a:bodyPr>
+          <a:lstStyle/>
+          <a:p>
+            <a:pPr marL="432000" indent="-324000">
+              <a:spcBef>
+                <a:spcPts val="1417"/>
+              </a:spcBef>
+              <a:buClr>
+                <a:srgbClr val="000000"/>
+              </a:buClr>
+              <a:buSzPct val="45000"/>
+              <a:buFont typeface="Wingdings" charset="2"/>
+              <a:buChar char=""/>
+            </a:pPr>
+            <a:r>
+              <a:rPr lang="en-US" sz="3200" b="0" strike="noStrike" spc="-1" dirty="0" smtClean="0">
+                <a:latin typeface="Arial"/>
+              </a:rPr>
+              <a:t>GGT</a:t>
+            </a:r>
+            <a:endParaRPr lang="en-US" sz="3200" b="0" strike="noStrike" spc="-1" dirty="0">
+              <a:latin typeface="Arial"/>
+            </a:endParaRPr>
+          </a:p>
+          <a:p>
+            <a:pPr marL="432000" indent="-324000">
+              <a:spcBef>
+                <a:spcPts val="1417"/>
+              </a:spcBef>
+              <a:buClr>
+                <a:srgbClr val="000000"/>
+              </a:buClr>
+              <a:buSzPct val="45000"/>
+              <a:buFont typeface="Wingdings" charset="2"/>
+              <a:buChar char=""/>
+            </a:pPr>
+            <a:r>
+              <a:rPr lang="en-US" sz="3200" spc="-1" dirty="0"/>
+              <a:t>outliers values out of [0,1000</a:t>
+            </a:r>
+            <a:r>
+              <a:rPr lang="en-US" sz="3200" spc="-1" dirty="0" smtClean="0"/>
+              <a:t>]</a:t>
+            </a:r>
+          </a:p>
+          <a:p>
+            <a:pPr marL="432000" indent="-324000">
+              <a:spcBef>
+                <a:spcPts val="1417"/>
+              </a:spcBef>
+              <a:buClr>
+                <a:srgbClr val="000000"/>
+              </a:buClr>
+              <a:buSzPct val="45000"/>
+              <a:buFont typeface="Wingdings" charset="2"/>
+              <a:buChar char=""/>
+            </a:pPr>
+            <a:r>
+              <a:rPr lang="en-US" sz="3200" spc="-1" dirty="0" smtClean="0"/>
+              <a:t>some </a:t>
+            </a:r>
+            <a:r>
+              <a:rPr lang="en-US" sz="3200" spc="-1" dirty="0" err="1" smtClean="0"/>
+              <a:t>patiens</a:t>
+            </a:r>
+            <a:r>
+              <a:rPr lang="en-US" sz="3200" spc="-1" dirty="0" smtClean="0"/>
+              <a:t> even higher 1500 up to 2500</a:t>
+            </a:r>
+            <a:endParaRPr lang="en-US" sz="3200" b="0" strike="noStrike" spc="-1" dirty="0">
+              <a:latin typeface="Arial"/>
+            </a:endParaRPr>
+          </a:p>
+        </p:txBody>
+      </p:sp>
+      <p:pic>
+        <p:nvPicPr>
+          <p:cNvPr id="2" name="Imagen 1"/>
+          <p:cNvPicPr>
+            <a:picLocks noChangeAspect="1"/>
+          </p:cNvPicPr>
+          <p:nvPr/>
+        </p:nvPicPr>
+        <p:blipFill>
+          <a:blip r:embed="rId2"/>
+          <a:stretch>
+            <a:fillRect/>
+          </a:stretch>
+        </p:blipFill>
+        <p:spPr>
+          <a:xfrm>
+            <a:off x="4800600" y="1320627"/>
+            <a:ext cx="4960989" cy="3937173"/>
+          </a:xfrm>
+          <a:prstGeom prst="rect">
+            <a:avLst/>
+          </a:prstGeom>
+        </p:spPr>
+      </p:pic>
+    </p:spTree>
+    <p:extLst>
+      <p:ext uri="{BB962C8B-B14F-4D97-AF65-F5344CB8AC3E}">
+        <p14:creationId xmlns:p14="http://schemas.microsoft.com/office/powerpoint/2010/main" val="2409752253"/>
+      </p:ext>
+    </p:extLst>
+  </p:cSld>
+  <p:clrMapOvr>
+    <a:masterClrMapping/>
+  </p:clrMapOvr>
+  <mc:AlternateContent xmlns:mc="http://schemas.openxmlformats.org/markup-compatibility/2006" xmlns:p14="http://schemas.microsoft.com/office/powerpoint/2010/main">
+    <mc:Choice Requires="p14">
+      <p:transition spd="slow" p14:dur="2000"/>
+    </mc:Choice>
+    <mc:Fallback xmlns:p15="http://schemas.microsoft.com/office/powerpoint/2012/main" xmlns="">
+      <p:transition spd="slow"/>
+    </mc:Fallback>
+  </mc:AlternateContent>
+</p:sld>
+</file>
+
+<file path=ppt/slides/slide14.xml><?xml version="1.0" encoding="utf-8"?>
+<p:sld xmlns:a="http://schemas.openxmlformats.org/drawingml/2006/main" xmlns:r="http://schemas.openxmlformats.org/officeDocument/2006/relationships" xmlns:p="http://schemas.openxmlformats.org/presentationml/2006/main">
+  <p:cSld>
+    <p:spTree>
+      <p:nvGrpSpPr>
+        <p:cNvPr id="1" name=""/>
+        <p:cNvGrpSpPr/>
+        <p:nvPr/>
+      </p:nvGrpSpPr>
+      <p:grpSpPr>
+        <a:xfrm>
+          <a:off x="0" y="0"/>
+          <a:ext cx="0" cy="0"/>
+          <a:chOff x="0" y="0"/>
+          <a:chExt cx="0" cy="0"/>
+        </a:xfrm>
+      </p:grpSpPr>
+      <p:sp>
+        <p:nvSpPr>
+          <p:cNvPr id="43" name="TextShape 1"/>
+          <p:cNvSpPr txBox="1"/>
+          <p:nvPr/>
+        </p:nvSpPr>
+        <p:spPr>
+          <a:xfrm>
+            <a:off x="504000" y="226080"/>
+            <a:ext cx="9071640" cy="946440"/>
+          </a:xfrm>
+          <a:prstGeom prst="rect">
+            <a:avLst/>
+          </a:prstGeom>
+          <a:noFill/>
+          <a:ln w="0">
+            <a:noFill/>
+          </a:ln>
+        </p:spPr>
+        <p:txBody>
+          <a:bodyPr lIns="0" tIns="0" rIns="0" bIns="0" anchor="ctr">
+            <a:noAutofit/>
+          </a:bodyPr>
+          <a:lstStyle/>
+          <a:p>
+            <a:pPr algn="ctr"/>
+            <a:r>
+              <a:rPr lang="en-US" sz="4400" b="0" strike="noStrike" spc="-1">
                 <a:latin typeface="Arial"/>
               </a:rPr>
               <a:t>IMC</a:t>
             </a:r>
-            <a:endParaRPr b="0" lang="en-US" sz="3200" spc="-1" strike="noStrike">
-              <a:latin typeface="Arial"/>
-            </a:endParaRPr>
-          </a:p>
-          <a:p>
-            <a:pPr marL="432000" indent="-324000">
-              <a:spcBef>
-                <a:spcPts val="1417"/>
-              </a:spcBef>
-              <a:buClr>
-                <a:srgbClr val="000000"/>
-              </a:buClr>
-              <a:buSzPct val="45000"/>
-              <a:buFont typeface="Wingdings" charset="2"/>
-              <a:buChar char=""/>
-            </a:pPr>
-            <a:r>
-              <a:rPr b="0" lang="en-US" sz="3200" spc="-1" strike="noStrike">
+          </a:p>
+        </p:txBody>
+      </p:sp>
+      <p:sp>
+        <p:nvSpPr>
+          <p:cNvPr id="44" name="TextShape 2"/>
+          <p:cNvSpPr txBox="1"/>
+          <p:nvPr/>
+        </p:nvSpPr>
+        <p:spPr>
+          <a:xfrm>
+            <a:off x="685800" y="1326600"/>
+            <a:ext cx="4114800" cy="3931200"/>
+          </a:xfrm>
+          <a:prstGeom prst="rect">
+            <a:avLst/>
+          </a:prstGeom>
+          <a:noFill/>
+          <a:ln w="0">
+            <a:noFill/>
+          </a:ln>
+        </p:spPr>
+        <p:txBody>
+          <a:bodyPr lIns="0" tIns="0" rIns="0" bIns="0">
+            <a:normAutofit fontScale="92500" lnSpcReduction="20000"/>
+          </a:bodyPr>
+          <a:lstStyle/>
+          <a:p>
+            <a:pPr marL="432000" indent="-324000">
+              <a:spcBef>
+                <a:spcPts val="1417"/>
+              </a:spcBef>
+              <a:buClr>
+                <a:srgbClr val="000000"/>
+              </a:buClr>
+              <a:buSzPct val="45000"/>
+              <a:buFont typeface="Wingdings" charset="2"/>
+              <a:buChar char=""/>
+            </a:pPr>
+            <a:r>
+              <a:rPr lang="en-US" sz="3200" b="0" strike="noStrike" spc="-1">
+                <a:latin typeface="Arial"/>
+              </a:rPr>
+              <a:t>IMC</a:t>
+            </a:r>
+          </a:p>
+          <a:p>
+            <a:pPr marL="432000" indent="-324000">
+              <a:spcBef>
+                <a:spcPts val="1417"/>
+              </a:spcBef>
+              <a:buClr>
+                <a:srgbClr val="000000"/>
+              </a:buClr>
+              <a:buSzPct val="45000"/>
+              <a:buFont typeface="Wingdings" charset="2"/>
+              <a:buChar char=""/>
+            </a:pPr>
+            <a:r>
+              <a:rPr lang="en-US" sz="3200" b="0" strike="noStrike" spc="-1">
                 <a:latin typeface="Arial"/>
               </a:rPr>
               <a:t>Outliers for values out of [10,100]</a:t>
             </a:r>
-            <a:endParaRPr b="0" lang="en-US" sz="3200" spc="-1" strike="noStrike">
-              <a:latin typeface="Arial"/>
-            </a:endParaRPr>
-          </a:p>
-          <a:p>
-            <a:pPr marL="432000" indent="-324000">
-              <a:spcBef>
-                <a:spcPts val="1417"/>
-              </a:spcBef>
-              <a:buClr>
-                <a:srgbClr val="000000"/>
-              </a:buClr>
-              <a:buSzPct val="45000"/>
-              <a:buFont typeface="Wingdings" charset="2"/>
-              <a:buChar char=""/>
-            </a:pPr>
-            <a:r>
-              <a:rPr b="0" lang="en-US" sz="3200" spc="-1" strike="noStrike">
+          </a:p>
+          <a:p>
+            <a:pPr marL="432000" indent="-324000">
+              <a:spcBef>
+                <a:spcPts val="1417"/>
+              </a:spcBef>
+              <a:buClr>
+                <a:srgbClr val="000000"/>
+              </a:buClr>
+              <a:buSzPct val="45000"/>
+              <a:buFont typeface="Wingdings" charset="2"/>
+              <a:buChar char=""/>
+            </a:pPr>
+            <a:r>
+              <a:rPr lang="en-US" sz="3200" b="0" strike="noStrike" spc="-1">
                 <a:latin typeface="Arial"/>
               </a:rPr>
               <a:t>There are several patients with values between 60 and 100, is that correct. Most of the patients are in the range 18-59</a:t>
             </a:r>
-            <a:endParaRPr b="0" lang="en-US" sz="3200" spc="-1" strike="noStrike">
-              <a:latin typeface="Arial"/>
-            </a:endParaRPr>
-          </a:p>
-          <a:p>
-            <a:pPr marL="432000" indent="-324000">
-              <a:spcBef>
-                <a:spcPts val="1417"/>
-              </a:spcBef>
-              <a:buClr>
-                <a:srgbClr val="000000"/>
-              </a:buClr>
-              <a:buSzPct val="45000"/>
-              <a:buFont typeface="Wingdings" charset="2"/>
-              <a:buChar char=""/>
-            </a:pPr>
-            <a:endParaRPr b="0" lang="en-US" sz="3200" spc="-1" strike="noStrike">
+          </a:p>
+          <a:p>
+            <a:pPr marL="432000" indent="-324000">
+              <a:spcBef>
+                <a:spcPts val="1417"/>
+              </a:spcBef>
+              <a:buClr>
+                <a:srgbClr val="000000"/>
+              </a:buClr>
+              <a:buSzPct val="45000"/>
+              <a:buFont typeface="Wingdings" charset="2"/>
+              <a:buChar char=""/>
+            </a:pPr>
+            <a:endParaRPr lang="en-US" sz="3200" b="0" strike="noStrike" spc="-1">
               <a:latin typeface="Arial"/>
             </a:endParaRPr>
           </a:p>
@@ -1993,12 +3175,12 @@
       </p:sp>
       <p:pic>
         <p:nvPicPr>
-          <p:cNvPr id="45" name="" descr=""/>
+          <p:cNvPr id="45" name="Imagen 44"/>
           <p:cNvPicPr/>
           <p:nvPr/>
         </p:nvPicPr>
         <p:blipFill>
-          <a:blip r:embed="rId1"/>
+          <a:blip r:embed="rId2"/>
           <a:stretch/>
         </p:blipFill>
         <p:spPr>
@@ -2015,12 +3197,3471 @@
         </p:spPr>
       </p:pic>
     </p:spTree>
+    <p:extLst>
+      <p:ext uri="{BB962C8B-B14F-4D97-AF65-F5344CB8AC3E}">
+        <p14:creationId xmlns:p14="http://schemas.microsoft.com/office/powerpoint/2010/main" val="1692467901"/>
+      </p:ext>
+    </p:extLst>
   </p:cSld>
-  <mc:AlternateContent>
+  <p:clrMapOvr>
+    <a:masterClrMapping/>
+  </p:clrMapOvr>
+  <mc:AlternateContent xmlns:mc="http://schemas.openxmlformats.org/markup-compatibility/2006" xmlns:p14="http://schemas.microsoft.com/office/powerpoint/2010/main">
     <mc:Choice Requires="p14">
       <p:transition spd="slow" p14:dur="2000"/>
     </mc:Choice>
-    <mc:Fallback>
+    <mc:Fallback xmlns:p15="http://schemas.microsoft.com/office/powerpoint/2012/main" xmlns="">
+      <p:transition spd="slow"/>
+    </mc:Fallback>
+  </mc:AlternateContent>
+</p:sld>
+</file>
+
+<file path=ppt/slides/slide15.xml><?xml version="1.0" encoding="utf-8"?>
+<p:sld xmlns:a="http://schemas.openxmlformats.org/drawingml/2006/main" xmlns:r="http://schemas.openxmlformats.org/officeDocument/2006/relationships" xmlns:p="http://schemas.openxmlformats.org/presentationml/2006/main">
+  <p:cSld>
+    <p:spTree>
+      <p:nvGrpSpPr>
+        <p:cNvPr id="1" name=""/>
+        <p:cNvGrpSpPr/>
+        <p:nvPr/>
+      </p:nvGrpSpPr>
+      <p:grpSpPr>
+        <a:xfrm>
+          <a:off x="0" y="0"/>
+          <a:ext cx="0" cy="0"/>
+          <a:chOff x="0" y="0"/>
+          <a:chExt cx="0" cy="0"/>
+        </a:xfrm>
+      </p:grpSpPr>
+      <p:sp>
+        <p:nvSpPr>
+          <p:cNvPr id="43" name="TextShape 1"/>
+          <p:cNvSpPr txBox="1"/>
+          <p:nvPr/>
+        </p:nvSpPr>
+        <p:spPr>
+          <a:xfrm>
+            <a:off x="504000" y="226080"/>
+            <a:ext cx="9071640" cy="946440"/>
+          </a:xfrm>
+          <a:prstGeom prst="rect">
+            <a:avLst/>
+          </a:prstGeom>
+          <a:noFill/>
+          <a:ln w="0">
+            <a:noFill/>
+          </a:ln>
+        </p:spPr>
+        <p:txBody>
+          <a:bodyPr lIns="0" tIns="0" rIns="0" bIns="0" anchor="ctr">
+            <a:noAutofit/>
+          </a:bodyPr>
+          <a:lstStyle/>
+          <a:p>
+            <a:pPr algn="ctr"/>
+            <a:r>
+              <a:rPr lang="en-US" sz="4400" b="0" strike="noStrike" spc="-1" dirty="0" smtClean="0">
+                <a:latin typeface="Arial"/>
+              </a:rPr>
+              <a:t>ALBUMINURIA</a:t>
+            </a:r>
+            <a:endParaRPr lang="en-US" sz="4400" b="0" strike="noStrike" spc="-1" dirty="0">
+              <a:latin typeface="Arial"/>
+            </a:endParaRPr>
+          </a:p>
+        </p:txBody>
+      </p:sp>
+      <p:sp>
+        <p:nvSpPr>
+          <p:cNvPr id="44" name="TextShape 2"/>
+          <p:cNvSpPr txBox="1"/>
+          <p:nvPr/>
+        </p:nvSpPr>
+        <p:spPr>
+          <a:xfrm>
+            <a:off x="685800" y="1326600"/>
+            <a:ext cx="4114800" cy="3931200"/>
+          </a:xfrm>
+          <a:prstGeom prst="rect">
+            <a:avLst/>
+          </a:prstGeom>
+          <a:noFill/>
+          <a:ln w="0">
+            <a:noFill/>
+          </a:ln>
+        </p:spPr>
+        <p:txBody>
+          <a:bodyPr lIns="0" tIns="0" rIns="0" bIns="0">
+            <a:normAutofit/>
+          </a:bodyPr>
+          <a:lstStyle/>
+          <a:p>
+            <a:pPr marL="432000" indent="-324000">
+              <a:spcBef>
+                <a:spcPts val="1417"/>
+              </a:spcBef>
+              <a:buClr>
+                <a:srgbClr val="000000"/>
+              </a:buClr>
+              <a:buSzPct val="45000"/>
+              <a:buFont typeface="Wingdings" charset="2"/>
+              <a:buChar char=""/>
+            </a:pPr>
+            <a:r>
+              <a:rPr lang="en-US" sz="3200" b="0" strike="noStrike" spc="-1" dirty="0" smtClean="0">
+                <a:latin typeface="Arial"/>
+              </a:rPr>
+              <a:t>ALBUMINURIA</a:t>
+            </a:r>
+            <a:endParaRPr lang="en-US" sz="3200" b="0" strike="noStrike" spc="-1" dirty="0">
+              <a:latin typeface="Arial"/>
+            </a:endParaRPr>
+          </a:p>
+          <a:p>
+            <a:pPr marL="432000" indent="-324000">
+              <a:spcBef>
+                <a:spcPts val="1417"/>
+              </a:spcBef>
+              <a:buClr>
+                <a:srgbClr val="000000"/>
+              </a:buClr>
+              <a:buSzPct val="45000"/>
+              <a:buFont typeface="Wingdings" charset="2"/>
+              <a:buChar char=""/>
+            </a:pPr>
+            <a:r>
+              <a:rPr lang="en-US" sz="3200" spc="-1" dirty="0"/>
+              <a:t>outliers values out of [0,1000</a:t>
+            </a:r>
+            <a:r>
+              <a:rPr lang="en-US" sz="3200" spc="-1" dirty="0" smtClean="0"/>
+              <a:t>]</a:t>
+            </a:r>
+          </a:p>
+          <a:p>
+            <a:pPr marL="432000" indent="-324000">
+              <a:spcBef>
+                <a:spcPts val="1417"/>
+              </a:spcBef>
+              <a:buClr>
+                <a:srgbClr val="000000"/>
+              </a:buClr>
+              <a:buSzPct val="45000"/>
+              <a:buFont typeface="Wingdings" charset="2"/>
+              <a:buChar char=""/>
+            </a:pPr>
+            <a:r>
+              <a:rPr lang="en-US" sz="3200" spc="-1" dirty="0" smtClean="0"/>
+              <a:t>a bunch of patients with values between 1000 and 3000</a:t>
+            </a:r>
+            <a:endParaRPr lang="en-US" sz="3200" b="0" strike="noStrike" spc="-1" dirty="0">
+              <a:latin typeface="Arial"/>
+            </a:endParaRPr>
+          </a:p>
+        </p:txBody>
+      </p:sp>
+      <p:pic>
+        <p:nvPicPr>
+          <p:cNvPr id="3" name="Imagen 2"/>
+          <p:cNvPicPr>
+            <a:picLocks noChangeAspect="1"/>
+          </p:cNvPicPr>
+          <p:nvPr/>
+        </p:nvPicPr>
+        <p:blipFill>
+          <a:blip r:embed="rId2"/>
+          <a:stretch>
+            <a:fillRect/>
+          </a:stretch>
+        </p:blipFill>
+        <p:spPr>
+          <a:xfrm>
+            <a:off x="4717264" y="1179831"/>
+            <a:ext cx="5216007" cy="4077969"/>
+          </a:xfrm>
+          <a:prstGeom prst="rect">
+            <a:avLst/>
+          </a:prstGeom>
+        </p:spPr>
+      </p:pic>
+    </p:spTree>
+    <p:extLst>
+      <p:ext uri="{BB962C8B-B14F-4D97-AF65-F5344CB8AC3E}">
+        <p14:creationId xmlns:p14="http://schemas.microsoft.com/office/powerpoint/2010/main" val="2331759747"/>
+      </p:ext>
+    </p:extLst>
+  </p:cSld>
+  <p:clrMapOvr>
+    <a:masterClrMapping/>
+  </p:clrMapOvr>
+  <mc:AlternateContent xmlns:mc="http://schemas.openxmlformats.org/markup-compatibility/2006" xmlns:p14="http://schemas.microsoft.com/office/powerpoint/2010/main">
+    <mc:Choice Requires="p14">
+      <p:transition spd="slow" p14:dur="2000"/>
+    </mc:Choice>
+    <mc:Fallback xmlns:p15="http://schemas.microsoft.com/office/powerpoint/2012/main" xmlns="">
+      <p:transition spd="slow"/>
+    </mc:Fallback>
+  </mc:AlternateContent>
+</p:sld>
+</file>
+
+<file path=ppt/slides/slide16.xml><?xml version="1.0" encoding="utf-8"?>
+<p:sld xmlns:a="http://schemas.openxmlformats.org/drawingml/2006/main" xmlns:r="http://schemas.openxmlformats.org/officeDocument/2006/relationships" xmlns:p="http://schemas.openxmlformats.org/presentationml/2006/main">
+  <p:cSld>
+    <p:spTree>
+      <p:nvGrpSpPr>
+        <p:cNvPr id="1" name=""/>
+        <p:cNvGrpSpPr/>
+        <p:nvPr/>
+      </p:nvGrpSpPr>
+      <p:grpSpPr>
+        <a:xfrm>
+          <a:off x="0" y="0"/>
+          <a:ext cx="0" cy="0"/>
+          <a:chOff x="0" y="0"/>
+          <a:chExt cx="0" cy="0"/>
+        </a:xfrm>
+      </p:grpSpPr>
+      <p:sp>
+        <p:nvSpPr>
+          <p:cNvPr id="43" name="TextShape 1"/>
+          <p:cNvSpPr txBox="1"/>
+          <p:nvPr/>
+        </p:nvSpPr>
+        <p:spPr>
+          <a:xfrm>
+            <a:off x="504000" y="226080"/>
+            <a:ext cx="9071640" cy="946440"/>
+          </a:xfrm>
+          <a:prstGeom prst="rect">
+            <a:avLst/>
+          </a:prstGeom>
+          <a:noFill/>
+          <a:ln w="0">
+            <a:noFill/>
+          </a:ln>
+        </p:spPr>
+        <p:txBody>
+          <a:bodyPr lIns="0" tIns="0" rIns="0" bIns="0" anchor="ctr">
+            <a:noAutofit/>
+          </a:bodyPr>
+          <a:lstStyle/>
+          <a:p>
+            <a:pPr algn="ctr"/>
+            <a:r>
+              <a:rPr lang="en-US" sz="4400" b="0" strike="noStrike" spc="-1" dirty="0" smtClean="0">
+                <a:latin typeface="Arial"/>
+              </a:rPr>
+              <a:t>FERRITIN</a:t>
+            </a:r>
+            <a:endParaRPr lang="en-US" sz="4400" b="0" strike="noStrike" spc="-1" dirty="0">
+              <a:latin typeface="Arial"/>
+            </a:endParaRPr>
+          </a:p>
+        </p:txBody>
+      </p:sp>
+      <p:sp>
+        <p:nvSpPr>
+          <p:cNvPr id="44" name="TextShape 2"/>
+          <p:cNvSpPr txBox="1"/>
+          <p:nvPr/>
+        </p:nvSpPr>
+        <p:spPr>
+          <a:xfrm>
+            <a:off x="685800" y="1326600"/>
+            <a:ext cx="4114800" cy="3931200"/>
+          </a:xfrm>
+          <a:prstGeom prst="rect">
+            <a:avLst/>
+          </a:prstGeom>
+          <a:noFill/>
+          <a:ln w="0">
+            <a:noFill/>
+          </a:ln>
+        </p:spPr>
+        <p:txBody>
+          <a:bodyPr lIns="0" tIns="0" rIns="0" bIns="0">
+            <a:normAutofit/>
+          </a:bodyPr>
+          <a:lstStyle/>
+          <a:p>
+            <a:pPr marL="432000" indent="-324000">
+              <a:spcBef>
+                <a:spcPts val="1417"/>
+              </a:spcBef>
+              <a:buClr>
+                <a:srgbClr val="000000"/>
+              </a:buClr>
+              <a:buSzPct val="45000"/>
+              <a:buFont typeface="Wingdings" charset="2"/>
+              <a:buChar char=""/>
+            </a:pPr>
+            <a:r>
+              <a:rPr lang="en-US" sz="3200" b="0" strike="noStrike" spc="-1" dirty="0" smtClean="0">
+                <a:latin typeface="Arial"/>
+              </a:rPr>
+              <a:t>FERRITIN</a:t>
+            </a:r>
+            <a:endParaRPr lang="en-US" sz="3200" b="0" strike="noStrike" spc="-1" dirty="0">
+              <a:latin typeface="Arial"/>
+            </a:endParaRPr>
+          </a:p>
+          <a:p>
+            <a:pPr marL="432000" indent="-324000">
+              <a:spcBef>
+                <a:spcPts val="1417"/>
+              </a:spcBef>
+              <a:buClr>
+                <a:srgbClr val="000000"/>
+              </a:buClr>
+              <a:buSzPct val="45000"/>
+              <a:buFont typeface="Wingdings" charset="2"/>
+              <a:buChar char=""/>
+            </a:pPr>
+            <a:r>
+              <a:rPr lang="en-US" sz="3200" spc="-1" dirty="0"/>
+              <a:t>outliers values out of [0,1000] or [0,1500</a:t>
+            </a:r>
+            <a:r>
+              <a:rPr lang="en-US" sz="3200" spc="-1" dirty="0" smtClean="0"/>
+              <a:t>]?</a:t>
+            </a:r>
+          </a:p>
+          <a:p>
+            <a:pPr marL="432000" indent="-324000">
+              <a:spcBef>
+                <a:spcPts val="1417"/>
+              </a:spcBef>
+              <a:buClr>
+                <a:srgbClr val="000000"/>
+              </a:buClr>
+              <a:buSzPct val="45000"/>
+              <a:buFont typeface="Wingdings" charset="2"/>
+              <a:buChar char=""/>
+            </a:pPr>
+            <a:r>
+              <a:rPr lang="en-US" sz="3200" spc="-1" dirty="0" smtClean="0"/>
+              <a:t>some patients even higher up to 3000</a:t>
+            </a:r>
+            <a:endParaRPr lang="en-US" sz="3200" b="0" strike="noStrike" spc="-1" dirty="0">
+              <a:latin typeface="Arial"/>
+            </a:endParaRPr>
+          </a:p>
+        </p:txBody>
+      </p:sp>
+      <p:pic>
+        <p:nvPicPr>
+          <p:cNvPr id="2" name="Imagen 1"/>
+          <p:cNvPicPr>
+            <a:picLocks noChangeAspect="1"/>
+          </p:cNvPicPr>
+          <p:nvPr/>
+        </p:nvPicPr>
+        <p:blipFill>
+          <a:blip r:embed="rId2"/>
+          <a:stretch>
+            <a:fillRect/>
+          </a:stretch>
+        </p:blipFill>
+        <p:spPr>
+          <a:xfrm>
+            <a:off x="4800600" y="1172520"/>
+            <a:ext cx="5153795" cy="4064632"/>
+          </a:xfrm>
+          <a:prstGeom prst="rect">
+            <a:avLst/>
+          </a:prstGeom>
+        </p:spPr>
+      </p:pic>
+    </p:spTree>
+    <p:extLst>
+      <p:ext uri="{BB962C8B-B14F-4D97-AF65-F5344CB8AC3E}">
+        <p14:creationId xmlns:p14="http://schemas.microsoft.com/office/powerpoint/2010/main" val="417788801"/>
+      </p:ext>
+    </p:extLst>
+  </p:cSld>
+  <p:clrMapOvr>
+    <a:masterClrMapping/>
+  </p:clrMapOvr>
+  <mc:AlternateContent xmlns:mc="http://schemas.openxmlformats.org/markup-compatibility/2006" xmlns:p14="http://schemas.microsoft.com/office/powerpoint/2010/main">
+    <mc:Choice Requires="p14">
+      <p:transition spd="slow" p14:dur="2000"/>
+    </mc:Choice>
+    <mc:Fallback xmlns:p15="http://schemas.microsoft.com/office/powerpoint/2012/main" xmlns="">
+      <p:transition spd="slow"/>
+    </mc:Fallback>
+  </mc:AlternateContent>
+</p:sld>
+</file>
+
+<file path=ppt/slides/slide17.xml><?xml version="1.0" encoding="utf-8"?>
+<p:sld xmlns:a="http://schemas.openxmlformats.org/drawingml/2006/main" xmlns:r="http://schemas.openxmlformats.org/officeDocument/2006/relationships" xmlns:p="http://schemas.openxmlformats.org/presentationml/2006/main">
+  <p:cSld>
+    <p:spTree>
+      <p:nvGrpSpPr>
+        <p:cNvPr id="1" name=""/>
+        <p:cNvGrpSpPr/>
+        <p:nvPr/>
+      </p:nvGrpSpPr>
+      <p:grpSpPr>
+        <a:xfrm>
+          <a:off x="0" y="0"/>
+          <a:ext cx="0" cy="0"/>
+          <a:chOff x="0" y="0"/>
+          <a:chExt cx="0" cy="0"/>
+        </a:xfrm>
+      </p:grpSpPr>
+      <p:sp>
+        <p:nvSpPr>
+          <p:cNvPr id="43" name="TextShape 1"/>
+          <p:cNvSpPr txBox="1"/>
+          <p:nvPr/>
+        </p:nvSpPr>
+        <p:spPr>
+          <a:xfrm>
+            <a:off x="422460" y="187579"/>
+            <a:ext cx="9071640" cy="946440"/>
+          </a:xfrm>
+          <a:prstGeom prst="rect">
+            <a:avLst/>
+          </a:prstGeom>
+          <a:noFill/>
+          <a:ln w="0">
+            <a:noFill/>
+          </a:ln>
+        </p:spPr>
+        <p:txBody>
+          <a:bodyPr lIns="0" tIns="0" rIns="0" bIns="0" anchor="ctr">
+            <a:noAutofit/>
+          </a:bodyPr>
+          <a:lstStyle/>
+          <a:p>
+            <a:pPr algn="ctr"/>
+            <a:r>
+              <a:rPr lang="en-US" sz="4400" b="0" strike="noStrike" spc="-1" dirty="0" smtClean="0">
+                <a:latin typeface="Arial"/>
+              </a:rPr>
+              <a:t>HOMA</a:t>
+            </a:r>
+            <a:endParaRPr lang="en-US" sz="4400" b="0" strike="noStrike" spc="-1" dirty="0">
+              <a:latin typeface="Arial"/>
+            </a:endParaRPr>
+          </a:p>
+        </p:txBody>
+      </p:sp>
+      <p:sp>
+        <p:nvSpPr>
+          <p:cNvPr id="44" name="TextShape 2"/>
+          <p:cNvSpPr txBox="1"/>
+          <p:nvPr/>
+        </p:nvSpPr>
+        <p:spPr>
+          <a:xfrm>
+            <a:off x="685800" y="1326600"/>
+            <a:ext cx="4114800" cy="3931200"/>
+          </a:xfrm>
+          <a:prstGeom prst="rect">
+            <a:avLst/>
+          </a:prstGeom>
+          <a:noFill/>
+          <a:ln w="0">
+            <a:noFill/>
+          </a:ln>
+        </p:spPr>
+        <p:txBody>
+          <a:bodyPr lIns="0" tIns="0" rIns="0" bIns="0">
+            <a:normAutofit lnSpcReduction="10000"/>
+          </a:bodyPr>
+          <a:lstStyle/>
+          <a:p>
+            <a:pPr marL="432000" indent="-324000">
+              <a:spcBef>
+                <a:spcPts val="1417"/>
+              </a:spcBef>
+              <a:buClr>
+                <a:srgbClr val="000000"/>
+              </a:buClr>
+              <a:buSzPct val="45000"/>
+              <a:buFont typeface="Wingdings" charset="2"/>
+              <a:buChar char=""/>
+            </a:pPr>
+            <a:r>
+              <a:rPr lang="en-US" sz="3200" b="0" strike="noStrike" spc="-1" dirty="0" smtClean="0">
+                <a:latin typeface="Arial"/>
+              </a:rPr>
+              <a:t>HOMA</a:t>
+            </a:r>
+            <a:endParaRPr lang="en-US" sz="3200" b="0" strike="noStrike" spc="-1" dirty="0">
+              <a:latin typeface="Arial"/>
+            </a:endParaRPr>
+          </a:p>
+          <a:p>
+            <a:pPr marL="432000" indent="-324000">
+              <a:spcBef>
+                <a:spcPts val="1417"/>
+              </a:spcBef>
+              <a:buClr>
+                <a:srgbClr val="000000"/>
+              </a:buClr>
+              <a:buSzPct val="45000"/>
+              <a:buFont typeface="Wingdings" charset="2"/>
+              <a:buChar char=""/>
+            </a:pPr>
+            <a:r>
+              <a:rPr lang="en-US" sz="3200" spc="-1" dirty="0"/>
+              <a:t>outliers values out of [0,20</a:t>
+            </a:r>
+            <a:r>
+              <a:rPr lang="en-US" sz="3200" spc="-1" dirty="0" smtClean="0"/>
+              <a:t>]</a:t>
+            </a:r>
+          </a:p>
+          <a:p>
+            <a:pPr marL="432000" indent="-324000">
+              <a:spcBef>
+                <a:spcPts val="1417"/>
+              </a:spcBef>
+              <a:buClr>
+                <a:srgbClr val="000000"/>
+              </a:buClr>
+              <a:buSzPct val="45000"/>
+              <a:buFont typeface="Wingdings" charset="2"/>
+              <a:buChar char=""/>
+            </a:pPr>
+            <a:r>
+              <a:rPr lang="en-US" sz="3200" spc="-1" dirty="0" smtClean="0"/>
+              <a:t>bunch of patients with values higher than 20, between 20 and 50, some even higher</a:t>
+            </a:r>
+            <a:endParaRPr lang="en-US" sz="3200" b="0" strike="noStrike" spc="-1" dirty="0">
+              <a:latin typeface="Arial"/>
+            </a:endParaRPr>
+          </a:p>
+        </p:txBody>
+      </p:sp>
+      <p:pic>
+        <p:nvPicPr>
+          <p:cNvPr id="2" name="Imagen 1"/>
+          <p:cNvPicPr>
+            <a:picLocks noChangeAspect="1"/>
+          </p:cNvPicPr>
+          <p:nvPr/>
+        </p:nvPicPr>
+        <p:blipFill>
+          <a:blip r:embed="rId2"/>
+          <a:stretch>
+            <a:fillRect/>
+          </a:stretch>
+        </p:blipFill>
+        <p:spPr>
+          <a:xfrm>
+            <a:off x="4800600" y="1326600"/>
+            <a:ext cx="5174891" cy="4025784"/>
+          </a:xfrm>
+          <a:prstGeom prst="rect">
+            <a:avLst/>
+          </a:prstGeom>
+        </p:spPr>
+      </p:pic>
+    </p:spTree>
+    <p:extLst>
+      <p:ext uri="{BB962C8B-B14F-4D97-AF65-F5344CB8AC3E}">
+        <p14:creationId xmlns:p14="http://schemas.microsoft.com/office/powerpoint/2010/main" val="2146482199"/>
+      </p:ext>
+    </p:extLst>
+  </p:cSld>
+  <p:clrMapOvr>
+    <a:masterClrMapping/>
+  </p:clrMapOvr>
+  <mc:AlternateContent xmlns:mc="http://schemas.openxmlformats.org/markup-compatibility/2006" xmlns:p14="http://schemas.microsoft.com/office/powerpoint/2010/main">
+    <mc:Choice Requires="p14">
+      <p:transition spd="slow" p14:dur="2000"/>
+    </mc:Choice>
+    <mc:Fallback xmlns:p15="http://schemas.microsoft.com/office/powerpoint/2012/main" xmlns="">
+      <p:transition spd="slow"/>
+    </mc:Fallback>
+  </mc:AlternateContent>
+</p:sld>
+</file>
+
+<file path=ppt/slides/slide18.xml><?xml version="1.0" encoding="utf-8"?>
+<p:sld xmlns:a="http://schemas.openxmlformats.org/drawingml/2006/main" xmlns:r="http://schemas.openxmlformats.org/officeDocument/2006/relationships" xmlns:p="http://schemas.openxmlformats.org/presentationml/2006/main">
+  <p:cSld>
+    <p:spTree>
+      <p:nvGrpSpPr>
+        <p:cNvPr id="1" name=""/>
+        <p:cNvGrpSpPr/>
+        <p:nvPr/>
+      </p:nvGrpSpPr>
+      <p:grpSpPr>
+        <a:xfrm>
+          <a:off x="0" y="0"/>
+          <a:ext cx="0" cy="0"/>
+          <a:chOff x="0" y="0"/>
+          <a:chExt cx="0" cy="0"/>
+        </a:xfrm>
+      </p:grpSpPr>
+      <p:sp>
+        <p:nvSpPr>
+          <p:cNvPr id="43" name="TextShape 1"/>
+          <p:cNvSpPr txBox="1"/>
+          <p:nvPr/>
+        </p:nvSpPr>
+        <p:spPr>
+          <a:xfrm>
+            <a:off x="504000" y="226080"/>
+            <a:ext cx="9071640" cy="946440"/>
+          </a:xfrm>
+          <a:prstGeom prst="rect">
+            <a:avLst/>
+          </a:prstGeom>
+          <a:noFill/>
+          <a:ln w="0">
+            <a:noFill/>
+          </a:ln>
+        </p:spPr>
+        <p:txBody>
+          <a:bodyPr lIns="0" tIns="0" rIns="0" bIns="0" anchor="ctr">
+            <a:noAutofit/>
+          </a:bodyPr>
+          <a:lstStyle/>
+          <a:p>
+            <a:pPr algn="ctr"/>
+            <a:r>
+              <a:rPr lang="en-US" sz="4400" b="0" strike="noStrike" spc="-1" dirty="0" smtClean="0">
+                <a:latin typeface="Arial"/>
+              </a:rPr>
+              <a:t>INSULIN</a:t>
+            </a:r>
+            <a:endParaRPr lang="en-US" sz="4400" b="0" strike="noStrike" spc="-1" dirty="0">
+              <a:latin typeface="Arial"/>
+            </a:endParaRPr>
+          </a:p>
+        </p:txBody>
+      </p:sp>
+      <p:sp>
+        <p:nvSpPr>
+          <p:cNvPr id="44" name="TextShape 2"/>
+          <p:cNvSpPr txBox="1"/>
+          <p:nvPr/>
+        </p:nvSpPr>
+        <p:spPr>
+          <a:xfrm>
+            <a:off x="685800" y="1326600"/>
+            <a:ext cx="4114800" cy="3931200"/>
+          </a:xfrm>
+          <a:prstGeom prst="rect">
+            <a:avLst/>
+          </a:prstGeom>
+          <a:noFill/>
+          <a:ln w="0">
+            <a:noFill/>
+          </a:ln>
+        </p:spPr>
+        <p:txBody>
+          <a:bodyPr lIns="0" tIns="0" rIns="0" bIns="0">
+            <a:normAutofit/>
+          </a:bodyPr>
+          <a:lstStyle/>
+          <a:p>
+            <a:pPr marL="432000" indent="-324000">
+              <a:spcBef>
+                <a:spcPts val="1417"/>
+              </a:spcBef>
+              <a:buClr>
+                <a:srgbClr val="000000"/>
+              </a:buClr>
+              <a:buSzPct val="45000"/>
+              <a:buFont typeface="Wingdings" charset="2"/>
+              <a:buChar char=""/>
+            </a:pPr>
+            <a:r>
+              <a:rPr lang="en-US" sz="3200" b="0" strike="noStrike" spc="-1" dirty="0" smtClean="0">
+                <a:latin typeface="Arial"/>
+              </a:rPr>
+              <a:t>INSULIN</a:t>
+            </a:r>
+            <a:endParaRPr lang="en-US" sz="3200" b="0" strike="noStrike" spc="-1" dirty="0">
+              <a:latin typeface="Arial"/>
+            </a:endParaRPr>
+          </a:p>
+          <a:p>
+            <a:pPr marL="432000" indent="-324000">
+              <a:spcBef>
+                <a:spcPts val="1417"/>
+              </a:spcBef>
+              <a:buClr>
+                <a:srgbClr val="000000"/>
+              </a:buClr>
+              <a:buSzPct val="45000"/>
+              <a:buFont typeface="Wingdings" charset="2"/>
+              <a:buChar char=""/>
+            </a:pPr>
+            <a:r>
+              <a:rPr lang="en-US" sz="3200" spc="-1" dirty="0"/>
+              <a:t>outliers values out of [0,100</a:t>
+            </a:r>
+            <a:r>
+              <a:rPr lang="en-US" sz="3200" spc="-1" dirty="0" smtClean="0"/>
+              <a:t>]</a:t>
+            </a:r>
+          </a:p>
+          <a:p>
+            <a:pPr marL="432000" indent="-324000">
+              <a:spcBef>
+                <a:spcPts val="1417"/>
+              </a:spcBef>
+              <a:buClr>
+                <a:srgbClr val="000000"/>
+              </a:buClr>
+              <a:buSzPct val="45000"/>
+              <a:buFont typeface="Wingdings" charset="2"/>
+              <a:buChar char=""/>
+            </a:pPr>
+            <a:r>
+              <a:rPr lang="en-US" sz="3200" spc="-1" dirty="0" smtClean="0"/>
+              <a:t>a bunch of patients with values even higher</a:t>
+            </a:r>
+            <a:endParaRPr lang="en-US" sz="3200" b="0" strike="noStrike" spc="-1" dirty="0">
+              <a:latin typeface="Arial"/>
+            </a:endParaRPr>
+          </a:p>
+        </p:txBody>
+      </p:sp>
+      <p:pic>
+        <p:nvPicPr>
+          <p:cNvPr id="2" name="Imagen 1"/>
+          <p:cNvPicPr>
+            <a:picLocks noChangeAspect="1"/>
+          </p:cNvPicPr>
+          <p:nvPr/>
+        </p:nvPicPr>
+        <p:blipFill>
+          <a:blip r:embed="rId2"/>
+          <a:stretch>
+            <a:fillRect/>
+          </a:stretch>
+        </p:blipFill>
+        <p:spPr>
+          <a:xfrm>
+            <a:off x="4800600" y="1223110"/>
+            <a:ext cx="5149032" cy="4138179"/>
+          </a:xfrm>
+          <a:prstGeom prst="rect">
+            <a:avLst/>
+          </a:prstGeom>
+        </p:spPr>
+      </p:pic>
+    </p:spTree>
+    <p:extLst>
+      <p:ext uri="{BB962C8B-B14F-4D97-AF65-F5344CB8AC3E}">
+        <p14:creationId xmlns:p14="http://schemas.microsoft.com/office/powerpoint/2010/main" val="3135675305"/>
+      </p:ext>
+    </p:extLst>
+  </p:cSld>
+  <p:clrMapOvr>
+    <a:masterClrMapping/>
+  </p:clrMapOvr>
+  <mc:AlternateContent xmlns:mc="http://schemas.openxmlformats.org/markup-compatibility/2006" xmlns:p14="http://schemas.microsoft.com/office/powerpoint/2010/main">
+    <mc:Choice Requires="p14">
+      <p:transition spd="slow" p14:dur="2000"/>
+    </mc:Choice>
+    <mc:Fallback xmlns:p15="http://schemas.microsoft.com/office/powerpoint/2012/main" xmlns="">
+      <p:transition spd="slow"/>
+    </mc:Fallback>
+  </mc:AlternateContent>
+</p:sld>
+</file>
+
+<file path=ppt/slides/slide19.xml><?xml version="1.0" encoding="utf-8"?>
+<p:sld xmlns:a="http://schemas.openxmlformats.org/drawingml/2006/main" xmlns:r="http://schemas.openxmlformats.org/officeDocument/2006/relationships" xmlns:p="http://schemas.openxmlformats.org/presentationml/2006/main">
+  <p:cSld>
+    <p:spTree>
+      <p:nvGrpSpPr>
+        <p:cNvPr id="1" name=""/>
+        <p:cNvGrpSpPr/>
+        <p:nvPr/>
+      </p:nvGrpSpPr>
+      <p:grpSpPr>
+        <a:xfrm>
+          <a:off x="0" y="0"/>
+          <a:ext cx="0" cy="0"/>
+          <a:chOff x="0" y="0"/>
+          <a:chExt cx="0" cy="0"/>
+        </a:xfrm>
+      </p:grpSpPr>
+      <p:sp>
+        <p:nvSpPr>
+          <p:cNvPr id="43" name="TextShape 1"/>
+          <p:cNvSpPr txBox="1"/>
+          <p:nvPr/>
+        </p:nvSpPr>
+        <p:spPr>
+          <a:xfrm>
+            <a:off x="504000" y="226080"/>
+            <a:ext cx="9071640" cy="946440"/>
+          </a:xfrm>
+          <a:prstGeom prst="rect">
+            <a:avLst/>
+          </a:prstGeom>
+          <a:noFill/>
+          <a:ln w="0">
+            <a:noFill/>
+          </a:ln>
+        </p:spPr>
+        <p:txBody>
+          <a:bodyPr lIns="0" tIns="0" rIns="0" bIns="0" anchor="ctr">
+            <a:noAutofit/>
+          </a:bodyPr>
+          <a:lstStyle/>
+          <a:p>
+            <a:pPr algn="ctr"/>
+            <a:r>
+              <a:rPr lang="en-US" sz="4400" b="0" strike="noStrike" spc="-1" dirty="0" smtClean="0">
+                <a:latin typeface="Arial"/>
+              </a:rPr>
+              <a:t>BLOOD GLUCOSE</a:t>
+            </a:r>
+            <a:endParaRPr lang="en-US" sz="4400" b="0" strike="noStrike" spc="-1" dirty="0">
+              <a:latin typeface="Arial"/>
+            </a:endParaRPr>
+          </a:p>
+        </p:txBody>
+      </p:sp>
+      <p:sp>
+        <p:nvSpPr>
+          <p:cNvPr id="44" name="TextShape 2"/>
+          <p:cNvSpPr txBox="1"/>
+          <p:nvPr/>
+        </p:nvSpPr>
+        <p:spPr>
+          <a:xfrm>
+            <a:off x="685800" y="1326600"/>
+            <a:ext cx="4114800" cy="3931200"/>
+          </a:xfrm>
+          <a:prstGeom prst="rect">
+            <a:avLst/>
+          </a:prstGeom>
+          <a:noFill/>
+          <a:ln w="0">
+            <a:noFill/>
+          </a:ln>
+        </p:spPr>
+        <p:txBody>
+          <a:bodyPr lIns="0" tIns="0" rIns="0" bIns="0">
+            <a:normAutofit fontScale="92500" lnSpcReduction="10000"/>
+          </a:bodyPr>
+          <a:lstStyle/>
+          <a:p>
+            <a:pPr marL="432000" indent="-324000">
+              <a:spcBef>
+                <a:spcPts val="1417"/>
+              </a:spcBef>
+              <a:buClr>
+                <a:srgbClr val="000000"/>
+              </a:buClr>
+              <a:buSzPct val="45000"/>
+              <a:buFont typeface="Wingdings" charset="2"/>
+              <a:buChar char=""/>
+            </a:pPr>
+            <a:r>
+              <a:rPr lang="en-US" sz="3200" b="0" strike="noStrike" spc="-1" dirty="0" smtClean="0">
+                <a:latin typeface="Arial"/>
+              </a:rPr>
+              <a:t>BLOOD GLUCOSE</a:t>
+            </a:r>
+            <a:endParaRPr lang="en-US" sz="3200" b="0" strike="noStrike" spc="-1" dirty="0">
+              <a:latin typeface="Arial"/>
+            </a:endParaRPr>
+          </a:p>
+          <a:p>
+            <a:pPr marL="432000" indent="-324000">
+              <a:spcBef>
+                <a:spcPts val="1417"/>
+              </a:spcBef>
+              <a:buClr>
+                <a:srgbClr val="000000"/>
+              </a:buClr>
+              <a:buSzPct val="45000"/>
+              <a:buFont typeface="Wingdings" charset="2"/>
+              <a:buChar char=""/>
+            </a:pPr>
+            <a:r>
+              <a:rPr lang="en-US" sz="3200" spc="-1" dirty="0"/>
+              <a:t>outliers values out of [40,400</a:t>
+            </a:r>
+            <a:r>
+              <a:rPr lang="en-US" sz="3200" spc="-1" dirty="0" smtClean="0"/>
+              <a:t>]</a:t>
+            </a:r>
+          </a:p>
+          <a:p>
+            <a:pPr marL="432000" indent="-324000">
+              <a:spcBef>
+                <a:spcPts val="1417"/>
+              </a:spcBef>
+              <a:buClr>
+                <a:srgbClr val="000000"/>
+              </a:buClr>
+              <a:buSzPct val="45000"/>
+              <a:buFont typeface="Wingdings" charset="2"/>
+              <a:buChar char=""/>
+            </a:pPr>
+            <a:r>
+              <a:rPr lang="en-US" sz="3200" spc="-1" dirty="0" smtClean="0"/>
+              <a:t>a bunch of patients with values between 0 40 (very few) and two with values </a:t>
+            </a:r>
+            <a:r>
+              <a:rPr lang="en-US" sz="3200" spc="-1" dirty="0" err="1" smtClean="0"/>
+              <a:t>higheer</a:t>
+            </a:r>
+            <a:r>
+              <a:rPr lang="en-US" sz="3200" spc="-1" dirty="0" smtClean="0"/>
+              <a:t> than 400</a:t>
+            </a:r>
+            <a:endParaRPr lang="en-US" sz="3200" b="0" strike="noStrike" spc="-1" dirty="0">
+              <a:latin typeface="Arial"/>
+            </a:endParaRPr>
+          </a:p>
+        </p:txBody>
+      </p:sp>
+      <p:pic>
+        <p:nvPicPr>
+          <p:cNvPr id="3" name="Imagen 2"/>
+          <p:cNvPicPr>
+            <a:picLocks noChangeAspect="1"/>
+          </p:cNvPicPr>
+          <p:nvPr/>
+        </p:nvPicPr>
+        <p:blipFill>
+          <a:blip r:embed="rId2"/>
+          <a:stretch>
+            <a:fillRect/>
+          </a:stretch>
+        </p:blipFill>
+        <p:spPr>
+          <a:xfrm>
+            <a:off x="4800600" y="1172520"/>
+            <a:ext cx="4933817" cy="4010206"/>
+          </a:xfrm>
+          <a:prstGeom prst="rect">
+            <a:avLst/>
+          </a:prstGeom>
+        </p:spPr>
+      </p:pic>
+    </p:spTree>
+    <p:extLst>
+      <p:ext uri="{BB962C8B-B14F-4D97-AF65-F5344CB8AC3E}">
+        <p14:creationId xmlns:p14="http://schemas.microsoft.com/office/powerpoint/2010/main" val="1282869316"/>
+      </p:ext>
+    </p:extLst>
+  </p:cSld>
+  <p:clrMapOvr>
+    <a:masterClrMapping/>
+  </p:clrMapOvr>
+  <mc:AlternateContent xmlns:mc="http://schemas.openxmlformats.org/markup-compatibility/2006" xmlns:p14="http://schemas.microsoft.com/office/powerpoint/2010/main">
+    <mc:Choice Requires="p14">
+      <p:transition spd="slow" p14:dur="2000"/>
+    </mc:Choice>
+    <mc:Fallback xmlns:p15="http://schemas.microsoft.com/office/powerpoint/2012/main" xmlns="">
+      <p:transition spd="slow"/>
+    </mc:Fallback>
+  </mc:AlternateContent>
+</p:sld>
+</file>
+
+<file path=ppt/slides/slide2.xml><?xml version="1.0" encoding="utf-8"?>
+<p:sld xmlns:a="http://schemas.openxmlformats.org/drawingml/2006/main" xmlns:r="http://schemas.openxmlformats.org/officeDocument/2006/relationships" xmlns:p="http://schemas.openxmlformats.org/presentationml/2006/main">
+  <p:cSld>
+    <p:spTree>
+      <p:nvGrpSpPr>
+        <p:cNvPr id="1" name=""/>
+        <p:cNvGrpSpPr/>
+        <p:nvPr/>
+      </p:nvGrpSpPr>
+      <p:grpSpPr>
+        <a:xfrm>
+          <a:off x="0" y="0"/>
+          <a:ext cx="0" cy="0"/>
+          <a:chOff x="0" y="0"/>
+          <a:chExt cx="0" cy="0"/>
+        </a:xfrm>
+      </p:grpSpPr>
+      <p:sp>
+        <p:nvSpPr>
+          <p:cNvPr id="43" name="TextShape 1"/>
+          <p:cNvSpPr txBox="1"/>
+          <p:nvPr/>
+        </p:nvSpPr>
+        <p:spPr>
+          <a:xfrm>
+            <a:off x="504000" y="226080"/>
+            <a:ext cx="9071640" cy="946440"/>
+          </a:xfrm>
+          <a:prstGeom prst="rect">
+            <a:avLst/>
+          </a:prstGeom>
+          <a:noFill/>
+          <a:ln w="0">
+            <a:noFill/>
+          </a:ln>
+        </p:spPr>
+        <p:txBody>
+          <a:bodyPr lIns="0" tIns="0" rIns="0" bIns="0" anchor="ctr">
+            <a:noAutofit/>
+          </a:bodyPr>
+          <a:lstStyle/>
+          <a:p>
+            <a:pPr algn="ctr"/>
+            <a:r>
+              <a:rPr lang="en-US" sz="4400" spc="-1" dirty="0" smtClean="0">
+                <a:latin typeface="Arial"/>
+              </a:rPr>
+              <a:t>AGE</a:t>
+            </a:r>
+            <a:endParaRPr lang="en-US" sz="4400" b="0" strike="noStrike" spc="-1" dirty="0">
+              <a:latin typeface="Arial"/>
+            </a:endParaRPr>
+          </a:p>
+        </p:txBody>
+      </p:sp>
+      <p:sp>
+        <p:nvSpPr>
+          <p:cNvPr id="44" name="TextShape 2"/>
+          <p:cNvSpPr txBox="1"/>
+          <p:nvPr/>
+        </p:nvSpPr>
+        <p:spPr>
+          <a:xfrm>
+            <a:off x="685800" y="1326600"/>
+            <a:ext cx="4114800" cy="3931200"/>
+          </a:xfrm>
+          <a:prstGeom prst="rect">
+            <a:avLst/>
+          </a:prstGeom>
+          <a:noFill/>
+          <a:ln w="0">
+            <a:noFill/>
+          </a:ln>
+        </p:spPr>
+        <p:txBody>
+          <a:bodyPr lIns="0" tIns="0" rIns="0" bIns="0">
+            <a:normAutofit fontScale="92500" lnSpcReduction="10000"/>
+          </a:bodyPr>
+          <a:lstStyle/>
+          <a:p>
+            <a:pPr marL="432000" indent="-324000">
+              <a:spcBef>
+                <a:spcPts val="1417"/>
+              </a:spcBef>
+              <a:buClr>
+                <a:srgbClr val="000000"/>
+              </a:buClr>
+              <a:buSzPct val="45000"/>
+              <a:buFont typeface="Wingdings" charset="2"/>
+              <a:buChar char=""/>
+            </a:pPr>
+            <a:r>
+              <a:rPr lang="en-US" sz="3200" b="0" strike="noStrike" spc="-1" dirty="0" smtClean="0">
+                <a:latin typeface="Arial"/>
+              </a:rPr>
+              <a:t>AGE</a:t>
+            </a:r>
+            <a:endParaRPr lang="en-US" sz="3200" b="0" strike="noStrike" spc="-1" dirty="0">
+              <a:latin typeface="Arial"/>
+            </a:endParaRPr>
+          </a:p>
+          <a:p>
+            <a:pPr marL="432000" indent="-324000">
+              <a:spcBef>
+                <a:spcPts val="1417"/>
+              </a:spcBef>
+              <a:buClr>
+                <a:srgbClr val="000000"/>
+              </a:buClr>
+              <a:buSzPct val="45000"/>
+              <a:buFont typeface="Wingdings" charset="2"/>
+              <a:buChar char=""/>
+            </a:pPr>
+            <a:r>
+              <a:rPr lang="en-US" sz="3200" spc="-1" dirty="0"/>
+              <a:t>No outliers, several </a:t>
+            </a:r>
+            <a:r>
+              <a:rPr lang="en-US" sz="3200" spc="-1" dirty="0" smtClean="0"/>
+              <a:t>nan's</a:t>
+            </a:r>
+          </a:p>
+          <a:p>
+            <a:pPr marL="432000" indent="-324000">
+              <a:spcBef>
+                <a:spcPts val="1417"/>
+              </a:spcBef>
+              <a:buClr>
+                <a:srgbClr val="000000"/>
+              </a:buClr>
+              <a:buSzPct val="45000"/>
+              <a:buFont typeface="Wingdings" charset="2"/>
+              <a:buChar char=""/>
+            </a:pPr>
+            <a:r>
+              <a:rPr lang="en-US" sz="3200" spc="-1" dirty="0" smtClean="0"/>
+              <a:t>Keep the revisions up to having 40-50 patients</a:t>
+            </a:r>
+          </a:p>
+          <a:p>
+            <a:pPr marL="432000" indent="-324000">
+              <a:spcBef>
+                <a:spcPts val="1417"/>
+              </a:spcBef>
+              <a:buClr>
+                <a:srgbClr val="000000"/>
+              </a:buClr>
+              <a:buSzPct val="45000"/>
+              <a:buFont typeface="Wingdings" charset="2"/>
+              <a:buChar char=""/>
+            </a:pPr>
+            <a:r>
+              <a:rPr lang="en-US" sz="3200" spc="-1" dirty="0"/>
+              <a:t>The limit stands for the </a:t>
+            </a:r>
+            <a:r>
+              <a:rPr lang="en-US" sz="3200" spc="-1" dirty="0" err="1"/>
+              <a:t>progesores</a:t>
+            </a:r>
+            <a:r>
+              <a:rPr lang="en-US" sz="3200" spc="-1" dirty="0"/>
+              <a:t> class</a:t>
+            </a:r>
+            <a:endParaRPr lang="en-US" sz="3200" b="0" strike="noStrike" spc="-1" dirty="0" smtClean="0">
+              <a:latin typeface="Arial"/>
+            </a:endParaRPr>
+          </a:p>
+          <a:p>
+            <a:pPr marL="432000" indent="-324000">
+              <a:spcBef>
+                <a:spcPts val="1417"/>
+              </a:spcBef>
+              <a:buClr>
+                <a:srgbClr val="000000"/>
+              </a:buClr>
+              <a:buSzPct val="45000"/>
+              <a:buFont typeface="Wingdings" charset="2"/>
+              <a:buChar char=""/>
+            </a:pPr>
+            <a:endParaRPr lang="en-US" sz="3200" b="0" strike="noStrike" spc="-1" dirty="0">
+              <a:latin typeface="Arial"/>
+            </a:endParaRPr>
+          </a:p>
+        </p:txBody>
+      </p:sp>
+      <p:pic>
+        <p:nvPicPr>
+          <p:cNvPr id="3" name="Imagen 2"/>
+          <p:cNvPicPr>
+            <a:picLocks noChangeAspect="1"/>
+          </p:cNvPicPr>
+          <p:nvPr/>
+        </p:nvPicPr>
+        <p:blipFill>
+          <a:blip r:embed="rId2"/>
+          <a:stretch>
+            <a:fillRect/>
+          </a:stretch>
+        </p:blipFill>
+        <p:spPr>
+          <a:xfrm>
+            <a:off x="4877602" y="1449112"/>
+            <a:ext cx="4953000" cy="3686175"/>
+          </a:xfrm>
+          <a:prstGeom prst="rect">
+            <a:avLst/>
+          </a:prstGeom>
+        </p:spPr>
+      </p:pic>
+    </p:spTree>
+  </p:cSld>
+  <p:clrMapOvr>
+    <a:masterClrMapping/>
+  </p:clrMapOvr>
+  <mc:AlternateContent xmlns:mc="http://schemas.openxmlformats.org/markup-compatibility/2006" xmlns:p14="http://schemas.microsoft.com/office/powerpoint/2010/main">
+    <mc:Choice Requires="p14">
+      <p:transition spd="slow" p14:dur="2000"/>
+    </mc:Choice>
+    <mc:Fallback xmlns:p15="http://schemas.microsoft.com/office/powerpoint/2012/main" xmlns="">
+      <p:transition spd="slow"/>
+    </mc:Fallback>
+  </mc:AlternateContent>
+</p:sld>
+</file>
+
+<file path=ppt/slides/slide20.xml><?xml version="1.0" encoding="utf-8"?>
+<p:sld xmlns:a="http://schemas.openxmlformats.org/drawingml/2006/main" xmlns:r="http://schemas.openxmlformats.org/officeDocument/2006/relationships" xmlns:p="http://schemas.openxmlformats.org/presentationml/2006/main">
+  <p:cSld>
+    <p:spTree>
+      <p:nvGrpSpPr>
+        <p:cNvPr id="1" name=""/>
+        <p:cNvGrpSpPr/>
+        <p:nvPr/>
+      </p:nvGrpSpPr>
+      <p:grpSpPr>
+        <a:xfrm>
+          <a:off x="0" y="0"/>
+          <a:ext cx="0" cy="0"/>
+          <a:chOff x="0" y="0"/>
+          <a:chExt cx="0" cy="0"/>
+        </a:xfrm>
+      </p:grpSpPr>
+      <p:sp>
+        <p:nvSpPr>
+          <p:cNvPr id="43" name="TextShape 1"/>
+          <p:cNvSpPr txBox="1"/>
+          <p:nvPr/>
+        </p:nvSpPr>
+        <p:spPr>
+          <a:xfrm>
+            <a:off x="504000" y="226080"/>
+            <a:ext cx="9071640" cy="946440"/>
+          </a:xfrm>
+          <a:prstGeom prst="rect">
+            <a:avLst/>
+          </a:prstGeom>
+          <a:noFill/>
+          <a:ln w="0">
+            <a:noFill/>
+          </a:ln>
+        </p:spPr>
+        <p:txBody>
+          <a:bodyPr lIns="0" tIns="0" rIns="0" bIns="0" anchor="ctr">
+            <a:noAutofit/>
+          </a:bodyPr>
+          <a:lstStyle/>
+          <a:p>
+            <a:pPr algn="ctr"/>
+            <a:r>
+              <a:rPr lang="en-US" sz="4400" b="0" strike="noStrike" spc="-1" dirty="0" smtClean="0">
+                <a:latin typeface="Arial"/>
+              </a:rPr>
+              <a:t>GLYCATED-HB</a:t>
+            </a:r>
+            <a:endParaRPr lang="en-US" sz="4400" b="0" strike="noStrike" spc="-1" dirty="0">
+              <a:latin typeface="Arial"/>
+            </a:endParaRPr>
+          </a:p>
+        </p:txBody>
+      </p:sp>
+      <p:sp>
+        <p:nvSpPr>
+          <p:cNvPr id="44" name="TextShape 2"/>
+          <p:cNvSpPr txBox="1"/>
+          <p:nvPr/>
+        </p:nvSpPr>
+        <p:spPr>
+          <a:xfrm>
+            <a:off x="685800" y="1326600"/>
+            <a:ext cx="4114800" cy="3931200"/>
+          </a:xfrm>
+          <a:prstGeom prst="rect">
+            <a:avLst/>
+          </a:prstGeom>
+          <a:noFill/>
+          <a:ln w="0">
+            <a:noFill/>
+          </a:ln>
+        </p:spPr>
+        <p:txBody>
+          <a:bodyPr lIns="0" tIns="0" rIns="0" bIns="0">
+            <a:normAutofit/>
+          </a:bodyPr>
+          <a:lstStyle/>
+          <a:p>
+            <a:pPr marL="432000" indent="-324000">
+              <a:spcBef>
+                <a:spcPts val="1417"/>
+              </a:spcBef>
+              <a:buClr>
+                <a:srgbClr val="000000"/>
+              </a:buClr>
+              <a:buSzPct val="45000"/>
+              <a:buFont typeface="Wingdings" charset="2"/>
+              <a:buChar char=""/>
+            </a:pPr>
+            <a:r>
+              <a:rPr lang="en-US" sz="3200" b="0" strike="noStrike" spc="-1" dirty="0" smtClean="0">
+                <a:latin typeface="Arial"/>
+              </a:rPr>
+              <a:t>GLYCATED-HD</a:t>
+            </a:r>
+            <a:endParaRPr lang="en-US" sz="3200" b="0" strike="noStrike" spc="-1" dirty="0">
+              <a:latin typeface="Arial"/>
+            </a:endParaRPr>
+          </a:p>
+          <a:p>
+            <a:pPr marL="432000" indent="-324000">
+              <a:spcBef>
+                <a:spcPts val="1417"/>
+              </a:spcBef>
+              <a:buClr>
+                <a:srgbClr val="000000"/>
+              </a:buClr>
+              <a:buSzPct val="45000"/>
+              <a:buFont typeface="Wingdings" charset="2"/>
+              <a:buChar char=""/>
+            </a:pPr>
+            <a:r>
+              <a:rPr lang="en-US" sz="3200" spc="-1" dirty="0"/>
+              <a:t>outliers values out of [2,15</a:t>
+            </a:r>
+            <a:r>
+              <a:rPr lang="en-US" sz="3200" spc="-1" dirty="0" smtClean="0"/>
+              <a:t>]</a:t>
+            </a:r>
+          </a:p>
+          <a:p>
+            <a:pPr marL="432000" indent="-324000">
+              <a:spcBef>
+                <a:spcPts val="1417"/>
+              </a:spcBef>
+              <a:buClr>
+                <a:srgbClr val="000000"/>
+              </a:buClr>
+              <a:buSzPct val="45000"/>
+              <a:buFont typeface="Wingdings" charset="2"/>
+              <a:buChar char=""/>
+            </a:pPr>
+            <a:r>
+              <a:rPr lang="en-US" sz="3200" spc="-1" dirty="0" smtClean="0"/>
+              <a:t>some with values higher than 20, but only two</a:t>
+            </a:r>
+            <a:endParaRPr lang="en-US" sz="3200" b="0" strike="noStrike" spc="-1" dirty="0">
+              <a:latin typeface="Arial"/>
+            </a:endParaRPr>
+          </a:p>
+        </p:txBody>
+      </p:sp>
+      <p:pic>
+        <p:nvPicPr>
+          <p:cNvPr id="2" name="Imagen 1"/>
+          <p:cNvPicPr>
+            <a:picLocks noChangeAspect="1"/>
+          </p:cNvPicPr>
+          <p:nvPr/>
+        </p:nvPicPr>
+        <p:blipFill>
+          <a:blip r:embed="rId2"/>
+          <a:stretch>
+            <a:fillRect/>
+          </a:stretch>
+        </p:blipFill>
+        <p:spPr>
+          <a:xfrm>
+            <a:off x="4784140" y="1222263"/>
+            <a:ext cx="5296485" cy="4139873"/>
+          </a:xfrm>
+          <a:prstGeom prst="rect">
+            <a:avLst/>
+          </a:prstGeom>
+        </p:spPr>
+      </p:pic>
+    </p:spTree>
+    <p:extLst>
+      <p:ext uri="{BB962C8B-B14F-4D97-AF65-F5344CB8AC3E}">
+        <p14:creationId xmlns:p14="http://schemas.microsoft.com/office/powerpoint/2010/main" val="2479040686"/>
+      </p:ext>
+    </p:extLst>
+  </p:cSld>
+  <p:clrMapOvr>
+    <a:masterClrMapping/>
+  </p:clrMapOvr>
+  <mc:AlternateContent xmlns:mc="http://schemas.openxmlformats.org/markup-compatibility/2006" xmlns:p14="http://schemas.microsoft.com/office/powerpoint/2010/main">
+    <mc:Choice Requires="p14">
+      <p:transition spd="slow" p14:dur="2000"/>
+    </mc:Choice>
+    <mc:Fallback xmlns:p15="http://schemas.microsoft.com/office/powerpoint/2012/main" xmlns="">
+      <p:transition spd="slow"/>
+    </mc:Fallback>
+  </mc:AlternateContent>
+</p:sld>
+</file>
+
+<file path=ppt/slides/slide21.xml><?xml version="1.0" encoding="utf-8"?>
+<p:sld xmlns:a="http://schemas.openxmlformats.org/drawingml/2006/main" xmlns:r="http://schemas.openxmlformats.org/officeDocument/2006/relationships" xmlns:p="http://schemas.openxmlformats.org/presentationml/2006/main">
+  <p:cSld>
+    <p:spTree>
+      <p:nvGrpSpPr>
+        <p:cNvPr id="1" name=""/>
+        <p:cNvGrpSpPr/>
+        <p:nvPr/>
+      </p:nvGrpSpPr>
+      <p:grpSpPr>
+        <a:xfrm>
+          <a:off x="0" y="0"/>
+          <a:ext cx="0" cy="0"/>
+          <a:chOff x="0" y="0"/>
+          <a:chExt cx="0" cy="0"/>
+        </a:xfrm>
+      </p:grpSpPr>
+      <p:sp>
+        <p:nvSpPr>
+          <p:cNvPr id="43" name="TextShape 1"/>
+          <p:cNvSpPr txBox="1"/>
+          <p:nvPr/>
+        </p:nvSpPr>
+        <p:spPr>
+          <a:xfrm>
+            <a:off x="504000" y="226080"/>
+            <a:ext cx="9071640" cy="946440"/>
+          </a:xfrm>
+          <a:prstGeom prst="rect">
+            <a:avLst/>
+          </a:prstGeom>
+          <a:noFill/>
+          <a:ln w="0">
+            <a:noFill/>
+          </a:ln>
+        </p:spPr>
+        <p:txBody>
+          <a:bodyPr lIns="0" tIns="0" rIns="0" bIns="0" anchor="ctr">
+            <a:noAutofit/>
+          </a:bodyPr>
+          <a:lstStyle/>
+          <a:p>
+            <a:pPr algn="ctr"/>
+            <a:r>
+              <a:rPr lang="en-US" sz="4400" b="0" strike="noStrike" spc="-1" dirty="0" smtClean="0">
+                <a:latin typeface="Arial"/>
+              </a:rPr>
+              <a:t>PCR</a:t>
+            </a:r>
+            <a:endParaRPr lang="en-US" sz="4400" b="0" strike="noStrike" spc="-1" dirty="0">
+              <a:latin typeface="Arial"/>
+            </a:endParaRPr>
+          </a:p>
+        </p:txBody>
+      </p:sp>
+      <p:sp>
+        <p:nvSpPr>
+          <p:cNvPr id="44" name="TextShape 2"/>
+          <p:cNvSpPr txBox="1"/>
+          <p:nvPr/>
+        </p:nvSpPr>
+        <p:spPr>
+          <a:xfrm>
+            <a:off x="685800" y="1326600"/>
+            <a:ext cx="4114800" cy="3931200"/>
+          </a:xfrm>
+          <a:prstGeom prst="rect">
+            <a:avLst/>
+          </a:prstGeom>
+          <a:noFill/>
+          <a:ln w="0">
+            <a:noFill/>
+          </a:ln>
+        </p:spPr>
+        <p:txBody>
+          <a:bodyPr lIns="0" tIns="0" rIns="0" bIns="0">
+            <a:normAutofit/>
+          </a:bodyPr>
+          <a:lstStyle/>
+          <a:p>
+            <a:pPr marL="432000" indent="-324000">
+              <a:spcBef>
+                <a:spcPts val="1417"/>
+              </a:spcBef>
+              <a:buClr>
+                <a:srgbClr val="000000"/>
+              </a:buClr>
+              <a:buSzPct val="45000"/>
+              <a:buFont typeface="Wingdings" charset="2"/>
+              <a:buChar char=""/>
+            </a:pPr>
+            <a:r>
+              <a:rPr lang="en-US" sz="3200" b="0" strike="noStrike" spc="-1" dirty="0" smtClean="0">
+                <a:latin typeface="Arial"/>
+              </a:rPr>
+              <a:t>PCR</a:t>
+            </a:r>
+            <a:endParaRPr lang="en-US" sz="3200" b="0" strike="noStrike" spc="-1" dirty="0">
+              <a:latin typeface="Arial"/>
+            </a:endParaRPr>
+          </a:p>
+          <a:p>
+            <a:pPr marL="432000" indent="-324000">
+              <a:spcBef>
+                <a:spcPts val="1417"/>
+              </a:spcBef>
+              <a:buClr>
+                <a:srgbClr val="000000"/>
+              </a:buClr>
+              <a:buSzPct val="45000"/>
+              <a:buFont typeface="Wingdings" charset="2"/>
+              <a:buChar char=""/>
+            </a:pPr>
+            <a:r>
+              <a:rPr lang="en-US" sz="3200" spc="-1" dirty="0"/>
+              <a:t>outliers values out of [0,200</a:t>
+            </a:r>
+            <a:r>
+              <a:rPr lang="en-US" sz="3200" spc="-1" dirty="0" smtClean="0"/>
+              <a:t>]</a:t>
+            </a:r>
+          </a:p>
+          <a:p>
+            <a:pPr marL="432000" indent="-324000">
+              <a:spcBef>
+                <a:spcPts val="1417"/>
+              </a:spcBef>
+              <a:buClr>
+                <a:srgbClr val="000000"/>
+              </a:buClr>
+              <a:buSzPct val="45000"/>
+              <a:buFont typeface="Wingdings" charset="2"/>
+              <a:buChar char=""/>
+            </a:pPr>
+            <a:r>
+              <a:rPr lang="en-US" sz="3200" spc="-1" dirty="0" smtClean="0"/>
+              <a:t>a pat with 300</a:t>
+            </a:r>
+            <a:endParaRPr lang="en-US" sz="3200" b="0" strike="noStrike" spc="-1" dirty="0">
+              <a:latin typeface="Arial"/>
+            </a:endParaRPr>
+          </a:p>
+        </p:txBody>
+      </p:sp>
+      <p:pic>
+        <p:nvPicPr>
+          <p:cNvPr id="2" name="Imagen 1"/>
+          <p:cNvPicPr>
+            <a:picLocks noChangeAspect="1"/>
+          </p:cNvPicPr>
+          <p:nvPr/>
+        </p:nvPicPr>
+        <p:blipFill>
+          <a:blip r:embed="rId2"/>
+          <a:stretch>
+            <a:fillRect/>
+          </a:stretch>
+        </p:blipFill>
+        <p:spPr>
+          <a:xfrm>
+            <a:off x="4800600" y="1099022"/>
+            <a:ext cx="5190475" cy="4158778"/>
+          </a:xfrm>
+          <a:prstGeom prst="rect">
+            <a:avLst/>
+          </a:prstGeom>
+        </p:spPr>
+      </p:pic>
+    </p:spTree>
+    <p:extLst>
+      <p:ext uri="{BB962C8B-B14F-4D97-AF65-F5344CB8AC3E}">
+        <p14:creationId xmlns:p14="http://schemas.microsoft.com/office/powerpoint/2010/main" val="2828701108"/>
+      </p:ext>
+    </p:extLst>
+  </p:cSld>
+  <p:clrMapOvr>
+    <a:masterClrMapping/>
+  </p:clrMapOvr>
+  <mc:AlternateContent xmlns:mc="http://schemas.openxmlformats.org/markup-compatibility/2006" xmlns:p14="http://schemas.microsoft.com/office/powerpoint/2010/main">
+    <mc:Choice Requires="p14">
+      <p:transition spd="slow" p14:dur="2000"/>
+    </mc:Choice>
+    <mc:Fallback xmlns:p15="http://schemas.microsoft.com/office/powerpoint/2012/main" xmlns="">
+      <p:transition spd="slow"/>
+    </mc:Fallback>
+  </mc:AlternateContent>
+</p:sld>
+</file>
+
+<file path=ppt/slides/slide22.xml><?xml version="1.0" encoding="utf-8"?>
+<p:sld xmlns:a="http://schemas.openxmlformats.org/drawingml/2006/main" xmlns:r="http://schemas.openxmlformats.org/officeDocument/2006/relationships" xmlns:p="http://schemas.openxmlformats.org/presentationml/2006/main">
+  <p:cSld>
+    <p:spTree>
+      <p:nvGrpSpPr>
+        <p:cNvPr id="1" name=""/>
+        <p:cNvGrpSpPr/>
+        <p:nvPr/>
+      </p:nvGrpSpPr>
+      <p:grpSpPr>
+        <a:xfrm>
+          <a:off x="0" y="0"/>
+          <a:ext cx="0" cy="0"/>
+          <a:chOff x="0" y="0"/>
+          <a:chExt cx="0" cy="0"/>
+        </a:xfrm>
+      </p:grpSpPr>
+      <p:sp>
+        <p:nvSpPr>
+          <p:cNvPr id="43" name="TextShape 1"/>
+          <p:cNvSpPr txBox="1"/>
+          <p:nvPr/>
+        </p:nvSpPr>
+        <p:spPr>
+          <a:xfrm>
+            <a:off x="504000" y="226080"/>
+            <a:ext cx="9071640" cy="946440"/>
+          </a:xfrm>
+          <a:prstGeom prst="rect">
+            <a:avLst/>
+          </a:prstGeom>
+          <a:noFill/>
+          <a:ln w="0">
+            <a:noFill/>
+          </a:ln>
+        </p:spPr>
+        <p:txBody>
+          <a:bodyPr lIns="0" tIns="0" rIns="0" bIns="0" anchor="ctr">
+            <a:noAutofit/>
+          </a:bodyPr>
+          <a:lstStyle/>
+          <a:p>
+            <a:pPr algn="ctr"/>
+            <a:r>
+              <a:rPr lang="en-US" sz="4400" b="0" strike="noStrike" spc="-1" dirty="0" smtClean="0">
+                <a:latin typeface="Arial"/>
+              </a:rPr>
+              <a:t>VITAMIN-D</a:t>
+            </a:r>
+            <a:endParaRPr lang="en-US" sz="4400" b="0" strike="noStrike" spc="-1" dirty="0">
+              <a:latin typeface="Arial"/>
+            </a:endParaRPr>
+          </a:p>
+        </p:txBody>
+      </p:sp>
+      <p:sp>
+        <p:nvSpPr>
+          <p:cNvPr id="44" name="TextShape 2"/>
+          <p:cNvSpPr txBox="1"/>
+          <p:nvPr/>
+        </p:nvSpPr>
+        <p:spPr>
+          <a:xfrm>
+            <a:off x="685800" y="1326600"/>
+            <a:ext cx="4114800" cy="3931200"/>
+          </a:xfrm>
+          <a:prstGeom prst="rect">
+            <a:avLst/>
+          </a:prstGeom>
+          <a:noFill/>
+          <a:ln w="0">
+            <a:noFill/>
+          </a:ln>
+        </p:spPr>
+        <p:txBody>
+          <a:bodyPr lIns="0" tIns="0" rIns="0" bIns="0">
+            <a:normAutofit/>
+          </a:bodyPr>
+          <a:lstStyle/>
+          <a:p>
+            <a:pPr marL="432000" indent="-324000">
+              <a:spcBef>
+                <a:spcPts val="1417"/>
+              </a:spcBef>
+              <a:buClr>
+                <a:srgbClr val="000000"/>
+              </a:buClr>
+              <a:buSzPct val="45000"/>
+              <a:buFont typeface="Wingdings" charset="2"/>
+              <a:buChar char=""/>
+            </a:pPr>
+            <a:r>
+              <a:rPr lang="en-US" sz="3200" b="0" strike="noStrike" spc="-1" dirty="0" smtClean="0">
+                <a:latin typeface="Arial"/>
+              </a:rPr>
+              <a:t>VITAMIN-D</a:t>
+            </a:r>
+            <a:endParaRPr lang="en-US" sz="3200" b="0" strike="noStrike" spc="-1" dirty="0">
+              <a:latin typeface="Arial"/>
+            </a:endParaRPr>
+          </a:p>
+          <a:p>
+            <a:pPr marL="432000" indent="-324000">
+              <a:spcBef>
+                <a:spcPts val="1417"/>
+              </a:spcBef>
+              <a:buClr>
+                <a:srgbClr val="000000"/>
+              </a:buClr>
+              <a:buSzPct val="45000"/>
+              <a:buFont typeface="Wingdings" charset="2"/>
+              <a:buChar char=""/>
+            </a:pPr>
+            <a:r>
+              <a:rPr lang="en-US" sz="3200" spc="-1" dirty="0"/>
+              <a:t>outliers values out of [0,80</a:t>
+            </a:r>
+            <a:r>
+              <a:rPr lang="en-US" sz="3200" spc="-1" dirty="0" smtClean="0"/>
+              <a:t>]</a:t>
+            </a:r>
+          </a:p>
+          <a:p>
+            <a:pPr marL="432000" indent="-324000">
+              <a:spcBef>
+                <a:spcPts val="1417"/>
+              </a:spcBef>
+              <a:buClr>
+                <a:srgbClr val="000000"/>
+              </a:buClr>
+              <a:buSzPct val="45000"/>
+              <a:buFont typeface="Wingdings" charset="2"/>
+              <a:buChar char=""/>
+            </a:pPr>
+            <a:r>
+              <a:rPr lang="en-US" sz="3200" spc="-1" dirty="0" smtClean="0"/>
+              <a:t>two patients with values 100</a:t>
+            </a:r>
+            <a:endParaRPr lang="en-US" sz="3200" b="0" strike="noStrike" spc="-1" dirty="0">
+              <a:latin typeface="Arial"/>
+            </a:endParaRPr>
+          </a:p>
+        </p:txBody>
+      </p:sp>
+      <p:pic>
+        <p:nvPicPr>
+          <p:cNvPr id="2" name="Imagen 1"/>
+          <p:cNvPicPr>
+            <a:picLocks noChangeAspect="1"/>
+          </p:cNvPicPr>
+          <p:nvPr/>
+        </p:nvPicPr>
+        <p:blipFill>
+          <a:blip r:embed="rId2"/>
+          <a:stretch>
+            <a:fillRect/>
+          </a:stretch>
+        </p:blipFill>
+        <p:spPr>
+          <a:xfrm>
+            <a:off x="4669138" y="1172520"/>
+            <a:ext cx="5235258" cy="4100952"/>
+          </a:xfrm>
+          <a:prstGeom prst="rect">
+            <a:avLst/>
+          </a:prstGeom>
+        </p:spPr>
+      </p:pic>
+    </p:spTree>
+    <p:extLst>
+      <p:ext uri="{BB962C8B-B14F-4D97-AF65-F5344CB8AC3E}">
+        <p14:creationId xmlns:p14="http://schemas.microsoft.com/office/powerpoint/2010/main" val="648839926"/>
+      </p:ext>
+    </p:extLst>
+  </p:cSld>
+  <p:clrMapOvr>
+    <a:masterClrMapping/>
+  </p:clrMapOvr>
+  <mc:AlternateContent xmlns:mc="http://schemas.openxmlformats.org/markup-compatibility/2006" xmlns:p14="http://schemas.microsoft.com/office/powerpoint/2010/main">
+    <mc:Choice Requires="p14">
+      <p:transition spd="slow" p14:dur="2000"/>
+    </mc:Choice>
+    <mc:Fallback xmlns:p15="http://schemas.microsoft.com/office/powerpoint/2012/main" xmlns="">
+      <p:transition spd="slow"/>
+    </mc:Fallback>
+  </mc:AlternateContent>
+</p:sld>
+</file>
+
+<file path=ppt/slides/slide23.xml><?xml version="1.0" encoding="utf-8"?>
+<p:sld xmlns:a="http://schemas.openxmlformats.org/drawingml/2006/main" xmlns:r="http://schemas.openxmlformats.org/officeDocument/2006/relationships" xmlns:p="http://schemas.openxmlformats.org/presentationml/2006/main">
+  <p:cSld>
+    <p:spTree>
+      <p:nvGrpSpPr>
+        <p:cNvPr id="1" name=""/>
+        <p:cNvGrpSpPr/>
+        <p:nvPr/>
+      </p:nvGrpSpPr>
+      <p:grpSpPr>
+        <a:xfrm>
+          <a:off x="0" y="0"/>
+          <a:ext cx="0" cy="0"/>
+          <a:chOff x="0" y="0"/>
+          <a:chExt cx="0" cy="0"/>
+        </a:xfrm>
+      </p:grpSpPr>
+      <p:sp>
+        <p:nvSpPr>
+          <p:cNvPr id="43" name="TextShape 1"/>
+          <p:cNvSpPr txBox="1"/>
+          <p:nvPr/>
+        </p:nvSpPr>
+        <p:spPr>
+          <a:xfrm>
+            <a:off x="504000" y="226080"/>
+            <a:ext cx="9071640" cy="946440"/>
+          </a:xfrm>
+          <a:prstGeom prst="rect">
+            <a:avLst/>
+          </a:prstGeom>
+          <a:noFill/>
+          <a:ln w="0">
+            <a:noFill/>
+          </a:ln>
+        </p:spPr>
+        <p:txBody>
+          <a:bodyPr lIns="0" tIns="0" rIns="0" bIns="0" anchor="ctr">
+            <a:noAutofit/>
+          </a:bodyPr>
+          <a:lstStyle/>
+          <a:p>
+            <a:pPr algn="ctr"/>
+            <a:r>
+              <a:rPr lang="en-US" sz="4400" b="0" strike="noStrike" spc="-1" dirty="0" smtClean="0">
+                <a:latin typeface="Arial"/>
+              </a:rPr>
+              <a:t>TAS</a:t>
+            </a:r>
+            <a:endParaRPr lang="en-US" sz="4400" b="0" strike="noStrike" spc="-1" dirty="0">
+              <a:latin typeface="Arial"/>
+            </a:endParaRPr>
+          </a:p>
+        </p:txBody>
+      </p:sp>
+      <p:sp>
+        <p:nvSpPr>
+          <p:cNvPr id="44" name="TextShape 2"/>
+          <p:cNvSpPr txBox="1"/>
+          <p:nvPr/>
+        </p:nvSpPr>
+        <p:spPr>
+          <a:xfrm>
+            <a:off x="685800" y="1326600"/>
+            <a:ext cx="4114800" cy="3931200"/>
+          </a:xfrm>
+          <a:prstGeom prst="rect">
+            <a:avLst/>
+          </a:prstGeom>
+          <a:noFill/>
+          <a:ln w="0">
+            <a:noFill/>
+          </a:ln>
+        </p:spPr>
+        <p:txBody>
+          <a:bodyPr lIns="0" tIns="0" rIns="0" bIns="0">
+            <a:normAutofit/>
+          </a:bodyPr>
+          <a:lstStyle/>
+          <a:p>
+            <a:pPr marL="432000" indent="-324000">
+              <a:spcBef>
+                <a:spcPts val="1417"/>
+              </a:spcBef>
+              <a:buClr>
+                <a:srgbClr val="000000"/>
+              </a:buClr>
+              <a:buSzPct val="45000"/>
+              <a:buFont typeface="Wingdings" charset="2"/>
+              <a:buChar char=""/>
+            </a:pPr>
+            <a:r>
+              <a:rPr lang="en-US" sz="3200" b="0" strike="noStrike" spc="-1" dirty="0" smtClean="0">
+                <a:latin typeface="Arial"/>
+              </a:rPr>
+              <a:t>TAS</a:t>
+            </a:r>
+            <a:endParaRPr lang="en-US" sz="3200" b="0" strike="noStrike" spc="-1" dirty="0">
+              <a:latin typeface="Arial"/>
+            </a:endParaRPr>
+          </a:p>
+          <a:p>
+            <a:pPr marL="432000" indent="-324000">
+              <a:spcBef>
+                <a:spcPts val="1417"/>
+              </a:spcBef>
+              <a:buClr>
+                <a:srgbClr val="000000"/>
+              </a:buClr>
+              <a:buSzPct val="45000"/>
+              <a:buFont typeface="Wingdings" charset="2"/>
+              <a:buChar char=""/>
+            </a:pPr>
+            <a:r>
+              <a:rPr lang="en-US" sz="3200" spc="-1" dirty="0"/>
+              <a:t>outliers values out of [50,250</a:t>
+            </a:r>
+            <a:r>
+              <a:rPr lang="en-US" sz="3200" spc="-1" dirty="0" smtClean="0"/>
+              <a:t>]</a:t>
+            </a:r>
+          </a:p>
+          <a:p>
+            <a:pPr marL="432000" indent="-324000">
+              <a:spcBef>
+                <a:spcPts val="1417"/>
+              </a:spcBef>
+              <a:buClr>
+                <a:srgbClr val="000000"/>
+              </a:buClr>
+              <a:buSzPct val="45000"/>
+              <a:buFont typeface="Wingdings" charset="2"/>
+              <a:buChar char=""/>
+            </a:pPr>
+            <a:r>
+              <a:rPr lang="en-US" sz="3200" spc="-1" dirty="0" smtClean="0"/>
+              <a:t>two pats with 450 and 610</a:t>
+            </a:r>
+            <a:endParaRPr lang="en-US" sz="3200" b="0" strike="noStrike" spc="-1" dirty="0">
+              <a:latin typeface="Arial"/>
+            </a:endParaRPr>
+          </a:p>
+        </p:txBody>
+      </p:sp>
+      <p:pic>
+        <p:nvPicPr>
+          <p:cNvPr id="2" name="Imagen 1"/>
+          <p:cNvPicPr>
+            <a:picLocks noChangeAspect="1"/>
+          </p:cNvPicPr>
+          <p:nvPr/>
+        </p:nvPicPr>
+        <p:blipFill>
+          <a:blip r:embed="rId2"/>
+          <a:stretch>
+            <a:fillRect/>
+          </a:stretch>
+        </p:blipFill>
+        <p:spPr>
+          <a:xfrm>
+            <a:off x="4800600" y="1172520"/>
+            <a:ext cx="5118250" cy="4085280"/>
+          </a:xfrm>
+          <a:prstGeom prst="rect">
+            <a:avLst/>
+          </a:prstGeom>
+        </p:spPr>
+      </p:pic>
+    </p:spTree>
+    <p:extLst>
+      <p:ext uri="{BB962C8B-B14F-4D97-AF65-F5344CB8AC3E}">
+        <p14:creationId xmlns:p14="http://schemas.microsoft.com/office/powerpoint/2010/main" val="1937213834"/>
+      </p:ext>
+    </p:extLst>
+  </p:cSld>
+  <p:clrMapOvr>
+    <a:masterClrMapping/>
+  </p:clrMapOvr>
+  <mc:AlternateContent xmlns:mc="http://schemas.openxmlformats.org/markup-compatibility/2006" xmlns:p14="http://schemas.microsoft.com/office/powerpoint/2010/main">
+    <mc:Choice Requires="p14">
+      <p:transition spd="slow" p14:dur="2000"/>
+    </mc:Choice>
+    <mc:Fallback xmlns:p15="http://schemas.microsoft.com/office/powerpoint/2012/main" xmlns="">
+      <p:transition spd="slow"/>
+    </mc:Fallback>
+  </mc:AlternateContent>
+</p:sld>
+</file>
+
+<file path=ppt/slides/slide24.xml><?xml version="1.0" encoding="utf-8"?>
+<p:sld xmlns:a="http://schemas.openxmlformats.org/drawingml/2006/main" xmlns:r="http://schemas.openxmlformats.org/officeDocument/2006/relationships" xmlns:p="http://schemas.openxmlformats.org/presentationml/2006/main">
+  <p:cSld>
+    <p:spTree>
+      <p:nvGrpSpPr>
+        <p:cNvPr id="1" name=""/>
+        <p:cNvGrpSpPr/>
+        <p:nvPr/>
+      </p:nvGrpSpPr>
+      <p:grpSpPr>
+        <a:xfrm>
+          <a:off x="0" y="0"/>
+          <a:ext cx="0" cy="0"/>
+          <a:chOff x="0" y="0"/>
+          <a:chExt cx="0" cy="0"/>
+        </a:xfrm>
+      </p:grpSpPr>
+      <p:sp>
+        <p:nvSpPr>
+          <p:cNvPr id="43" name="TextShape 1"/>
+          <p:cNvSpPr txBox="1"/>
+          <p:nvPr/>
+        </p:nvSpPr>
+        <p:spPr>
+          <a:xfrm>
+            <a:off x="504000" y="226080"/>
+            <a:ext cx="9071640" cy="946440"/>
+          </a:xfrm>
+          <a:prstGeom prst="rect">
+            <a:avLst/>
+          </a:prstGeom>
+          <a:noFill/>
+          <a:ln w="0">
+            <a:noFill/>
+          </a:ln>
+        </p:spPr>
+        <p:txBody>
+          <a:bodyPr lIns="0" tIns="0" rIns="0" bIns="0" anchor="ctr">
+            <a:noAutofit/>
+          </a:bodyPr>
+          <a:lstStyle/>
+          <a:p>
+            <a:pPr algn="ctr"/>
+            <a:r>
+              <a:rPr lang="en-US" sz="4400" b="0" strike="noStrike" spc="-1" dirty="0" smtClean="0">
+                <a:latin typeface="Arial"/>
+              </a:rPr>
+              <a:t>TAD</a:t>
+            </a:r>
+            <a:endParaRPr lang="en-US" sz="4400" b="0" strike="noStrike" spc="-1" dirty="0">
+              <a:latin typeface="Arial"/>
+            </a:endParaRPr>
+          </a:p>
+        </p:txBody>
+      </p:sp>
+      <p:sp>
+        <p:nvSpPr>
+          <p:cNvPr id="44" name="TextShape 2"/>
+          <p:cNvSpPr txBox="1"/>
+          <p:nvPr/>
+        </p:nvSpPr>
+        <p:spPr>
+          <a:xfrm>
+            <a:off x="685800" y="1326600"/>
+            <a:ext cx="4114800" cy="3931200"/>
+          </a:xfrm>
+          <a:prstGeom prst="rect">
+            <a:avLst/>
+          </a:prstGeom>
+          <a:noFill/>
+          <a:ln w="0">
+            <a:noFill/>
+          </a:ln>
+        </p:spPr>
+        <p:txBody>
+          <a:bodyPr lIns="0" tIns="0" rIns="0" bIns="0">
+            <a:normAutofit/>
+          </a:bodyPr>
+          <a:lstStyle/>
+          <a:p>
+            <a:pPr marL="432000" indent="-324000">
+              <a:spcBef>
+                <a:spcPts val="1417"/>
+              </a:spcBef>
+              <a:buClr>
+                <a:srgbClr val="000000"/>
+              </a:buClr>
+              <a:buSzPct val="45000"/>
+              <a:buFont typeface="Wingdings" charset="2"/>
+              <a:buChar char=""/>
+            </a:pPr>
+            <a:r>
+              <a:rPr lang="en-US" sz="3200" b="0" strike="noStrike" spc="-1" dirty="0" smtClean="0">
+                <a:latin typeface="Arial"/>
+              </a:rPr>
+              <a:t>TAD</a:t>
+            </a:r>
+            <a:endParaRPr lang="en-US" sz="3200" b="0" strike="noStrike" spc="-1" dirty="0">
+              <a:latin typeface="Arial"/>
+            </a:endParaRPr>
+          </a:p>
+          <a:p>
+            <a:pPr marL="432000" indent="-324000">
+              <a:spcBef>
+                <a:spcPts val="1417"/>
+              </a:spcBef>
+              <a:buClr>
+                <a:srgbClr val="000000"/>
+              </a:buClr>
+              <a:buSzPct val="45000"/>
+              <a:buFont typeface="Wingdings" charset="2"/>
+              <a:buChar char=""/>
+            </a:pPr>
+            <a:r>
+              <a:rPr lang="en-US" sz="3200" spc="-1" dirty="0"/>
+              <a:t>outliers values out of [30,150</a:t>
+            </a:r>
+            <a:r>
+              <a:rPr lang="en-US" sz="3200" spc="-1" dirty="0" smtClean="0"/>
+              <a:t>]</a:t>
+            </a:r>
+          </a:p>
+          <a:p>
+            <a:pPr marL="432000" indent="-324000">
+              <a:spcBef>
+                <a:spcPts val="1417"/>
+              </a:spcBef>
+              <a:buClr>
+                <a:srgbClr val="000000"/>
+              </a:buClr>
+              <a:buSzPct val="45000"/>
+              <a:buFont typeface="Wingdings" charset="2"/>
+              <a:buChar char=""/>
+            </a:pPr>
+            <a:r>
+              <a:rPr lang="en-US" sz="3200" spc="-1" dirty="0"/>
+              <a:t>one pat with 225</a:t>
+            </a:r>
+            <a:endParaRPr lang="en-US" sz="3200" b="0" strike="noStrike" spc="-1" dirty="0">
+              <a:latin typeface="Arial"/>
+            </a:endParaRPr>
+          </a:p>
+        </p:txBody>
+      </p:sp>
+      <p:pic>
+        <p:nvPicPr>
+          <p:cNvPr id="2" name="Imagen 1"/>
+          <p:cNvPicPr>
+            <a:picLocks noChangeAspect="1"/>
+          </p:cNvPicPr>
+          <p:nvPr/>
+        </p:nvPicPr>
+        <p:blipFill>
+          <a:blip r:embed="rId2"/>
+          <a:stretch>
+            <a:fillRect/>
+          </a:stretch>
+        </p:blipFill>
+        <p:spPr>
+          <a:xfrm>
+            <a:off x="4800600" y="1117873"/>
+            <a:ext cx="5208810" cy="4139927"/>
+          </a:xfrm>
+          <a:prstGeom prst="rect">
+            <a:avLst/>
+          </a:prstGeom>
+        </p:spPr>
+      </p:pic>
+    </p:spTree>
+    <p:extLst>
+      <p:ext uri="{BB962C8B-B14F-4D97-AF65-F5344CB8AC3E}">
+        <p14:creationId xmlns:p14="http://schemas.microsoft.com/office/powerpoint/2010/main" val="3889088812"/>
+      </p:ext>
+    </p:extLst>
+  </p:cSld>
+  <p:clrMapOvr>
+    <a:masterClrMapping/>
+  </p:clrMapOvr>
+  <mc:AlternateContent xmlns:mc="http://schemas.openxmlformats.org/markup-compatibility/2006" xmlns:p14="http://schemas.microsoft.com/office/powerpoint/2010/main">
+    <mc:Choice Requires="p14">
+      <p:transition spd="slow" p14:dur="2000"/>
+    </mc:Choice>
+    <mc:Fallback xmlns:p15="http://schemas.microsoft.com/office/powerpoint/2012/main" xmlns="">
+      <p:transition spd="slow"/>
+    </mc:Fallback>
+  </mc:AlternateContent>
+</p:sld>
+</file>
+
+<file path=ppt/slides/slide3.xml><?xml version="1.0" encoding="utf-8"?>
+<p:sld xmlns:a="http://schemas.openxmlformats.org/drawingml/2006/main" xmlns:r="http://schemas.openxmlformats.org/officeDocument/2006/relationships" xmlns:p="http://schemas.openxmlformats.org/presentationml/2006/main">
+  <p:cSld>
+    <p:spTree>
+      <p:nvGrpSpPr>
+        <p:cNvPr id="1" name=""/>
+        <p:cNvGrpSpPr/>
+        <p:nvPr/>
+      </p:nvGrpSpPr>
+      <p:grpSpPr>
+        <a:xfrm>
+          <a:off x="0" y="0"/>
+          <a:ext cx="0" cy="0"/>
+          <a:chOff x="0" y="0"/>
+          <a:chExt cx="0" cy="0"/>
+        </a:xfrm>
+      </p:grpSpPr>
+      <p:sp>
+        <p:nvSpPr>
+          <p:cNvPr id="43" name="TextShape 1"/>
+          <p:cNvSpPr txBox="1"/>
+          <p:nvPr/>
+        </p:nvSpPr>
+        <p:spPr>
+          <a:xfrm>
+            <a:off x="504000" y="226080"/>
+            <a:ext cx="9071640" cy="946440"/>
+          </a:xfrm>
+          <a:prstGeom prst="rect">
+            <a:avLst/>
+          </a:prstGeom>
+          <a:noFill/>
+          <a:ln w="0">
+            <a:noFill/>
+          </a:ln>
+        </p:spPr>
+        <p:txBody>
+          <a:bodyPr lIns="0" tIns="0" rIns="0" bIns="0" anchor="ctr">
+            <a:noAutofit/>
+          </a:bodyPr>
+          <a:lstStyle/>
+          <a:p>
+            <a:pPr algn="ctr"/>
+            <a:r>
+              <a:rPr lang="en-US" sz="4400" b="0" strike="noStrike" spc="-1" dirty="0" smtClean="0">
+                <a:latin typeface="Arial"/>
+              </a:rPr>
+              <a:t>WEIGHT</a:t>
+            </a:r>
+            <a:endParaRPr lang="en-US" sz="4400" b="0" strike="noStrike" spc="-1" dirty="0">
+              <a:latin typeface="Arial"/>
+            </a:endParaRPr>
+          </a:p>
+        </p:txBody>
+      </p:sp>
+      <p:sp>
+        <p:nvSpPr>
+          <p:cNvPr id="44" name="TextShape 2"/>
+          <p:cNvSpPr txBox="1"/>
+          <p:nvPr/>
+        </p:nvSpPr>
+        <p:spPr>
+          <a:xfrm>
+            <a:off x="685800" y="1326600"/>
+            <a:ext cx="4114800" cy="3931200"/>
+          </a:xfrm>
+          <a:prstGeom prst="rect">
+            <a:avLst/>
+          </a:prstGeom>
+          <a:noFill/>
+          <a:ln w="0">
+            <a:noFill/>
+          </a:ln>
+        </p:spPr>
+        <p:txBody>
+          <a:bodyPr lIns="0" tIns="0" rIns="0" bIns="0">
+            <a:normAutofit/>
+          </a:bodyPr>
+          <a:lstStyle/>
+          <a:p>
+            <a:pPr marL="432000" indent="-324000">
+              <a:spcBef>
+                <a:spcPts val="1417"/>
+              </a:spcBef>
+              <a:buClr>
+                <a:srgbClr val="000000"/>
+              </a:buClr>
+              <a:buSzPct val="45000"/>
+              <a:buFont typeface="Wingdings" charset="2"/>
+              <a:buChar char=""/>
+            </a:pPr>
+            <a:r>
+              <a:rPr lang="en-US" sz="3200" b="0" strike="noStrike" spc="-1" dirty="0" smtClean="0">
+                <a:latin typeface="Arial"/>
+              </a:rPr>
+              <a:t>WEIGHT</a:t>
+            </a:r>
+            <a:endParaRPr lang="en-US" sz="3200" b="0" strike="noStrike" spc="-1" dirty="0">
+              <a:latin typeface="Arial"/>
+            </a:endParaRPr>
+          </a:p>
+          <a:p>
+            <a:pPr marL="432000" indent="-324000">
+              <a:spcBef>
+                <a:spcPts val="1417"/>
+              </a:spcBef>
+              <a:buClr>
+                <a:srgbClr val="000000"/>
+              </a:buClr>
+              <a:buSzPct val="45000"/>
+              <a:buFont typeface="Wingdings" charset="2"/>
+              <a:buChar char=""/>
+            </a:pPr>
+            <a:r>
+              <a:rPr lang="en-US" sz="3200" spc="-1" dirty="0"/>
+              <a:t>Outliers, for </a:t>
+            </a:r>
+            <a:r>
+              <a:rPr lang="en-US" sz="3200" spc="-1" dirty="0" smtClean="0"/>
+              <a:t>values </a:t>
+            </a:r>
+            <a:r>
+              <a:rPr lang="en-US" sz="3200" spc="-1" dirty="0"/>
+              <a:t>out of [25,200]</a:t>
+            </a:r>
+            <a:endParaRPr lang="en-US" sz="3200" b="0" strike="noStrike" spc="-1" dirty="0">
+              <a:latin typeface="Arial"/>
+            </a:endParaRPr>
+          </a:p>
+        </p:txBody>
+      </p:sp>
+      <p:pic>
+        <p:nvPicPr>
+          <p:cNvPr id="2" name="Imagen 1"/>
+          <p:cNvPicPr>
+            <a:picLocks noChangeAspect="1"/>
+          </p:cNvPicPr>
+          <p:nvPr/>
+        </p:nvPicPr>
+        <p:blipFill rotWithShape="1">
+          <a:blip r:embed="rId2"/>
+          <a:srcRect r="4371"/>
+          <a:stretch/>
+        </p:blipFill>
+        <p:spPr>
+          <a:xfrm>
+            <a:off x="4643970" y="1326600"/>
+            <a:ext cx="5347054" cy="4085280"/>
+          </a:xfrm>
+          <a:prstGeom prst="rect">
+            <a:avLst/>
+          </a:prstGeom>
+        </p:spPr>
+      </p:pic>
+    </p:spTree>
+    <p:extLst>
+      <p:ext uri="{BB962C8B-B14F-4D97-AF65-F5344CB8AC3E}">
+        <p14:creationId xmlns:p14="http://schemas.microsoft.com/office/powerpoint/2010/main" val="3210502544"/>
+      </p:ext>
+    </p:extLst>
+  </p:cSld>
+  <p:clrMapOvr>
+    <a:masterClrMapping/>
+  </p:clrMapOvr>
+  <mc:AlternateContent xmlns:mc="http://schemas.openxmlformats.org/markup-compatibility/2006" xmlns:p14="http://schemas.microsoft.com/office/powerpoint/2010/main">
+    <mc:Choice Requires="p14">
+      <p:transition spd="slow" p14:dur="2000"/>
+    </mc:Choice>
+    <mc:Fallback xmlns:p15="http://schemas.microsoft.com/office/powerpoint/2012/main" xmlns="">
+      <p:transition spd="slow"/>
+    </mc:Fallback>
+  </mc:AlternateContent>
+</p:sld>
+</file>
+
+<file path=ppt/slides/slide4.xml><?xml version="1.0" encoding="utf-8"?>
+<p:sld xmlns:a="http://schemas.openxmlformats.org/drawingml/2006/main" xmlns:r="http://schemas.openxmlformats.org/officeDocument/2006/relationships" xmlns:p="http://schemas.openxmlformats.org/presentationml/2006/main">
+  <p:cSld>
+    <p:spTree>
+      <p:nvGrpSpPr>
+        <p:cNvPr id="1" name=""/>
+        <p:cNvGrpSpPr/>
+        <p:nvPr/>
+      </p:nvGrpSpPr>
+      <p:grpSpPr>
+        <a:xfrm>
+          <a:off x="0" y="0"/>
+          <a:ext cx="0" cy="0"/>
+          <a:chOff x="0" y="0"/>
+          <a:chExt cx="0" cy="0"/>
+        </a:xfrm>
+      </p:grpSpPr>
+      <p:sp>
+        <p:nvSpPr>
+          <p:cNvPr id="43" name="TextShape 1"/>
+          <p:cNvSpPr txBox="1"/>
+          <p:nvPr/>
+        </p:nvSpPr>
+        <p:spPr>
+          <a:xfrm>
+            <a:off x="504000" y="226080"/>
+            <a:ext cx="9071640" cy="946440"/>
+          </a:xfrm>
+          <a:prstGeom prst="rect">
+            <a:avLst/>
+          </a:prstGeom>
+          <a:noFill/>
+          <a:ln w="0">
+            <a:noFill/>
+          </a:ln>
+        </p:spPr>
+        <p:txBody>
+          <a:bodyPr lIns="0" tIns="0" rIns="0" bIns="0" anchor="ctr">
+            <a:noAutofit/>
+          </a:bodyPr>
+          <a:lstStyle/>
+          <a:p>
+            <a:pPr algn="ctr"/>
+            <a:r>
+              <a:rPr lang="en-US" sz="4400" b="0" strike="noStrike" spc="-1" dirty="0" smtClean="0">
+                <a:latin typeface="Arial"/>
+              </a:rPr>
+              <a:t>SIZE</a:t>
+            </a:r>
+            <a:endParaRPr lang="en-US" sz="4400" b="0" strike="noStrike" spc="-1" dirty="0">
+              <a:latin typeface="Arial"/>
+            </a:endParaRPr>
+          </a:p>
+        </p:txBody>
+      </p:sp>
+      <p:sp>
+        <p:nvSpPr>
+          <p:cNvPr id="44" name="TextShape 2"/>
+          <p:cNvSpPr txBox="1"/>
+          <p:nvPr/>
+        </p:nvSpPr>
+        <p:spPr>
+          <a:xfrm>
+            <a:off x="685800" y="1326600"/>
+            <a:ext cx="4114800" cy="3931200"/>
+          </a:xfrm>
+          <a:prstGeom prst="rect">
+            <a:avLst/>
+          </a:prstGeom>
+          <a:noFill/>
+          <a:ln w="0">
+            <a:noFill/>
+          </a:ln>
+        </p:spPr>
+        <p:txBody>
+          <a:bodyPr lIns="0" tIns="0" rIns="0" bIns="0">
+            <a:normAutofit/>
+          </a:bodyPr>
+          <a:lstStyle/>
+          <a:p>
+            <a:pPr marL="432000" indent="-324000">
+              <a:spcBef>
+                <a:spcPts val="1417"/>
+              </a:spcBef>
+              <a:buClr>
+                <a:srgbClr val="000000"/>
+              </a:buClr>
+              <a:buSzPct val="45000"/>
+              <a:buFont typeface="Wingdings" charset="2"/>
+              <a:buChar char=""/>
+            </a:pPr>
+            <a:r>
+              <a:rPr lang="en-US" sz="3200" b="0" strike="noStrike" spc="-1" dirty="0" smtClean="0">
+                <a:latin typeface="Arial"/>
+              </a:rPr>
+              <a:t>SIZE</a:t>
+            </a:r>
+            <a:endParaRPr lang="en-US" sz="3200" b="0" strike="noStrike" spc="-1" dirty="0">
+              <a:latin typeface="Arial"/>
+            </a:endParaRPr>
+          </a:p>
+          <a:p>
+            <a:pPr marL="432000" indent="-324000">
+              <a:spcBef>
+                <a:spcPts val="1417"/>
+              </a:spcBef>
+              <a:buClr>
+                <a:srgbClr val="000000"/>
+              </a:buClr>
+              <a:buSzPct val="45000"/>
+              <a:buFont typeface="Wingdings" charset="2"/>
+              <a:buChar char=""/>
+            </a:pPr>
+            <a:r>
+              <a:rPr lang="en-US" sz="3200" spc="-1" dirty="0"/>
+              <a:t>Outliers for values out of [120,210]</a:t>
+            </a:r>
+            <a:endParaRPr lang="en-US" sz="3200" b="0" strike="noStrike" spc="-1" dirty="0">
+              <a:latin typeface="Arial"/>
+            </a:endParaRPr>
+          </a:p>
+        </p:txBody>
+      </p:sp>
+      <p:pic>
+        <p:nvPicPr>
+          <p:cNvPr id="2" name="Imagen 1"/>
+          <p:cNvPicPr>
+            <a:picLocks noChangeAspect="1"/>
+          </p:cNvPicPr>
+          <p:nvPr/>
+        </p:nvPicPr>
+        <p:blipFill>
+          <a:blip r:embed="rId2"/>
+          <a:stretch>
+            <a:fillRect/>
+          </a:stretch>
+        </p:blipFill>
+        <p:spPr>
+          <a:xfrm>
+            <a:off x="4800600" y="1550312"/>
+            <a:ext cx="5010378" cy="3707488"/>
+          </a:xfrm>
+          <a:prstGeom prst="rect">
+            <a:avLst/>
+          </a:prstGeom>
+        </p:spPr>
+      </p:pic>
+    </p:spTree>
+    <p:extLst>
+      <p:ext uri="{BB962C8B-B14F-4D97-AF65-F5344CB8AC3E}">
+        <p14:creationId xmlns:p14="http://schemas.microsoft.com/office/powerpoint/2010/main" val="3081174096"/>
+      </p:ext>
+    </p:extLst>
+  </p:cSld>
+  <p:clrMapOvr>
+    <a:masterClrMapping/>
+  </p:clrMapOvr>
+  <mc:AlternateContent xmlns:mc="http://schemas.openxmlformats.org/markup-compatibility/2006" xmlns:p14="http://schemas.microsoft.com/office/powerpoint/2010/main">
+    <mc:Choice Requires="p14">
+      <p:transition spd="slow" p14:dur="2000"/>
+    </mc:Choice>
+    <mc:Fallback xmlns:p15="http://schemas.microsoft.com/office/powerpoint/2012/main" xmlns="">
+      <p:transition spd="slow"/>
+    </mc:Fallback>
+  </mc:AlternateContent>
+</p:sld>
+</file>
+
+<file path=ppt/slides/slide5.xml><?xml version="1.0" encoding="utf-8"?>
+<p:sld xmlns:a="http://schemas.openxmlformats.org/drawingml/2006/main" xmlns:r="http://schemas.openxmlformats.org/officeDocument/2006/relationships" xmlns:p="http://schemas.openxmlformats.org/presentationml/2006/main">
+  <p:cSld>
+    <p:spTree>
+      <p:nvGrpSpPr>
+        <p:cNvPr id="1" name=""/>
+        <p:cNvGrpSpPr/>
+        <p:nvPr/>
+      </p:nvGrpSpPr>
+      <p:grpSpPr>
+        <a:xfrm>
+          <a:off x="0" y="0"/>
+          <a:ext cx="0" cy="0"/>
+          <a:chOff x="0" y="0"/>
+          <a:chExt cx="0" cy="0"/>
+        </a:xfrm>
+      </p:grpSpPr>
+      <p:sp>
+        <p:nvSpPr>
+          <p:cNvPr id="43" name="TextShape 1"/>
+          <p:cNvSpPr txBox="1"/>
+          <p:nvPr/>
+        </p:nvSpPr>
+        <p:spPr>
+          <a:xfrm>
+            <a:off x="504000" y="226080"/>
+            <a:ext cx="9071640" cy="946440"/>
+          </a:xfrm>
+          <a:prstGeom prst="rect">
+            <a:avLst/>
+          </a:prstGeom>
+          <a:noFill/>
+          <a:ln w="0">
+            <a:noFill/>
+          </a:ln>
+        </p:spPr>
+        <p:txBody>
+          <a:bodyPr lIns="0" tIns="0" rIns="0" bIns="0" anchor="ctr">
+            <a:noAutofit/>
+          </a:bodyPr>
+          <a:lstStyle/>
+          <a:p>
+            <a:pPr algn="ctr"/>
+            <a:r>
+              <a:rPr lang="en-US" sz="4400" b="0" strike="noStrike" spc="-1">
+                <a:latin typeface="Arial"/>
+              </a:rPr>
+              <a:t>IMC</a:t>
+            </a:r>
+          </a:p>
+        </p:txBody>
+      </p:sp>
+      <p:sp>
+        <p:nvSpPr>
+          <p:cNvPr id="44" name="TextShape 2"/>
+          <p:cNvSpPr txBox="1"/>
+          <p:nvPr/>
+        </p:nvSpPr>
+        <p:spPr>
+          <a:xfrm>
+            <a:off x="685800" y="1326600"/>
+            <a:ext cx="4114800" cy="3931200"/>
+          </a:xfrm>
+          <a:prstGeom prst="rect">
+            <a:avLst/>
+          </a:prstGeom>
+          <a:noFill/>
+          <a:ln w="0">
+            <a:noFill/>
+          </a:ln>
+        </p:spPr>
+        <p:txBody>
+          <a:bodyPr lIns="0" tIns="0" rIns="0" bIns="0">
+            <a:normAutofit fontScale="92500" lnSpcReduction="20000"/>
+          </a:bodyPr>
+          <a:lstStyle/>
+          <a:p>
+            <a:pPr marL="432000" indent="-324000">
+              <a:spcBef>
+                <a:spcPts val="1417"/>
+              </a:spcBef>
+              <a:buClr>
+                <a:srgbClr val="000000"/>
+              </a:buClr>
+              <a:buSzPct val="45000"/>
+              <a:buFont typeface="Wingdings" charset="2"/>
+              <a:buChar char=""/>
+            </a:pPr>
+            <a:r>
+              <a:rPr lang="en-US" sz="3200" b="0" strike="noStrike" spc="-1">
+                <a:latin typeface="Arial"/>
+              </a:rPr>
+              <a:t>IMC</a:t>
+            </a:r>
+          </a:p>
+          <a:p>
+            <a:pPr marL="432000" indent="-324000">
+              <a:spcBef>
+                <a:spcPts val="1417"/>
+              </a:spcBef>
+              <a:buClr>
+                <a:srgbClr val="000000"/>
+              </a:buClr>
+              <a:buSzPct val="45000"/>
+              <a:buFont typeface="Wingdings" charset="2"/>
+              <a:buChar char=""/>
+            </a:pPr>
+            <a:r>
+              <a:rPr lang="en-US" sz="3200" b="0" strike="noStrike" spc="-1">
+                <a:latin typeface="Arial"/>
+              </a:rPr>
+              <a:t>Outliers for values out of [10,100]</a:t>
+            </a:r>
+          </a:p>
+          <a:p>
+            <a:pPr marL="432000" indent="-324000">
+              <a:spcBef>
+                <a:spcPts val="1417"/>
+              </a:spcBef>
+              <a:buClr>
+                <a:srgbClr val="000000"/>
+              </a:buClr>
+              <a:buSzPct val="45000"/>
+              <a:buFont typeface="Wingdings" charset="2"/>
+              <a:buChar char=""/>
+            </a:pPr>
+            <a:r>
+              <a:rPr lang="en-US" sz="3200" b="0" strike="noStrike" spc="-1">
+                <a:latin typeface="Arial"/>
+              </a:rPr>
+              <a:t>There are several patients with values between 60 and 100, is that correct. Most of the patients are in the range 18-59</a:t>
+            </a:r>
+          </a:p>
+          <a:p>
+            <a:pPr marL="432000" indent="-324000">
+              <a:spcBef>
+                <a:spcPts val="1417"/>
+              </a:spcBef>
+              <a:buClr>
+                <a:srgbClr val="000000"/>
+              </a:buClr>
+              <a:buSzPct val="45000"/>
+              <a:buFont typeface="Wingdings" charset="2"/>
+              <a:buChar char=""/>
+            </a:pPr>
+            <a:endParaRPr lang="en-US" sz="3200" b="0" strike="noStrike" spc="-1">
+              <a:latin typeface="Arial"/>
+            </a:endParaRPr>
+          </a:p>
+        </p:txBody>
+      </p:sp>
+      <p:pic>
+        <p:nvPicPr>
+          <p:cNvPr id="45" name="Imagen 44"/>
+          <p:cNvPicPr/>
+          <p:nvPr/>
+        </p:nvPicPr>
+        <p:blipFill>
+          <a:blip r:embed="rId2"/>
+          <a:stretch/>
+        </p:blipFill>
+        <p:spPr>
+          <a:xfrm>
+            <a:off x="4958280" y="1371600"/>
+            <a:ext cx="4871520" cy="3886200"/>
+          </a:xfrm>
+          <a:prstGeom prst="rect">
+            <a:avLst/>
+          </a:prstGeom>
+          <a:ln w="0">
+            <a:noFill/>
+          </a:ln>
+        </p:spPr>
+      </p:pic>
+    </p:spTree>
+    <p:extLst>
+      <p:ext uri="{BB962C8B-B14F-4D97-AF65-F5344CB8AC3E}">
+        <p14:creationId xmlns:p14="http://schemas.microsoft.com/office/powerpoint/2010/main" val="2222463745"/>
+      </p:ext>
+    </p:extLst>
+  </p:cSld>
+  <p:clrMapOvr>
+    <a:masterClrMapping/>
+  </p:clrMapOvr>
+  <mc:AlternateContent xmlns:mc="http://schemas.openxmlformats.org/markup-compatibility/2006" xmlns:p14="http://schemas.microsoft.com/office/powerpoint/2010/main">
+    <mc:Choice Requires="p14">
+      <p:transition spd="slow" p14:dur="2000"/>
+    </mc:Choice>
+    <mc:Fallback xmlns:p15="http://schemas.microsoft.com/office/powerpoint/2012/main" xmlns="">
+      <p:transition spd="slow"/>
+    </mc:Fallback>
+  </mc:AlternateContent>
+</p:sld>
+</file>
+
+<file path=ppt/slides/slide6.xml><?xml version="1.0" encoding="utf-8"?>
+<p:sld xmlns:a="http://schemas.openxmlformats.org/drawingml/2006/main" xmlns:r="http://schemas.openxmlformats.org/officeDocument/2006/relationships" xmlns:p="http://schemas.openxmlformats.org/presentationml/2006/main">
+  <p:cSld>
+    <p:spTree>
+      <p:nvGrpSpPr>
+        <p:cNvPr id="1" name=""/>
+        <p:cNvGrpSpPr/>
+        <p:nvPr/>
+      </p:nvGrpSpPr>
+      <p:grpSpPr>
+        <a:xfrm>
+          <a:off x="0" y="0"/>
+          <a:ext cx="0" cy="0"/>
+          <a:chOff x="0" y="0"/>
+          <a:chExt cx="0" cy="0"/>
+        </a:xfrm>
+      </p:grpSpPr>
+      <p:sp>
+        <p:nvSpPr>
+          <p:cNvPr id="43" name="TextShape 1"/>
+          <p:cNvSpPr txBox="1"/>
+          <p:nvPr/>
+        </p:nvSpPr>
+        <p:spPr>
+          <a:xfrm>
+            <a:off x="504000" y="226080"/>
+            <a:ext cx="9071640" cy="946440"/>
+          </a:xfrm>
+          <a:prstGeom prst="rect">
+            <a:avLst/>
+          </a:prstGeom>
+          <a:noFill/>
+          <a:ln w="0">
+            <a:noFill/>
+          </a:ln>
+        </p:spPr>
+        <p:txBody>
+          <a:bodyPr lIns="0" tIns="0" rIns="0" bIns="0" anchor="ctr">
+            <a:noAutofit/>
+          </a:bodyPr>
+          <a:lstStyle/>
+          <a:p>
+            <a:pPr algn="ctr"/>
+            <a:r>
+              <a:rPr lang="en-US" sz="4400" b="0" strike="noStrike" spc="-1" dirty="0" smtClean="0">
+                <a:latin typeface="Arial"/>
+              </a:rPr>
+              <a:t>CREATININE</a:t>
+            </a:r>
+            <a:endParaRPr lang="en-US" sz="4400" b="0" strike="noStrike" spc="-1" dirty="0">
+              <a:latin typeface="Arial"/>
+            </a:endParaRPr>
+          </a:p>
+        </p:txBody>
+      </p:sp>
+      <p:sp>
+        <p:nvSpPr>
+          <p:cNvPr id="44" name="TextShape 2"/>
+          <p:cNvSpPr txBox="1"/>
+          <p:nvPr/>
+        </p:nvSpPr>
+        <p:spPr>
+          <a:xfrm>
+            <a:off x="685800" y="1326600"/>
+            <a:ext cx="4114800" cy="3931200"/>
+          </a:xfrm>
+          <a:prstGeom prst="rect">
+            <a:avLst/>
+          </a:prstGeom>
+          <a:noFill/>
+          <a:ln w="0">
+            <a:noFill/>
+          </a:ln>
+        </p:spPr>
+        <p:txBody>
+          <a:bodyPr lIns="0" tIns="0" rIns="0" bIns="0">
+            <a:normAutofit/>
+          </a:bodyPr>
+          <a:lstStyle/>
+          <a:p>
+            <a:pPr marL="432000" indent="-324000">
+              <a:spcBef>
+                <a:spcPts val="1417"/>
+              </a:spcBef>
+              <a:buClr>
+                <a:srgbClr val="000000"/>
+              </a:buClr>
+              <a:buSzPct val="45000"/>
+              <a:buFont typeface="Wingdings" charset="2"/>
+              <a:buChar char=""/>
+            </a:pPr>
+            <a:r>
+              <a:rPr lang="en-US" sz="3200" b="0" strike="noStrike" spc="-1" dirty="0" smtClean="0">
+                <a:latin typeface="Arial"/>
+              </a:rPr>
+              <a:t>CREATININE</a:t>
+            </a:r>
+            <a:endParaRPr lang="en-US" sz="3200" b="0" strike="noStrike" spc="-1" dirty="0">
+              <a:latin typeface="Arial"/>
+            </a:endParaRPr>
+          </a:p>
+          <a:p>
+            <a:pPr marL="432000" indent="-324000">
+              <a:spcBef>
+                <a:spcPts val="1417"/>
+              </a:spcBef>
+              <a:buClr>
+                <a:srgbClr val="000000"/>
+              </a:buClr>
+              <a:buSzPct val="45000"/>
+              <a:buFont typeface="Wingdings" charset="2"/>
+              <a:buChar char=""/>
+            </a:pPr>
+            <a:r>
+              <a:rPr lang="en-US" sz="3200" spc="-1" dirty="0"/>
+              <a:t>Outliers values out of [0,5]</a:t>
+            </a:r>
+            <a:endParaRPr lang="en-US" sz="3200" b="0" strike="noStrike" spc="-1" dirty="0">
+              <a:latin typeface="Arial"/>
+            </a:endParaRPr>
+          </a:p>
+        </p:txBody>
+      </p:sp>
+      <p:pic>
+        <p:nvPicPr>
+          <p:cNvPr id="3" name="Imagen 2"/>
+          <p:cNvPicPr>
+            <a:picLocks noChangeAspect="1"/>
+          </p:cNvPicPr>
+          <p:nvPr/>
+        </p:nvPicPr>
+        <p:blipFill>
+          <a:blip r:embed="rId2"/>
+          <a:stretch>
+            <a:fillRect/>
+          </a:stretch>
+        </p:blipFill>
+        <p:spPr>
+          <a:xfrm>
+            <a:off x="4946180" y="1251284"/>
+            <a:ext cx="4870586" cy="3917482"/>
+          </a:xfrm>
+          <a:prstGeom prst="rect">
+            <a:avLst/>
+          </a:prstGeom>
+        </p:spPr>
+      </p:pic>
+    </p:spTree>
+    <p:extLst>
+      <p:ext uri="{BB962C8B-B14F-4D97-AF65-F5344CB8AC3E}">
+        <p14:creationId xmlns:p14="http://schemas.microsoft.com/office/powerpoint/2010/main" val="1644563208"/>
+      </p:ext>
+    </p:extLst>
+  </p:cSld>
+  <p:clrMapOvr>
+    <a:masterClrMapping/>
+  </p:clrMapOvr>
+  <mc:AlternateContent xmlns:mc="http://schemas.openxmlformats.org/markup-compatibility/2006" xmlns:p14="http://schemas.microsoft.com/office/powerpoint/2010/main">
+    <mc:Choice Requires="p14">
+      <p:transition spd="slow" p14:dur="2000"/>
+    </mc:Choice>
+    <mc:Fallback xmlns:p15="http://schemas.microsoft.com/office/powerpoint/2012/main" xmlns="">
+      <p:transition spd="slow"/>
+    </mc:Fallback>
+  </mc:AlternateContent>
+</p:sld>
+</file>
+
+<file path=ppt/slides/slide7.xml><?xml version="1.0" encoding="utf-8"?>
+<p:sld xmlns:a="http://schemas.openxmlformats.org/drawingml/2006/main" xmlns:r="http://schemas.openxmlformats.org/officeDocument/2006/relationships" xmlns:p="http://schemas.openxmlformats.org/presentationml/2006/main">
+  <p:cSld>
+    <p:spTree>
+      <p:nvGrpSpPr>
+        <p:cNvPr id="1" name=""/>
+        <p:cNvGrpSpPr/>
+        <p:nvPr/>
+      </p:nvGrpSpPr>
+      <p:grpSpPr>
+        <a:xfrm>
+          <a:off x="0" y="0"/>
+          <a:ext cx="0" cy="0"/>
+          <a:chOff x="0" y="0"/>
+          <a:chExt cx="0" cy="0"/>
+        </a:xfrm>
+      </p:grpSpPr>
+      <p:sp>
+        <p:nvSpPr>
+          <p:cNvPr id="43" name="TextShape 1"/>
+          <p:cNvSpPr txBox="1"/>
+          <p:nvPr/>
+        </p:nvSpPr>
+        <p:spPr>
+          <a:xfrm>
+            <a:off x="504000" y="226080"/>
+            <a:ext cx="9071640" cy="946440"/>
+          </a:xfrm>
+          <a:prstGeom prst="rect">
+            <a:avLst/>
+          </a:prstGeom>
+          <a:noFill/>
+          <a:ln w="0">
+            <a:noFill/>
+          </a:ln>
+        </p:spPr>
+        <p:txBody>
+          <a:bodyPr lIns="0" tIns="0" rIns="0" bIns="0" anchor="ctr">
+            <a:noAutofit/>
+          </a:bodyPr>
+          <a:lstStyle/>
+          <a:p>
+            <a:pPr algn="ctr"/>
+            <a:r>
+              <a:rPr lang="en-US" sz="4400" b="0" strike="noStrike" spc="-1" dirty="0" smtClean="0">
+                <a:latin typeface="Arial"/>
+              </a:rPr>
+              <a:t>CYSTATIN</a:t>
+            </a:r>
+            <a:endParaRPr lang="en-US" sz="4400" b="0" strike="noStrike" spc="-1" dirty="0">
+              <a:latin typeface="Arial"/>
+            </a:endParaRPr>
+          </a:p>
+        </p:txBody>
+      </p:sp>
+      <p:sp>
+        <p:nvSpPr>
+          <p:cNvPr id="44" name="TextShape 2"/>
+          <p:cNvSpPr txBox="1"/>
+          <p:nvPr/>
+        </p:nvSpPr>
+        <p:spPr>
+          <a:xfrm>
+            <a:off x="685800" y="1326600"/>
+            <a:ext cx="4114800" cy="3931200"/>
+          </a:xfrm>
+          <a:prstGeom prst="rect">
+            <a:avLst/>
+          </a:prstGeom>
+          <a:noFill/>
+          <a:ln w="0">
+            <a:noFill/>
+          </a:ln>
+        </p:spPr>
+        <p:txBody>
+          <a:bodyPr lIns="0" tIns="0" rIns="0" bIns="0">
+            <a:normAutofit/>
+          </a:bodyPr>
+          <a:lstStyle/>
+          <a:p>
+            <a:pPr marL="432000" indent="-324000">
+              <a:spcBef>
+                <a:spcPts val="1417"/>
+              </a:spcBef>
+              <a:buClr>
+                <a:srgbClr val="000000"/>
+              </a:buClr>
+              <a:buSzPct val="45000"/>
+              <a:buFont typeface="Wingdings" charset="2"/>
+              <a:buChar char=""/>
+            </a:pPr>
+            <a:r>
+              <a:rPr lang="en-US" sz="3200" b="0" strike="noStrike" spc="-1" dirty="0" smtClean="0">
+                <a:latin typeface="Arial"/>
+              </a:rPr>
+              <a:t>CYSTATIN</a:t>
+            </a:r>
+            <a:endParaRPr lang="en-US" sz="3200" b="0" strike="noStrike" spc="-1" dirty="0">
+              <a:latin typeface="Arial"/>
+            </a:endParaRPr>
+          </a:p>
+          <a:p>
+            <a:pPr marL="432000" indent="-324000">
+              <a:spcBef>
+                <a:spcPts val="1417"/>
+              </a:spcBef>
+              <a:buClr>
+                <a:srgbClr val="000000"/>
+              </a:buClr>
+              <a:buSzPct val="45000"/>
+              <a:buFont typeface="Wingdings" charset="2"/>
+              <a:buChar char=""/>
+            </a:pPr>
+            <a:r>
+              <a:rPr lang="en-US" sz="3200" spc="-1" dirty="0"/>
+              <a:t>Outliers values out of [0,6</a:t>
+            </a:r>
+            <a:r>
+              <a:rPr lang="en-US" sz="3200" spc="-1" dirty="0" smtClean="0"/>
+              <a:t>?]</a:t>
+            </a:r>
+          </a:p>
+          <a:p>
+            <a:pPr marL="432000" indent="-324000">
+              <a:spcBef>
+                <a:spcPts val="1417"/>
+              </a:spcBef>
+              <a:buClr>
+                <a:srgbClr val="000000"/>
+              </a:buClr>
+              <a:buSzPct val="45000"/>
+              <a:buFont typeface="Wingdings" charset="2"/>
+              <a:buChar char=""/>
+            </a:pPr>
+            <a:r>
+              <a:rPr lang="en-US" sz="3200" spc="-1" dirty="0" smtClean="0"/>
+              <a:t>Bunch of patients with values up to 12, consider this as a limit?</a:t>
+            </a:r>
+            <a:endParaRPr lang="en-US" sz="3200" b="0" strike="noStrike" spc="-1" dirty="0">
+              <a:latin typeface="Arial"/>
+            </a:endParaRPr>
+          </a:p>
+        </p:txBody>
+      </p:sp>
+      <p:sp>
+        <p:nvSpPr>
+          <p:cNvPr id="2" name="AutoShape 2" descr="data:image/png;base64,iVBORw0KGgoAAAANSUhEUgAAAsIAAAI4CAYAAABgG4+mAAAAOXRFWHRTb2Z0d2FyZQBNYXRwbG90bGliIHZlcnNpb24zLjMuMiwgaHR0cHM6Ly9tYXRwbG90bGliLm9yZy8vihELAAAACXBIWXMAAAsTAAALEwEAmpwYAABPxUlEQVR4nO3de3wV5aHu8eddKyEhkEAUELxB6KYol1QpXk5QkU1r3bWnxdNttYqCl2M9aqm92NOtEitU22p72lJtu2mlWqW1HnY32lNr251d6wWsGygKCKIlgnjjFkjIPWu954+shEzIhJC11rxJ3t83n/V512XWemdNZs088847M8ZaKwAAAMA3MdcjAAAAALhAEAYAAICXCMIAAADwEkEYAAAAXiIIAwAAwEsEYQAAAHiJIAwAA4gx5qAxZrzr8QCA/oAgDAC9ZIy53BizJhU+3zXG/N4Yc04an2eNMf9wFMM/Y4y5ruNz1tqh1tptvR0HAPAJQRgAesEY8yVJ35d0j6TjJJ0s6UeSPuVwtAAAR4EgDABHyRgzTNIiSTdZa39jra211jZba38r6bvGmDpjzLEdhv+wMWa3MSbXGPMPxpi/GGMOGGP2GGN+nRrm2dTgL6damC81xhQbY/5f6r1Vqfsnpoa/W9K5ku5PDX9/6vn2VmVjzEPGmAeMMb8zxtQYY/5qjPlAdFMKAPo2gjAAHL3/Jilf0r93fsFa+56kZyR9psPTcyU9Zq1tlrRY0h8lFUs6UdIPU+87LzXsh1LdG36t1mX0zyWNVWuLc72k+1PD3y7pOUk3p4a/OWRcPyvprlR9b0i6u3dfGQAGHoIwABy9YyXtsda2hLz+sFrDr4wxcbWG0UdSrzWrNdgeb61tsNY+H1aJtXavtfbfrLV11toatYbYmUc5rr+x1r6UGtflkk47yvcDwIBFEAaAo7dX0ghjTE7I609ImpQ6e8NHJR2w1r6Ueu2rkoykl4wxm4wx14RVYowpMMb8qzFmuzGmWtKzkoanwnVPvdfhfp2koUfxXgAY0AjCAHD0VktqkDSnqxettQ2SHpd0haQrdag1WNba96y1/9Nae7ykz0n6UTdniviypImSzrLWFklq6z5h2j4uze8BAF4jCAPAUbLWHpBULukBY8ycVMttrjHmn4wx96YG+4Wk+ZI+KenRtvcaYy5pO+BNUpVaw2wi9fh9SR3PAVyo1n7B+40xx0i6s9OodB4eAHAUCMIA0AvW2v8j6UuS7pC0W9Jbkm6WtDL1+guSkpLWWWvf7PDWMyT91RhzUNKTkr5gra1MvfZ1SQ8bY/YbYz6j1tOzDZa0R9KLkp7uNBo/kPTPqTNKLMnwVwSAAc9Yy541AMgGY8x/SvqltfZnrscFAHA4gjAAZIEx5gxJf5J0UuqMDwCAPoauEQCQYcaYhyX9h6RbCMEA0HfRIgwAAAAv0SIMAAAAL4WdDD4rRowYYceNGxdllQAAABig1q5du8daO7K37480CI8bN05r1qyJskoAAAAMUMaY7em8n64RAAAA8BJBGAAAAF4iCAMAAMBLkfYRBgAAcKW5uVk7d+5UQ0OD61HBUcrPz9eJJ56o3NzcjH4uQRgAAHhh586dKiws1Lhx42SMcT066CFrrfbu3audO3eqpKQko59N1wgAAOCFhoYGHXvssYTgfsYYo2OPPTYrLfkEYQAA4A1CcP+Urf8bQRgAAABeIggDAABEJB6P67TTTtOUKVN0ySWXqK6uzvUoeY0gDAAA0IXly5dr3LhxisViGjdunJYvX572Zw4ePFjr16/Xxo0bNWjQIP3kJz8JvJ5IJNKuIxOf0VlLS0vGP7MvIAgDAAB0snz5cl1//fXavn27rLXavn27rr/++oyE4Tbnnnuu3njjDT3zzDOaNWuWLr/8ck2dOlUNDQ26+uqrNXXqVJ1++un685//LEmqq6vTZz7zGZWWlurSSy/VWWedpTVr1kiShg4dqvLycp111llavXq1Hn30UZ155pk67bTT9LnPfU6JREKJRELz58/XlClTNHXqVH3ve9+TJK1fv15nn322SktLdfHFF6uqqkqSdP755+u2227TzJkz9YMf/EBr167VzJkz9eEPf1gf+9jH9O6770qSlixZokmTJqm0tFSXXXZZxqZPFDh9GgAA8E5vDr6qq6vT3LlzNXfu3G6Hs9Ye8bNaWlr0+9//XhdeeKEk6aWXXtLGjRtVUlKi7373u5KkDRs2aMuWLbrgggu0detW/ehHP1JxcbFeeeUVbdy4Uaeddlr759XW1mrKlClatGiRNm/erG9/+9t64YUXlJubqxtvvFHLly/X5MmT9fbbb2vjxo2SpP3790uSrrrqKv3whz/UzJkzVV5errvuukvf//7324f5y1/+oubmZs2cOVNPPPGERo4cqV//+te6/fbbtWzZMn3rW99SZWWl8vLy2j+zvyAIAwAARKS+vr49wJ577rm69tprtWrVKp155pnt58h9/vnn9fnPf16SdMopp2js2LHaunWrnn/+eX3hC1+QJE2ZMkWlpaXtnxuPx/XpT39aklRRUaG1a9fqjDPOaK9z1KhR+u///b9r27Zt+vznP6+LLrpIF1xwgQ4cOKD9+/dr5syZkqR58+bpkksuaf/cSy+9VJL02muvaePGjfroRz8qqbX7xZgxYyRJpaWluuKKKzRnzhzNmTMnG5MtawjCAAAAEWnrI9zZkCFD2u+HtSh319Kcn5+veDzePty8efP0zW9+87DhXn75Zf3hD3/QAw88oMcff7y9e0SYtvGy1mry5MlavXr1YcP87ne/07PPPqsnn3xSixcv1qZNm5ST0z8iJn2EAQCAd6y13d4effRRFRQUBN5TUFCgRx999IjvTdd5553X3hd569at2rFjhyZOnKhzzjlHjz/+uCTp1Vdf1YYNG7p8/+zZs7VixQrt2rVLkrRv3z5t375de/bsUTKZ1Kc//WktXrxY69at07Bhw1RcXKznnntOkvTII4+0tw53NHHiRO3evbs9CDc3N2vTpk1KJpN66623NGvWLN17773av3+/Dh48mPY0iEr/iOsAAAARuuKKKyRJt99+u3bs2KGTTz5Zd999d/vz2XTjjTfqhhtu0NSpU5WTk6OHHnpIeXl5uvHGGzVv3jyVlpbq9NNPV2lpqYYNG3bY+ydNmqRvfOMbuuCCC5RMJpWbm6sHHnhAgwcP1tVXX61kMilJ7S3GDz/8sG644QbV1dVp/Pjx+vnPf37YZw4aNEgrVqzQggULdODAAbW0tOiWW27RBz/4Qc2dO1cHDhyQtVZf/OIXNXz48KxOn0wymdhy6anp06fbtqMbAQAAorR582adeuqprkej1xKJhJqbm5Wfn6+///3vmj17trZu3apBgwa5HrVIdPX/M8astdZO7+1n0iIMAADQD9TV1WnWrFlqbm6WtVY//vGPvQnB2UIQBgAA6AcKCwvFnvXM4mA5AAAAeIkgDAAAAC8RhAEAAOAlgjAAAAC8RBAGAACIiDFGX/7yl9sff+c739HXv/51dyPkOYIwAABAF95f/r5Wj1utZ2LPaPW41Xp/+ftpf2ZeXp5+85vfaM+ePRkYw64lEok+8RmdtbS0ZPwz00UQBgAA6OT95e/rtetfU+P2RslKjdsb9dr1r6UdhnNycnT99dfre9/73mGvbd++XbNnz1Zpaalmz56tHTt2HDbM17/+dV155ZX6x3/8R02YMEE//elPJUnPPPOMZs2apcsvv1xTp05VQ0ODrr76ak2dOlWnn366/vznP0tqPRfxZz7zGZWWlurSSy/VWWed1X5KtqFDh6q8vFxnnXWWVq9erUcffVRnnnmmTjvtNH3uc59TIpFQIpHQ/PnzNWXKFE2dOrX9e6xfv15nn322SktLdfHFF6uqqkqSdP755+u2227TzJkz9YMf/EBr167VzJkz9eEPf1gf+9jH9O6770qSlixZokmTJqm0tFSXXXZZWtP4aHAeYQAA4J1nzDNH/Z5kXVKb527W5rmbux3ufHt+t6/fdNNNKi0t1Ve/+tXA8zfffLOuuuoqzZs3T8uWLdOCBQu0cuXKw97/yiuv6MUXX1Rtba1OP/10XXTRRZKkl156SRs3blRJSYm++93vSpI2bNigLVu26IILLtDWrVv1ox/9SMXFxXrllVe0ceNGnXbaae2fW1tbqylTpmjRokXavHmzvv3tb+uFF15Qbm6ubrzxRi1fvlyTJ0/W22+/rY0bN0qS9u/fL0m66qqr9MMf/lAzZ85UeXm57rrrLn3/+99vH+Yvf/mLmpubNXPmTD3xxBMaOXKkfv3rX+v222/XsmXL9K1vfUuVlZXKy8tr/8wo0CIMAAAQoaKiIl111VVasmRJ4PnVq1fr8ssvlyRdeeWVev7557t8/6c+9SkNHjxYI0aM0KxZs/TSSy9Jks4880yVlJRIkp5//nldeeWVkqRTTjlFY8eO1datW/X888+3t7hOmTJFpaWl7Z8bj8f16U9/WpJUUVGhtWvX6owzztBpp52miooKbdu2TePHj9e2bdv0+c9/Xk8//bSKiop04MAB7d+/XzNnzpQkzZs3T88++2z751566aWSpNdee00bN27URz/6UZ122mn6xje+oZ07d0qSSktLdcUVV+jRRx9VTk507bS0CAMAAETslltu0bRp03T11VeHDmOM6dHzbY+HDBnS/py1tsv3hj0vSfn5+YrH4+3DzZs3T9/85jcPG+7ll1/WH/7wBz3wwAN6/PHHu+zm0VHbeFlrNXnyZK1evfqwYX73u9/p2Wef1ZNPPqnFixdr06ZNkQRiWoQBAIB3zrfnd3s79dFTFSsIxqRYQUynPnrqEd/bE8ccc4w+85nP6MEHH2x/rqysTI899pgkafny5TrnnHO6fO8TTzyhhoYG7d27V88884zOOOOMw4Y577zztHz5cknS1q1btWPHDk2cOFHnnHOOHn/8cUnSq6++qg0bNnRZx+zZs7VixQrt2rVLkrRv3z5t375de/bsUTKZ1Kc//WktXrxY69at07Bhw1RcXKznnntOkvTII4+0tw53NHHiRO3evbs9CDc3N2vTpk1KJpN66623NGvWLN17773av3+/Dh482KPpmK4jRm1jzDJJn5C0y1o7pdNrX5F0n6SR1trsHf4IAAAQoeOuOE6StO32bWrc0ai8k/M0/u7x7c9nwpe//GXdf//97Y+XLFmia665Rvfdd59Gjhypn//8512+78wzz9RFF12kHTt2aOHChTr++OO1devWwDA33nijbrjhBk2dOlU5OTl66KGHlJeXpxtvvFHz5s1TaWmpTj/9dJWWlmrYsGGH1TFp0iR94xvf0AUXXKBkMqnc3Fw98MADGjx4sK6++molk0lJam8xfvjhh3XDDTeorq5O48eP73LcBw0apBUrVmjBggU6cOCAWlpadMstt+iDH/yg5s6dqwMHDshaqy9+8YsaPnx4byfrUTHdNZFLkjHmPEkHJf2iYxA2xpwk6WeSTpH04Z4E4enTp9u2IxMBAACitHnzZp166qmuRyMtX//61zV06FB95Stf6dX7E4mEmpublZ+fr7///e+aPXu2tm7dqkGDBmV4TDOvq/+fMWattXZ6bz/ziC3C1tpnjTHjunjpe5K+KumJ3lYOAACA6NTV1WnWrFlqbm6WtVY//vGP+0UIzpZe9UI2xnxS0tvW2pfDOnJ3GPZ6SddL0sknn9yb6gAAACClfRW6wsJCsXf+kKM+WM4YUyDpdknlPRneWrvUWjvdWjt95MiRR1sdAABAxhypSyj6pmz933pz1ogPSCqR9LIx5k1JJ0paZ4wZnckRAwAAyKT8/Hzt3buXMNzPWGu1d+9e5efnZ/yzj7prhLV2g6RRbY9TYXg6Z40AAAB92YknnqidO3dq9+7drkcFRyk/P18nnnhixj+3J6dP+5Wk8yWNMMbslHSntfbB7t8FAADQt+Tm5rZfeQ2QenbWiM8e4fVxGRsbAAAAICJcWQ4AAABeIggDAADASwRhAAAAeIkgDAAAAC8RhAEAAOAlgjAAAAC8RBAGAACAlwjCAAAA8BJBGAAAAF4iCAMAAMBLBGEAAAB4iSAMAAAALxGEAQAA4CWCMAAAALxEEAYAAICXCMIAAADwEkEYAAAAXiIIAwAAwEsEYQAAAHiJIAwAAAAvEYQBAADgJYIwAAAAvEQQBgAAgJcIwgAAAPASQRgAAABeIggDAADASwRhAAAAeIkgDAAAAC8RhAEAAOAlgjAAAAC8RBAGAACAlwjCAAAA8BJBGAAAAF4iCAMAAMBLBGEAAAB4iSAMAAAALxGEAQAA4CWCMAAAALxEEAYAAICXCMIAAADwEkEYAAAAXiIIAwAAwEsEYQAAAHiJIAwAAAAvEYQBAADgJYIwAAAAvEQQBgAAgJcIwgAAAPASQRgAAABeIggDAADASwRhAAAAeIkgDAAAAC8RhAEAAOAlgjAAAAC8RBAGAACAlwjCAAAA8BJBGAAAAF4iCAMAAMBLBGEAAAB4iSAMAAAALx0xCBtjlhljdhljNnZ47j5jzBZjzCvGmH83xgzP6lgCAAAAGdaTFuGHJF3Y6bk/SZpirS2VtFXSv2R4vAAAAICsOmIQttY+K2lfp+f+aK1tST18UdKJWRg3AAAAIGsy0Uf4Gkm/z8DnAAAAAJFJKwgbY26X1CJpeTfDXG+MWWOMWbN79+50qgMAAAAyptdB2BgzT9InJF1hrbVhw1lrl1prp1trp48cObK31QEAAAAZldObNxljLpT0vyXNtNbWZXaUAAAAgOzryenTfiVptaSJxpidxphrJd0vqVDSn4wx640xP8nyeAIAAAAZdcQWYWvtZ7t4+sEsjAsAAAAQGa4sBwAAAC8RhAEAAOAlgjAAAAC8RBAGAACAlwjCAAAA8BJBGAAAAF4iCAMAAMBLBGEAAAB4iSAMAAAALxGEAQAA4CWCMAAAALxEEAYAAICXCMIAAADwEkEYAAAAXiIIAwAAwEsEYQAAAHiJIAwAAAAvEYQBAADgJYIwAAAAvEQQBgAAgJcIwgAAAPASQRgAAABeIggDAADASwRhAAAAeIkgDAAAAC8RhAEAAOAlgjAAAAC8RBAGAACAlwjCAAAA8BJBGAAAAF4iCAMAAMBLBGEAAAB4iSAMAAAALxGEAQAA4CWCMAAAALxEEAYAAICXCMIAAADwEkEYAAAAXiIIAwAAwEsEYQAAAHiJIAwAAAAvEYQBAADgJYIwAAAAvEQQBgAAgJcIwgAAAPASQRgAAABeIggDAADASwRhAAAAeIkgDAAAAC8RhAEAAOAlgjAAAAC8RBAGAACAlwjCAAAA8BJB2ENVFVVaN2OdqiqqXI8KAACAMwRhD1WWV6p6VbUqyytdjwoAAIAzBGEPlSwqUVFZkUoWlbgeFQAAAGdyXI8Aolc8u1jFs4tdjwYAAIBTtAgDAADASwRhAAAAeIkgDAAAAC8RhAEAAOClIwZhY8wyY8wuY8zGDs8dY4z5kzHm9VTJkVcAAADoV3rSIvyQpAs7Pfc1SRXW2gmSKlKPAQAAgH7jiEHYWvuspH2dnv6UpIdT9x+WNCezowUAAABkV2/7CB9nrX1XklLlqLABjTHXG2PWGGPW7N69u5fVAQAAAJmV9YPlrLVLrbXTrbXTR44cme3qAAAAgB7pbRB+3xgzRpJS5a7MjRIAAACQfb0Nwk9Kmpe6P0/SE5kZHQAAACAaPTl92q8krZY00Riz0xhzraRvSfqoMeZ1SR9NPQYAAAD6jZwjDWCt/WzIS7MzPC4AAABAZLiyHAAAALxEEAYAAICXCMIAAADwEkEYAAAAXiIIAwAAwEsEYQAAAHiJIAwAAAAvEYQBAADgJYIwAAAAvEQQBgAAgJcIwgAAAPASQRgAAABeIggDAADASwRhAAAAeIkgDAAAAC8RhAEAAOAlgjAAAAC8RBAGAACAlwjCAAAA8BJBGAAAAF4iCAMAAMBLBGEAAAB4iSAMAAAALxGEAQAA4CWCMAAAALxEEAYAAICXCMIAAADwEkEYAAAAXiIIAwAAwEsEYQAAAHiJIAwAAAAvEYQBAADgJYIwAAAAvEQQBgAAgJcIwgAAAPASQRgAAABeIggDAADASwRhAAAAeIkgDAAAAC8RhAEAAOAlgjAAAAC8RBAGAACAlwjCAAAA8BJBGAAAAF4iCAMAAMBLBGEAAAB4iSAMAAAALxGEAQAA4CWCMAAAALxEEAYAAICXCMIAAADwEkEYAAAAXiIIAwAAwEsEYQAAAHiJIAwAAAAvEYQBAADgJYIwAAAAvEQQBgAAgJcIwgAAAPASQRgAAABeIggDAADAS2kFYWPMF40xm4wxG40xvzLG5GdqxAAAAIBs6nUQNsacIGmBpOnW2imS4pIuy9SIAQDQW1UVVVo3Y52qKqpcjwqAPizdrhE5kgYbY3IkFUh6J/1RAgAgPZXllapeVa3K8krXowKgD+t1ELbWvi3pO5J2SHpX0gFr7R87D2eMud4Ys8YYs2b37t29H1MAAHqoZFGJisqKVLKoxPWoAOjDjLW2d280pljSv0m6VNJ+Sf9X0gpr7aNh75k+fbpds2ZNr+oDAAAAOjLGrLXWTu/t+9PpGvERSZXW2t3W2mZJv5FUlsbnAQAAAJFJJwjvkHS2MabAGGMkzZa0OTOjBQAAAGRXOn2E/ypphaR1kjakPmtphsYLAAAAyKqcdN5srb1T0p0ZGhcAAAAgMlxZDgAAAF4iCAMAAMBLBGEAAAB4iSAMAAAALxGEAQAA4CWCMAAAALxEEAYAAICXCMIAAADwEkEYAAAAXiIIAwAAwEsEYQAAAHiJIAwAAAAvEYQBAADgJYIwAAAAvEQQBgAAgJcIwgAAAPASQRgAAABeIggDAADASwRhAAAAeIkgDAAAAC8RhAEAAOAlgjAAAAC8RBAGAACAlwjCAAAA8BJBGAAAAF4iCAMAAMBLBGEAAAB4iSAMAAAALxGEAQAA4CWCMAAAALxEEAYAAICXCMIAAADwEkEYAAAAXiIIAwAAwEsEYQAAAHiJIAwAAAAvEYQBAADgJYIwAAAAvEQQBgAAgJcIwgAAAPASQRgAAABeIggDAADASwRhAAAAeIkgDAAAAC8RhAEAAOAlgjAAAAC8RBAGAACAlwjCAAAA8BJBGAAAAF4iCAMAAMBLBGEAAAB4iSAMAAAALxGEAQAA4CWCMAAAALxEEAYAAICXCMIAAADwEkEYAAAAXiIIAwAAwEsEYQAAAHiJIAwAAAAvpRWEjTHDjTErjDFbjDGbjTH/LVMjBgAAAGRTTprv/4Gkp621/2yMGSSpIAPjBAAAAGRdr4OwMaZI0nmS5kuStbZJUlNmRgsAAADIrnS6RoyXtFvSz40xfzPG/MwYM6TzQMaY640xa4wxa3bv3p1GdQAAAEDmpBOEcyRNk/Rja+3pkmolfa3zQNbapdba6dba6SNHjkyjOgAAACBz0gnCOyXttNb+NfV4hVqDMQAAANDn9ToIW2vfk/SWMWZi6qnZkl7NyFgBAAAAWZbuWSM+L2l56owR2yRdnf4oAQAAANmXVhC21q6XND0zowIAAABEhyvLAQAAwEsEYQAAAHiJIAwAAAAvEYQBAADgJYIwAAAAvEQQBgAAgJcIwgAAAPCSt0G4qqJK62asU1VFletRAQAAgAPeBuHK8kpVr6pWZXml61EBAACAA94G4ZJFJSoqK1LJohLXowIAAAAH0rrEcn9WPLtYxbOLXY8GAAAAHPG2RRgAAAB+IwgDAADASwRhAAAAeIkgDAAAAC8RhAEAAOAlgjAAAAC8RBAGAACAlwjCAAAA8BJBGAAAAF4iCAMAAMBLBGEAAAB4iSAMAAAALxGEAQAA4CWCMAAAALxEEAYAAICXCMIAAADwEkEYAAAAXiIIAwAAwEsEYQAAAHiJIAwAAAAvEYQBAADgJYIwAAAAvEQQBgAAgJcIwgAAAPASQRgAAABeIggDAADASwRhAAAAeIkgDAAAAC8RhAEAAOAlgjAAAAC8RBAGAACAlwjCAAAA8BJBGAAAAF4iCAMAAMBLBGEAAAB4iSAMAAAALxGEAQAA4CWCMAAAALxEEAYAAICXCMIAAADwEkEYAAAAXiIIAwAAwEsEYQAAAHiJIAwAAAAvEYQBAADgJYIwAAAAvEQQBgAAgJcIwgAAAGmqqqjSuhnrVFVR5XpUcBQIwgAAAGmqLK9U9apqVZZXuh4VHAWCMAAAQJpKFpWoqKxIJYtKXI8KjkJOuh9gjIlLWiPpbWvtJ9IfJQAAgP6leHaximcXux4NHKVMtAh/QdLmDHwOAAAAEJm0grAx5kRJF0n6WWZGBwAAAIhGui3C35f0VUnJsAGMMdcbY9YYY9bs3r07zeoAAACAzOh1EDbGfELSLmvt2u6Gs9YutdZOt9ZOHzlyZG+rAwAAADIqnRbhGZI+aYx5U9Jjkv7RGPNoRsYKAAAAyLJeB2Fr7b9Ya0+01o6TdJmk/7TWzs3YmAEAAABZxHmEAQAA4KW0zyMsSdbaZyQ9k4nPAgAAAKJAizAAAAC85G0Qrqqo0roZ61RVUeV6VAAAAOCAt0G4srxS1auqVVle6XpUAAAA4IC3QbhkUYmKyopUsqjE9agAAADAAW+DcPHsYk17YZqKZxe7HhUAAIBeo7tn73kbhAEAAAYCunv2HkEYAACgH6O7Z+9l5DzCAAAAcKN4djFdPXuJFmEAAAB4iSAMAAAALxGEAQAA4CWCMAAAALxEEAYAAICXCMIAAADwEkEYAAAAXiIIAwAAwEsEYQAAAHiJIAwAAAAvEYQBAADgJYIwAAAAvEQQRqSqKqq0bsY6VVVUuR4VAADgOYKwh1yG0crySlWvqlZleWXkdQMAAHREEPaQyzBasqhERWVFKllUEnndAAAAHeW4HgFEr2RRiSrLK52E0eLZxSqeXRx5vQAAAJ152yLsc1/V4tnFmvbCNAIpAADwmrdBmL6qAABgIHDduOe6/nR4G4TpqwpEpz8vJAGgr3PduOe6/nR4G4TpHgBEpz8vJAGgr3PduOe6/nRwsByArHN5gCYADHSuD0R3XX86vG0RBhAd9sC4QZcUAOgeQRgABii6pCBqbHyhvyEIO8LCwo0d9+3Qc0XPacd9O1yPCpB1/bnfHnqPq4cCPUcQdoSFhRvbF29Xoiah7Yu3ux4VIOvokuInrh4K9BxB2BEWFm6MXThW8cK4xi4c63pUACArXK5f2PhCf2OstZFVNn36dLtmzZrI6gMAIGpVFVXtZ0nxLRD6/N3hhjFmrbV2em/fT4swAAAZFEXXhIqKCs2YMUMVFRVZq6M39dPtD/0NQRjwBAdoAtGIomtCeXm5Vq1apfLy8qzV0Zv66fbnp/68fiEIAxFxvaCgpQaIRhT9ZBctWqSysjItWrQoa3X0pn76CPupP69fvO0jTD8mRG3djHWqXlWtorIiTXthWuT1M88DALLB5fqFPsK91J+3XtA/ud5lSEuNG673BABAtvXn9Yu3Qdh1KIF/XC8oCGRusNENAH2Xt0HYdSiBGz6HQQKZG2x0u+Hzbx3+YX7vPW+DMPzkcxgkkLnBRrcbPv/W4QaXtu6fCMKOuPzB+Lzl6HMYJJDBJz7/1uGGyzA6Ys4IxQvjGjFnROR193feBmHXYdDlD8bnLUfCIAAgG1xufO1ZuUeJmoT2rNwTed39nbdB2HUYdPmDcVm36w0QAH5wvYyHf1w2tLjeA9Kf1+3eBmHXM42vWDkBfnC9YmQZD5+43tvZn9ft3gZh1zPN6wteV/Wqar2+4PXI63Y5w7Jycsd1MIFf+vOKEehvXC/f+/O63dsg7HqmccnlDOt6A8RnBBNEyfWKkfkdPnE9v/fndbu3Qdj1TDNhyQQVlRVpwpIJkdftcob1eQPENfqGI0quV4yug7iv+K27wfzee94GYdczTc26GtVuqFXNuhon9bviegPEZy6Dicv/OytmN3bct0PPFT2nHfftyGo9FRUVmjFjhioqKgLPuw7ivnL5W49qngvjclnD/N573gZh17Yv3q5ETULbF293PSqRcr0BAjdc/t/Z+HIjqmVceXm5Vq1apfLy8qzWg55x+Vt3vV5lWdM/eRuEXc+woy4bJcVSJbzgc8uky9YK1yea9/X/PnbhWMUL4xq7cGxW61m0aJHKysq0aNGirNaDnnH5W49qngtDQ0//5G0QjmKGDdtlJ0m1m2qlZKr0iOsNEJdcf3dfA5nrE827/r+7cvKtJ+vc6nN18q0nZ7We2bNn64UXXtDs2bMDz3P1Tv9ENc+F8bl7Qn+e570NwlH00e1ul52vW46+fm/J/Xf3NZC5nu6uW6Rdcb1i5Oqdbrj+v8ON/jzPexuEo+hL1Fd32bGgcsN1a4HrQOiK6+nuskXa5W/d9YrR16t3uub6/+4r1+v1/jzPexuEo+ijG7bLTvK3tYKFpDuuA6ErPq8gfL54jq/zu2uu/+8uuTxrhet1a3/+vXkbhPf9YZ+UTJUOuFxYuNxV6+tuYt+5DKMur+IouV1BcPEcN1yHErjh8qwVPm+ApMvbINy8uzlQ+uS9h95Toiah9x56L/K6XR+4xAE0brgMBonaRKBEZoUdFOx6fndZv8+hxOeNAM4G1T95G4TH3TVO8cK4xt01zkn9USwswlZQzXuaA2WUdbteQWy5ZouqV1VryzVbIq/b9QrC12AQHxIPlFEb6LtLww4Kdj2/u9wT4Lo13Nffumsuzwbl+vfWn/U6CBtjTjLG/NkYs9kYs8kY84VMjli2uT7NShQLi7AVVMv+lkAZZd2uVxAu9wS4XkG4XFC6/L+Pnj9a8cK4Rs8fHXnd0sDfXRp2ULDr+T1xMBEofeLrb901DtDsn9JpEW6R9GVr7amSzpZ0kzFmUmZGK/tcX4px1693qfrFau369a6s1RG2gsoZnhMoo6zbNdd7AlzydUHpsiuQ5P4k/9kWdlCw60AUHxoPlD7x9bfumut53iXXmSodvQ7C1tp3rbXrUvdrJG2WdEKmRizbXF+K8d2fvSslU2WWhK2gYvmxQBll3a653BPg+qCtKM6d7VJYdxzXfYRdznM+7y51vSfAJZeBzHXfcJcGejeo7rjOVOnISBIyxoyTdLqkv3bx2vXGmDXGmDW7d+/ORHUZ4bqVJndkbqCMUkt1S6CMks8LSde7at+8800lahJ68843ndSfbWHdcVz3EXbJ55ZB1wfmuuTrWVpct0puu22bEjUJbbttW+R1u/6t9+cDBdMOwsaYoZL+TdIt1trqzq9ba5daa6dba6ePHDky3eoGjJO+cpLihXGd9JWTIq87sT8RKKP06uWvqnpVtV69/NXI65bcriBc76qNF8YDZZSimO5h3XEmLJmgorIiTVgyIWt1d8flPDfQ9wJ0x3UwcMl166Arzjf2E53KCLnuluHyQMF0pRWEjTG5ag3By621v8nMKEWj8o5KJWoSqrzDzYLire+8pURNQm99563oK8/pVEaoeVdzoIyayxXEsBnDpFiqdCB3RG6gzIaw7glRnK2jr/ZVdTnP9efdlelyuRHges+Xy40AlxueLjf2JWnMdWOkWKr0TH/e8EznrBFG0oOSNltr/0/mRikiyU5lxFyevWD8PeMVL4xr/D3jI6/btSGTh0ixVBmx9x99X0qmSgeiWEGFdU9oeqcpUEbJ9e5SlysIl7srXU93lxsBro8HcLnxF8WB4GGi2NjvzsSlE3V+4nxNXDrRSf3onXRahGdIulLSPxpj1qduH8/QeGXdoOMHBcqouewj7PTUcbFOZcTe+/l7UjJVRszl/1yKZuUYerYQh//3KAJRWEu4ay53V7pujXZ9HIivojgQPIzP3aBc74Xoz91x0jlrxPPWWmOtLbXWnpa6PZXJkcumYz52jBRLlQ647CPs+gcThbBgYltsoIyy7lOWnaKisiKdsuyUyOuWovm/h3VPGD1vtBRLlRGLIhCFtYRLblcQvrZGS243+H0OZDKdygi57hPv8rfuei+El10j+rt3H0pttT4U/VarFM0RzS77a7oWGkzincoo645Ad3W7XFDu+8M+KZkqI7Z7xW4lahLavSJ7Z62ZM2eOCgsLNWfOnMNeGzFnhOKFcY2YMyJr9fdF/fngmf7OZSDLOykvUEbJ9V6I/hwG0+V6IyQd3gZhNXcqIxZFX9WwUNT4dmOgjJKJmUCZLWG76PNOyAuUUdYdRRDt7kImUVxaO4zLPvE1L9UEymxYuXKlampqtHLlysNec3kaL19bo11zvZvY5cbXCTedoHhhXCfcFP1lBVzvhXDZNzt/XH6gjJrrjZB0+BuEHYviwKnQUOTwFC85x+QEymwJ20UfRfeEsLqjuLBDdxcyad7XHCijdNzc46RYqozYoBMHBcps6G4DJIruOGFcHhzqM9d7AVxufLm8kuO+P6b2PP0x+j1PktsDRPc9vS9QRm3YucMCZX8y4INwXz2IJdmUDJTZ0Bev7hYbHAuUA1HoPGc7lREzqU57xkHnvT1P7JGSqTJiLXtbAmU2dPdbi6JFOmyec3mmEtetoi77ybq+rLfLjS+XFw5qercpUEbNZavoMRceEyijtv/P+wNlfzJw00jKggULtGrVKi1YsCD4Qm6nMmoOW2VjQ2KBMkrJ+mSgjNrGf96o6lXV2vjPG7NWR1iXlGRDMlBGLarW+K64PH+0yTOBMmrHfPyYQJkNYfOcy+/uujXaZRB3fRXJKDa+wkRx4aCwDb+c4TmBMmoFpxYEyii19cV31SffWhso+5MBH4RDOe4j7JJttIEySi77qUrRXFUvbDe56+8exV6IvihZlwyUUcs7IU+KuemX7vIqkq7Pm+2ye4LrjV6XZ24YPX+04oVxjZ6fvTPEhG34uT6PcM1/1QTKKLk89keSbIMNlP3JgA/CS5YsUVlZmZYsWeJ6VPoMm7CBMtrKO5VZ4rJLTOhucscXcXEZiuLD44EySrGCWKCMWhTnVe2L3aBct8S7vHqny/74kmRyTaCM0tv3v61ETUJv3/921uoI2/CLIoR3Jz4sHiij5LLrmyQNnjg4UPYnAz4Ih64gHF5mOCou+6qG1X3MPx0TKLMltEuMQ7mjcgOlT3KKcgJllKI4SLE7roO4Ky73PEluz1TiskVWkoaeNjRQRqnpvaZAmQ1h63WXGz+SlHd8XqCMUmxoLFBGraGyIVD2J34tmTtq6VQOQH3xfLZV/1kVKAeisI0A16e3MfkmUEappbolUEbKcTcop/3iHQay4bOGB8qoDf7g4EAZpVheLFBGzWUfYZcbfi6PRZDctkgnDyYDZfQj0KnsR/wNwh7o7iT/2Ra26yqqfkShXWIiuNRv2EaAy7MHSG5b6Fx2y3DO4QpizHVjpFiqjFjVH6sCZdTqt9YHyig5DyUOL2nuek+AS1F0Cwnl8H8uuT0YO10E4QEs9CT/EbQShXZJieDKbt3WH0Eo6e6cstnW7V4Al6dvc7yr2FcHXjggJVNlxFyewkuSF93fQjkMRS7PGV54ZmGgjFrjzsZAGaXijxQHyqi5PlAxHQThASw0kLkMRP1490lPuTxwyWUIl/rmOZRddglxrfGdxkCZDX31XO2uu8S45LJrhstzhkfRP7lbDtdv+36/L1BGzXXXv3QQhAewvngkueuLSgx0rv/nLvulh4liV21fDYNRdEnpi/9z3yVrk4EySi776Ta90xQoveJ43brvqX2Bsj8hCAPIGJct0i5bo30Og312LwS84/TUoK7R/azXCMJZxAIaHcWKYoFyIHLZIu3ylHkuD0x1jb0Q6DMct4q6PF+66yDs9LunaeCukfuAvngu26i43ghwXX9XXF/hDNkTemAqss51izT6kIgOxg7j8owZLi+iIkmjLhklxVJlP0MQRla4bqVxXX+XPDh3tUsuryLpc4uwa65bpPsip1f5yu1UeiTv5LxAGaXckbmBMmquL6meDoJwFvl8eWfXrTSu60f0XAaihx56SDU1NXrooYcirxvorP61+kAZKZdn60h0KiPmcro37WwKlJFzfB7jdPTDUT46fXEXuQ9ct9K4rt8V5nf4xuU8z+8NUeur85zLM5Wka8AH4b54mWEgW1zPc311IZ1t8+fPV2FhoebPn+96VLzj6zL+vvvuU1FRke67777I60aICA5Yc72MH4gGfBDui5cZRvZddNFFMsbooosucj0qkXI9z/m6kOZgOXd8XcYvXrxYNTU1Wrx4ceR1S/5u9Hb7vSM4a4XrZfxANOCDMH333HDdWvHUU08Fyii5XEG47hLi60La1+8tuQ9Evi7jFy5cqMLCQi1cuNBJ/S7PiuRy/eJ6Y9/1Mn4gGvBB2CXXp09zubC48847VVNTozvvvDPyuiXpxBNPDJRRcrmgdB1K1q1bpw0bNmjdunVO6veVy9/6Nddco1WrVumaa66JvG7XXH73adOmaerUqZo2bVrkdbvmcv0yfPjwQOnK+8vf1+pxq/VM7BmtHrc6kjrb1i8r/mVFoO73l/e/M0V0lON6BLJt/vz5Wrx4sZO+e7W1tYEyanfccYeampp0xx136NZbb4207lGjRmn79u0aNcrNOQXfeeedQBmlOXPmaMOGDU521XYM4S5aDDruro16nrvvvvu0ePFiLVy4MPK6FyxYoFdffVULFizQpk2bIq1bcjvd33vvvUAZtSVLlqi8vNxJa/zu3bsDZZRcz3Mu160u1y9PP/10e/n+8ve17fZtatzRmJFTpiVbkkrWJ5WsSypRn1CyrvVxoi7RXv7lpb/o7gfv1pV7r9S0ROtGUOP2xsDnvPHFN2QTVrbFHio73FdCoa91fK7zcF/c8UVtaNygA6sO6H7d3173a9e/lvZ3d2nAB+GOu82iXkEcOHAgUEatpaUlUEZp8uTJ2r59uyZPnhx53ZJ07bXX6sEHH9S1114bed0d+4tGPc8tWrTIWSiQWnfXtoXRqN15552qr6/XnXfeGfl0P3jwYKCM2qmnnqqXXnpJp556auR1jx49Wjt27NDo0aMjr9u1u+66y9n87rqhxeVy7qabbtLixYt10003RVantVbJ+qQumHWBnq54Wuf9w3nacu2W9otndA6j2/5lW3uYbQuyXQbcDs/Z5iN3Lv6KvqLt2q4qVekhPdTlMDu/vzPt79uVAhVIkoZqaOD5/n6RqAEfhF22DO7fvz9QRi0WiymZTCpmYlo9bnXGtlp7ouNWswtLly7V0qVLndTtskW4Y9cEFy3Cr7/+umpra/X6669HXndeXp7q6+uVlxf9yewbGhoCZdReeumlQBmlZcuWOd34ctkyeuutt0YeAtsMGTIkUEatbTn3kZM/Evn6pa2B62c/+JnOeeCc0LqttUrUJpSoab21VLe03q9OqKWm0/3q1DAd77cNn7qvpLRZmyVJlVsrZbs5Km7Ht3Zk5bsf0IFAGaWX9FKgHCgGfBB2HUZdyonnqKWlRSZh2rdWO2+1ZsuECRP02muvacKECZHU11lFRUX7yjnqQHj//ferpqZG999/f+QrSZe7yCXppz/9aXsZ9YZIXV1doIySz8sZ1xtfe/bskSTt2rkr8kDmsjvOjBkztGXLFs2YMSMrn2+TVomDCbUcaA2GLdXB8t5F96rmYI2WPLZEszRL0uHrl81XbT7sDArWdniic460Ifc7va9xZ2p99najGtX1uu25Yc8pcTAh9afGSiPFCmKKF8QVG3yojBXEFB8cV6wgpprf1khWqlZ16Md84LsfkMkxMnEjk2OkuAKPA/c7PNfVcIlkQg3NDapvqtc5t56j5156TmfqzMPqtLIy2TxvXBYN+CDsUnuLbCw7xyQmm5NqfKtR9dvq1VDZoIZtDe3367fVq6GxtXWquZtL/Gz45AYN/uBgFXywoLWcUKBBxw+SMenN0Fu3bg2UUbv88su1a9cuXfY/LtOTxU9GunJ02Wfysssu04MPPqjLLrss8rpdKygoUFNTkwoKCiKv23X3gFGjRmnXrl1O+kwuXLhQjY2NuuO2O7ptnesta61sk1WyIdl6a0wG7u/bu0+StK96nxqruw5FNetrFBsUUywvJjPIBMrYoJhMvHfLu7buOOW3l2flu3fn4YcfVjKZ1MM/f1hX//Hq9rpLFpcEhjuw6sBhITYs3LYcaGm/n6jp/vJse9S6AbJf+0OHef+R7BxE9b/0v/Rz/VxX6+rQYRLVmb+8XCw/poviF+mhuod0obmw25BdcndJIMB2DLbxgq6fM4PMEde9Nm67PD1bxyC6+/zdqq2t7fJ28ODB0Ne6Gq65+fD8UKnKwOMGNShP0e+JyxSCcBYlk8lAebSstWre2xwIuIH7OxrSvpTk3t/uPey52JCYCia0BuPBEzqE5A8WKPeYvncB+URdQk3vNQVuu3e1Hryyt3pv6Mrx1ctfbV0h5qVWiKlbuo9zc3PV1NSkHJMTeQvVL3/5SyWTSf3yl7901jXEFZd98m+++WYtXrxYN998c8YPoOmJ6dOn66mnntLUMVMPzXMnBetuqWkJHizT+eCYRBcH0SS6OcAm9VqyJbWca0mG7nl64ytvtIdX2xgeatvvd3jc1gczTLIHTX5rT1/b/QBxdR+U80yXr+e0tK5C483x0O/+2udeOzRtE4emW/vjZDevJayU7Pq1RFPrwj/RkgjUveWqLYH6/zbjb0ecPr2Rq1w1q1m5in6d8Lpe1zZt0+t6XR/Wh7sdNjY4pnhRXDmFOYoXxg/dL4orXtjpflFqmA73Oz4Xy43pyrFXqq62TisKVmhO7RzlK7+9rrYwamX18pSX1djYqKamptaytin4uJdlW56wsnpP72mURmmXduk4Hdf+/Ic/3P00Sdce7QnU/TP9TLfr9qzWmU1eBeGoQ0lH3a0ca7fUhobdI22VZ0OyNqmD6w/q4PrDD/zJOSYnEIwHTxjc3pIcHxJvHy4WiymRSPS6NTzZnFTzrubDAm7Te01qej/4uKtplKe8I26l7vrVrl6N25HUqvXglbrGutCV44ZPblB8aLxXt9jgWGirQccDaDrO7+PvHp+V79qdqH9vbbtOrbVZq9smuw6I37n3O6qpqdG37/q2zkqepWR968qq8/99z2/3KNmYCoONSSWbOtxvTLa2fKbutw/XlAy+p4vhnvp76/myK16u0B26o7XuHcG6ny96PqPTos1ojdZbektjNCZ0mJ3fzc7BO5I0SIPUoAYN0qDef0hCrQcz1R9do0W96iWpffd8V95d+m7vx6sbx+pY7dIuHatjs/L5klRv6lVv6lVralVn63TQHtRBe1B1qmvf0xi2x9HK6kdFP9KgQYNab3mDDt0fNEh5eXmHPZ+Xl9fl47xBh57Py8vTo196VPWN9fqFfqHL1PXerxP/dqLqVa/6pnrV1dXpQN0B1dXVdX3bW6e6t0Jeq6tTbW1t4LEk7a3dq+/oO7pO1x0WRiXpU5/6VIb/G4dP38/qs+2P/1P/mZV6YrGYhgwZoqFDh6q2tlbV1dVKKhmoWxJBuL8ICyWdz4EX6MN0JD0cdMs1W2Sbuj669L9O/a+e19fJoDGDlD8+X4PHD1Z+SapMPVYPTqE76bFJqttap/qt9ap7vU71r9WrZX/4WSZa9rWo+sVqVb94eP+kQScMam9JTiZSrUSJpFaPXa3Gtw5voXp/+ftdB933mtS8J7w7R080qSlQ9jVdtcT3mFEwHA85dL+jQCvR1cFWoh337ZCMWgO1Ufst3cdh9Xe084c702ohC3vck7rXnrG2y5bQw1o8Q14Ls0utG1V7a/d220K58ZMbQ1/rr97SW4EyG9pbZ/NTtw73G9akDlRU+IGKQz40JLhRkdqQaCt7eyWwoRqq/dp/2FH0UbhYF+sX+oUu1sWHvdaxZfJVvao61alWte1lx/thr9WrXkl75GnTsUW0Y92StKJ6Rca+b1emaEqXdVtZTTg9+8enVKT+2mQrjB6tD33oQxoyZMhht6FDh3b5fHev5eXltTe8zJgxQ6tWrWrv9tmmoKBAiv7QjIzxKgiH2Tx3c9braAvBRys+NK788fnBkFvSWuaPy1d8cPzIHyJpT3yPjkkco33xfTo2cWz7gmrUpcE+hW3dMepfr28Nxx1D8tb6bltMmt5uUtPbTdr/zP72o2mtbHvLVOcWqkxNdzPIaNDoQa2341rL5E9TQbybUHLKI6cEWtk6t7r1+HGnFjtVZeRrhbNqP5K5x2/pdFqebV/dlumx6rE3FryRlc8dpmE6oAMapmGhw9SsqclK3f1BfGhciuvQLXaotMZK8dbSxmxrmbqfNEkllVTSJGWNVUKJ9scJJaQjnKjByuql019Ss2lWs2lWi2lRs2lWk5oOlWotm9SkJttaNtrG1sfJJrUkW5RMJpVIJJRIJFrv1ydaD4bqpt62ULT0jKUqLCxUUVGRioqK2u8XFha23h9SpKF5Q1WYX6iC3ALlKCfY8t6U7DJI59yQo26OWZIkffAnH2ydzpIO1h/U/pr92n9gv6qqq7Rv/z7t279Pe6v2au/+vdqzd4/2Vu1VU6JJSSUPTevUX9tjK6ud2qkWtehpPR3aKipJN+vm7kewF+LxuBKJ1mnfoIYud9FHYa3WOqv7SD7xiU+0t3pnspw7d67+9rfw7i5GRuvXr8/Kd5o8ebJefPFFnXfeeaqsrNSOHTt08skn6+6775aZ2z8PlJMIwn1C7ISYzPFG9jirllEtahnZoobiBtUX16s+t16NTY1qaGhQY2OjGqsa1fBugxr/fOi5sLKjSxKXtN5JHNpqtbK6/PLLVVhYqKFDh7bf2h8PG6rCfyzU0E+2Pj9qyCjl1eQp/k5czW82B0Jyw98bAi1mafcfM1LuyNxDAbebW87wnMO7Cvy064/t2Foxem6WDmzqwfJg8r9PVrI2qcTBxFHfkg3h4b5txe/q6N2YYkoqqZiDi1a2HUXd3dHUmdCilvZQ0vbXE1ZWL+pFNaf+mtSkFrW032/u5q+rYROxhGzcKhlPqpvG0Pa6zzt4Xga+fc91nA+/9revZb2+mGKhoehnP/vZUX1WXl5el6G583N7a1r37HSe5zqG8IuXXax33nlH7733XlbO6f6OgqcG7dwlbNGiRYEuCYFuCSG3I70ej8cDy9yudtEbGb3zzjuqq6tTfX39Yd0NevJc2DDvvtva3aTzLvqOLbJjx45VQUGBhgwZooKCgrRvbZ8zefJk7dixQ8cee2z7+HVmZPTb3/42zf9s1z772c9q8+bNSiQSXR7Ilk2PPfaYksmk1q5dq+rq4Dz/zNxnIh2XTPI+CFtZrT92fWt3CKv2XUFJtZbW2tbWzQ7324bt+Piw4ezhu2vD6p/59kzp7ex/16786le/6tX7cnNzAwF62LRhOiF+gk6wJ2h0y2g1rzly/7F9pfvUOLRRjQWNahzSqPqCejXkN6h+cL3q8+rVYlvaW4ASiYQS+xJK7E4osT4RfL6LW/sZO0JWjlZWH/rQh5RMJkNvbS1PR7p1Hi5Mx5XjqIsPtcQbYw67xWKxLp83uUbx3LgGm8Fq+yswBRqswcq3+bLVh1riu6v/cT0uk/qT1H4/3cdtLfBhLfFWViu18rAWrq7+unotrIWsrZUs7Lu3PX+jbmx/T8cg2/nzwl7r7ryhbRrU0OUBNJJ0m2474vt7LJm6dfiJFakoMEjUG0UuW+e6C0VHq7GxUbt37+7xFeOSSoZ+996c23n48OEaM2aMjj/++NDyH/7hHyS1LmM71v2L3F/o1ubWU7kZmUgu9jF27Nj21kFtP/T8mDHh/cbTEY/Hu13WGhm9+eabWal76NDWbjDHHXecbrvtNt1+++1dfvdsWblypRoaGjRhwgQ1NTVFWrfLCyZlk7dBuOMK4kt7v5T1+rpbOfZHzc3N2rdvn/bt29frz/jnV/45g2PUte5Wjq+88krW6+9JMGjfcDoK3Z2yqCudW4l+op8c1fvT1XF+X6Ilzureoi1HGPrIjDHtrUSDBw9WQUGBtmw59LndHUDzkY98RC0tLe23RCIReNzd8x2fa9st3Vm1qkPnOWOM8vLylJub296yF3a/u9c6D3fPPfe01xH2W3vkkUcUi8UUj8cVj8d7fb+r5z7wgQ8c8X/2r//6r6qurlZNTY2qq6uPeD9s+nanJyG8uLj4iAF3zJgxGjx48FHV/bWxX3O6m7pj6HzGPJP1+np7JqZM6Hhp6SuuuEJXXHFF+2tRfPeOVw/teN7uKOp2eQGZbPIqCLtsrehu5Thp0iTl5eUpPz+/y7K717obpqys7Ijj9cgjj+jgwYM6ePCgampq2u93ftz5fm9WFFL/3wA4WlEc1Rumu9Pb9CT8HE04anvc8epiYb+3xYsXB4Jd54DX2+f++te/HrHuyy+/PLC7sy3IHs1zHQ8eadPx8eqC1aqoO/wAGiOjP/3pTxn4z6aumNVhGrS1Uknhu6mzFR46BuGuGBnNnTs3K3X3hJHR9ddf3+PhrbWqr6/vUXA+0neXpOeff17HH3+8Ro8efdQBtzvGGFlrZczhrZ9R7KaeOHGiXnvtNU2cODHrdXXW1kc5FovppJNOirRV9J577lFNTY3uueceJ6HQ9QVsBiKvgnDYCuLFF19sb2HozS3svR1XTmFHlxqZyC8L2qa3KyhrrRobG7sNzfPmzWsfPiyU3Hrrre2tO5m8xWIxffzjHz/id1+/fn2v/7fdDZeT0/3Pysgc6k7TzS2ZTPZouI7Dd7ygQ9jpbYzMYX3IM6VjEA77vd1xxx1ZqbsnfRaXL1+elbo7Wrp0adZ3lxpjlJOTc8R5LWphu8j7U/0dW/yPdIGUnmwEZO3Kbx1OF+hCPB4PlFH65je/2eUV/aJoFXV9FUmXVw91ecXWbOpbS1FHzjrrrKzXUVBQ4OTSr20yuYIyxig/P1/5+fkaMWJEl8N0DMJhoeTee+9Nb0TS9KEPfSjrdXQ33dv6/UbBxeltXIYil3W72F3akcvvHvUucil4BU8X9bdxvREQtbZLW7eVUVqxYoVqamq0YsWKyMPgkCFDVFtbqyFDhkRabxuXVw8tLy/XqlWrVF5ePqCCcPSHdjs0duxYGWM0duzYyOteunSp0/rffPNNJZNJvfnmm5F3TXD5vV3X31em+9KlSyOv3+V3d1m3a7599wsvvDBQRqntgkFtITzK6d6xbhdqamoCZZTaDkDszYGI6Wpbj7han23atEnJZNLJnuRFixaprKwssOdvIPAqCLtcQVxxxRXeraDauP7erut3peP37thCCWSS60D21FNPBcoote3RiWrPTkdte+PC9spl26xZswJllM4888xAGaUlS5aorKxMS5ZEe9Bvmzlz5qiwsFBz5syJvO7Zs2frhRde6LI12OSbQNmfeBWEAWAgGjRoUKCMUttBeK6O5HcZRl3WnZ+fHyij9h//8R+BMkr33HOPysrKenSwYqZ1FwajsHLlStXU1GjlypWB52NFsUAZNdtgA2V/QhAGgH7OdRj1VV5eXqCMkssQLrmd5xYsWKBVq1ZpwYIFkdftWlj3hGR1MlBGzeSYQNmfEIQBIE1tZ29wdRYHl2cQcLmbWpKuu+46xWIxXXfddZHX3XYAtIsDodsO1nJ10Nbxxx8fKPuC2JBYoByIwlqkC88sDJRRK76gOFD2JwN3boGGDx8eKH3iut+ir1wGQpfze9ulc7NxCd2ecNk66HI3tSRdeumlOvvss3XppZdGXvcZZ5wRKKPkuq/qsmXLVFZWpmXLlkVed9h3T9YlA2XUxvzPMVIsVUbMdYvsgecOBMr+ZMCnBNe7j1zqi1vsUXG5285lIHM9vx9zzDGBMkqXXHKJYrGYLrnkksjrdt06d8IJJwTKKHU8pZILLneTb968OVBGqdu+qqZTGWH9UbRMhtUdHxYPlFEbdekoFZ1dpFGXjoq87pJFJSoqK1LJopLI65akUZeNkmKpsp8Z8EHY5S5D1y2y8+fPV2FhoebPnx953a6/u8v6V6xYobKyMq1YsSLyul3uJpbUfuWsTF5Bq6cee+wxJZNJPfbYY5HX7bqP7oMPPqiysjI9+OCDkdcd1mfRh93UCxcuVGFhoRYuXBh8IdapjNiY61Itk9dF3zKZOJgIlFHKOz4vUEatsrxS1auqVVleGXndxbOLNe2FaSqe7aZrwoEXDkjJVNnPDNwlVIrLQOS6RTbs6NIouAyDknTbbbepsLBQt912m5P6XVm6dKkSiYSWLl16+IsRtBK5bBkNDSURfO+77rpLhYWFuuuuuw57bfDEwYEyG8JayHJH5QbKKOue+sRUFZUVaeoTU7NWtxS+m/yYjx8TKLPh1ltvVXV19WEXdRj/rfGKF8Y1/lvjs1Z3d2o31UrJVOmR0fNHK14Y1+j53V8RMFtct8qidwZ8EHYZyFz34XJ58uvQ3XYRtZS43AgI21UcxYq5O7kjcwNlNoTN81EEsrBQItupjLJuSfVb6wNllCb9cpKKyoo06ZeTIq87qhaqsGVNy/6WQBmlk289WedWn6uTbz058rolt4FswpIJKior0oQlEyKve8/KPUrUJLRnZfRXu5Pct8q65PL/nq4Bf4nl2bNnd92HKiYpqawGstC61bq7MFmbzOpuw7D648PjSuxPKD48+n5UBacUqO7VOhWcUpDVeubMmaMNGzYcdtLx3FG5at7VnNVAtmjRovbrsXd00pdOUsv+Fp30pZOyVnd3ckekvvuI7LYOdjXPTfrlJFWWVzpZMUfxP+9OfFjq9+ag32Lx7GJnK+Wqiqr2/7mLcShZVOJsnnPN5f/dJZ//567153luwLcIh3G960rJTmUWVFRUaMaMGaqoqAg8bxttoIzSsBnDpFiqzKKwFuERnxohxVJlloS1ULnsPya53WJ32VISxf+8OzlFOYHSF1HN72HLOZ9VVVRp3Yx1qqqoirxun/vJon/yNgi73nV13NzjpFiqzJKwXfTj7hqneGFc4+4al7W6w+x6bJeUTJVZFNYtJKr6uzJizgjFC+MaMcdNIPOVy/+5JMWHxgOlL6LaPR+2nHO94emSy+9OP1n0N94GYZdbzFI0BzOEhcHCaYUaMnWICqdFf+LtsQvHKl4Y19iFY7NaT1irbFT1d8V1/7WBHgzCWgZd/s+l/t13Lh1Rtc6FLed8DmQuvzutsuhvTJSnFZs+fbpds2ZNZPV1Z92MdapeVa2isiJNe2Fa5PW77D/n8ru77jfo0o77dmj74u0au3Cskz0RLqd9FHXPmDFDq1atUllZmV544YWs1AEAfZHP61ZjzFpr7fTevt/bFmHXrQUut5pdfveB3irZHdctwi7nuSj+7y7PkgIALvm8bk2Xty3CcMPnrVa+u5/fHQCyzedlbLotwgRhAAAA9Et0jQAAAAB6gSAMAAAALxGEAQAA4CWCMAAAALxEEAYAAICX0grCxpgLjTGvGWPeMMZ8LVMjBQAAAGRbr4OwMSYu6QFJ/yRpkqTPGmMmZWrEAAAAgGxKp0X4TElvWGu3WWubJD0m6VOZGS0AAAAgu3LSeO8Jkt7q8HinpLM6D2SMuV7S9amHB40xr6VRZyaMkOTmGrf9H9Oud5huvZf2tBuiIYUjNOKEPdrzdq1qazI0Xn0d81zvMN16j2nXO0y33mubdmPT+ZB0grDp4rnDLlNnrV0qaWka9WSUMWZNOlcg8RnTrneYbr3HtOsdplvvMN16j2nXO0y33svUtEuna8ROSSd1eHyipHfSGx0AAAAgGukE4f+SNMEYU2KMGSTpMklPZma0AAAAgOzqddcIa22LMeZmSX+QFJe0zFq7KWNjlj19pptGP8S06x2mW+8x7XqH6dY7TLfeY9r1DtOt9zIy7Yy1h3XrBQAAAAY8riwHAAAALxGEAQAA4KUBG4SPdPln02pJ6vVXjDHTXIxnX2KMOckY82djzGZjzCZjzBe6GOZ8Y8wBY8z61K3cxbj2RcaYN40xG1LTZU0XrzPPdWKMmdhhXlpvjKk2xtzSaRjmuRRjzDJjzC5jzMYOzx1jjPmTMeb1VFkc8t5ul4kDWch0u88YsyX1W/x3Y8zwkPd2+7se6EKm3deNMW93+E1+POS9zHPB6fbrDtPsTWPM+pD3ejvPheWQrC7nrLUD7qbWg/f+Lmm8pEGSXpY0qdMwH5f0e7WeD/lsSX91Pd6ub5LGSJqWul8oaWsX0+18Sf/P9bj2xZukNyWN6OZ15rnup19c0nuSxnZ6nnnu0LQ4T9I0SRs7PHevpK+l7n9N0rdDpm23y8SBfAuZbhdIyknd/3ZX0y31Wre/64F+C5l2X5f0lSO8j3mu03Tr9Pp3JZWHvObtPBeWQ7K5nBuoLcI9ufzzpyT9wrZ6UdJwY8yYqEe0L7HWvmutXZe6XyNps1qvIIjMYJ7r3mxJf7fWbnc9In2VtfZZSfs6Pf0pSQ+n7j8saU4Xb+3JMnHA6mq6WWv/aK1tST18Ua3nwkcnIfNcTzDPhUw3Y4yR9BlJv4p0pPqBbnJI1pZzAzUId3X5586BrifDeMsYM07S6ZL+2sXL/80Y87Ix5vfGmMnRjlmfZiX90Riz1rReWrwz5rnuXabwFQPzXLjjrLXvSq0rEUmjuhiGea9716h1b01XjvS79tXNqW4ly0J2UzPPhTtX0vvW2tdDXmee02E5JGvLuYEahHty+eceXSLaR8aYoZL+TdIt1trqTi+vU+uu6w9J+qGklRGPXl82w1o7TdI/SbrJGHNep9eZ50KY1ovyfFLS/+3iZea59DHvhTDG3C6pRdLykEGO9Lv20Y8lfUDSaZLeVetu/s6Y58J9Vt23Bns/zx0hh4S+rYvnjjjPDdQg3JPLP3OJ6C4YY3LVOvMtt9b+pvPr1tpqa+3B1P2nJOUaY0ZEPJp9krX2nVS5S9K/q3U3TUfMc+H+SdI6a+37nV9gnjui99u62KTKXV0Mw7zXBWPMPEmfkHSFTXUy7KwHv2vvWGvft9YmrLVJST9V19OEea4LxpgcSf9D0q/DhvF9ngvJIVlbzg3UINyTyz8/Kemq1JH8Z0s60Nbs7qtUv6UHJW221v6fkGFGp4aTMeZMtc5De6Mby77JGDPEGFPYdl+tB+Js7DQY81y40BYS5rkjelLSvNT9eZKe6GKYniwTvWKMuVDS/5b0SWttXcgwPflde6fTsQ0Xq+tpwjzXtY9I2mKt3dnVi77Pc93kkOwt51wfIZitm1qP0N+q1iMIb089d4OkG1L3jaQHUq9vkDTd9Ti7vkk6R627EV6RtD51+3in6XazpE1qPRrzRUllrse7L9zUepTqy6nbJua5o5p2BWoNtsM6PMc81/W0+pVad0U3q7X141pJx0qqkPR6qjwmNezxkp7q8N7Dlom+3EKm2xtq7U/Ytqz7SefpFva79ukWMu0eSS3DXlFr0BjDPHfk6ZZ6/qG2ZVuHYZnnDk2LsBySteUcl1gGAACAlwZq1wgAAACgWwRhAAAAeIkgDAAAAC8RhAEAAOAlgjAAAAC8RBAGAACAlwjCAAAA8NL/B/qwJl5tcuveAAAAAElFTkSuQmCC"/>
+          <p:cNvSpPr>
+            <a:spLocks noChangeAspect="1" noChangeArrowheads="1"/>
+          </p:cNvSpPr>
+          <p:nvPr/>
+        </p:nvSpPr>
+        <p:spPr bwMode="auto">
+          <a:xfrm>
+            <a:off x="155575" y="-144463"/>
+            <a:ext cx="304800" cy="304801"/>
+          </a:xfrm>
+          <a:prstGeom prst="rect">
+            <a:avLst/>
+          </a:prstGeom>
+          <a:noFill/>
+          <a:extLst>
+            <a:ext uri="{909E8E84-426E-40DD-AFC4-6F175D3DCCD1}">
+              <a14:hiddenFill xmlns:a14="http://schemas.microsoft.com/office/drawing/2010/main">
+                <a:solidFill>
+                  <a:srgbClr val="FFFFFF"/>
+                </a:solidFill>
+              </a14:hiddenFill>
+            </a:ext>
+          </a:extLst>
+        </p:spPr>
+        <p:txBody>
+          <a:bodyPr vert="horz" wrap="square" lIns="91440" tIns="45720" rIns="91440" bIns="45720" numCol="1" anchor="t" anchorCtr="0" compatLnSpc="1">
+            <a:prstTxWarp prst="textNoShape">
+              <a:avLst/>
+            </a:prstTxWarp>
+          </a:bodyPr>
+          <a:lstStyle/>
+          <a:p>
+            <a:endParaRPr lang="es-ES"/>
+          </a:p>
+        </p:txBody>
+      </p:sp>
+      <p:pic>
+        <p:nvPicPr>
+          <p:cNvPr id="3" name="Imagen 2"/>
+          <p:cNvPicPr>
+            <a:picLocks noChangeAspect="1"/>
+          </p:cNvPicPr>
+          <p:nvPr/>
+        </p:nvPicPr>
+        <p:blipFill>
+          <a:blip r:embed="rId2"/>
+          <a:stretch>
+            <a:fillRect/>
+          </a:stretch>
+        </p:blipFill>
+        <p:spPr>
+          <a:xfrm>
+            <a:off x="4644624" y="1172520"/>
+            <a:ext cx="5067268" cy="4016452"/>
+          </a:xfrm>
+          <a:prstGeom prst="rect">
+            <a:avLst/>
+          </a:prstGeom>
+        </p:spPr>
+      </p:pic>
+    </p:spTree>
+    <p:extLst>
+      <p:ext uri="{BB962C8B-B14F-4D97-AF65-F5344CB8AC3E}">
+        <p14:creationId xmlns:p14="http://schemas.microsoft.com/office/powerpoint/2010/main" val="562859893"/>
+      </p:ext>
+    </p:extLst>
+  </p:cSld>
+  <p:clrMapOvr>
+    <a:masterClrMapping/>
+  </p:clrMapOvr>
+  <mc:AlternateContent xmlns:mc="http://schemas.openxmlformats.org/markup-compatibility/2006" xmlns:p14="http://schemas.microsoft.com/office/powerpoint/2010/main">
+    <mc:Choice Requires="p14">
+      <p:transition spd="slow" p14:dur="2000"/>
+    </mc:Choice>
+    <mc:Fallback xmlns:p15="http://schemas.microsoft.com/office/powerpoint/2012/main" xmlns="">
+      <p:transition spd="slow"/>
+    </mc:Fallback>
+  </mc:AlternateContent>
+</p:sld>
+</file>
+
+<file path=ppt/slides/slide8.xml><?xml version="1.0" encoding="utf-8"?>
+<p:sld xmlns:a="http://schemas.openxmlformats.org/drawingml/2006/main" xmlns:r="http://schemas.openxmlformats.org/officeDocument/2006/relationships" xmlns:p="http://schemas.openxmlformats.org/presentationml/2006/main">
+  <p:cSld>
+    <p:spTree>
+      <p:nvGrpSpPr>
+        <p:cNvPr id="1" name=""/>
+        <p:cNvGrpSpPr/>
+        <p:nvPr/>
+      </p:nvGrpSpPr>
+      <p:grpSpPr>
+        <a:xfrm>
+          <a:off x="0" y="0"/>
+          <a:ext cx="0" cy="0"/>
+          <a:chOff x="0" y="0"/>
+          <a:chExt cx="0" cy="0"/>
+        </a:xfrm>
+      </p:grpSpPr>
+      <p:sp>
+        <p:nvSpPr>
+          <p:cNvPr id="43" name="TextShape 1"/>
+          <p:cNvSpPr txBox="1"/>
+          <p:nvPr/>
+        </p:nvSpPr>
+        <p:spPr>
+          <a:xfrm>
+            <a:off x="504000" y="226080"/>
+            <a:ext cx="9071640" cy="946440"/>
+          </a:xfrm>
+          <a:prstGeom prst="rect">
+            <a:avLst/>
+          </a:prstGeom>
+          <a:noFill/>
+          <a:ln w="0">
+            <a:noFill/>
+          </a:ln>
+        </p:spPr>
+        <p:txBody>
+          <a:bodyPr lIns="0" tIns="0" rIns="0" bIns="0" anchor="ctr">
+            <a:noAutofit/>
+          </a:bodyPr>
+          <a:lstStyle/>
+          <a:p>
+            <a:pPr algn="ctr"/>
+            <a:r>
+              <a:rPr lang="en-US" sz="4400" b="0" strike="noStrike" spc="-1" dirty="0" smtClean="0">
+                <a:latin typeface="Arial"/>
+              </a:rPr>
+              <a:t>HDL</a:t>
+            </a:r>
+            <a:endParaRPr lang="en-US" sz="4400" b="0" strike="noStrike" spc="-1" dirty="0">
+              <a:latin typeface="Arial"/>
+            </a:endParaRPr>
+          </a:p>
+        </p:txBody>
+      </p:sp>
+      <p:sp>
+        <p:nvSpPr>
+          <p:cNvPr id="44" name="TextShape 2"/>
+          <p:cNvSpPr txBox="1"/>
+          <p:nvPr/>
+        </p:nvSpPr>
+        <p:spPr>
+          <a:xfrm>
+            <a:off x="685800" y="1326600"/>
+            <a:ext cx="4114800" cy="3931200"/>
+          </a:xfrm>
+          <a:prstGeom prst="rect">
+            <a:avLst/>
+          </a:prstGeom>
+          <a:noFill/>
+          <a:ln w="0">
+            <a:noFill/>
+          </a:ln>
+        </p:spPr>
+        <p:txBody>
+          <a:bodyPr lIns="0" tIns="0" rIns="0" bIns="0">
+            <a:normAutofit fontScale="92500" lnSpcReduction="20000"/>
+          </a:bodyPr>
+          <a:lstStyle/>
+          <a:p>
+            <a:pPr marL="432000" indent="-324000">
+              <a:spcBef>
+                <a:spcPts val="1417"/>
+              </a:spcBef>
+              <a:buClr>
+                <a:srgbClr val="000000"/>
+              </a:buClr>
+              <a:buSzPct val="45000"/>
+              <a:buFont typeface="Wingdings" charset="2"/>
+              <a:buChar char=""/>
+            </a:pPr>
+            <a:r>
+              <a:rPr lang="en-US" sz="3200" b="0" strike="noStrike" spc="-1" dirty="0" smtClean="0">
+                <a:latin typeface="Arial"/>
+              </a:rPr>
+              <a:t>HDL</a:t>
+            </a:r>
+            <a:endParaRPr lang="en-US" sz="3200" b="0" strike="noStrike" spc="-1" dirty="0">
+              <a:latin typeface="Arial"/>
+            </a:endParaRPr>
+          </a:p>
+          <a:p>
+            <a:pPr marL="432000" indent="-324000">
+              <a:spcBef>
+                <a:spcPts val="1417"/>
+              </a:spcBef>
+              <a:buClr>
+                <a:srgbClr val="000000"/>
+              </a:buClr>
+              <a:buSzPct val="45000"/>
+              <a:buFont typeface="Wingdings" charset="2"/>
+              <a:buChar char=""/>
+            </a:pPr>
+            <a:r>
+              <a:rPr lang="en-US" sz="3200" spc="-1" dirty="0"/>
+              <a:t>Outliers values out of [10,125</a:t>
+            </a:r>
+            <a:r>
+              <a:rPr lang="en-US" sz="3200" spc="-1" dirty="0" smtClean="0"/>
+              <a:t>]</a:t>
+            </a:r>
+          </a:p>
+          <a:p>
+            <a:pPr marL="432000" indent="-324000">
+              <a:spcBef>
+                <a:spcPts val="1417"/>
+              </a:spcBef>
+              <a:buClr>
+                <a:srgbClr val="000000"/>
+              </a:buClr>
+              <a:buSzPct val="45000"/>
+              <a:buFont typeface="Wingdings" charset="2"/>
+              <a:buChar char=""/>
+            </a:pPr>
+            <a:r>
+              <a:rPr lang="en-US" sz="3200" spc="-1" dirty="0" smtClean="0"/>
+              <a:t>There are some </a:t>
+            </a:r>
+            <a:r>
+              <a:rPr lang="en-US" sz="3200" spc="-1" dirty="0" err="1" smtClean="0"/>
+              <a:t>patiens</a:t>
+            </a:r>
+            <a:r>
+              <a:rPr lang="en-US" sz="3200" spc="-1" dirty="0" smtClean="0"/>
+              <a:t> with values near 0 (5,10), and </a:t>
+            </a:r>
+            <a:r>
+              <a:rPr lang="en-US" sz="3200" spc="-1" dirty="0" err="1" smtClean="0"/>
+              <a:t>othes</a:t>
+            </a:r>
+            <a:r>
+              <a:rPr lang="en-US" sz="3200" spc="-1" dirty="0" smtClean="0"/>
+              <a:t> with values higher than 125, like 140,175,160</a:t>
+            </a:r>
+            <a:endParaRPr lang="en-US" sz="3200" b="0" strike="noStrike" spc="-1" dirty="0">
+              <a:latin typeface="Arial"/>
+            </a:endParaRPr>
+          </a:p>
+        </p:txBody>
+      </p:sp>
+      <p:pic>
+        <p:nvPicPr>
+          <p:cNvPr id="2" name="Imagen 1"/>
+          <p:cNvPicPr>
+            <a:picLocks noChangeAspect="1"/>
+          </p:cNvPicPr>
+          <p:nvPr/>
+        </p:nvPicPr>
+        <p:blipFill>
+          <a:blip r:embed="rId2"/>
+          <a:stretch>
+            <a:fillRect/>
+          </a:stretch>
+        </p:blipFill>
+        <p:spPr>
+          <a:xfrm>
+            <a:off x="4800600" y="1172520"/>
+            <a:ext cx="5258202" cy="4085280"/>
+          </a:xfrm>
+          <a:prstGeom prst="rect">
+            <a:avLst/>
+          </a:prstGeom>
+        </p:spPr>
+      </p:pic>
+    </p:spTree>
+    <p:extLst>
+      <p:ext uri="{BB962C8B-B14F-4D97-AF65-F5344CB8AC3E}">
+        <p14:creationId xmlns:p14="http://schemas.microsoft.com/office/powerpoint/2010/main" val="2965373589"/>
+      </p:ext>
+    </p:extLst>
+  </p:cSld>
+  <p:clrMapOvr>
+    <a:masterClrMapping/>
+  </p:clrMapOvr>
+  <mc:AlternateContent xmlns:mc="http://schemas.openxmlformats.org/markup-compatibility/2006" xmlns:p14="http://schemas.microsoft.com/office/powerpoint/2010/main">
+    <mc:Choice Requires="p14">
+      <p:transition spd="slow" p14:dur="2000"/>
+    </mc:Choice>
+    <mc:Fallback xmlns:p15="http://schemas.microsoft.com/office/powerpoint/2012/main" xmlns="">
+      <p:transition spd="slow"/>
+    </mc:Fallback>
+  </mc:AlternateContent>
+</p:sld>
+</file>
+
+<file path=ppt/slides/slide9.xml><?xml version="1.0" encoding="utf-8"?>
+<p:sld xmlns:a="http://schemas.openxmlformats.org/drawingml/2006/main" xmlns:r="http://schemas.openxmlformats.org/officeDocument/2006/relationships" xmlns:p="http://schemas.openxmlformats.org/presentationml/2006/main">
+  <p:cSld>
+    <p:spTree>
+      <p:nvGrpSpPr>
+        <p:cNvPr id="1" name=""/>
+        <p:cNvGrpSpPr/>
+        <p:nvPr/>
+      </p:nvGrpSpPr>
+      <p:grpSpPr>
+        <a:xfrm>
+          <a:off x="0" y="0"/>
+          <a:ext cx="0" cy="0"/>
+          <a:chOff x="0" y="0"/>
+          <a:chExt cx="0" cy="0"/>
+        </a:xfrm>
+      </p:grpSpPr>
+      <p:sp>
+        <p:nvSpPr>
+          <p:cNvPr id="43" name="TextShape 1"/>
+          <p:cNvSpPr txBox="1"/>
+          <p:nvPr/>
+        </p:nvSpPr>
+        <p:spPr>
+          <a:xfrm>
+            <a:off x="504000" y="226080"/>
+            <a:ext cx="9071640" cy="946440"/>
+          </a:xfrm>
+          <a:prstGeom prst="rect">
+            <a:avLst/>
+          </a:prstGeom>
+          <a:noFill/>
+          <a:ln w="0">
+            <a:noFill/>
+          </a:ln>
+        </p:spPr>
+        <p:txBody>
+          <a:bodyPr lIns="0" tIns="0" rIns="0" bIns="0" anchor="ctr">
+            <a:noAutofit/>
+          </a:bodyPr>
+          <a:lstStyle/>
+          <a:p>
+            <a:pPr algn="ctr"/>
+            <a:r>
+              <a:rPr lang="en-US" sz="4400" b="0" strike="noStrike" spc="-1" dirty="0" smtClean="0">
+                <a:latin typeface="Arial"/>
+              </a:rPr>
+              <a:t>LDL</a:t>
+            </a:r>
+            <a:endParaRPr lang="en-US" sz="4400" b="0" strike="noStrike" spc="-1" dirty="0">
+              <a:latin typeface="Arial"/>
+            </a:endParaRPr>
+          </a:p>
+        </p:txBody>
+      </p:sp>
+      <p:sp>
+        <p:nvSpPr>
+          <p:cNvPr id="44" name="TextShape 2"/>
+          <p:cNvSpPr txBox="1"/>
+          <p:nvPr/>
+        </p:nvSpPr>
+        <p:spPr>
+          <a:xfrm>
+            <a:off x="685800" y="1326600"/>
+            <a:ext cx="4114800" cy="3931200"/>
+          </a:xfrm>
+          <a:prstGeom prst="rect">
+            <a:avLst/>
+          </a:prstGeom>
+          <a:noFill/>
+          <a:ln w="0">
+            <a:noFill/>
+          </a:ln>
+        </p:spPr>
+        <p:txBody>
+          <a:bodyPr lIns="0" tIns="0" rIns="0" bIns="0">
+            <a:normAutofit/>
+          </a:bodyPr>
+          <a:lstStyle/>
+          <a:p>
+            <a:pPr marL="432000" indent="-324000">
+              <a:spcBef>
+                <a:spcPts val="1417"/>
+              </a:spcBef>
+              <a:buClr>
+                <a:srgbClr val="000000"/>
+              </a:buClr>
+              <a:buSzPct val="45000"/>
+              <a:buFont typeface="Wingdings" charset="2"/>
+              <a:buChar char=""/>
+            </a:pPr>
+            <a:r>
+              <a:rPr lang="en-US" sz="3200" b="0" strike="noStrike" spc="-1" dirty="0" smtClean="0">
+                <a:latin typeface="Arial"/>
+              </a:rPr>
+              <a:t>LDL</a:t>
+            </a:r>
+            <a:endParaRPr lang="en-US" sz="3200" b="0" strike="noStrike" spc="-1" dirty="0">
+              <a:latin typeface="Arial"/>
+            </a:endParaRPr>
+          </a:p>
+          <a:p>
+            <a:pPr marL="432000" indent="-324000">
+              <a:spcBef>
+                <a:spcPts val="1417"/>
+              </a:spcBef>
+              <a:buClr>
+                <a:srgbClr val="000000"/>
+              </a:buClr>
+              <a:buSzPct val="45000"/>
+              <a:buFont typeface="Wingdings" charset="2"/>
+              <a:buChar char=""/>
+            </a:pPr>
+            <a:r>
+              <a:rPr lang="en-US" sz="3200" spc="-1" dirty="0"/>
+              <a:t>outliers values out of [15,300</a:t>
+            </a:r>
+            <a:r>
+              <a:rPr lang="en-US" sz="3200" spc="-1" dirty="0" smtClean="0"/>
+              <a:t>]</a:t>
+            </a:r>
+          </a:p>
+          <a:p>
+            <a:pPr marL="432000" indent="-324000">
+              <a:spcBef>
+                <a:spcPts val="1417"/>
+              </a:spcBef>
+              <a:buClr>
+                <a:srgbClr val="000000"/>
+              </a:buClr>
+              <a:buSzPct val="45000"/>
+              <a:buFont typeface="Wingdings" charset="2"/>
+              <a:buChar char=""/>
+            </a:pPr>
+            <a:r>
+              <a:rPr lang="en-US" sz="3200" spc="-1" dirty="0" smtClean="0"/>
+              <a:t>most of the values are between 225 and 20</a:t>
+            </a:r>
+            <a:endParaRPr lang="en-US" sz="3200" b="0" strike="noStrike" spc="-1" dirty="0">
+              <a:latin typeface="Arial"/>
+            </a:endParaRPr>
+          </a:p>
+        </p:txBody>
+      </p:sp>
+      <p:pic>
+        <p:nvPicPr>
+          <p:cNvPr id="2" name="Imagen 1"/>
+          <p:cNvPicPr>
+            <a:picLocks noChangeAspect="1"/>
+          </p:cNvPicPr>
+          <p:nvPr/>
+        </p:nvPicPr>
+        <p:blipFill>
+          <a:blip r:embed="rId2"/>
+          <a:stretch>
+            <a:fillRect/>
+          </a:stretch>
+        </p:blipFill>
+        <p:spPr>
+          <a:xfrm>
+            <a:off x="4800600" y="1334481"/>
+            <a:ext cx="5200048" cy="4077399"/>
+          </a:xfrm>
+          <a:prstGeom prst="rect">
+            <a:avLst/>
+          </a:prstGeom>
+        </p:spPr>
+      </p:pic>
+    </p:spTree>
+    <p:extLst>
+      <p:ext uri="{BB962C8B-B14F-4D97-AF65-F5344CB8AC3E}">
+        <p14:creationId xmlns:p14="http://schemas.microsoft.com/office/powerpoint/2010/main" val="4173577625"/>
+      </p:ext>
+    </p:extLst>
+  </p:cSld>
+  <p:clrMapOvr>
+    <a:masterClrMapping/>
+  </p:clrMapOvr>
+  <mc:AlternateContent xmlns:mc="http://schemas.openxmlformats.org/markup-compatibility/2006" xmlns:p14="http://schemas.microsoft.com/office/powerpoint/2010/main">
+    <mc:Choice Requires="p14">
+      <p:transition spd="slow" p14:dur="2000"/>
+    </mc:Choice>
+    <mc:Fallback xmlns:p15="http://schemas.microsoft.com/office/powerpoint/2012/main" xmlns="">
       <p:transition spd="slow"/>
     </mc:Fallback>
   </mc:AlternateContent>
@@ -2038,31 +6679,31 @@
         <a:sysClr val="window" lastClr="FFFFFF"/>
       </a:lt1>
       <a:dk2>
-        <a:srgbClr val="1f497d"/>
+        <a:srgbClr val="1F497D"/>
       </a:dk2>
       <a:lt2>
-        <a:srgbClr val="eeece1"/>
+        <a:srgbClr val="EEECE1"/>
       </a:lt2>
       <a:accent1>
-        <a:srgbClr val="4f81bd"/>
+        <a:srgbClr val="4F81BD"/>
       </a:accent1>
       <a:accent2>
-        <a:srgbClr val="c0504d"/>
+        <a:srgbClr val="C0504D"/>
       </a:accent2>
       <a:accent3>
-        <a:srgbClr val="9bbb59"/>
+        <a:srgbClr val="9BBB59"/>
       </a:accent3>
       <a:accent4>
-        <a:srgbClr val="8064a2"/>
+        <a:srgbClr val="8064A2"/>
       </a:accent4>
       <a:accent5>
-        <a:srgbClr val="4bacc6"/>
+        <a:srgbClr val="4BACC6"/>
       </a:accent5>
       <a:accent6>
-        <a:srgbClr val="f79646"/>
+        <a:srgbClr val="F79646"/>
       </a:accent6>
       <a:hlink>
-        <a:srgbClr val="0000ff"/>
+        <a:srgbClr val="0000FF"/>
       </a:hlink>
       <a:folHlink>
         <a:srgbClr val="800080"/>
@@ -2250,5 +6891,7 @@
       </a:bgFillStyleLst>
     </a:fmtScheme>
   </a:themeElements>
+  <a:objectDefaults/>
+  <a:extraClrSchemeLst/>
 </a:theme>
 </file>
--- a/EDA/outlier_detection.pptx
+++ b/EDA/outlier_detection.pptx
@@ -18,17 +18,16 @@
     <p:sldId id="266" r:id="rId12"/>
     <p:sldId id="267" r:id="rId13"/>
     <p:sldId id="268" r:id="rId14"/>
-    <p:sldId id="269" r:id="rId15"/>
-    <p:sldId id="270" r:id="rId16"/>
-    <p:sldId id="271" r:id="rId17"/>
-    <p:sldId id="272" r:id="rId18"/>
-    <p:sldId id="273" r:id="rId19"/>
-    <p:sldId id="274" r:id="rId20"/>
-    <p:sldId id="275" r:id="rId21"/>
-    <p:sldId id="276" r:id="rId22"/>
-    <p:sldId id="277" r:id="rId23"/>
-    <p:sldId id="278" r:id="rId24"/>
-    <p:sldId id="279" r:id="rId25"/>
+    <p:sldId id="270" r:id="rId15"/>
+    <p:sldId id="271" r:id="rId16"/>
+    <p:sldId id="272" r:id="rId17"/>
+    <p:sldId id="273" r:id="rId18"/>
+    <p:sldId id="274" r:id="rId19"/>
+    <p:sldId id="275" r:id="rId20"/>
+    <p:sldId id="276" r:id="rId21"/>
+    <p:sldId id="277" r:id="rId22"/>
+    <p:sldId id="278" r:id="rId23"/>
+    <p:sldId id="279" r:id="rId24"/>
   </p:sldIdLst>
   <p:sldSz cx="10080625" cy="5670550"/>
   <p:notesSz cx="7772400" cy="10058400"/>
@@ -127,6 +126,11 @@
       </a:defRPr>
     </a:lvl9pPr>
   </p:defaultTextStyle>
+  <p:extLst>
+    <p:ext uri="{EFAFB233-063F-42B5-8137-9DF3F51BA10A}">
+      <p15:sldGuideLst xmlns:p15="http://schemas.microsoft.com/office/powerpoint/2012/main"/>
+    </p:ext>
+  </p:extLst>
 </p:presentation>
 </file>
 
@@ -2274,7 +2278,7 @@
     <mc:Choice Requires="p14">
       <p:transition spd="slow" p14:dur="2000"/>
     </mc:Choice>
-    <mc:Fallback xmlns:p15="http://schemas.microsoft.com/office/powerpoint/2012/main" xmlns="">
+    <mc:Fallback xmlns="" xmlns:p15="http://schemas.microsoft.com/office/powerpoint/2012/main">
       <p:transition spd="slow"/>
     </mc:Fallback>
   </mc:AlternateContent>
@@ -2440,7 +2444,7 @@
     <mc:Choice Requires="p14">
       <p:transition spd="slow" p14:dur="2000"/>
     </mc:Choice>
-    <mc:Fallback xmlns:p15="http://schemas.microsoft.com/office/powerpoint/2012/main" xmlns="">
+    <mc:Fallback xmlns="" xmlns:p15="http://schemas.microsoft.com/office/powerpoint/2012/main">
       <p:transition spd="slow"/>
     </mc:Fallback>
   </mc:AlternateContent>
@@ -2629,7 +2633,7 @@
     <mc:Choice Requires="p14">
       <p:transition spd="slow" p14:dur="2000"/>
     </mc:Choice>
-    <mc:Fallback xmlns:p15="http://schemas.microsoft.com/office/powerpoint/2012/main" xmlns="">
+    <mc:Fallback xmlns="" xmlns:p15="http://schemas.microsoft.com/office/powerpoint/2012/main">
       <p:transition spd="slow"/>
     </mc:Fallback>
   </mc:AlternateContent>
@@ -2818,7 +2822,7 @@
     <mc:Choice Requires="p14">
       <p:transition spd="slow" p14:dur="2000"/>
     </mc:Choice>
-    <mc:Fallback xmlns:p15="http://schemas.microsoft.com/office/powerpoint/2012/main" xmlns="">
+    <mc:Fallback xmlns="" xmlns:p15="http://schemas.microsoft.com/office/powerpoint/2012/main">
       <p:transition spd="slow"/>
     </mc:Fallback>
   </mc:AlternateContent>
@@ -3015,7 +3019,7 @@
     <mc:Choice Requires="p14">
       <p:transition spd="slow" p14:dur="2000"/>
     </mc:Choice>
-    <mc:Fallback xmlns:p15="http://schemas.microsoft.com/office/powerpoint/2012/main" xmlns="">
+    <mc:Fallback xmlns="" xmlns:p15="http://schemas.microsoft.com/office/powerpoint/2012/main">
       <p:transition spd="slow"/>
     </mc:Fallback>
   </mc:AlternateContent>
@@ -3066,11 +3070,14 @@
           <a:p>
             <a:pPr algn="ctr"/>
             <a:r>
-              <a:rPr lang="en-US" sz="4400" b="0" strike="noStrike" spc="-1">
+              <a:rPr lang="en-US" sz="4400" b="0" strike="noStrike" spc="-1" dirty="0" smtClean="0">
                 <a:latin typeface="Arial"/>
               </a:rPr>
-              <a:t>IMC</a:t>
-            </a:r>
+              <a:t>ALBUMINURIA</a:t>
+            </a:r>
+            <a:endParaRPr lang="en-US" sz="4400" b="0" strike="noStrike" spc="-1" dirty="0">
+              <a:latin typeface="Arial"/>
+            </a:endParaRPr>
           </a:p>
         </p:txBody>
       </p:sp>
@@ -3095,7 +3102,7 @@
         </p:spPr>
         <p:txBody>
           <a:bodyPr lIns="0" tIns="0" rIns="0" bIns="0">
-            <a:normAutofit fontScale="92500" lnSpcReduction="20000"/>
+            <a:normAutofit/>
           </a:bodyPr>
           <a:lstStyle/>
           <a:p>
@@ -3111,11 +3118,14 @@
               <a:buChar char=""/>
             </a:pPr>
             <a:r>
-              <a:rPr lang="en-US" sz="3200" b="0" strike="noStrike" spc="-1">
+              <a:rPr lang="en-US" sz="3200" b="0" strike="noStrike" spc="-1" dirty="0" smtClean="0">
                 <a:latin typeface="Arial"/>
               </a:rPr>
-              <a:t>IMC</a:t>
-            </a:r>
+              <a:t>ALBUMINURIA</a:t>
+            </a:r>
+            <a:endParaRPr lang="en-US" sz="3200" b="0" strike="noStrike" spc="-1" dirty="0">
+              <a:latin typeface="Arial"/>
+            </a:endParaRPr>
           </a:p>
           <a:p>
             <a:pPr marL="432000" indent="-324000">
@@ -3130,10 +3140,12 @@
               <a:buChar char=""/>
             </a:pPr>
             <a:r>
-              <a:rPr lang="en-US" sz="3200" b="0" strike="noStrike" spc="-1">
-                <a:latin typeface="Arial"/>
-              </a:rPr>
-              <a:t>Outliers for values out of [10,100]</a:t>
+              <a:rPr lang="en-US" sz="3200" spc="-1" dirty="0"/>
+              <a:t>outliers values out of [0,1000</a:t>
+            </a:r>
+            <a:r>
+              <a:rPr lang="en-US" sz="3200" spc="-1" dirty="0" smtClean="0"/>
+              <a:t>]</a:t>
             </a:r>
           </a:p>
           <a:p>
@@ -3149,25 +3161,10 @@
               <a:buChar char=""/>
             </a:pPr>
             <a:r>
-              <a:rPr lang="en-US" sz="3200" b="0" strike="noStrike" spc="-1">
-                <a:latin typeface="Arial"/>
-              </a:rPr>
-              <a:t>There are several patients with values between 60 and 100, is that correct. Most of the patients are in the range 18-59</a:t>
-            </a:r>
-          </a:p>
-          <a:p>
-            <a:pPr marL="432000" indent="-324000">
-              <a:spcBef>
-                <a:spcPts val="1417"/>
-              </a:spcBef>
-              <a:buClr>
-                <a:srgbClr val="000000"/>
-              </a:buClr>
-              <a:buSzPct val="45000"/>
-              <a:buFont typeface="Wingdings" charset="2"/>
-              <a:buChar char=""/>
-            </a:pPr>
-            <a:endParaRPr lang="en-US" sz="3200" b="0" strike="noStrike" spc="-1">
+              <a:rPr lang="en-US" sz="3200" spc="-1" dirty="0" smtClean="0"/>
+              <a:t>a bunch of patients with values between 1000 and 3000</a:t>
+            </a:r>
+            <a:endParaRPr lang="en-US" sz="3200" b="0" strike="noStrike" spc="-1" dirty="0">
               <a:latin typeface="Arial"/>
             </a:endParaRPr>
           </a:p>
@@ -3175,31 +3172,32 @@
       </p:sp>
       <p:pic>
         <p:nvPicPr>
-          <p:cNvPr id="45" name="Imagen 44"/>
-          <p:cNvPicPr/>
+          <p:cNvPr id="3" name="Imagen 2"/>
+          <p:cNvPicPr>
+            <a:picLocks noChangeAspect="1"/>
+          </p:cNvPicPr>
           <p:nvPr/>
         </p:nvPicPr>
         <p:blipFill>
           <a:blip r:embed="rId2"/>
-          <a:stretch/>
+          <a:stretch>
+            <a:fillRect/>
+          </a:stretch>
         </p:blipFill>
         <p:spPr>
           <a:xfrm>
-            <a:off x="4958280" y="1371600"/>
-            <a:ext cx="4871520" cy="3886200"/>
-          </a:xfrm>
-          <a:prstGeom prst="rect">
-            <a:avLst/>
-          </a:prstGeom>
-          <a:ln w="0">
-            <a:noFill/>
-          </a:ln>
+            <a:off x="4717264" y="1179831"/>
+            <a:ext cx="5216007" cy="4077969"/>
+          </a:xfrm>
+          <a:prstGeom prst="rect">
+            <a:avLst/>
+          </a:prstGeom>
         </p:spPr>
       </p:pic>
     </p:spTree>
     <p:extLst>
       <p:ext uri="{BB962C8B-B14F-4D97-AF65-F5344CB8AC3E}">
-        <p14:creationId xmlns:p14="http://schemas.microsoft.com/office/powerpoint/2010/main" val="1692467901"/>
+        <p14:creationId xmlns:p14="http://schemas.microsoft.com/office/powerpoint/2010/main" val="2331759747"/>
       </p:ext>
     </p:extLst>
   </p:cSld>
@@ -3210,7 +3208,7 @@
     <mc:Choice Requires="p14">
       <p:transition spd="slow" p14:dur="2000"/>
     </mc:Choice>
-    <mc:Fallback xmlns:p15="http://schemas.microsoft.com/office/powerpoint/2012/main" xmlns="">
+    <mc:Fallback xmlns="" xmlns:p15="http://schemas.microsoft.com/office/powerpoint/2012/main">
       <p:transition spd="slow"/>
     </mc:Fallback>
   </mc:AlternateContent>
@@ -3264,7 +3262,7 @@
               <a:rPr lang="en-US" sz="4400" b="0" strike="noStrike" spc="-1" dirty="0" smtClean="0">
                 <a:latin typeface="Arial"/>
               </a:rPr>
-              <a:t>ALBUMINURIA</a:t>
+              <a:t>FERRITIN</a:t>
             </a:r>
             <a:endParaRPr lang="en-US" sz="4400" b="0" strike="noStrike" spc="-1" dirty="0">
               <a:latin typeface="Arial"/>
@@ -3312,7 +3310,7 @@
               <a:rPr lang="en-US" sz="3200" b="0" strike="noStrike" spc="-1" dirty="0" smtClean="0">
                 <a:latin typeface="Arial"/>
               </a:rPr>
-              <a:t>ALBUMINURIA</a:t>
+              <a:t>FERRITIN</a:t>
             </a:r>
             <a:endParaRPr lang="en-US" sz="3200" b="0" strike="noStrike" spc="-1" dirty="0">
               <a:latin typeface="Arial"/>
@@ -3332,11 +3330,11 @@
             </a:pPr>
             <a:r>
               <a:rPr lang="en-US" sz="3200" spc="-1" dirty="0"/>
-              <a:t>outliers values out of [0,1000</a:t>
+              <a:t>outliers values out of [0,1000] or [0,1500</a:t>
             </a:r>
             <a:r>
               <a:rPr lang="en-US" sz="3200" spc="-1" dirty="0" smtClean="0"/>
-              <a:t>]</a:t>
+              <a:t>]?</a:t>
             </a:r>
           </a:p>
           <a:p>
@@ -3353,7 +3351,7 @@
             </a:pPr>
             <a:r>
               <a:rPr lang="en-US" sz="3200" spc="-1" dirty="0" smtClean="0"/>
-              <a:t>a bunch of patients with values between 1000 and 3000</a:t>
+              <a:t>some patients even higher up to 3000</a:t>
             </a:r>
             <a:endParaRPr lang="en-US" sz="3200" b="0" strike="noStrike" spc="-1" dirty="0">
               <a:latin typeface="Arial"/>
@@ -3363,7 +3361,7 @@
       </p:sp>
       <p:pic>
         <p:nvPicPr>
-          <p:cNvPr id="3" name="Imagen 2"/>
+          <p:cNvPr id="2" name="Imagen 1"/>
           <p:cNvPicPr>
             <a:picLocks noChangeAspect="1"/>
           </p:cNvPicPr>
@@ -3377,8 +3375,8 @@
         </p:blipFill>
         <p:spPr>
           <a:xfrm>
-            <a:off x="4717264" y="1179831"/>
-            <a:ext cx="5216007" cy="4077969"/>
+            <a:off x="4800600" y="1172520"/>
+            <a:ext cx="5153795" cy="4064632"/>
           </a:xfrm>
           <a:prstGeom prst="rect">
             <a:avLst/>
@@ -3388,7 +3386,7 @@
     </p:spTree>
     <p:extLst>
       <p:ext uri="{BB962C8B-B14F-4D97-AF65-F5344CB8AC3E}">
-        <p14:creationId xmlns:p14="http://schemas.microsoft.com/office/powerpoint/2010/main" val="2331759747"/>
+        <p14:creationId xmlns:p14="http://schemas.microsoft.com/office/powerpoint/2010/main" val="417788801"/>
       </p:ext>
     </p:extLst>
   </p:cSld>
@@ -3399,7 +3397,7 @@
     <mc:Choice Requires="p14">
       <p:transition spd="slow" p14:dur="2000"/>
     </mc:Choice>
-    <mc:Fallback xmlns:p15="http://schemas.microsoft.com/office/powerpoint/2012/main" xmlns="">
+    <mc:Fallback xmlns="" xmlns:p15="http://schemas.microsoft.com/office/powerpoint/2012/main">
       <p:transition spd="slow"/>
     </mc:Fallback>
   </mc:AlternateContent>
@@ -3431,7 +3429,7 @@
         </p:nvSpPr>
         <p:spPr>
           <a:xfrm>
-            <a:off x="504000" y="226080"/>
+            <a:off x="422460" y="187579"/>
             <a:ext cx="9071640" cy="946440"/>
           </a:xfrm>
           <a:prstGeom prst="rect">
@@ -3453,7 +3451,7 @@
               <a:rPr lang="en-US" sz="4400" b="0" strike="noStrike" spc="-1" dirty="0" smtClean="0">
                 <a:latin typeface="Arial"/>
               </a:rPr>
-              <a:t>FERRITIN</a:t>
+              <a:t>HOMA</a:t>
             </a:r>
             <a:endParaRPr lang="en-US" sz="4400" b="0" strike="noStrike" spc="-1" dirty="0">
               <a:latin typeface="Arial"/>
@@ -3482,7 +3480,7 @@
         </p:spPr>
         <p:txBody>
           <a:bodyPr lIns="0" tIns="0" rIns="0" bIns="0">
-            <a:normAutofit/>
+            <a:normAutofit lnSpcReduction="10000"/>
           </a:bodyPr>
           <a:lstStyle/>
           <a:p>
@@ -3501,7 +3499,7 @@
               <a:rPr lang="en-US" sz="3200" b="0" strike="noStrike" spc="-1" dirty="0" smtClean="0">
                 <a:latin typeface="Arial"/>
               </a:rPr>
-              <a:t>FERRITIN</a:t>
+              <a:t>HOMA</a:t>
             </a:r>
             <a:endParaRPr lang="en-US" sz="3200" b="0" strike="noStrike" spc="-1" dirty="0">
               <a:latin typeface="Arial"/>
@@ -3521,11 +3519,11 @@
             </a:pPr>
             <a:r>
               <a:rPr lang="en-US" sz="3200" spc="-1" dirty="0"/>
-              <a:t>outliers values out of [0,1000] or [0,1500</a:t>
+              <a:t>outliers values out of [0,20</a:t>
             </a:r>
             <a:r>
               <a:rPr lang="en-US" sz="3200" spc="-1" dirty="0" smtClean="0"/>
-              <a:t>]?</a:t>
+              <a:t>]</a:t>
             </a:r>
           </a:p>
           <a:p>
@@ -3542,7 +3540,7 @@
             </a:pPr>
             <a:r>
               <a:rPr lang="en-US" sz="3200" spc="-1" dirty="0" smtClean="0"/>
-              <a:t>some patients even higher up to 3000</a:t>
+              <a:t>bunch of patients with values higher than 20, between 20 and 50, some even higher</a:t>
             </a:r>
             <a:endParaRPr lang="en-US" sz="3200" b="0" strike="noStrike" spc="-1" dirty="0">
               <a:latin typeface="Arial"/>
@@ -3566,8 +3564,8 @@
         </p:blipFill>
         <p:spPr>
           <a:xfrm>
-            <a:off x="4800600" y="1172520"/>
-            <a:ext cx="5153795" cy="4064632"/>
+            <a:off x="4800600" y="1326600"/>
+            <a:ext cx="5174891" cy="4025784"/>
           </a:xfrm>
           <a:prstGeom prst="rect">
             <a:avLst/>
@@ -3577,7 +3575,7 @@
     </p:spTree>
     <p:extLst>
       <p:ext uri="{BB962C8B-B14F-4D97-AF65-F5344CB8AC3E}">
-        <p14:creationId xmlns:p14="http://schemas.microsoft.com/office/powerpoint/2010/main" val="417788801"/>
+        <p14:creationId xmlns:p14="http://schemas.microsoft.com/office/powerpoint/2010/main" val="2146482199"/>
       </p:ext>
     </p:extLst>
   </p:cSld>
@@ -3588,7 +3586,7 @@
     <mc:Choice Requires="p14">
       <p:transition spd="slow" p14:dur="2000"/>
     </mc:Choice>
-    <mc:Fallback xmlns:p15="http://schemas.microsoft.com/office/powerpoint/2012/main" xmlns="">
+    <mc:Fallback xmlns="" xmlns:p15="http://schemas.microsoft.com/office/powerpoint/2012/main">
       <p:transition spd="slow"/>
     </mc:Fallback>
   </mc:AlternateContent>
@@ -3620,7 +3618,7 @@
         </p:nvSpPr>
         <p:spPr>
           <a:xfrm>
-            <a:off x="422460" y="187579"/>
+            <a:off x="504000" y="226080"/>
             <a:ext cx="9071640" cy="946440"/>
           </a:xfrm>
           <a:prstGeom prst="rect">
@@ -3642,7 +3640,7 @@
               <a:rPr lang="en-US" sz="4400" b="0" strike="noStrike" spc="-1" dirty="0" smtClean="0">
                 <a:latin typeface="Arial"/>
               </a:rPr>
-              <a:t>HOMA</a:t>
+              <a:t>INSULIN</a:t>
             </a:r>
             <a:endParaRPr lang="en-US" sz="4400" b="0" strike="noStrike" spc="-1" dirty="0">
               <a:latin typeface="Arial"/>
@@ -3671,7 +3669,7 @@
         </p:spPr>
         <p:txBody>
           <a:bodyPr lIns="0" tIns="0" rIns="0" bIns="0">
-            <a:normAutofit lnSpcReduction="10000"/>
+            <a:normAutofit/>
           </a:bodyPr>
           <a:lstStyle/>
           <a:p>
@@ -3690,7 +3688,7 @@
               <a:rPr lang="en-US" sz="3200" b="0" strike="noStrike" spc="-1" dirty="0" smtClean="0">
                 <a:latin typeface="Arial"/>
               </a:rPr>
-              <a:t>HOMA</a:t>
+              <a:t>INSULIN</a:t>
             </a:r>
             <a:endParaRPr lang="en-US" sz="3200" b="0" strike="noStrike" spc="-1" dirty="0">
               <a:latin typeface="Arial"/>
@@ -3710,7 +3708,7 @@
             </a:pPr>
             <a:r>
               <a:rPr lang="en-US" sz="3200" spc="-1" dirty="0"/>
-              <a:t>outliers values out of [0,20</a:t>
+              <a:t>outliers values out of [0,100</a:t>
             </a:r>
             <a:r>
               <a:rPr lang="en-US" sz="3200" spc="-1" dirty="0" smtClean="0"/>
@@ -3731,7 +3729,7 @@
             </a:pPr>
             <a:r>
               <a:rPr lang="en-US" sz="3200" spc="-1" dirty="0" smtClean="0"/>
-              <a:t>bunch of patients with values higher than 20, between 20 and 50, some even higher</a:t>
+              <a:t>a bunch of patients with values even higher</a:t>
             </a:r>
             <a:endParaRPr lang="en-US" sz="3200" b="0" strike="noStrike" spc="-1" dirty="0">
               <a:latin typeface="Arial"/>
@@ -3755,8 +3753,8 @@
         </p:blipFill>
         <p:spPr>
           <a:xfrm>
-            <a:off x="4800600" y="1326600"/>
-            <a:ext cx="5174891" cy="4025784"/>
+            <a:off x="4800600" y="1223110"/>
+            <a:ext cx="5149032" cy="4138179"/>
           </a:xfrm>
           <a:prstGeom prst="rect">
             <a:avLst/>
@@ -3766,7 +3764,7 @@
     </p:spTree>
     <p:extLst>
       <p:ext uri="{BB962C8B-B14F-4D97-AF65-F5344CB8AC3E}">
-        <p14:creationId xmlns:p14="http://schemas.microsoft.com/office/powerpoint/2010/main" val="2146482199"/>
+        <p14:creationId xmlns:p14="http://schemas.microsoft.com/office/powerpoint/2010/main" val="3135675305"/>
       </p:ext>
     </p:extLst>
   </p:cSld>
@@ -3777,7 +3775,7 @@
     <mc:Choice Requires="p14">
       <p:transition spd="slow" p14:dur="2000"/>
     </mc:Choice>
-    <mc:Fallback xmlns:p15="http://schemas.microsoft.com/office/powerpoint/2012/main" xmlns="">
+    <mc:Fallback xmlns="" xmlns:p15="http://schemas.microsoft.com/office/powerpoint/2012/main">
       <p:transition spd="slow"/>
     </mc:Fallback>
   </mc:AlternateContent>
@@ -3831,7 +3829,7 @@
               <a:rPr lang="en-US" sz="4400" b="0" strike="noStrike" spc="-1" dirty="0" smtClean="0">
                 <a:latin typeface="Arial"/>
               </a:rPr>
-              <a:t>INSULIN</a:t>
+              <a:t>BLOOD GLUCOSE</a:t>
             </a:r>
             <a:endParaRPr lang="en-US" sz="4400" b="0" strike="noStrike" spc="-1" dirty="0">
               <a:latin typeface="Arial"/>
@@ -3860,7 +3858,7 @@
         </p:spPr>
         <p:txBody>
           <a:bodyPr lIns="0" tIns="0" rIns="0" bIns="0">
-            <a:normAutofit/>
+            <a:normAutofit fontScale="92500" lnSpcReduction="10000"/>
           </a:bodyPr>
           <a:lstStyle/>
           <a:p>
@@ -3879,7 +3877,7 @@
               <a:rPr lang="en-US" sz="3200" b="0" strike="noStrike" spc="-1" dirty="0" smtClean="0">
                 <a:latin typeface="Arial"/>
               </a:rPr>
-              <a:t>INSULIN</a:t>
+              <a:t>BLOOD GLUCOSE</a:t>
             </a:r>
             <a:endParaRPr lang="en-US" sz="3200" b="0" strike="noStrike" spc="-1" dirty="0">
               <a:latin typeface="Arial"/>
@@ -3899,7 +3897,7 @@
             </a:pPr>
             <a:r>
               <a:rPr lang="en-US" sz="3200" spc="-1" dirty="0"/>
-              <a:t>outliers values out of [0,100</a:t>
+              <a:t>outliers values out of [40,400</a:t>
             </a:r>
             <a:r>
               <a:rPr lang="en-US" sz="3200" spc="-1" dirty="0" smtClean="0"/>
@@ -3920,7 +3918,15 @@
             </a:pPr>
             <a:r>
               <a:rPr lang="en-US" sz="3200" spc="-1" dirty="0" smtClean="0"/>
-              <a:t>a bunch of patients with values even higher</a:t>
+              <a:t>a bunch of patients with values between 0 40 (very few) and two with values </a:t>
+            </a:r>
+            <a:r>
+              <a:rPr lang="en-US" sz="3200" spc="-1" dirty="0" err="1" smtClean="0"/>
+              <a:t>higheer</a:t>
+            </a:r>
+            <a:r>
+              <a:rPr lang="en-US" sz="3200" spc="-1" dirty="0" smtClean="0"/>
+              <a:t> than 400</a:t>
             </a:r>
             <a:endParaRPr lang="en-US" sz="3200" b="0" strike="noStrike" spc="-1" dirty="0">
               <a:latin typeface="Arial"/>
@@ -3930,7 +3936,7 @@
       </p:sp>
       <p:pic>
         <p:nvPicPr>
-          <p:cNvPr id="2" name="Imagen 1"/>
+          <p:cNvPr id="3" name="Imagen 2"/>
           <p:cNvPicPr>
             <a:picLocks noChangeAspect="1"/>
           </p:cNvPicPr>
@@ -3944,8 +3950,8 @@
         </p:blipFill>
         <p:spPr>
           <a:xfrm>
-            <a:off x="4800600" y="1223110"/>
-            <a:ext cx="5149032" cy="4138179"/>
+            <a:off x="4800600" y="1172520"/>
+            <a:ext cx="4933817" cy="4010206"/>
           </a:xfrm>
           <a:prstGeom prst="rect">
             <a:avLst/>
@@ -3955,7 +3961,7 @@
     </p:spTree>
     <p:extLst>
       <p:ext uri="{BB962C8B-B14F-4D97-AF65-F5344CB8AC3E}">
-        <p14:creationId xmlns:p14="http://schemas.microsoft.com/office/powerpoint/2010/main" val="3135675305"/>
+        <p14:creationId xmlns:p14="http://schemas.microsoft.com/office/powerpoint/2010/main" val="1282869316"/>
       </p:ext>
     </p:extLst>
   </p:cSld>
@@ -3966,7 +3972,7 @@
     <mc:Choice Requires="p14">
       <p:transition spd="slow" p14:dur="2000"/>
     </mc:Choice>
-    <mc:Fallback xmlns:p15="http://schemas.microsoft.com/office/powerpoint/2012/main" xmlns="">
+    <mc:Fallback xmlns="" xmlns:p15="http://schemas.microsoft.com/office/powerpoint/2012/main">
       <p:transition spd="slow"/>
     </mc:Fallback>
   </mc:AlternateContent>
@@ -4020,7 +4026,7 @@
               <a:rPr lang="en-US" sz="4400" b="0" strike="noStrike" spc="-1" dirty="0" smtClean="0">
                 <a:latin typeface="Arial"/>
               </a:rPr>
-              <a:t>BLOOD GLUCOSE</a:t>
+              <a:t>GLYCATED-HB</a:t>
             </a:r>
             <a:endParaRPr lang="en-US" sz="4400" b="0" strike="noStrike" spc="-1" dirty="0">
               <a:latin typeface="Arial"/>
@@ -4049,7 +4055,7 @@
         </p:spPr>
         <p:txBody>
           <a:bodyPr lIns="0" tIns="0" rIns="0" bIns="0">
-            <a:normAutofit fontScale="92500" lnSpcReduction="10000"/>
+            <a:normAutofit/>
           </a:bodyPr>
           <a:lstStyle/>
           <a:p>
@@ -4068,7 +4074,7 @@
               <a:rPr lang="en-US" sz="3200" b="0" strike="noStrike" spc="-1" dirty="0" smtClean="0">
                 <a:latin typeface="Arial"/>
               </a:rPr>
-              <a:t>BLOOD GLUCOSE</a:t>
+              <a:t>GLYCATED-HD</a:t>
             </a:r>
             <a:endParaRPr lang="en-US" sz="3200" b="0" strike="noStrike" spc="-1" dirty="0">
               <a:latin typeface="Arial"/>
@@ -4088,7 +4094,7 @@
             </a:pPr>
             <a:r>
               <a:rPr lang="en-US" sz="3200" spc="-1" dirty="0"/>
-              <a:t>outliers values out of [40,400</a:t>
+              <a:t>outliers values out of [2,15</a:t>
             </a:r>
             <a:r>
               <a:rPr lang="en-US" sz="3200" spc="-1" dirty="0" smtClean="0"/>
@@ -4109,15 +4115,7 @@
             </a:pPr>
             <a:r>
               <a:rPr lang="en-US" sz="3200" spc="-1" dirty="0" smtClean="0"/>
-              <a:t>a bunch of patients with values between 0 40 (very few) and two with values </a:t>
-            </a:r>
-            <a:r>
-              <a:rPr lang="en-US" sz="3200" spc="-1" dirty="0" err="1" smtClean="0"/>
-              <a:t>higheer</a:t>
-            </a:r>
-            <a:r>
-              <a:rPr lang="en-US" sz="3200" spc="-1" dirty="0" smtClean="0"/>
-              <a:t> than 400</a:t>
+              <a:t>some with values higher than 20, but only two</a:t>
             </a:r>
             <a:endParaRPr lang="en-US" sz="3200" b="0" strike="noStrike" spc="-1" dirty="0">
               <a:latin typeface="Arial"/>
@@ -4127,7 +4125,7 @@
       </p:sp>
       <p:pic>
         <p:nvPicPr>
-          <p:cNvPr id="3" name="Imagen 2"/>
+          <p:cNvPr id="2" name="Imagen 1"/>
           <p:cNvPicPr>
             <a:picLocks noChangeAspect="1"/>
           </p:cNvPicPr>
@@ -4141,8 +4139,8 @@
         </p:blipFill>
         <p:spPr>
           <a:xfrm>
-            <a:off x="4800600" y="1172520"/>
-            <a:ext cx="4933817" cy="4010206"/>
+            <a:off x="4784140" y="1222263"/>
+            <a:ext cx="5296485" cy="4139873"/>
           </a:xfrm>
           <a:prstGeom prst="rect">
             <a:avLst/>
@@ -4152,7 +4150,7 @@
     </p:spTree>
     <p:extLst>
       <p:ext uri="{BB962C8B-B14F-4D97-AF65-F5344CB8AC3E}">
-        <p14:creationId xmlns:p14="http://schemas.microsoft.com/office/powerpoint/2010/main" val="1282869316"/>
+        <p14:creationId xmlns:p14="http://schemas.microsoft.com/office/powerpoint/2010/main" val="2479040686"/>
       </p:ext>
     </p:extLst>
   </p:cSld>
@@ -4163,7 +4161,7 @@
     <mc:Choice Requires="p14">
       <p:transition spd="slow" p14:dur="2000"/>
     </mc:Choice>
-    <mc:Fallback xmlns:p15="http://schemas.microsoft.com/office/powerpoint/2012/main" xmlns="">
+    <mc:Fallback xmlns="" xmlns:p15="http://schemas.microsoft.com/office/powerpoint/2012/main">
       <p:transition spd="slow"/>
     </mc:Fallback>
   </mc:AlternateContent>
@@ -4388,7 +4386,7 @@
     <mc:Choice Requires="p14">
       <p:transition spd="slow" p14:dur="2000"/>
     </mc:Choice>
-    <mc:Fallback xmlns:p15="http://schemas.microsoft.com/office/powerpoint/2012/main" xmlns="">
+    <mc:Fallback xmlns="" xmlns:p15="http://schemas.microsoft.com/office/powerpoint/2012/main">
       <p:transition spd="slow"/>
     </mc:Fallback>
   </mc:AlternateContent>
@@ -4442,7 +4440,7 @@
               <a:rPr lang="en-US" sz="4400" b="0" strike="noStrike" spc="-1" dirty="0" smtClean="0">
                 <a:latin typeface="Arial"/>
               </a:rPr>
-              <a:t>GLYCATED-HB</a:t>
+              <a:t>PCR</a:t>
             </a:r>
             <a:endParaRPr lang="en-US" sz="4400" b="0" strike="noStrike" spc="-1" dirty="0">
               <a:latin typeface="Arial"/>
@@ -4490,7 +4488,7 @@
               <a:rPr lang="en-US" sz="3200" b="0" strike="noStrike" spc="-1" dirty="0" smtClean="0">
                 <a:latin typeface="Arial"/>
               </a:rPr>
-              <a:t>GLYCATED-HD</a:t>
+              <a:t>PCR</a:t>
             </a:r>
             <a:endParaRPr lang="en-US" sz="3200" b="0" strike="noStrike" spc="-1" dirty="0">
               <a:latin typeface="Arial"/>
@@ -4510,7 +4508,7 @@
             </a:pPr>
             <a:r>
               <a:rPr lang="en-US" sz="3200" spc="-1" dirty="0"/>
-              <a:t>outliers values out of [2,15</a:t>
+              <a:t>outliers values out of [0,200</a:t>
             </a:r>
             <a:r>
               <a:rPr lang="en-US" sz="3200" spc="-1" dirty="0" smtClean="0"/>
@@ -4531,7 +4529,7 @@
             </a:pPr>
             <a:r>
               <a:rPr lang="en-US" sz="3200" spc="-1" dirty="0" smtClean="0"/>
-              <a:t>some with values higher than 20, but only two</a:t>
+              <a:t>a pat with 300</a:t>
             </a:r>
             <a:endParaRPr lang="en-US" sz="3200" b="0" strike="noStrike" spc="-1" dirty="0">
               <a:latin typeface="Arial"/>
@@ -4555,8 +4553,8 @@
         </p:blipFill>
         <p:spPr>
           <a:xfrm>
-            <a:off x="4784140" y="1222263"/>
-            <a:ext cx="5296485" cy="4139873"/>
+            <a:off x="4800600" y="1099022"/>
+            <a:ext cx="5190475" cy="4158778"/>
           </a:xfrm>
           <a:prstGeom prst="rect">
             <a:avLst/>
@@ -4566,7 +4564,7 @@
     </p:spTree>
     <p:extLst>
       <p:ext uri="{BB962C8B-B14F-4D97-AF65-F5344CB8AC3E}">
-        <p14:creationId xmlns:p14="http://schemas.microsoft.com/office/powerpoint/2010/main" val="2479040686"/>
+        <p14:creationId xmlns:p14="http://schemas.microsoft.com/office/powerpoint/2010/main" val="2828701108"/>
       </p:ext>
     </p:extLst>
   </p:cSld>
@@ -4577,7 +4575,7 @@
     <mc:Choice Requires="p14">
       <p:transition spd="slow" p14:dur="2000"/>
     </mc:Choice>
-    <mc:Fallback xmlns:p15="http://schemas.microsoft.com/office/powerpoint/2012/main" xmlns="">
+    <mc:Fallback xmlns="" xmlns:p15="http://schemas.microsoft.com/office/powerpoint/2012/main">
       <p:transition spd="slow"/>
     </mc:Fallback>
   </mc:AlternateContent>
@@ -4631,7 +4629,7 @@
               <a:rPr lang="en-US" sz="4400" b="0" strike="noStrike" spc="-1" dirty="0" smtClean="0">
                 <a:latin typeface="Arial"/>
               </a:rPr>
-              <a:t>PCR</a:t>
+              <a:t>VITAMIN-D</a:t>
             </a:r>
             <a:endParaRPr lang="en-US" sz="4400" b="0" strike="noStrike" spc="-1" dirty="0">
               <a:latin typeface="Arial"/>
@@ -4679,7 +4677,7 @@
               <a:rPr lang="en-US" sz="3200" b="0" strike="noStrike" spc="-1" dirty="0" smtClean="0">
                 <a:latin typeface="Arial"/>
               </a:rPr>
-              <a:t>PCR</a:t>
+              <a:t>VITAMIN-D</a:t>
             </a:r>
             <a:endParaRPr lang="en-US" sz="3200" b="0" strike="noStrike" spc="-1" dirty="0">
               <a:latin typeface="Arial"/>
@@ -4699,7 +4697,7 @@
             </a:pPr>
             <a:r>
               <a:rPr lang="en-US" sz="3200" spc="-1" dirty="0"/>
-              <a:t>outliers values out of [0,200</a:t>
+              <a:t>outliers values out of [0,80</a:t>
             </a:r>
             <a:r>
               <a:rPr lang="en-US" sz="3200" spc="-1" dirty="0" smtClean="0"/>
@@ -4720,7 +4718,7 @@
             </a:pPr>
             <a:r>
               <a:rPr lang="en-US" sz="3200" spc="-1" dirty="0" smtClean="0"/>
-              <a:t>a pat with 300</a:t>
+              <a:t>two patients with values 100</a:t>
             </a:r>
             <a:endParaRPr lang="en-US" sz="3200" b="0" strike="noStrike" spc="-1" dirty="0">
               <a:latin typeface="Arial"/>
@@ -4744,8 +4742,8 @@
         </p:blipFill>
         <p:spPr>
           <a:xfrm>
-            <a:off x="4800600" y="1099022"/>
-            <a:ext cx="5190475" cy="4158778"/>
+            <a:off x="4669138" y="1172520"/>
+            <a:ext cx="5235258" cy="4100952"/>
           </a:xfrm>
           <a:prstGeom prst="rect">
             <a:avLst/>
@@ -4755,7 +4753,7 @@
     </p:spTree>
     <p:extLst>
       <p:ext uri="{BB962C8B-B14F-4D97-AF65-F5344CB8AC3E}">
-        <p14:creationId xmlns:p14="http://schemas.microsoft.com/office/powerpoint/2010/main" val="2828701108"/>
+        <p14:creationId xmlns:p14="http://schemas.microsoft.com/office/powerpoint/2010/main" val="648839926"/>
       </p:ext>
     </p:extLst>
   </p:cSld>
@@ -4766,7 +4764,7 @@
     <mc:Choice Requires="p14">
       <p:transition spd="slow" p14:dur="2000"/>
     </mc:Choice>
-    <mc:Fallback xmlns:p15="http://schemas.microsoft.com/office/powerpoint/2012/main" xmlns="">
+    <mc:Fallback xmlns="" xmlns:p15="http://schemas.microsoft.com/office/powerpoint/2012/main">
       <p:transition spd="slow"/>
     </mc:Fallback>
   </mc:AlternateContent>
@@ -4820,7 +4818,7 @@
               <a:rPr lang="en-US" sz="4400" b="0" strike="noStrike" spc="-1" dirty="0" smtClean="0">
                 <a:latin typeface="Arial"/>
               </a:rPr>
-              <a:t>VITAMIN-D</a:t>
+              <a:t>TAS</a:t>
             </a:r>
             <a:endParaRPr lang="en-US" sz="4400" b="0" strike="noStrike" spc="-1" dirty="0">
               <a:latin typeface="Arial"/>
@@ -4868,7 +4866,7 @@
               <a:rPr lang="en-US" sz="3200" b="0" strike="noStrike" spc="-1" dirty="0" smtClean="0">
                 <a:latin typeface="Arial"/>
               </a:rPr>
-              <a:t>VITAMIN-D</a:t>
+              <a:t>TAS</a:t>
             </a:r>
             <a:endParaRPr lang="en-US" sz="3200" b="0" strike="noStrike" spc="-1" dirty="0">
               <a:latin typeface="Arial"/>
@@ -4888,7 +4886,7 @@
             </a:pPr>
             <a:r>
               <a:rPr lang="en-US" sz="3200" spc="-1" dirty="0"/>
-              <a:t>outliers values out of [0,80</a:t>
+              <a:t>outliers values out of [50,250</a:t>
             </a:r>
             <a:r>
               <a:rPr lang="en-US" sz="3200" spc="-1" dirty="0" smtClean="0"/>
@@ -4909,7 +4907,7 @@
             </a:pPr>
             <a:r>
               <a:rPr lang="en-US" sz="3200" spc="-1" dirty="0" smtClean="0"/>
-              <a:t>two patients with values 100</a:t>
+              <a:t>two pats with 450 and 610</a:t>
             </a:r>
             <a:endParaRPr lang="en-US" sz="3200" b="0" strike="noStrike" spc="-1" dirty="0">
               <a:latin typeface="Arial"/>
@@ -4933,8 +4931,8 @@
         </p:blipFill>
         <p:spPr>
           <a:xfrm>
-            <a:off x="4669138" y="1172520"/>
-            <a:ext cx="5235258" cy="4100952"/>
+            <a:off x="4800600" y="1172520"/>
+            <a:ext cx="5118250" cy="4085280"/>
           </a:xfrm>
           <a:prstGeom prst="rect">
             <a:avLst/>
@@ -4944,7 +4942,7 @@
     </p:spTree>
     <p:extLst>
       <p:ext uri="{BB962C8B-B14F-4D97-AF65-F5344CB8AC3E}">
-        <p14:creationId xmlns:p14="http://schemas.microsoft.com/office/powerpoint/2010/main" val="648839926"/>
+        <p14:creationId xmlns:p14="http://schemas.microsoft.com/office/powerpoint/2010/main" val="1937213834"/>
       </p:ext>
     </p:extLst>
   </p:cSld>
@@ -4955,7 +4953,7 @@
     <mc:Choice Requires="p14">
       <p:transition spd="slow" p14:dur="2000"/>
     </mc:Choice>
-    <mc:Fallback xmlns:p15="http://schemas.microsoft.com/office/powerpoint/2012/main" xmlns="">
+    <mc:Fallback xmlns="" xmlns:p15="http://schemas.microsoft.com/office/powerpoint/2012/main">
       <p:transition spd="slow"/>
     </mc:Fallback>
   </mc:AlternateContent>
@@ -5009,195 +5007,6 @@
               <a:rPr lang="en-US" sz="4400" b="0" strike="noStrike" spc="-1" dirty="0" smtClean="0">
                 <a:latin typeface="Arial"/>
               </a:rPr>
-              <a:t>TAS</a:t>
-            </a:r>
-            <a:endParaRPr lang="en-US" sz="4400" b="0" strike="noStrike" spc="-1" dirty="0">
-              <a:latin typeface="Arial"/>
-            </a:endParaRPr>
-          </a:p>
-        </p:txBody>
-      </p:sp>
-      <p:sp>
-        <p:nvSpPr>
-          <p:cNvPr id="44" name="TextShape 2"/>
-          <p:cNvSpPr txBox="1"/>
-          <p:nvPr/>
-        </p:nvSpPr>
-        <p:spPr>
-          <a:xfrm>
-            <a:off x="685800" y="1326600"/>
-            <a:ext cx="4114800" cy="3931200"/>
-          </a:xfrm>
-          <a:prstGeom prst="rect">
-            <a:avLst/>
-          </a:prstGeom>
-          <a:noFill/>
-          <a:ln w="0">
-            <a:noFill/>
-          </a:ln>
-        </p:spPr>
-        <p:txBody>
-          <a:bodyPr lIns="0" tIns="0" rIns="0" bIns="0">
-            <a:normAutofit/>
-          </a:bodyPr>
-          <a:lstStyle/>
-          <a:p>
-            <a:pPr marL="432000" indent="-324000">
-              <a:spcBef>
-                <a:spcPts val="1417"/>
-              </a:spcBef>
-              <a:buClr>
-                <a:srgbClr val="000000"/>
-              </a:buClr>
-              <a:buSzPct val="45000"/>
-              <a:buFont typeface="Wingdings" charset="2"/>
-              <a:buChar char=""/>
-            </a:pPr>
-            <a:r>
-              <a:rPr lang="en-US" sz="3200" b="0" strike="noStrike" spc="-1" dirty="0" smtClean="0">
-                <a:latin typeface="Arial"/>
-              </a:rPr>
-              <a:t>TAS</a:t>
-            </a:r>
-            <a:endParaRPr lang="en-US" sz="3200" b="0" strike="noStrike" spc="-1" dirty="0">
-              <a:latin typeface="Arial"/>
-            </a:endParaRPr>
-          </a:p>
-          <a:p>
-            <a:pPr marL="432000" indent="-324000">
-              <a:spcBef>
-                <a:spcPts val="1417"/>
-              </a:spcBef>
-              <a:buClr>
-                <a:srgbClr val="000000"/>
-              </a:buClr>
-              <a:buSzPct val="45000"/>
-              <a:buFont typeface="Wingdings" charset="2"/>
-              <a:buChar char=""/>
-            </a:pPr>
-            <a:r>
-              <a:rPr lang="en-US" sz="3200" spc="-1" dirty="0"/>
-              <a:t>outliers values out of [50,250</a:t>
-            </a:r>
-            <a:r>
-              <a:rPr lang="en-US" sz="3200" spc="-1" dirty="0" smtClean="0"/>
-              <a:t>]</a:t>
-            </a:r>
-          </a:p>
-          <a:p>
-            <a:pPr marL="432000" indent="-324000">
-              <a:spcBef>
-                <a:spcPts val="1417"/>
-              </a:spcBef>
-              <a:buClr>
-                <a:srgbClr val="000000"/>
-              </a:buClr>
-              <a:buSzPct val="45000"/>
-              <a:buFont typeface="Wingdings" charset="2"/>
-              <a:buChar char=""/>
-            </a:pPr>
-            <a:r>
-              <a:rPr lang="en-US" sz="3200" spc="-1" dirty="0" smtClean="0"/>
-              <a:t>two pats with 450 and 610</a:t>
-            </a:r>
-            <a:endParaRPr lang="en-US" sz="3200" b="0" strike="noStrike" spc="-1" dirty="0">
-              <a:latin typeface="Arial"/>
-            </a:endParaRPr>
-          </a:p>
-        </p:txBody>
-      </p:sp>
-      <p:pic>
-        <p:nvPicPr>
-          <p:cNvPr id="2" name="Imagen 1"/>
-          <p:cNvPicPr>
-            <a:picLocks noChangeAspect="1"/>
-          </p:cNvPicPr>
-          <p:nvPr/>
-        </p:nvPicPr>
-        <p:blipFill>
-          <a:blip r:embed="rId2"/>
-          <a:stretch>
-            <a:fillRect/>
-          </a:stretch>
-        </p:blipFill>
-        <p:spPr>
-          <a:xfrm>
-            <a:off x="4800600" y="1172520"/>
-            <a:ext cx="5118250" cy="4085280"/>
-          </a:xfrm>
-          <a:prstGeom prst="rect">
-            <a:avLst/>
-          </a:prstGeom>
-        </p:spPr>
-      </p:pic>
-    </p:spTree>
-    <p:extLst>
-      <p:ext uri="{BB962C8B-B14F-4D97-AF65-F5344CB8AC3E}">
-        <p14:creationId xmlns:p14="http://schemas.microsoft.com/office/powerpoint/2010/main" val="1937213834"/>
-      </p:ext>
-    </p:extLst>
-  </p:cSld>
-  <p:clrMapOvr>
-    <a:masterClrMapping/>
-  </p:clrMapOvr>
-  <mc:AlternateContent xmlns:mc="http://schemas.openxmlformats.org/markup-compatibility/2006" xmlns:p14="http://schemas.microsoft.com/office/powerpoint/2010/main">
-    <mc:Choice Requires="p14">
-      <p:transition spd="slow" p14:dur="2000"/>
-    </mc:Choice>
-    <mc:Fallback xmlns:p15="http://schemas.microsoft.com/office/powerpoint/2012/main" xmlns="">
-      <p:transition spd="slow"/>
-    </mc:Fallback>
-  </mc:AlternateContent>
-</p:sld>
-</file>
-
-<file path=ppt/slides/slide24.xml><?xml version="1.0" encoding="utf-8"?>
-<p:sld xmlns:a="http://schemas.openxmlformats.org/drawingml/2006/main" xmlns:r="http://schemas.openxmlformats.org/officeDocument/2006/relationships" xmlns:p="http://schemas.openxmlformats.org/presentationml/2006/main">
-  <p:cSld>
-    <p:spTree>
-      <p:nvGrpSpPr>
-        <p:cNvPr id="1" name=""/>
-        <p:cNvGrpSpPr/>
-        <p:nvPr/>
-      </p:nvGrpSpPr>
-      <p:grpSpPr>
-        <a:xfrm>
-          <a:off x="0" y="0"/>
-          <a:ext cx="0" cy="0"/>
-          <a:chOff x="0" y="0"/>
-          <a:chExt cx="0" cy="0"/>
-        </a:xfrm>
-      </p:grpSpPr>
-      <p:sp>
-        <p:nvSpPr>
-          <p:cNvPr id="43" name="TextShape 1"/>
-          <p:cNvSpPr txBox="1"/>
-          <p:nvPr/>
-        </p:nvSpPr>
-        <p:spPr>
-          <a:xfrm>
-            <a:off x="504000" y="226080"/>
-            <a:ext cx="9071640" cy="946440"/>
-          </a:xfrm>
-          <a:prstGeom prst="rect">
-            <a:avLst/>
-          </a:prstGeom>
-          <a:noFill/>
-          <a:ln w="0">
-            <a:noFill/>
-          </a:ln>
-        </p:spPr>
-        <p:txBody>
-          <a:bodyPr lIns="0" tIns="0" rIns="0" bIns="0" anchor="ctr">
-            <a:noAutofit/>
-          </a:bodyPr>
-          <a:lstStyle/>
-          <a:p>
-            <a:pPr algn="ctr"/>
-            <a:r>
-              <a:rPr lang="en-US" sz="4400" b="0" strike="noStrike" spc="-1" dirty="0" smtClean="0">
-                <a:latin typeface="Arial"/>
-              </a:rPr>
               <a:t>TAD</a:t>
             </a:r>
             <a:endParaRPr lang="en-US" sz="4400" b="0" strike="noStrike" spc="-1" dirty="0">
@@ -5333,7 +5142,7 @@
     <mc:Choice Requires="p14">
       <p:transition spd="slow" p14:dur="2000"/>
     </mc:Choice>
-    <mc:Fallback xmlns:p15="http://schemas.microsoft.com/office/powerpoint/2012/main" xmlns="">
+    <mc:Fallback xmlns="" xmlns:p15="http://schemas.microsoft.com/office/powerpoint/2012/main">
       <p:transition spd="slow"/>
     </mc:Fallback>
   </mc:AlternateContent>
@@ -5508,7 +5317,7 @@
     <mc:Choice Requires="p14">
       <p:transition spd="slow" p14:dur="2000"/>
     </mc:Choice>
-    <mc:Fallback xmlns:p15="http://schemas.microsoft.com/office/powerpoint/2012/main" xmlns="">
+    <mc:Fallback xmlns="" xmlns:p15="http://schemas.microsoft.com/office/powerpoint/2012/main">
       <p:transition spd="slow"/>
     </mc:Fallback>
   </mc:AlternateContent>
@@ -5676,7 +5485,7 @@
     <mc:Choice Requires="p14">
       <p:transition spd="slow" p14:dur="2000"/>
     </mc:Choice>
-    <mc:Fallback xmlns:p15="http://schemas.microsoft.com/office/powerpoint/2012/main" xmlns="">
+    <mc:Fallback xmlns="" xmlns:p15="http://schemas.microsoft.com/office/powerpoint/2012/main">
       <p:transition spd="slow"/>
     </mc:Fallback>
   </mc:AlternateContent>
@@ -5871,7 +5680,7 @@
     <mc:Choice Requires="p14">
       <p:transition spd="slow" p14:dur="2000"/>
     </mc:Choice>
-    <mc:Fallback xmlns:p15="http://schemas.microsoft.com/office/powerpoint/2012/main" xmlns="">
+    <mc:Fallback xmlns="" xmlns:p15="http://schemas.microsoft.com/office/powerpoint/2012/main">
       <p:transition spd="slow"/>
     </mc:Fallback>
   </mc:AlternateContent>
@@ -6039,7 +5848,7 @@
     <mc:Choice Requires="p14">
       <p:transition spd="slow" p14:dur="2000"/>
     </mc:Choice>
-    <mc:Fallback xmlns:p15="http://schemas.microsoft.com/office/powerpoint/2012/main" xmlns="">
+    <mc:Fallback xmlns="" xmlns:p15="http://schemas.microsoft.com/office/powerpoint/2012/main">
       <p:transition spd="slow"/>
     </mc:Fallback>
   </mc:AlternateContent>
@@ -6267,7 +6076,7 @@
     <mc:Choice Requires="p14">
       <p:transition spd="slow" p14:dur="2000"/>
     </mc:Choice>
-    <mc:Fallback xmlns:p15="http://schemas.microsoft.com/office/powerpoint/2012/main" xmlns="">
+    <mc:Fallback xmlns="" xmlns:p15="http://schemas.microsoft.com/office/powerpoint/2012/main">
       <p:transition spd="slow"/>
     </mc:Fallback>
   </mc:AlternateContent>
@@ -6472,7 +6281,7 @@
     <mc:Choice Requires="p14">
       <p:transition spd="slow" p14:dur="2000"/>
     </mc:Choice>
-    <mc:Fallback xmlns:p15="http://schemas.microsoft.com/office/powerpoint/2012/main" xmlns="">
+    <mc:Fallback xmlns="" xmlns:p15="http://schemas.microsoft.com/office/powerpoint/2012/main">
       <p:transition spd="slow"/>
     </mc:Fallback>
   </mc:AlternateContent>
@@ -6661,7 +6470,7 @@
     <mc:Choice Requires="p14">
       <p:transition spd="slow" p14:dur="2000"/>
     </mc:Choice>
-    <mc:Fallback xmlns:p15="http://schemas.microsoft.com/office/powerpoint/2012/main" xmlns="">
+    <mc:Fallback xmlns="" xmlns:p15="http://schemas.microsoft.com/office/powerpoint/2012/main">
       <p:transition spd="slow"/>
     </mc:Fallback>
   </mc:AlternateContent>

--- a/EDA/outlier_detection.pptx
+++ b/EDA/outlier_detection.pptx
@@ -2278,7 +2278,7 @@
     <mc:Choice Requires="p14">
       <p:transition spd="slow" p14:dur="2000"/>
     </mc:Choice>
-    <mc:Fallback xmlns="" xmlns:p15="http://schemas.microsoft.com/office/powerpoint/2012/main">
+    <mc:Fallback xmlns:p15="http://schemas.microsoft.com/office/powerpoint/2012/main" xmlns="">
       <p:transition spd="slow"/>
     </mc:Fallback>
   </mc:AlternateContent>
@@ -2398,7 +2398,11 @@
             </a:pPr>
             <a:r>
               <a:rPr lang="en-US" sz="3200" spc="-1" dirty="0"/>
-              <a:t>outliers values out of [0,750]?</a:t>
+              <a:t>outliers values out of </a:t>
+            </a:r>
+            <a:r>
+              <a:rPr lang="en-US" sz="3200" spc="-1" dirty="0" smtClean="0"/>
+              <a:t>[50,750]</a:t>
             </a:r>
             <a:endParaRPr lang="en-US" sz="3200" b="0" strike="noStrike" spc="-1" dirty="0">
               <a:latin typeface="Arial"/>
@@ -2444,7 +2448,7 @@
     <mc:Choice Requires="p14">
       <p:transition spd="slow" p14:dur="2000"/>
     </mc:Choice>
-    <mc:Fallback xmlns="" xmlns:p15="http://schemas.microsoft.com/office/powerpoint/2012/main">
+    <mc:Fallback xmlns:p15="http://schemas.microsoft.com/office/powerpoint/2012/main" xmlns="">
       <p:transition spd="slow"/>
     </mc:Fallback>
   </mc:AlternateContent>
@@ -2566,7 +2570,11 @@
             </a:pPr>
             <a:r>
               <a:rPr lang="en-US" sz="3200" spc="-1" dirty="0"/>
-              <a:t>outliers values out of [0,150</a:t>
+              <a:t>outliers values out of </a:t>
+            </a:r>
+            <a:r>
+              <a:rPr lang="en-US" sz="3200" spc="-1" dirty="0" smtClean="0"/>
+              <a:t>[20,200</a:t>
             </a:r>
             <a:r>
               <a:rPr lang="en-US" sz="3200" spc="-1" dirty="0" smtClean="0"/>
@@ -2633,7 +2641,7 @@
     <mc:Choice Requires="p14">
       <p:transition spd="slow" p14:dur="2000"/>
     </mc:Choice>
-    <mc:Fallback xmlns="" xmlns:p15="http://schemas.microsoft.com/office/powerpoint/2012/main">
+    <mc:Fallback xmlns:p15="http://schemas.microsoft.com/office/powerpoint/2012/main" xmlns="">
       <p:transition spd="slow"/>
     </mc:Fallback>
   </mc:AlternateContent>
@@ -2755,7 +2763,11 @@
             </a:pPr>
             <a:r>
               <a:rPr lang="en-US" sz="3200" spc="-1" dirty="0"/>
-              <a:t>outliers values out of [0,250</a:t>
+              <a:t>outliers values out of </a:t>
+            </a:r>
+            <a:r>
+              <a:rPr lang="en-US" sz="3200" spc="-1" dirty="0" smtClean="0"/>
+              <a:t>[20,200</a:t>
             </a:r>
             <a:r>
               <a:rPr lang="en-US" sz="3200" spc="-1" dirty="0" smtClean="0"/>
@@ -2822,7 +2834,7 @@
     <mc:Choice Requires="p14">
       <p:transition spd="slow" p14:dur="2000"/>
     </mc:Choice>
-    <mc:Fallback xmlns="" xmlns:p15="http://schemas.microsoft.com/office/powerpoint/2012/main">
+    <mc:Fallback xmlns:p15="http://schemas.microsoft.com/office/powerpoint/2012/main" xmlns="">
       <p:transition spd="slow"/>
     </mc:Fallback>
   </mc:AlternateContent>
@@ -2944,12 +2956,13 @@
             </a:pPr>
             <a:r>
               <a:rPr lang="en-US" sz="3200" spc="-1" dirty="0"/>
-              <a:t>outliers values out of [0,1000</a:t>
+              <a:t>outliers values out of [</a:t>
             </a:r>
             <a:r>
               <a:rPr lang="en-US" sz="3200" spc="-1" dirty="0" smtClean="0"/>
-              <a:t>]</a:t>
-            </a:r>
+              <a:t>0,300]</a:t>
+            </a:r>
+            <a:endParaRPr lang="en-US" sz="3200" spc="-1" dirty="0" smtClean="0"/>
           </a:p>
           <a:p>
             <a:pPr marL="432000" indent="-324000">
@@ -3019,7 +3032,7 @@
     <mc:Choice Requires="p14">
       <p:transition spd="slow" p14:dur="2000"/>
     </mc:Choice>
-    <mc:Fallback xmlns="" xmlns:p15="http://schemas.microsoft.com/office/powerpoint/2012/main">
+    <mc:Fallback xmlns:p15="http://schemas.microsoft.com/office/powerpoint/2012/main" xmlns="">
       <p:transition spd="slow"/>
     </mc:Fallback>
   </mc:AlternateContent>
@@ -3141,7 +3154,11 @@
             </a:pPr>
             <a:r>
               <a:rPr lang="en-US" sz="3200" spc="-1" dirty="0"/>
-              <a:t>outliers values out of [0,1000</a:t>
+              <a:t>outliers values out of [</a:t>
+            </a:r>
+            <a:r>
+              <a:rPr lang="en-US" sz="3200" spc="-1" dirty="0" smtClean="0"/>
+              <a:t>0,3000</a:t>
             </a:r>
             <a:r>
               <a:rPr lang="en-US" sz="3200" spc="-1" dirty="0" smtClean="0"/>
@@ -3208,7 +3225,7 @@
     <mc:Choice Requires="p14">
       <p:transition spd="slow" p14:dur="2000"/>
     </mc:Choice>
-    <mc:Fallback xmlns="" xmlns:p15="http://schemas.microsoft.com/office/powerpoint/2012/main">
+    <mc:Fallback xmlns:p15="http://schemas.microsoft.com/office/powerpoint/2012/main" xmlns="">
       <p:transition spd="slow"/>
     </mc:Fallback>
   </mc:AlternateContent>
@@ -3330,11 +3347,11 @@
             </a:pPr>
             <a:r>
               <a:rPr lang="en-US" sz="3200" spc="-1" dirty="0"/>
-              <a:t>outliers values out of [0,1000] or [0,1500</a:t>
+              <a:t>outliers values out of </a:t>
             </a:r>
             <a:r>
               <a:rPr lang="en-US" sz="3200" spc="-1" dirty="0" smtClean="0"/>
-              <a:t>]?</a:t>
+              <a:t>[15,3000]</a:t>
             </a:r>
           </a:p>
           <a:p>
@@ -3351,7 +3368,11 @@
             </a:pPr>
             <a:r>
               <a:rPr lang="en-US" sz="3200" spc="-1" dirty="0" smtClean="0"/>
-              <a:t>some patients even higher up to 3000</a:t>
+              <a:t>some </a:t>
+            </a:r>
+            <a:r>
+              <a:rPr lang="en-US" sz="3200" spc="-1" dirty="0" smtClean="0"/>
+              <a:t>patients even higher up to 3000</a:t>
             </a:r>
             <a:endParaRPr lang="en-US" sz="3200" b="0" strike="noStrike" spc="-1" dirty="0">
               <a:latin typeface="Arial"/>
@@ -3397,7 +3418,7 @@
     <mc:Choice Requires="p14">
       <p:transition spd="slow" p14:dur="2000"/>
     </mc:Choice>
-    <mc:Fallback xmlns="" xmlns:p15="http://schemas.microsoft.com/office/powerpoint/2012/main">
+    <mc:Fallback xmlns:p15="http://schemas.microsoft.com/office/powerpoint/2012/main" xmlns="">
       <p:transition spd="slow"/>
     </mc:Fallback>
   </mc:AlternateContent>
@@ -3519,12 +3540,13 @@
             </a:pPr>
             <a:r>
               <a:rPr lang="en-US" sz="3200" spc="-1" dirty="0"/>
-              <a:t>outliers values out of [0,20</a:t>
+              <a:t>outliers values out of [</a:t>
             </a:r>
             <a:r>
               <a:rPr lang="en-US" sz="3200" spc="-1" dirty="0" smtClean="0"/>
-              <a:t>]</a:t>
-            </a:r>
+              <a:t>0,60]</a:t>
+            </a:r>
+            <a:endParaRPr lang="en-US" sz="3200" spc="-1" dirty="0" smtClean="0"/>
           </a:p>
           <a:p>
             <a:pPr marL="432000" indent="-324000">
@@ -3586,7 +3608,7 @@
     <mc:Choice Requires="p14">
       <p:transition spd="slow" p14:dur="2000"/>
     </mc:Choice>
-    <mc:Fallback xmlns="" xmlns:p15="http://schemas.microsoft.com/office/powerpoint/2012/main">
+    <mc:Fallback xmlns:p15="http://schemas.microsoft.com/office/powerpoint/2012/main" xmlns="">
       <p:transition spd="slow"/>
     </mc:Fallback>
   </mc:AlternateContent>
@@ -3775,7 +3797,7 @@
     <mc:Choice Requires="p14">
       <p:transition spd="slow" p14:dur="2000"/>
     </mc:Choice>
-    <mc:Fallback xmlns="" xmlns:p15="http://schemas.microsoft.com/office/powerpoint/2012/main">
+    <mc:Fallback xmlns:p15="http://schemas.microsoft.com/office/powerpoint/2012/main" xmlns="">
       <p:transition spd="slow"/>
     </mc:Fallback>
   </mc:AlternateContent>
@@ -3972,7 +3994,7 @@
     <mc:Choice Requires="p14">
       <p:transition spd="slow" p14:dur="2000"/>
     </mc:Choice>
-    <mc:Fallback xmlns="" xmlns:p15="http://schemas.microsoft.com/office/powerpoint/2012/main">
+    <mc:Fallback xmlns:p15="http://schemas.microsoft.com/office/powerpoint/2012/main" xmlns="">
       <p:transition spd="slow"/>
     </mc:Fallback>
   </mc:AlternateContent>
@@ -4161,7 +4183,7 @@
     <mc:Choice Requires="p14">
       <p:transition spd="slow" p14:dur="2000"/>
     </mc:Choice>
-    <mc:Fallback xmlns="" xmlns:p15="http://schemas.microsoft.com/office/powerpoint/2012/main">
+    <mc:Fallback xmlns:p15="http://schemas.microsoft.com/office/powerpoint/2012/main" xmlns="">
       <p:transition spd="slow"/>
     </mc:Fallback>
   </mc:AlternateContent>
@@ -4244,7 +4266,7 @@
         </p:spPr>
         <p:txBody>
           <a:bodyPr lIns="0" tIns="0" rIns="0" bIns="0">
-            <a:normAutofit fontScale="92500" lnSpcReduction="10000"/>
+            <a:normAutofit fontScale="85000" lnSpcReduction="10000"/>
           </a:bodyPr>
           <a:lstStyle/>
           <a:p>
@@ -4283,12 +4305,35 @@
             </a:pPr>
             <a:r>
               <a:rPr lang="en-US" sz="3200" spc="-1" dirty="0"/>
-              <a:t>No outliers, several </a:t>
+              <a:t>Outliers, for values out of [</a:t>
             </a:r>
             <a:r>
               <a:rPr lang="en-US" sz="3200" spc="-1" dirty="0" smtClean="0"/>
-              <a:t>nan's</a:t>
-            </a:r>
+              <a:t>20,90]</a:t>
+            </a:r>
+            <a:endParaRPr lang="en-US" sz="3200" spc="-1" dirty="0"/>
+          </a:p>
+          <a:p>
+            <a:pPr marL="432000" indent="-324000">
+              <a:spcBef>
+                <a:spcPts val="1417"/>
+              </a:spcBef>
+              <a:buClr>
+                <a:srgbClr val="000000"/>
+              </a:buClr>
+              <a:buSzPct val="45000"/>
+              <a:buFont typeface="Wingdings" charset="2"/>
+              <a:buChar char=""/>
+            </a:pPr>
+            <a:r>
+              <a:rPr lang="en-US" sz="3200" spc="-1" dirty="0"/>
+              <a:t>S</a:t>
+            </a:r>
+            <a:r>
+              <a:rPr lang="en-US" sz="3200" spc="-1" dirty="0" smtClean="0"/>
+              <a:t>everal nan's</a:t>
+            </a:r>
+            <a:endParaRPr lang="en-US" sz="3200" spc="-1" dirty="0" smtClean="0"/>
           </a:p>
           <a:p>
             <a:pPr marL="432000" indent="-324000">
@@ -4386,7 +4431,7 @@
     <mc:Choice Requires="p14">
       <p:transition spd="slow" p14:dur="2000"/>
     </mc:Choice>
-    <mc:Fallback xmlns="" xmlns:p15="http://schemas.microsoft.com/office/powerpoint/2012/main">
+    <mc:Fallback xmlns:p15="http://schemas.microsoft.com/office/powerpoint/2012/main" xmlns="">
       <p:transition spd="slow"/>
     </mc:Fallback>
   </mc:AlternateContent>
@@ -4575,7 +4620,7 @@
     <mc:Choice Requires="p14">
       <p:transition spd="slow" p14:dur="2000"/>
     </mc:Choice>
-    <mc:Fallback xmlns="" xmlns:p15="http://schemas.microsoft.com/office/powerpoint/2012/main">
+    <mc:Fallback xmlns:p15="http://schemas.microsoft.com/office/powerpoint/2012/main" xmlns="">
       <p:transition spd="slow"/>
     </mc:Fallback>
   </mc:AlternateContent>
@@ -4764,7 +4809,7 @@
     <mc:Choice Requires="p14">
       <p:transition spd="slow" p14:dur="2000"/>
     </mc:Choice>
-    <mc:Fallback xmlns="" xmlns:p15="http://schemas.microsoft.com/office/powerpoint/2012/main">
+    <mc:Fallback xmlns:p15="http://schemas.microsoft.com/office/powerpoint/2012/main" xmlns="">
       <p:transition spd="slow"/>
     </mc:Fallback>
   </mc:AlternateContent>
@@ -4886,7 +4931,11 @@
             </a:pPr>
             <a:r>
               <a:rPr lang="en-US" sz="3200" spc="-1" dirty="0"/>
-              <a:t>outliers values out of [50,250</a:t>
+              <a:t>outliers values out of </a:t>
+            </a:r>
+            <a:r>
+              <a:rPr lang="en-US" sz="3200" spc="-1" dirty="0" smtClean="0"/>
+              <a:t>[90,220</a:t>
             </a:r>
             <a:r>
               <a:rPr lang="en-US" sz="3200" spc="-1" dirty="0" smtClean="0"/>
@@ -4953,7 +5002,7 @@
     <mc:Choice Requires="p14">
       <p:transition spd="slow" p14:dur="2000"/>
     </mc:Choice>
-    <mc:Fallback xmlns="" xmlns:p15="http://schemas.microsoft.com/office/powerpoint/2012/main">
+    <mc:Fallback xmlns:p15="http://schemas.microsoft.com/office/powerpoint/2012/main" xmlns="">
       <p:transition spd="slow"/>
     </mc:Fallback>
   </mc:AlternateContent>
@@ -5075,7 +5124,11 @@
             </a:pPr>
             <a:r>
               <a:rPr lang="en-US" sz="3200" spc="-1" dirty="0"/>
-              <a:t>outliers values out of [30,150</a:t>
+              <a:t>outliers values out of </a:t>
+            </a:r>
+            <a:r>
+              <a:rPr lang="en-US" sz="3200" spc="-1" dirty="0" smtClean="0"/>
+              <a:t>[40,150</a:t>
             </a:r>
             <a:r>
               <a:rPr lang="en-US" sz="3200" spc="-1" dirty="0" smtClean="0"/>
@@ -5142,7 +5195,7 @@
     <mc:Choice Requires="p14">
       <p:transition spd="slow" p14:dur="2000"/>
     </mc:Choice>
-    <mc:Fallback xmlns="" xmlns:p15="http://schemas.microsoft.com/office/powerpoint/2012/main">
+    <mc:Fallback xmlns:p15="http://schemas.microsoft.com/office/powerpoint/2012/main" xmlns="">
       <p:transition spd="slow"/>
     </mc:Fallback>
   </mc:AlternateContent>
@@ -5272,7 +5325,15 @@
             </a:r>
             <a:r>
               <a:rPr lang="en-US" sz="3200" spc="-1" dirty="0"/>
-              <a:t>out of [25,200]</a:t>
+              <a:t>out of </a:t>
+            </a:r>
+            <a:r>
+              <a:rPr lang="en-US" sz="3200" spc="-1" dirty="0" smtClean="0"/>
+              <a:t>[45,200</a:t>
+            </a:r>
+            <a:r>
+              <a:rPr lang="en-US" sz="3200" spc="-1" dirty="0"/>
+              <a:t>]</a:t>
             </a:r>
             <a:endParaRPr lang="en-US" sz="3200" b="0" strike="noStrike" spc="-1" dirty="0">
               <a:latin typeface="Arial"/>
@@ -5317,7 +5378,7 @@
     <mc:Choice Requires="p14">
       <p:transition spd="slow" p14:dur="2000"/>
     </mc:Choice>
-    <mc:Fallback xmlns="" xmlns:p15="http://schemas.microsoft.com/office/powerpoint/2012/main">
+    <mc:Fallback xmlns:p15="http://schemas.microsoft.com/office/powerpoint/2012/main" xmlns="">
       <p:transition spd="slow"/>
     </mc:Fallback>
   </mc:AlternateContent>
@@ -5485,7 +5546,7 @@
     <mc:Choice Requires="p14">
       <p:transition spd="slow" p14:dur="2000"/>
     </mc:Choice>
-    <mc:Fallback xmlns="" xmlns:p15="http://schemas.microsoft.com/office/powerpoint/2012/main">
+    <mc:Fallback xmlns:p15="http://schemas.microsoft.com/office/powerpoint/2012/main" xmlns="">
       <p:transition spd="slow"/>
     </mc:Fallback>
   </mc:AlternateContent>
@@ -5581,7 +5642,7 @@
               <a:buChar char=""/>
             </a:pPr>
             <a:r>
-              <a:rPr lang="en-US" sz="3200" b="0" strike="noStrike" spc="-1">
+              <a:rPr lang="en-US" sz="3200" b="0" strike="noStrike" spc="-1" dirty="0">
                 <a:latin typeface="Arial"/>
               </a:rPr>
               <a:t>IMC</a:t>
@@ -5600,10 +5661,22 @@
               <a:buChar char=""/>
             </a:pPr>
             <a:r>
-              <a:rPr lang="en-US" sz="3200" b="0" strike="noStrike" spc="-1">
+              <a:rPr lang="en-US" sz="3200" b="0" strike="noStrike" spc="-1" dirty="0">
                 <a:latin typeface="Arial"/>
               </a:rPr>
-              <a:t>Outliers for values out of [10,100]</a:t>
+              <a:t>Outliers for values out of [</a:t>
+            </a:r>
+            <a:r>
+              <a:rPr lang="en-US" sz="3200" b="0" strike="noStrike" spc="-1" dirty="0" smtClean="0">
+                <a:latin typeface="Arial"/>
+              </a:rPr>
+              <a:t>10,50</a:t>
+            </a:r>
+            <a:r>
+              <a:rPr lang="en-US" sz="3200" b="0" strike="noStrike" spc="-1" dirty="0">
+                <a:latin typeface="Arial"/>
+              </a:rPr>
+              <a:t>]</a:t>
             </a:r>
           </a:p>
           <a:p>
@@ -5619,7 +5692,7 @@
               <a:buChar char=""/>
             </a:pPr>
             <a:r>
-              <a:rPr lang="en-US" sz="3200" b="0" strike="noStrike" spc="-1">
+              <a:rPr lang="en-US" sz="3200" b="0" strike="noStrike" spc="-1" dirty="0">
                 <a:latin typeface="Arial"/>
               </a:rPr>
               <a:t>There are several patients with values between 60 and 100, is that correct. Most of the patients are in the range 18-59</a:t>
@@ -5637,7 +5710,7 @@
               <a:buFont typeface="Wingdings" charset="2"/>
               <a:buChar char=""/>
             </a:pPr>
-            <a:endParaRPr lang="en-US" sz="3200" b="0" strike="noStrike" spc="-1">
+            <a:endParaRPr lang="en-US" sz="3200" b="0" strike="noStrike" spc="-1" dirty="0">
               <a:latin typeface="Arial"/>
             </a:endParaRPr>
           </a:p>
@@ -5680,7 +5753,7 @@
     <mc:Choice Requires="p14">
       <p:transition spd="slow" p14:dur="2000"/>
     </mc:Choice>
-    <mc:Fallback xmlns="" xmlns:p15="http://schemas.microsoft.com/office/powerpoint/2012/main">
+    <mc:Fallback xmlns:p15="http://schemas.microsoft.com/office/powerpoint/2012/main" xmlns="">
       <p:transition spd="slow"/>
     </mc:Fallback>
   </mc:AlternateContent>
@@ -5802,7 +5875,11 @@
             </a:pPr>
             <a:r>
               <a:rPr lang="en-US" sz="3200" spc="-1" dirty="0"/>
-              <a:t>Outliers values out of [0,5]</a:t>
+              <a:t>Outliers values out of </a:t>
+            </a:r>
+            <a:r>
+              <a:rPr lang="en-US" sz="3200" spc="-1" dirty="0" smtClean="0"/>
+              <a:t>[0,4]</a:t>
             </a:r>
             <a:endParaRPr lang="en-US" sz="3200" b="0" strike="noStrike" spc="-1" dirty="0">
               <a:latin typeface="Arial"/>
@@ -5848,7 +5925,7 @@
     <mc:Choice Requires="p14">
       <p:transition spd="slow" p14:dur="2000"/>
     </mc:Choice>
-    <mc:Fallback xmlns="" xmlns:p15="http://schemas.microsoft.com/office/powerpoint/2012/main">
+    <mc:Fallback xmlns:p15="http://schemas.microsoft.com/office/powerpoint/2012/main" xmlns="">
       <p:transition spd="slow"/>
     </mc:Fallback>
   </mc:AlternateContent>
@@ -5970,12 +6047,13 @@
             </a:pPr>
             <a:r>
               <a:rPr lang="en-US" sz="3200" spc="-1" dirty="0"/>
-              <a:t>Outliers values out of [0,6</a:t>
+              <a:t>Outliers values out of [</a:t>
             </a:r>
             <a:r>
               <a:rPr lang="en-US" sz="3200" spc="-1" dirty="0" smtClean="0"/>
-              <a:t>?]</a:t>
-            </a:r>
+              <a:t>0,6]</a:t>
+            </a:r>
+            <a:endParaRPr lang="en-US" sz="3200" spc="-1" dirty="0" smtClean="0"/>
           </a:p>
           <a:p>
             <a:pPr marL="432000" indent="-324000">
@@ -5991,7 +6069,11 @@
             </a:pPr>
             <a:r>
               <a:rPr lang="en-US" sz="3200" spc="-1" dirty="0" smtClean="0"/>
-              <a:t>Bunch of patients with values up to 12, consider this as a limit?</a:t>
+              <a:t>Bunch of patients with values up to 12, </a:t>
+            </a:r>
+            <a:r>
+              <a:rPr lang="en-US" sz="3200" spc="-1" dirty="0" smtClean="0"/>
+              <a:t>&gt; 12 -&gt; dead</a:t>
             </a:r>
             <a:endParaRPr lang="en-US" sz="3200" b="0" strike="noStrike" spc="-1" dirty="0">
               <a:latin typeface="Arial"/>
@@ -6076,7 +6158,7 @@
     <mc:Choice Requires="p14">
       <p:transition spd="slow" p14:dur="2000"/>
     </mc:Choice>
-    <mc:Fallback xmlns="" xmlns:p15="http://schemas.microsoft.com/office/powerpoint/2012/main">
+    <mc:Fallback xmlns:p15="http://schemas.microsoft.com/office/powerpoint/2012/main" xmlns="">
       <p:transition spd="slow"/>
     </mc:Fallback>
   </mc:AlternateContent>
@@ -6198,12 +6280,13 @@
             </a:pPr>
             <a:r>
               <a:rPr lang="en-US" sz="3200" spc="-1" dirty="0"/>
-              <a:t>Outliers values out of [10,125</a:t>
+              <a:t>Outliers values out of [</a:t>
             </a:r>
             <a:r>
               <a:rPr lang="en-US" sz="3200" spc="-1" dirty="0" smtClean="0"/>
-              <a:t>]</a:t>
-            </a:r>
+              <a:t>10,300]</a:t>
+            </a:r>
+            <a:endParaRPr lang="en-US" sz="3200" spc="-1" dirty="0" smtClean="0"/>
           </a:p>
           <a:p>
             <a:pPr marL="432000" indent="-324000">
@@ -6281,7 +6364,7 @@
     <mc:Choice Requires="p14">
       <p:transition spd="slow" p14:dur="2000"/>
     </mc:Choice>
-    <mc:Fallback xmlns="" xmlns:p15="http://schemas.microsoft.com/office/powerpoint/2012/main">
+    <mc:Fallback xmlns:p15="http://schemas.microsoft.com/office/powerpoint/2012/main" xmlns="">
       <p:transition spd="slow"/>
     </mc:Fallback>
   </mc:AlternateContent>
@@ -6403,7 +6486,11 @@
             </a:pPr>
             <a:r>
               <a:rPr lang="en-US" sz="3200" spc="-1" dirty="0"/>
-              <a:t>outliers values out of [15,300</a:t>
+              <a:t>outliers values out of [</a:t>
+            </a:r>
+            <a:r>
+              <a:rPr lang="en-US" sz="3200" spc="-1" dirty="0" smtClean="0"/>
+              <a:t>10,300</a:t>
             </a:r>
             <a:r>
               <a:rPr lang="en-US" sz="3200" spc="-1" dirty="0" smtClean="0"/>
@@ -6470,7 +6557,7 @@
     <mc:Choice Requires="p14">
       <p:transition spd="slow" p14:dur="2000"/>
     </mc:Choice>
-    <mc:Fallback xmlns="" xmlns:p15="http://schemas.microsoft.com/office/powerpoint/2012/main">
+    <mc:Fallback xmlns:p15="http://schemas.microsoft.com/office/powerpoint/2012/main" xmlns="">
       <p:transition spd="slow"/>
     </mc:Fallback>
   </mc:AlternateContent>
